--- a/pres-source/09-Cassandra.pptx
+++ b/pres-source/09-Cassandra.pptx
@@ -5,7 +5,7 @@
     <p:sldMasterId id="2147483648" r:id="rId1"/>
   </p:sldMasterIdLst>
   <p:notesMasterIdLst>
-    <p:notesMasterId r:id="rId22"/>
+    <p:notesMasterId r:id="rId24"/>
   </p:notesMasterIdLst>
   <p:sldIdLst>
     <p:sldId id="256" r:id="rId2"/>
@@ -23,11 +23,13 @@
     <p:sldId id="288" r:id="rId14"/>
     <p:sldId id="299" r:id="rId15"/>
     <p:sldId id="300" r:id="rId16"/>
-    <p:sldId id="291" r:id="rId17"/>
-    <p:sldId id="292" r:id="rId18"/>
-    <p:sldId id="301" r:id="rId19"/>
-    <p:sldId id="293" r:id="rId20"/>
-    <p:sldId id="294" r:id="rId21"/>
+    <p:sldId id="302" r:id="rId17"/>
+    <p:sldId id="303" r:id="rId18"/>
+    <p:sldId id="291" r:id="rId19"/>
+    <p:sldId id="292" r:id="rId20"/>
+    <p:sldId id="301" r:id="rId21"/>
+    <p:sldId id="293" r:id="rId22"/>
+    <p:sldId id="294" r:id="rId23"/>
   </p:sldIdLst>
   <p:sldSz cx="9144000" cy="6858000" type="screen4x3"/>
   <p:notesSz cx="6858000" cy="9144000"/>
@@ -1840,6 +1842,13 @@
         </dgm:presLayoutVars>
       </dgm:prSet>
       <dgm:spPr/>
+      <dgm:t>
+        <a:bodyPr/>
+        <a:lstStyle/>
+        <a:p>
+          <a:endParaRPr lang="en-US"/>
+        </a:p>
+      </dgm:t>
     </dgm:pt>
     <dgm:pt modelId="{8E4677FD-5724-4B4B-92D6-6A60064A4119}" type="pres">
       <dgm:prSet presAssocID="{DC14FFC6-EAAF-9343-99FD-41332283FA06}" presName="node" presStyleLbl="node1" presStyleIdx="0" presStyleCnt="5">
@@ -1848,14 +1857,35 @@
         </dgm:presLayoutVars>
       </dgm:prSet>
       <dgm:spPr/>
+      <dgm:t>
+        <a:bodyPr/>
+        <a:lstStyle/>
+        <a:p>
+          <a:endParaRPr lang="en-US"/>
+        </a:p>
+      </dgm:t>
     </dgm:pt>
     <dgm:pt modelId="{661C81D8-F9BA-3E4A-A620-3FF8A37A3261}" type="pres">
       <dgm:prSet presAssocID="{F2B3E4B8-49CC-0543-96DA-0428CE967C4D}" presName="sibTrans" presStyleLbl="sibTrans2D1" presStyleIdx="0" presStyleCnt="5"/>
       <dgm:spPr/>
+      <dgm:t>
+        <a:bodyPr/>
+        <a:lstStyle/>
+        <a:p>
+          <a:endParaRPr lang="en-US"/>
+        </a:p>
+      </dgm:t>
     </dgm:pt>
     <dgm:pt modelId="{8A12A7FE-929E-2F4B-B931-5CBC014E4963}" type="pres">
       <dgm:prSet presAssocID="{F2B3E4B8-49CC-0543-96DA-0428CE967C4D}" presName="connectorText" presStyleLbl="sibTrans2D1" presStyleIdx="0" presStyleCnt="5"/>
       <dgm:spPr/>
+      <dgm:t>
+        <a:bodyPr/>
+        <a:lstStyle/>
+        <a:p>
+          <a:endParaRPr lang="en-US"/>
+        </a:p>
+      </dgm:t>
     </dgm:pt>
     <dgm:pt modelId="{6652AB22-1604-9247-B218-EBBF275B0FED}" type="pres">
       <dgm:prSet presAssocID="{4391B368-D339-3341-B7F4-F1EACBD8112C}" presName="node" presStyleLbl="node1" presStyleIdx="1" presStyleCnt="5">
@@ -1864,14 +1894,35 @@
         </dgm:presLayoutVars>
       </dgm:prSet>
       <dgm:spPr/>
+      <dgm:t>
+        <a:bodyPr/>
+        <a:lstStyle/>
+        <a:p>
+          <a:endParaRPr lang="en-US"/>
+        </a:p>
+      </dgm:t>
     </dgm:pt>
     <dgm:pt modelId="{F85FA051-B376-0A44-916D-F63D0BAB707A}" type="pres">
       <dgm:prSet presAssocID="{017FCF6A-D315-C845-A14B-3785C8312B03}" presName="sibTrans" presStyleLbl="sibTrans2D1" presStyleIdx="1" presStyleCnt="5"/>
       <dgm:spPr/>
+      <dgm:t>
+        <a:bodyPr/>
+        <a:lstStyle/>
+        <a:p>
+          <a:endParaRPr lang="en-US"/>
+        </a:p>
+      </dgm:t>
     </dgm:pt>
     <dgm:pt modelId="{4FC8FB48-D300-D34A-A172-468FC10B59F3}" type="pres">
       <dgm:prSet presAssocID="{017FCF6A-D315-C845-A14B-3785C8312B03}" presName="connectorText" presStyleLbl="sibTrans2D1" presStyleIdx="1" presStyleCnt="5"/>
       <dgm:spPr/>
+      <dgm:t>
+        <a:bodyPr/>
+        <a:lstStyle/>
+        <a:p>
+          <a:endParaRPr lang="en-US"/>
+        </a:p>
+      </dgm:t>
     </dgm:pt>
     <dgm:pt modelId="{DF291634-1B27-2842-A9A4-247464AE8702}" type="pres">
       <dgm:prSet presAssocID="{B9ECDD4E-E7D4-0A48-B373-8BA0BB073AAC}" presName="node" presStyleLbl="node1" presStyleIdx="2" presStyleCnt="5">
@@ -1880,14 +1931,35 @@
         </dgm:presLayoutVars>
       </dgm:prSet>
       <dgm:spPr/>
+      <dgm:t>
+        <a:bodyPr/>
+        <a:lstStyle/>
+        <a:p>
+          <a:endParaRPr lang="en-US"/>
+        </a:p>
+      </dgm:t>
     </dgm:pt>
     <dgm:pt modelId="{F76117C2-8BEC-624A-BFB7-B023FB89E349}" type="pres">
       <dgm:prSet presAssocID="{42C94927-7155-1B40-9E10-0CAC2893DE57}" presName="sibTrans" presStyleLbl="sibTrans2D1" presStyleIdx="2" presStyleCnt="5"/>
       <dgm:spPr/>
+      <dgm:t>
+        <a:bodyPr/>
+        <a:lstStyle/>
+        <a:p>
+          <a:endParaRPr lang="en-US"/>
+        </a:p>
+      </dgm:t>
     </dgm:pt>
     <dgm:pt modelId="{D8876BC2-6DE6-4448-9C70-034E60002609}" type="pres">
       <dgm:prSet presAssocID="{42C94927-7155-1B40-9E10-0CAC2893DE57}" presName="connectorText" presStyleLbl="sibTrans2D1" presStyleIdx="2" presStyleCnt="5"/>
       <dgm:spPr/>
+      <dgm:t>
+        <a:bodyPr/>
+        <a:lstStyle/>
+        <a:p>
+          <a:endParaRPr lang="en-US"/>
+        </a:p>
+      </dgm:t>
     </dgm:pt>
     <dgm:pt modelId="{C0E00738-CB9D-434D-970D-16B08B3E998E}" type="pres">
       <dgm:prSet presAssocID="{1301BCBD-F7E9-D842-B366-AE8DF9D44307}" presName="node" presStyleLbl="node1" presStyleIdx="3" presStyleCnt="5">
@@ -1896,14 +1968,35 @@
         </dgm:presLayoutVars>
       </dgm:prSet>
       <dgm:spPr/>
+      <dgm:t>
+        <a:bodyPr/>
+        <a:lstStyle/>
+        <a:p>
+          <a:endParaRPr lang="en-US"/>
+        </a:p>
+      </dgm:t>
     </dgm:pt>
     <dgm:pt modelId="{0ACA1AF9-CA06-6F4C-91F6-F37D091A6899}" type="pres">
       <dgm:prSet presAssocID="{8645893A-1D18-A745-8C61-02B1BC8C6D73}" presName="sibTrans" presStyleLbl="sibTrans2D1" presStyleIdx="3" presStyleCnt="5"/>
       <dgm:spPr/>
+      <dgm:t>
+        <a:bodyPr/>
+        <a:lstStyle/>
+        <a:p>
+          <a:endParaRPr lang="en-US"/>
+        </a:p>
+      </dgm:t>
     </dgm:pt>
     <dgm:pt modelId="{7352E747-0EBD-8C48-86AF-D4C713C88416}" type="pres">
       <dgm:prSet presAssocID="{8645893A-1D18-A745-8C61-02B1BC8C6D73}" presName="connectorText" presStyleLbl="sibTrans2D1" presStyleIdx="3" presStyleCnt="5"/>
       <dgm:spPr/>
+      <dgm:t>
+        <a:bodyPr/>
+        <a:lstStyle/>
+        <a:p>
+          <a:endParaRPr lang="en-US"/>
+        </a:p>
+      </dgm:t>
     </dgm:pt>
     <dgm:pt modelId="{1E313290-9C04-6542-8195-8767E2AE5C11}" type="pres">
       <dgm:prSet presAssocID="{6DFE16E2-1784-C04C-AEFB-6783435CB3F3}" presName="node" presStyleLbl="node1" presStyleIdx="4" presStyleCnt="5">
@@ -1912,19 +2005,40 @@
         </dgm:presLayoutVars>
       </dgm:prSet>
       <dgm:spPr/>
+      <dgm:t>
+        <a:bodyPr/>
+        <a:lstStyle/>
+        <a:p>
+          <a:endParaRPr lang="en-US"/>
+        </a:p>
+      </dgm:t>
     </dgm:pt>
     <dgm:pt modelId="{E168B039-523C-8149-9326-181BAD7850C5}" type="pres">
       <dgm:prSet presAssocID="{DDD685CE-76C5-614F-B274-B5559F203AA7}" presName="sibTrans" presStyleLbl="sibTrans2D1" presStyleIdx="4" presStyleCnt="5"/>
       <dgm:spPr/>
+      <dgm:t>
+        <a:bodyPr/>
+        <a:lstStyle/>
+        <a:p>
+          <a:endParaRPr lang="en-US"/>
+        </a:p>
+      </dgm:t>
     </dgm:pt>
     <dgm:pt modelId="{CC05E9E7-432E-3242-8EF5-BD9E567EEECE}" type="pres">
       <dgm:prSet presAssocID="{DDD685CE-76C5-614F-B274-B5559F203AA7}" presName="connectorText" presStyleLbl="sibTrans2D1" presStyleIdx="4" presStyleCnt="5"/>
       <dgm:spPr/>
+      <dgm:t>
+        <a:bodyPr/>
+        <a:lstStyle/>
+        <a:p>
+          <a:endParaRPr lang="en-US"/>
+        </a:p>
+      </dgm:t>
     </dgm:pt>
   </dgm:ptLst>
   <dgm:cxnLst>
+    <dgm:cxn modelId="{086BF885-BAC2-D248-B126-2EDE286BD8B1}" type="presOf" srcId="{DDD685CE-76C5-614F-B274-B5559F203AA7}" destId="{CC05E9E7-432E-3242-8EF5-BD9E567EEECE}" srcOrd="1" destOrd="0" presId="urn:microsoft.com/office/officeart/2005/8/layout/cycle2"/>
     <dgm:cxn modelId="{B061DEAF-0195-3740-B08D-1E53EDE5BEC5}" type="presOf" srcId="{8645893A-1D18-A745-8C61-02B1BC8C6D73}" destId="{0ACA1AF9-CA06-6F4C-91F6-F37D091A6899}" srcOrd="0" destOrd="0" presId="urn:microsoft.com/office/officeart/2005/8/layout/cycle2"/>
-    <dgm:cxn modelId="{086BF885-BAC2-D248-B126-2EDE286BD8B1}" type="presOf" srcId="{DDD685CE-76C5-614F-B274-B5559F203AA7}" destId="{CC05E9E7-432E-3242-8EF5-BD9E567EEECE}" srcOrd="1" destOrd="0" presId="urn:microsoft.com/office/officeart/2005/8/layout/cycle2"/>
     <dgm:cxn modelId="{74EA8A0E-9A62-DF4D-B007-417DBE793808}" srcId="{233D6E84-E1A1-2549-A0F2-C7B0562D4DC2}" destId="{6DFE16E2-1784-C04C-AEFB-6783435CB3F3}" srcOrd="4" destOrd="0" parTransId="{B13EAEEE-6B0A-D64A-9F13-FC8B686E7B70}" sibTransId="{DDD685CE-76C5-614F-B274-B5559F203AA7}"/>
     <dgm:cxn modelId="{F2721D25-5CED-8240-8D70-4C6F9249CC6E}" type="presOf" srcId="{B9ECDD4E-E7D4-0A48-B373-8BA0BB073AAC}" destId="{DF291634-1B27-2842-A9A4-247464AE8702}" srcOrd="0" destOrd="0" presId="urn:microsoft.com/office/officeart/2005/8/layout/cycle2"/>
     <dgm:cxn modelId="{3CF2FB40-1BFF-A148-8A13-639F348CB8DD}" srcId="{233D6E84-E1A1-2549-A0F2-C7B0562D4DC2}" destId="{DC14FFC6-EAAF-9343-99FD-41332283FA06}" srcOrd="0" destOrd="0" parTransId="{169EFD4F-1B00-C440-9BD6-1EDFF6787DB1}" sibTransId="{F2B3E4B8-49CC-0543-96DA-0428CE967C4D}"/>
@@ -1940,8 +2054,8 @@
     <dgm:cxn modelId="{3993E0AE-D03C-8143-A94A-AC4B577645FD}" srcId="{233D6E84-E1A1-2549-A0F2-C7B0562D4DC2}" destId="{4391B368-D339-3341-B7F4-F1EACBD8112C}" srcOrd="1" destOrd="0" parTransId="{525C8D7D-2181-9641-8E7B-48A66FD46CCF}" sibTransId="{017FCF6A-D315-C845-A14B-3785C8312B03}"/>
     <dgm:cxn modelId="{A7C1F6E2-D175-4040-82D0-CAA14DEF59DB}" type="presOf" srcId="{017FCF6A-D315-C845-A14B-3785C8312B03}" destId="{F85FA051-B376-0A44-916D-F63D0BAB707A}" srcOrd="0" destOrd="0" presId="urn:microsoft.com/office/officeart/2005/8/layout/cycle2"/>
     <dgm:cxn modelId="{FCCD9DFE-7194-D443-9A6F-6397F7387644}" type="presOf" srcId="{017FCF6A-D315-C845-A14B-3785C8312B03}" destId="{4FC8FB48-D300-D34A-A172-468FC10B59F3}" srcOrd="1" destOrd="0" presId="urn:microsoft.com/office/officeart/2005/8/layout/cycle2"/>
+    <dgm:cxn modelId="{0897C944-E724-714A-8056-CB71E482F351}" type="presOf" srcId="{F2B3E4B8-49CC-0543-96DA-0428CE967C4D}" destId="{661C81D8-F9BA-3E4A-A620-3FF8A37A3261}" srcOrd="0" destOrd="0" presId="urn:microsoft.com/office/officeart/2005/8/layout/cycle2"/>
     <dgm:cxn modelId="{AD4E4930-5AFD-1348-A385-BABB9FAF1A64}" srcId="{233D6E84-E1A1-2549-A0F2-C7B0562D4DC2}" destId="{1301BCBD-F7E9-D842-B366-AE8DF9D44307}" srcOrd="3" destOrd="0" parTransId="{9C3B4153-4EBC-014E-A94E-EC5416EA5F53}" sibTransId="{8645893A-1D18-A745-8C61-02B1BC8C6D73}"/>
-    <dgm:cxn modelId="{0897C944-E724-714A-8056-CB71E482F351}" type="presOf" srcId="{F2B3E4B8-49CC-0543-96DA-0428CE967C4D}" destId="{661C81D8-F9BA-3E4A-A620-3FF8A37A3261}" srcOrd="0" destOrd="0" presId="urn:microsoft.com/office/officeart/2005/8/layout/cycle2"/>
     <dgm:cxn modelId="{FACDF9A7-E07A-1545-8E49-A3435BAB878E}" type="presOf" srcId="{233D6E84-E1A1-2549-A0F2-C7B0562D4DC2}" destId="{F2E8152F-879E-2E4A-9EAB-447FC69EDA7C}" srcOrd="0" destOrd="0" presId="urn:microsoft.com/office/officeart/2005/8/layout/cycle2"/>
     <dgm:cxn modelId="{1BDC8217-467C-0640-BBE2-9613D2F895A7}" type="presOf" srcId="{F2B3E4B8-49CC-0543-96DA-0428CE967C4D}" destId="{8A12A7FE-929E-2F4B-B931-5CBC014E4963}" srcOrd="1" destOrd="0" presId="urn:microsoft.com/office/officeart/2005/8/layout/cycle2"/>
     <dgm:cxn modelId="{FBA589CE-3284-EB4E-A48C-8E0047464A21}" type="presParOf" srcId="{F2E8152F-879E-2E4A-9EAB-447FC69EDA7C}" destId="{8E4677FD-5724-4B4B-92D6-6A60064A4119}" srcOrd="0" destOrd="0" presId="urn:microsoft.com/office/officeart/2005/8/layout/cycle2"/>
@@ -2197,6 +2311,13 @@
         </dgm:presLayoutVars>
       </dgm:prSet>
       <dgm:spPr/>
+      <dgm:t>
+        <a:bodyPr/>
+        <a:lstStyle/>
+        <a:p>
+          <a:endParaRPr lang="en-US"/>
+        </a:p>
+      </dgm:t>
     </dgm:pt>
     <dgm:pt modelId="{8E4677FD-5724-4B4B-92D6-6A60064A4119}" type="pres">
       <dgm:prSet presAssocID="{DC14FFC6-EAAF-9343-99FD-41332283FA06}" presName="node" presStyleLbl="node1" presStyleIdx="0" presStyleCnt="5">
@@ -2205,14 +2326,35 @@
         </dgm:presLayoutVars>
       </dgm:prSet>
       <dgm:spPr/>
+      <dgm:t>
+        <a:bodyPr/>
+        <a:lstStyle/>
+        <a:p>
+          <a:endParaRPr lang="en-US"/>
+        </a:p>
+      </dgm:t>
     </dgm:pt>
     <dgm:pt modelId="{661C81D8-F9BA-3E4A-A620-3FF8A37A3261}" type="pres">
       <dgm:prSet presAssocID="{F2B3E4B8-49CC-0543-96DA-0428CE967C4D}" presName="sibTrans" presStyleLbl="sibTrans2D1" presStyleIdx="0" presStyleCnt="5"/>
       <dgm:spPr/>
+      <dgm:t>
+        <a:bodyPr/>
+        <a:lstStyle/>
+        <a:p>
+          <a:endParaRPr lang="en-US"/>
+        </a:p>
+      </dgm:t>
     </dgm:pt>
     <dgm:pt modelId="{8A12A7FE-929E-2F4B-B931-5CBC014E4963}" type="pres">
       <dgm:prSet presAssocID="{F2B3E4B8-49CC-0543-96DA-0428CE967C4D}" presName="connectorText" presStyleLbl="sibTrans2D1" presStyleIdx="0" presStyleCnt="5"/>
       <dgm:spPr/>
+      <dgm:t>
+        <a:bodyPr/>
+        <a:lstStyle/>
+        <a:p>
+          <a:endParaRPr lang="en-US"/>
+        </a:p>
+      </dgm:t>
     </dgm:pt>
     <dgm:pt modelId="{6652AB22-1604-9247-B218-EBBF275B0FED}" type="pres">
       <dgm:prSet presAssocID="{4391B368-D339-3341-B7F4-F1EACBD8112C}" presName="node" presStyleLbl="node1" presStyleIdx="1" presStyleCnt="5">
@@ -2221,14 +2363,35 @@
         </dgm:presLayoutVars>
       </dgm:prSet>
       <dgm:spPr/>
+      <dgm:t>
+        <a:bodyPr/>
+        <a:lstStyle/>
+        <a:p>
+          <a:endParaRPr lang="en-US"/>
+        </a:p>
+      </dgm:t>
     </dgm:pt>
     <dgm:pt modelId="{F85FA051-B376-0A44-916D-F63D0BAB707A}" type="pres">
       <dgm:prSet presAssocID="{017FCF6A-D315-C845-A14B-3785C8312B03}" presName="sibTrans" presStyleLbl="sibTrans2D1" presStyleIdx="1" presStyleCnt="5"/>
       <dgm:spPr/>
+      <dgm:t>
+        <a:bodyPr/>
+        <a:lstStyle/>
+        <a:p>
+          <a:endParaRPr lang="en-US"/>
+        </a:p>
+      </dgm:t>
     </dgm:pt>
     <dgm:pt modelId="{4FC8FB48-D300-D34A-A172-468FC10B59F3}" type="pres">
       <dgm:prSet presAssocID="{017FCF6A-D315-C845-A14B-3785C8312B03}" presName="connectorText" presStyleLbl="sibTrans2D1" presStyleIdx="1" presStyleCnt="5"/>
       <dgm:spPr/>
+      <dgm:t>
+        <a:bodyPr/>
+        <a:lstStyle/>
+        <a:p>
+          <a:endParaRPr lang="en-US"/>
+        </a:p>
+      </dgm:t>
     </dgm:pt>
     <dgm:pt modelId="{DF291634-1B27-2842-A9A4-247464AE8702}" type="pres">
       <dgm:prSet presAssocID="{B9ECDD4E-E7D4-0A48-B373-8BA0BB073AAC}" presName="node" presStyleLbl="node1" presStyleIdx="2" presStyleCnt="5">
@@ -2237,14 +2400,35 @@
         </dgm:presLayoutVars>
       </dgm:prSet>
       <dgm:spPr/>
+      <dgm:t>
+        <a:bodyPr/>
+        <a:lstStyle/>
+        <a:p>
+          <a:endParaRPr lang="en-US"/>
+        </a:p>
+      </dgm:t>
     </dgm:pt>
     <dgm:pt modelId="{F76117C2-8BEC-624A-BFB7-B023FB89E349}" type="pres">
       <dgm:prSet presAssocID="{42C94927-7155-1B40-9E10-0CAC2893DE57}" presName="sibTrans" presStyleLbl="sibTrans2D1" presStyleIdx="2" presStyleCnt="5"/>
       <dgm:spPr/>
+      <dgm:t>
+        <a:bodyPr/>
+        <a:lstStyle/>
+        <a:p>
+          <a:endParaRPr lang="en-US"/>
+        </a:p>
+      </dgm:t>
     </dgm:pt>
     <dgm:pt modelId="{D8876BC2-6DE6-4448-9C70-034E60002609}" type="pres">
       <dgm:prSet presAssocID="{42C94927-7155-1B40-9E10-0CAC2893DE57}" presName="connectorText" presStyleLbl="sibTrans2D1" presStyleIdx="2" presStyleCnt="5"/>
       <dgm:spPr/>
+      <dgm:t>
+        <a:bodyPr/>
+        <a:lstStyle/>
+        <a:p>
+          <a:endParaRPr lang="en-US"/>
+        </a:p>
+      </dgm:t>
     </dgm:pt>
     <dgm:pt modelId="{C0E00738-CB9D-434D-970D-16B08B3E998E}" type="pres">
       <dgm:prSet presAssocID="{1301BCBD-F7E9-D842-B366-AE8DF9D44307}" presName="node" presStyleLbl="node1" presStyleIdx="3" presStyleCnt="5">
@@ -2253,14 +2437,35 @@
         </dgm:presLayoutVars>
       </dgm:prSet>
       <dgm:spPr/>
+      <dgm:t>
+        <a:bodyPr/>
+        <a:lstStyle/>
+        <a:p>
+          <a:endParaRPr lang="en-US"/>
+        </a:p>
+      </dgm:t>
     </dgm:pt>
     <dgm:pt modelId="{0ACA1AF9-CA06-6F4C-91F6-F37D091A6899}" type="pres">
       <dgm:prSet presAssocID="{8645893A-1D18-A745-8C61-02B1BC8C6D73}" presName="sibTrans" presStyleLbl="sibTrans2D1" presStyleIdx="3" presStyleCnt="5"/>
       <dgm:spPr/>
+      <dgm:t>
+        <a:bodyPr/>
+        <a:lstStyle/>
+        <a:p>
+          <a:endParaRPr lang="en-US"/>
+        </a:p>
+      </dgm:t>
     </dgm:pt>
     <dgm:pt modelId="{7352E747-0EBD-8C48-86AF-D4C713C88416}" type="pres">
       <dgm:prSet presAssocID="{8645893A-1D18-A745-8C61-02B1BC8C6D73}" presName="connectorText" presStyleLbl="sibTrans2D1" presStyleIdx="3" presStyleCnt="5"/>
       <dgm:spPr/>
+      <dgm:t>
+        <a:bodyPr/>
+        <a:lstStyle/>
+        <a:p>
+          <a:endParaRPr lang="en-US"/>
+        </a:p>
+      </dgm:t>
     </dgm:pt>
     <dgm:pt modelId="{1E313290-9C04-6542-8195-8767E2AE5C11}" type="pres">
       <dgm:prSet presAssocID="{6DFE16E2-1784-C04C-AEFB-6783435CB3F3}" presName="node" presStyleLbl="node1" presStyleIdx="4" presStyleCnt="5">
@@ -2269,38 +2474,59 @@
         </dgm:presLayoutVars>
       </dgm:prSet>
       <dgm:spPr/>
+      <dgm:t>
+        <a:bodyPr/>
+        <a:lstStyle/>
+        <a:p>
+          <a:endParaRPr lang="en-US"/>
+        </a:p>
+      </dgm:t>
     </dgm:pt>
     <dgm:pt modelId="{E168B039-523C-8149-9326-181BAD7850C5}" type="pres">
       <dgm:prSet presAssocID="{DDD685CE-76C5-614F-B274-B5559F203AA7}" presName="sibTrans" presStyleLbl="sibTrans2D1" presStyleIdx="4" presStyleCnt="5"/>
       <dgm:spPr/>
+      <dgm:t>
+        <a:bodyPr/>
+        <a:lstStyle/>
+        <a:p>
+          <a:endParaRPr lang="en-US"/>
+        </a:p>
+      </dgm:t>
     </dgm:pt>
     <dgm:pt modelId="{CC05E9E7-432E-3242-8EF5-BD9E567EEECE}" type="pres">
       <dgm:prSet presAssocID="{DDD685CE-76C5-614F-B274-B5559F203AA7}" presName="connectorText" presStyleLbl="sibTrans2D1" presStyleIdx="4" presStyleCnt="5"/>
       <dgm:spPr/>
+      <dgm:t>
+        <a:bodyPr/>
+        <a:lstStyle/>
+        <a:p>
+          <a:endParaRPr lang="en-US"/>
+        </a:p>
+      </dgm:t>
     </dgm:pt>
   </dgm:ptLst>
   <dgm:cxnLst>
+    <dgm:cxn modelId="{40EEE513-9CA4-EF48-B95F-8051B779DB45}" type="presOf" srcId="{1301BCBD-F7E9-D842-B366-AE8DF9D44307}" destId="{C0E00738-CB9D-434D-970D-16B08B3E998E}" srcOrd="0" destOrd="0" presId="urn:microsoft.com/office/officeart/2005/8/layout/cycle2"/>
+    <dgm:cxn modelId="{74EA8A0E-9A62-DF4D-B007-417DBE793808}" srcId="{233D6E84-E1A1-2549-A0F2-C7B0562D4DC2}" destId="{6DFE16E2-1784-C04C-AEFB-6783435CB3F3}" srcOrd="4" destOrd="0" parTransId="{B13EAEEE-6B0A-D64A-9F13-FC8B686E7B70}" sibTransId="{DDD685CE-76C5-614F-B274-B5559F203AA7}"/>
     <dgm:cxn modelId="{B1CE2E57-1BB7-9046-8C2C-DF76D3D86E29}" type="presOf" srcId="{DC14FFC6-EAAF-9343-99FD-41332283FA06}" destId="{8E4677FD-5724-4B4B-92D6-6A60064A4119}" srcOrd="0" destOrd="0" presId="urn:microsoft.com/office/officeart/2005/8/layout/cycle2"/>
+    <dgm:cxn modelId="{80A33F1F-311F-2B4A-9601-B05FD3D62CCF}" type="presOf" srcId="{017FCF6A-D315-C845-A14B-3785C8312B03}" destId="{4FC8FB48-D300-D34A-A172-468FC10B59F3}" srcOrd="1" destOrd="0" presId="urn:microsoft.com/office/officeart/2005/8/layout/cycle2"/>
+    <dgm:cxn modelId="{3CF2FB40-1BFF-A148-8A13-639F348CB8DD}" srcId="{233D6E84-E1A1-2549-A0F2-C7B0562D4DC2}" destId="{DC14FFC6-EAAF-9343-99FD-41332283FA06}" srcOrd="0" destOrd="0" parTransId="{169EFD4F-1B00-C440-9BD6-1EDFF6787DB1}" sibTransId="{F2B3E4B8-49CC-0543-96DA-0428CE967C4D}"/>
+    <dgm:cxn modelId="{A4CCF709-B9A7-6B43-8977-66778E312AFB}" type="presOf" srcId="{DDD685CE-76C5-614F-B274-B5559F203AA7}" destId="{E168B039-523C-8149-9326-181BAD7850C5}" srcOrd="0" destOrd="0" presId="urn:microsoft.com/office/officeart/2005/8/layout/cycle2"/>
+    <dgm:cxn modelId="{CCCD0F22-773C-4745-A84B-12002C34ACC6}" type="presOf" srcId="{6DFE16E2-1784-C04C-AEFB-6783435CB3F3}" destId="{1E313290-9C04-6542-8195-8767E2AE5C11}" srcOrd="0" destOrd="0" presId="urn:microsoft.com/office/officeart/2005/8/layout/cycle2"/>
+    <dgm:cxn modelId="{796A1D64-1302-3448-92E9-F624FFC37257}" type="presOf" srcId="{42C94927-7155-1B40-9E10-0CAC2893DE57}" destId="{F76117C2-8BEC-624A-BFB7-B023FB89E349}" srcOrd="0" destOrd="0" presId="urn:microsoft.com/office/officeart/2005/8/layout/cycle2"/>
+    <dgm:cxn modelId="{07E6D45A-ACAA-BA44-AF30-AA2704866610}" type="presOf" srcId="{8645893A-1D18-A745-8C61-02B1BC8C6D73}" destId="{0ACA1AF9-CA06-6F4C-91F6-F37D091A6899}" srcOrd="0" destOrd="0" presId="urn:microsoft.com/office/officeart/2005/8/layout/cycle2"/>
+    <dgm:cxn modelId="{AB946D6B-9927-3F40-B940-96239B3911C9}" type="presOf" srcId="{42C94927-7155-1B40-9E10-0CAC2893DE57}" destId="{D8876BC2-6DE6-4448-9C70-034E60002609}" srcOrd="1" destOrd="0" presId="urn:microsoft.com/office/officeart/2005/8/layout/cycle2"/>
     <dgm:cxn modelId="{1DE41BA6-D822-6140-9F22-E4D8A23055C3}" type="presOf" srcId="{DDD685CE-76C5-614F-B274-B5559F203AA7}" destId="{CC05E9E7-432E-3242-8EF5-BD9E567EEECE}" srcOrd="1" destOrd="0" presId="urn:microsoft.com/office/officeart/2005/8/layout/cycle2"/>
+    <dgm:cxn modelId="{DAB5777B-D312-8B4F-B817-D5EABF4CA7B1}" type="presOf" srcId="{017FCF6A-D315-C845-A14B-3785C8312B03}" destId="{F85FA051-B376-0A44-916D-F63D0BAB707A}" srcOrd="0" destOrd="0" presId="urn:microsoft.com/office/officeart/2005/8/layout/cycle2"/>
+    <dgm:cxn modelId="{711E3AC5-43DD-9D40-AA50-EA1158E6C81A}" srcId="{233D6E84-E1A1-2549-A0F2-C7B0562D4DC2}" destId="{B9ECDD4E-E7D4-0A48-B373-8BA0BB073AAC}" srcOrd="2" destOrd="0" parTransId="{8FE3985F-F410-7E44-9FCD-94310B128FCD}" sibTransId="{42C94927-7155-1B40-9E10-0CAC2893DE57}"/>
+    <dgm:cxn modelId="{FA710C35-A86A-B244-9689-157A92479F44}" type="presOf" srcId="{233D6E84-E1A1-2549-A0F2-C7B0562D4DC2}" destId="{F2E8152F-879E-2E4A-9EAB-447FC69EDA7C}" srcOrd="0" destOrd="0" presId="urn:microsoft.com/office/officeart/2005/8/layout/cycle2"/>
+    <dgm:cxn modelId="{3993E0AE-D03C-8143-A94A-AC4B577645FD}" srcId="{233D6E84-E1A1-2549-A0F2-C7B0562D4DC2}" destId="{4391B368-D339-3341-B7F4-F1EACBD8112C}" srcOrd="1" destOrd="0" parTransId="{525C8D7D-2181-9641-8E7B-48A66FD46CCF}" sibTransId="{017FCF6A-D315-C845-A14B-3785C8312B03}"/>
+    <dgm:cxn modelId="{BF55D914-95A6-4043-8BDD-A7425D6BCEBD}" type="presOf" srcId="{F2B3E4B8-49CC-0543-96DA-0428CE967C4D}" destId="{661C81D8-F9BA-3E4A-A620-3FF8A37A3261}" srcOrd="0" destOrd="0" presId="urn:microsoft.com/office/officeart/2005/8/layout/cycle2"/>
+    <dgm:cxn modelId="{51D486E6-739D-C440-8384-45916C824907}" type="presOf" srcId="{8645893A-1D18-A745-8C61-02B1BC8C6D73}" destId="{7352E747-0EBD-8C48-86AF-D4C713C88416}" srcOrd="1" destOrd="0" presId="urn:microsoft.com/office/officeart/2005/8/layout/cycle2"/>
     <dgm:cxn modelId="{AD4E4930-5AFD-1348-A385-BABB9FAF1A64}" srcId="{233D6E84-E1A1-2549-A0F2-C7B0562D4DC2}" destId="{1301BCBD-F7E9-D842-B366-AE8DF9D44307}" srcOrd="3" destOrd="0" parTransId="{9C3B4153-4EBC-014E-A94E-EC5416EA5F53}" sibTransId="{8645893A-1D18-A745-8C61-02B1BC8C6D73}"/>
-    <dgm:cxn modelId="{3CF2FB40-1BFF-A148-8A13-639F348CB8DD}" srcId="{233D6E84-E1A1-2549-A0F2-C7B0562D4DC2}" destId="{DC14FFC6-EAAF-9343-99FD-41332283FA06}" srcOrd="0" destOrd="0" parTransId="{169EFD4F-1B00-C440-9BD6-1EDFF6787DB1}" sibTransId="{F2B3E4B8-49CC-0543-96DA-0428CE967C4D}"/>
-    <dgm:cxn modelId="{DAB5777B-D312-8B4F-B817-D5EABF4CA7B1}" type="presOf" srcId="{017FCF6A-D315-C845-A14B-3785C8312B03}" destId="{F85FA051-B376-0A44-916D-F63D0BAB707A}" srcOrd="0" destOrd="0" presId="urn:microsoft.com/office/officeart/2005/8/layout/cycle2"/>
-    <dgm:cxn modelId="{A4CCF709-B9A7-6B43-8977-66778E312AFB}" type="presOf" srcId="{DDD685CE-76C5-614F-B274-B5559F203AA7}" destId="{E168B039-523C-8149-9326-181BAD7850C5}" srcOrd="0" destOrd="0" presId="urn:microsoft.com/office/officeart/2005/8/layout/cycle2"/>
-    <dgm:cxn modelId="{BF55D914-95A6-4043-8BDD-A7425D6BCEBD}" type="presOf" srcId="{F2B3E4B8-49CC-0543-96DA-0428CE967C4D}" destId="{661C81D8-F9BA-3E4A-A620-3FF8A37A3261}" srcOrd="0" destOrd="0" presId="urn:microsoft.com/office/officeart/2005/8/layout/cycle2"/>
-    <dgm:cxn modelId="{80A33F1F-311F-2B4A-9601-B05FD3D62CCF}" type="presOf" srcId="{017FCF6A-D315-C845-A14B-3785C8312B03}" destId="{4FC8FB48-D300-D34A-A172-468FC10B59F3}" srcOrd="1" destOrd="0" presId="urn:microsoft.com/office/officeart/2005/8/layout/cycle2"/>
-    <dgm:cxn modelId="{711E3AC5-43DD-9D40-AA50-EA1158E6C81A}" srcId="{233D6E84-E1A1-2549-A0F2-C7B0562D4DC2}" destId="{B9ECDD4E-E7D4-0A48-B373-8BA0BB073AAC}" srcOrd="2" destOrd="0" parTransId="{8FE3985F-F410-7E44-9FCD-94310B128FCD}" sibTransId="{42C94927-7155-1B40-9E10-0CAC2893DE57}"/>
-    <dgm:cxn modelId="{CCCD0F22-773C-4745-A84B-12002C34ACC6}" type="presOf" srcId="{6DFE16E2-1784-C04C-AEFB-6783435CB3F3}" destId="{1E313290-9C04-6542-8195-8767E2AE5C11}" srcOrd="0" destOrd="0" presId="urn:microsoft.com/office/officeart/2005/8/layout/cycle2"/>
-    <dgm:cxn modelId="{51D486E6-739D-C440-8384-45916C824907}" type="presOf" srcId="{8645893A-1D18-A745-8C61-02B1BC8C6D73}" destId="{7352E747-0EBD-8C48-86AF-D4C713C88416}" srcOrd="1" destOrd="0" presId="urn:microsoft.com/office/officeart/2005/8/layout/cycle2"/>
-    <dgm:cxn modelId="{796A1D64-1302-3448-92E9-F624FFC37257}" type="presOf" srcId="{42C94927-7155-1B40-9E10-0CAC2893DE57}" destId="{F76117C2-8BEC-624A-BFB7-B023FB89E349}" srcOrd="0" destOrd="0" presId="urn:microsoft.com/office/officeart/2005/8/layout/cycle2"/>
-    <dgm:cxn modelId="{AB946D6B-9927-3F40-B940-96239B3911C9}" type="presOf" srcId="{42C94927-7155-1B40-9E10-0CAC2893DE57}" destId="{D8876BC2-6DE6-4448-9C70-034E60002609}" srcOrd="1" destOrd="0" presId="urn:microsoft.com/office/officeart/2005/8/layout/cycle2"/>
+    <dgm:cxn modelId="{FFB99705-232A-0C4E-8615-DB6530E8169D}" type="presOf" srcId="{B9ECDD4E-E7D4-0A48-B373-8BA0BB073AAC}" destId="{DF291634-1B27-2842-A9A4-247464AE8702}" srcOrd="0" destOrd="0" presId="urn:microsoft.com/office/officeart/2005/8/layout/cycle2"/>
     <dgm:cxn modelId="{9ADB21CA-02A8-4049-A8C8-A7BEF5EAD628}" type="presOf" srcId="{4391B368-D339-3341-B7F4-F1EACBD8112C}" destId="{6652AB22-1604-9247-B218-EBBF275B0FED}" srcOrd="0" destOrd="0" presId="urn:microsoft.com/office/officeart/2005/8/layout/cycle2"/>
-    <dgm:cxn modelId="{FFB99705-232A-0C4E-8615-DB6530E8169D}" type="presOf" srcId="{B9ECDD4E-E7D4-0A48-B373-8BA0BB073AAC}" destId="{DF291634-1B27-2842-A9A4-247464AE8702}" srcOrd="0" destOrd="0" presId="urn:microsoft.com/office/officeart/2005/8/layout/cycle2"/>
     <dgm:cxn modelId="{4350A822-D9B0-784E-917A-2F5740B74F00}" type="presOf" srcId="{F2B3E4B8-49CC-0543-96DA-0428CE967C4D}" destId="{8A12A7FE-929E-2F4B-B931-5CBC014E4963}" srcOrd="1" destOrd="0" presId="urn:microsoft.com/office/officeart/2005/8/layout/cycle2"/>
-    <dgm:cxn modelId="{3993E0AE-D03C-8143-A94A-AC4B577645FD}" srcId="{233D6E84-E1A1-2549-A0F2-C7B0562D4DC2}" destId="{4391B368-D339-3341-B7F4-F1EACBD8112C}" srcOrd="1" destOrd="0" parTransId="{525C8D7D-2181-9641-8E7B-48A66FD46CCF}" sibTransId="{017FCF6A-D315-C845-A14B-3785C8312B03}"/>
-    <dgm:cxn modelId="{74EA8A0E-9A62-DF4D-B007-417DBE793808}" srcId="{233D6E84-E1A1-2549-A0F2-C7B0562D4DC2}" destId="{6DFE16E2-1784-C04C-AEFB-6783435CB3F3}" srcOrd="4" destOrd="0" parTransId="{B13EAEEE-6B0A-D64A-9F13-FC8B686E7B70}" sibTransId="{DDD685CE-76C5-614F-B274-B5559F203AA7}"/>
-    <dgm:cxn modelId="{40EEE513-9CA4-EF48-B95F-8051B779DB45}" type="presOf" srcId="{1301BCBD-F7E9-D842-B366-AE8DF9D44307}" destId="{C0E00738-CB9D-434D-970D-16B08B3E998E}" srcOrd="0" destOrd="0" presId="urn:microsoft.com/office/officeart/2005/8/layout/cycle2"/>
-    <dgm:cxn modelId="{07E6D45A-ACAA-BA44-AF30-AA2704866610}" type="presOf" srcId="{8645893A-1D18-A745-8C61-02B1BC8C6D73}" destId="{0ACA1AF9-CA06-6F4C-91F6-F37D091A6899}" srcOrd="0" destOrd="0" presId="urn:microsoft.com/office/officeart/2005/8/layout/cycle2"/>
-    <dgm:cxn modelId="{FA710C35-A86A-B244-9689-157A92479F44}" type="presOf" srcId="{233D6E84-E1A1-2549-A0F2-C7B0562D4DC2}" destId="{F2E8152F-879E-2E4A-9EAB-447FC69EDA7C}" srcOrd="0" destOrd="0" presId="urn:microsoft.com/office/officeart/2005/8/layout/cycle2"/>
     <dgm:cxn modelId="{F5551533-7618-034C-9F77-E2E03F2CF0AE}" type="presParOf" srcId="{F2E8152F-879E-2E4A-9EAB-447FC69EDA7C}" destId="{8E4677FD-5724-4B4B-92D6-6A60064A4119}" srcOrd="0" destOrd="0" presId="urn:microsoft.com/office/officeart/2005/8/layout/cycle2"/>
     <dgm:cxn modelId="{A1432E17-097D-0745-A361-BC6D5DA0B39B}" type="presParOf" srcId="{F2E8152F-879E-2E4A-9EAB-447FC69EDA7C}" destId="{661C81D8-F9BA-3E4A-A620-3FF8A37A3261}" srcOrd="1" destOrd="0" presId="urn:microsoft.com/office/officeart/2005/8/layout/cycle2"/>
     <dgm:cxn modelId="{E6B2880C-F768-2F4E-BC23-40D9F12FA2A8}" type="presParOf" srcId="{661C81D8-F9BA-3E4A-A620-3FF8A37A3261}" destId="{8A12A7FE-929E-2F4B-B931-5CBC014E4963}" srcOrd="0" destOrd="0" presId="urn:microsoft.com/office/officeart/2005/8/layout/cycle2"/>
@@ -10709,11 +10935,7 @@
           <a:p>
             <a:r>
               <a:rPr lang="en-US" dirty="0" smtClean="0"/>
-              <a:t>A variant of SQL written specifically fo</a:t>
-            </a:r>
-            <a:r>
-              <a:rPr lang="en-US" dirty="0" smtClean="0"/>
-              <a:t>r Cassandra</a:t>
+              <a:t>A variant of SQL written specifically for Cassandra</a:t>
             </a:r>
           </a:p>
           <a:p>
@@ -11282,16 +11504,8 @@
           <a:lstStyle/>
           <a:p>
             <a:r>
-              <a:rPr lang="en-US" dirty="0" err="1"/>
-              <a:t>c</a:t>
-            </a:r>
-            <a:r>
-              <a:rPr lang="en-US" dirty="0" err="1" smtClean="0"/>
-              <a:t>assandra.yaml</a:t>
-            </a:r>
-            <a:r>
               <a:rPr lang="en-US" dirty="0" smtClean="0"/>
-              <a:t>	</a:t>
+              <a:t>Non-SQL data types</a:t>
             </a:r>
             <a:endParaRPr lang="en-US" dirty="0"/>
           </a:p>
@@ -11310,85 +11524,223 @@
         <p:spPr/>
         <p:txBody>
           <a:bodyPr>
-            <a:normAutofit lnSpcReduction="10000"/>
+            <a:noAutofit/>
           </a:bodyPr>
           <a:lstStyle/>
           <a:p>
             <a:r>
-              <a:rPr lang="en-US" dirty="0" smtClean="0"/>
-              <a:t>Configuration of the major parts of the system</a:t>
+              <a:rPr lang="en-US" sz="2000" dirty="0" smtClean="0"/>
+              <a:t>Sets</a:t>
             </a:r>
           </a:p>
           <a:p>
             <a:pPr lvl="1"/>
             <a:r>
-              <a:rPr lang="en-US" dirty="0" err="1" smtClean="0"/>
-              <a:t>Datacentres</a:t>
-            </a:r>
-            <a:r>
-              <a:rPr lang="en-US" dirty="0" smtClean="0"/>
-              <a:t>, Racks, Cluster name</a:t>
+              <a:rPr lang="en-US" sz="2000" dirty="0" smtClean="0"/>
+              <a:t>CREATE </a:t>
+            </a:r>
+            <a:r>
+              <a:rPr lang="en-US" sz="2000" dirty="0"/>
+              <a:t>TABLE </a:t>
+            </a:r>
+            <a:r>
+              <a:rPr lang="en-US" sz="2000" dirty="0" err="1"/>
+              <a:t>cycling.cyclist_career_teams</a:t>
+            </a:r>
+            <a:r>
+              <a:rPr lang="en-US" sz="2000" dirty="0"/>
+              <a:t> ( id UUID PRIMARY KEY, </a:t>
+            </a:r>
+            <a:r>
+              <a:rPr lang="en-US" sz="2000" dirty="0" err="1"/>
+              <a:t>lastname</a:t>
+            </a:r>
+            <a:r>
+              <a:rPr lang="en-US" sz="2000" dirty="0"/>
+              <a:t> text, teams </a:t>
+            </a:r>
+            <a:r>
+              <a:rPr lang="en-US" sz="2000" b="1" dirty="0"/>
+              <a:t>set</a:t>
+            </a:r>
+            <a:r>
+              <a:rPr lang="en-US" sz="2000" dirty="0"/>
+              <a:t>&lt;text&gt; )</a:t>
+            </a:r>
+            <a:r>
+              <a:rPr lang="en-US" sz="2000" dirty="0" smtClean="0"/>
+              <a:t>;</a:t>
+            </a:r>
+          </a:p>
+          <a:p>
+            <a:r>
+              <a:rPr lang="en-US" sz="2000" dirty="0" smtClean="0"/>
+              <a:t>Lists</a:t>
             </a:r>
           </a:p>
           <a:p>
             <a:pPr lvl="1"/>
             <a:r>
-              <a:rPr lang="en-US" dirty="0" smtClean="0"/>
-              <a:t>Authentication and Authorization</a:t>
+              <a:rPr lang="en-US" sz="2000" dirty="0"/>
+              <a:t>CREATE TABLE </a:t>
+            </a:r>
+            <a:r>
+              <a:rPr lang="en-US" sz="2000" dirty="0" err="1"/>
+              <a:t>cycling.upcoming_calendar</a:t>
+            </a:r>
+            <a:r>
+              <a:rPr lang="en-US" sz="2000" dirty="0"/>
+              <a:t> ( year </a:t>
+            </a:r>
+            <a:r>
+              <a:rPr lang="en-US" sz="2000" dirty="0" err="1"/>
+              <a:t>int</a:t>
+            </a:r>
+            <a:r>
+              <a:rPr lang="en-US" sz="2000" dirty="0"/>
+              <a:t>, month </a:t>
+            </a:r>
+            <a:r>
+              <a:rPr lang="en-US" sz="2000" dirty="0" err="1"/>
+              <a:t>int</a:t>
+            </a:r>
+            <a:r>
+              <a:rPr lang="en-US" sz="2000" dirty="0"/>
+              <a:t>, events </a:t>
+            </a:r>
+            <a:r>
+              <a:rPr lang="en-US" sz="2000" b="1" dirty="0"/>
+              <a:t>list</a:t>
+            </a:r>
+            <a:r>
+              <a:rPr lang="en-US" sz="2000" dirty="0"/>
+              <a:t>&lt;text&gt;, PRIMARY KEY ( year, month) )</a:t>
+            </a:r>
+            <a:r>
+              <a:rPr lang="en-US" sz="2000" dirty="0" smtClean="0"/>
+              <a:t>;</a:t>
+            </a:r>
+          </a:p>
+          <a:p>
+            <a:r>
+              <a:rPr lang="en-US" sz="2000" dirty="0" smtClean="0"/>
+              <a:t>Maps</a:t>
             </a:r>
           </a:p>
           <a:p>
             <a:pPr lvl="1"/>
             <a:r>
-              <a:rPr lang="en-US" dirty="0" err="1" smtClean="0"/>
-              <a:t>Partitioner</a:t>
-            </a:r>
-            <a:endParaRPr lang="en-US" dirty="0" smtClean="0"/>
+              <a:rPr lang="en-US" sz="2000" dirty="0" smtClean="0"/>
+              <a:t>CREATE </a:t>
+            </a:r>
+            <a:r>
+              <a:rPr lang="en-US" sz="2000" dirty="0"/>
+              <a:t>TABLE </a:t>
+            </a:r>
+            <a:r>
+              <a:rPr lang="en-US" sz="2000" dirty="0" err="1"/>
+              <a:t>cycling.cyclist_teams</a:t>
+            </a:r>
+            <a:r>
+              <a:rPr lang="en-US" sz="2000" dirty="0"/>
+              <a:t> ( id UUID PRIMARY KEY, </a:t>
+            </a:r>
+            <a:r>
+              <a:rPr lang="en-US" sz="2000" dirty="0" err="1"/>
+              <a:t>lastname</a:t>
+            </a:r>
+            <a:r>
+              <a:rPr lang="en-US" sz="2000" dirty="0"/>
+              <a:t> text, </a:t>
+            </a:r>
+            <a:r>
+              <a:rPr lang="en-US" sz="2000" dirty="0" err="1"/>
+              <a:t>firstname</a:t>
+            </a:r>
+            <a:r>
+              <a:rPr lang="en-US" sz="2000" dirty="0"/>
+              <a:t> text, teams </a:t>
+            </a:r>
+            <a:r>
+              <a:rPr lang="en-US" sz="2000" b="1" dirty="0"/>
+              <a:t>map</a:t>
+            </a:r>
+            <a:r>
+              <a:rPr lang="en-US" sz="2000" dirty="0"/>
+              <a:t>&lt;</a:t>
+            </a:r>
+            <a:r>
+              <a:rPr lang="en-US" sz="2000" dirty="0" err="1"/>
+              <a:t>int,text</a:t>
+            </a:r>
+            <a:r>
+              <a:rPr lang="en-US" sz="2000" dirty="0"/>
+              <a:t>&gt; )</a:t>
+            </a:r>
+            <a:r>
+              <a:rPr lang="en-US" sz="2000" dirty="0" smtClean="0"/>
+              <a:t>;</a:t>
+            </a:r>
+          </a:p>
+          <a:p>
+            <a:r>
+              <a:rPr lang="en-US" sz="2000" dirty="0" smtClean="0"/>
+              <a:t>Tuples</a:t>
+            </a:r>
           </a:p>
           <a:p>
             <a:pPr lvl="1"/>
             <a:r>
-              <a:rPr lang="en-US" dirty="0" smtClean="0"/>
-              <a:t>Data Storage location</a:t>
-            </a:r>
-          </a:p>
-          <a:p>
-            <a:pPr lvl="1"/>
-            <a:r>
-              <a:rPr lang="en-US" dirty="0" err="1" smtClean="0"/>
-              <a:t>Cacheing</a:t>
-            </a:r>
-            <a:endParaRPr lang="en-US" dirty="0" smtClean="0"/>
-          </a:p>
-          <a:p>
-            <a:pPr lvl="1"/>
-            <a:r>
-              <a:rPr lang="en-US" dirty="0" smtClean="0"/>
-              <a:t>Network topology and ports</a:t>
-            </a:r>
-          </a:p>
-          <a:p>
-            <a:pPr lvl="1"/>
-            <a:r>
-              <a:rPr lang="en-US" dirty="0" err="1" smtClean="0"/>
-              <a:t>Etc</a:t>
-            </a:r>
-            <a:r>
-              <a:rPr lang="en-US" dirty="0" smtClean="0"/>
-              <a:t>, </a:t>
-            </a:r>
-            <a:r>
-              <a:rPr lang="en-US" dirty="0" err="1" smtClean="0"/>
-              <a:t>etc</a:t>
-            </a:r>
-            <a:endParaRPr lang="en-US" dirty="0"/>
+              <a:rPr lang="en-US" sz="2000" dirty="0"/>
+              <a:t>CREATE TABLE </a:t>
+            </a:r>
+            <a:r>
+              <a:rPr lang="en-US" sz="2000" dirty="0" err="1"/>
+              <a:t>cycling.popular</a:t>
+            </a:r>
+            <a:r>
+              <a:rPr lang="en-US" sz="2000" dirty="0"/>
+              <a:t> (rank </a:t>
+            </a:r>
+            <a:r>
+              <a:rPr lang="en-US" sz="2000" dirty="0" err="1"/>
+              <a:t>int</a:t>
+            </a:r>
+            <a:r>
+              <a:rPr lang="en-US" sz="2000" dirty="0"/>
+              <a:t> PRIMARY KEY, </a:t>
+            </a:r>
+            <a:r>
+              <a:rPr lang="en-US" sz="2000" dirty="0" err="1"/>
+              <a:t>cinfo</a:t>
+            </a:r>
+            <a:r>
+              <a:rPr lang="en-US" sz="2000" dirty="0"/>
+              <a:t> </a:t>
+            </a:r>
+            <a:r>
+              <a:rPr lang="en-US" sz="2000" b="1" dirty="0"/>
+              <a:t>tuple</a:t>
+            </a:r>
+            <a:r>
+              <a:rPr lang="en-US" sz="2000" dirty="0"/>
+              <a:t>&lt;</a:t>
+            </a:r>
+            <a:r>
+              <a:rPr lang="en-US" sz="2000" dirty="0" err="1"/>
+              <a:t>text,text,int</a:t>
+            </a:r>
+            <a:r>
+              <a:rPr lang="en-US" sz="2000" dirty="0"/>
+              <a:t>&gt; );</a:t>
+            </a:r>
           </a:p>
         </p:txBody>
       </p:sp>
     </p:spTree>
     <p:extLst>
       <p:ext uri="{BB962C8B-B14F-4D97-AF65-F5344CB8AC3E}">
-        <p14:creationId xmlns:p14="http://schemas.microsoft.com/office/powerpoint/2010/main" val="2592907123"/>
+        <p14:creationId xmlns:p14="http://schemas.microsoft.com/office/powerpoint/2010/main" val="3157723790"/>
       </p:ext>
     </p:extLst>
   </p:cSld>
@@ -11431,49 +11783,103 @@
           <a:lstStyle/>
           <a:p>
             <a:r>
-              <a:rPr lang="en-US" dirty="0" err="1" smtClean="0"/>
-              <a:t>DataStax</a:t>
-            </a:r>
-            <a:r>
               <a:rPr lang="en-US" dirty="0" smtClean="0"/>
-              <a:t> </a:t>
-            </a:r>
-            <a:r>
-              <a:rPr lang="en-US" dirty="0" err="1" smtClean="0"/>
-              <a:t>OpsCenter</a:t>
+              <a:t>Direct support for JSON</a:t>
             </a:r>
             <a:endParaRPr lang="en-US" dirty="0"/>
           </a:p>
         </p:txBody>
       </p:sp>
-      <p:pic>
-        <p:nvPicPr>
-          <p:cNvPr id="4" name="Picture 3"/>
-          <p:cNvPicPr>
-            <a:picLocks noChangeAspect="1"/>
-          </p:cNvPicPr>
-          <p:nvPr/>
-        </p:nvPicPr>
-        <p:blipFill>
-          <a:blip r:embed="rId2"/>
-          <a:stretch>
-            <a:fillRect/>
-          </a:stretch>
-        </p:blipFill>
-        <p:spPr>
-          <a:xfrm>
-            <a:off x="764702" y="1417638"/>
-            <a:ext cx="7546318" cy="4716449"/>
-          </a:xfrm>
-          <a:prstGeom prst="rect">
-            <a:avLst/>
-          </a:prstGeom>
-        </p:spPr>
-      </p:pic>
+      <p:sp>
+        <p:nvSpPr>
+          <p:cNvPr id="3" name="Content Placeholder 2"/>
+          <p:cNvSpPr>
+            <a:spLocks noGrp="1"/>
+          </p:cNvSpPr>
+          <p:nvPr>
+            <p:ph idx="1"/>
+          </p:nvPr>
+        </p:nvSpPr>
+        <p:spPr/>
+        <p:txBody>
+          <a:bodyPr/>
+          <a:lstStyle/>
+          <a:p>
+            <a:pPr marL="0" indent="0">
+              <a:buNone/>
+            </a:pPr>
+            <a:r>
+              <a:rPr lang="en-US" dirty="0"/>
+              <a:t>INSERT INTO </a:t>
+            </a:r>
+            <a:r>
+              <a:rPr lang="en-US" dirty="0" err="1"/>
+              <a:t>cycling.cyclist_category</a:t>
+            </a:r>
+            <a:r>
+              <a:rPr lang="en-US" dirty="0"/>
+              <a:t> JSON '{</a:t>
+            </a:r>
+          </a:p>
+          <a:p>
+            <a:pPr marL="0" indent="0">
+              <a:buNone/>
+            </a:pPr>
+            <a:r>
+              <a:rPr lang="en-US" dirty="0"/>
+              <a:t>  "category" : "GC", </a:t>
+            </a:r>
+          </a:p>
+          <a:p>
+            <a:pPr marL="0" indent="0">
+              <a:buNone/>
+            </a:pPr>
+            <a:r>
+              <a:rPr lang="en-US" dirty="0"/>
+              <a:t>  "points" : 780, </a:t>
+            </a:r>
+          </a:p>
+          <a:p>
+            <a:pPr marL="0" indent="0">
+              <a:buNone/>
+            </a:pPr>
+            <a:r>
+              <a:rPr lang="en-US" dirty="0"/>
+              <a:t>  "id" : "829aa84a-4bba-411f-a4fb-38167a987cda",</a:t>
+            </a:r>
+          </a:p>
+          <a:p>
+            <a:pPr marL="0" indent="0">
+              <a:buNone/>
+            </a:pPr>
+            <a:r>
+              <a:rPr lang="en-US" dirty="0"/>
+              <a:t>  "</a:t>
+            </a:r>
+            <a:r>
+              <a:rPr lang="en-US" dirty="0" err="1"/>
+              <a:t>lastname</a:t>
+            </a:r>
+            <a:r>
+              <a:rPr lang="en-US" dirty="0"/>
+              <a:t>" : "SUTHERLAND" }';</a:t>
+            </a:r>
+          </a:p>
+          <a:p>
+            <a:pPr marL="0" indent="0">
+              <a:buNone/>
+            </a:pPr>
+            <a:r>
+              <a:rPr lang="en-US"/>
+              <a:t> </a:t>
+            </a:r>
+          </a:p>
+        </p:txBody>
+      </p:sp>
     </p:spTree>
     <p:extLst>
       <p:ext uri="{BB962C8B-B14F-4D97-AF65-F5344CB8AC3E}">
-        <p14:creationId xmlns:p14="http://schemas.microsoft.com/office/powerpoint/2010/main" val="1378977991"/>
+        <p14:creationId xmlns:p14="http://schemas.microsoft.com/office/powerpoint/2010/main" val="2758087291"/>
       </p:ext>
     </p:extLst>
   </p:cSld>
@@ -11516,8 +11922,16 @@
           <a:lstStyle/>
           <a:p>
             <a:r>
+              <a:rPr lang="en-US" dirty="0" err="1"/>
+              <a:t>c</a:t>
+            </a:r>
+            <a:r>
               <a:rPr lang="en-US" dirty="0" err="1" smtClean="0"/>
-              <a:t>OpsCenter</a:t>
+              <a:t>assandra.yaml</a:t>
+            </a:r>
+            <a:r>
+              <a:rPr lang="en-US" dirty="0" smtClean="0"/>
+              <a:t>	</a:t>
             </a:r>
             <a:endParaRPr lang="en-US" dirty="0"/>
           </a:p>
@@ -11542,49 +11956,70 @@
           <a:p>
             <a:r>
               <a:rPr lang="en-US" dirty="0" smtClean="0"/>
-              <a:t>Part of </a:t>
-            </a:r>
+              <a:t>Configuration of the major parts of the system</a:t>
+            </a:r>
+          </a:p>
+          <a:p>
+            <a:pPr lvl="1"/>
             <a:r>
               <a:rPr lang="en-US" dirty="0" err="1" smtClean="0"/>
-              <a:t>DataStax</a:t>
+              <a:t>Datacentres</a:t>
             </a:r>
             <a:r>
               <a:rPr lang="en-US" dirty="0" smtClean="0"/>
-              <a:t> Cassandra distribution</a:t>
+              <a:t>, Racks, Cluster name</a:t>
             </a:r>
           </a:p>
           <a:p>
             <a:pPr lvl="1"/>
             <a:r>
               <a:rPr lang="en-US" dirty="0" smtClean="0"/>
-              <a:t>Community edition has limited features</a:t>
+              <a:t>Authentication and Authorization</a:t>
             </a:r>
           </a:p>
           <a:p>
             <a:pPr lvl="1"/>
             <a:r>
+              <a:rPr lang="en-US" dirty="0" err="1" smtClean="0"/>
+              <a:t>Partitioner</a:t>
+            </a:r>
+            <a:endParaRPr lang="en-US" dirty="0" smtClean="0"/>
+          </a:p>
+          <a:p>
+            <a:pPr lvl="1"/>
+            <a:r>
               <a:rPr lang="en-US" dirty="0" smtClean="0"/>
-              <a:t>Enterprise edition expands these</a:t>
-            </a:r>
-          </a:p>
-          <a:p>
+              <a:t>Data Storage location</a:t>
+            </a:r>
+          </a:p>
+          <a:p>
+            <a:pPr lvl="1"/>
+            <a:r>
+              <a:rPr lang="en-US" dirty="0" err="1" smtClean="0"/>
+              <a:t>Cacheing</a:t>
+            </a:r>
+            <a:endParaRPr lang="en-US" dirty="0" smtClean="0"/>
+          </a:p>
+          <a:p>
+            <a:pPr lvl="1"/>
             <a:r>
               <a:rPr lang="en-US" dirty="0" smtClean="0"/>
-              <a:t>Not open source, but free to use in the community edition</a:t>
+              <a:t>Network topology and ports</a:t>
             </a:r>
           </a:p>
           <a:p>
             <a:pPr lvl="1"/>
             <a:r>
+              <a:rPr lang="en-US" dirty="0" err="1" smtClean="0"/>
+              <a:t>Etc</a:t>
+            </a:r>
+            <a:r>
               <a:rPr lang="en-US" dirty="0" smtClean="0"/>
-              <a:t>Requires an agent on each Cassandra node</a:t>
-            </a:r>
-          </a:p>
-          <a:p>
-            <a:pPr lvl="1"/>
-            <a:r>
-              <a:rPr lang="en-US" dirty="0" smtClean="0"/>
-              <a:t>It will install this via SSH if possible</a:t>
+              <a:t>, </a:t>
+            </a:r>
+            <a:r>
+              <a:rPr lang="en-US" dirty="0" err="1" smtClean="0"/>
+              <a:t>etc</a:t>
             </a:r>
             <a:endParaRPr lang="en-US" dirty="0"/>
           </a:p>
@@ -11593,7 +12028,7 @@
     </p:spTree>
     <p:extLst>
       <p:ext uri="{BB962C8B-B14F-4D97-AF65-F5344CB8AC3E}">
-        <p14:creationId xmlns:p14="http://schemas.microsoft.com/office/powerpoint/2010/main" val="4165038737"/>
+        <p14:creationId xmlns:p14="http://schemas.microsoft.com/office/powerpoint/2010/main" val="2592907123"/>
       </p:ext>
     </p:extLst>
   </p:cSld>
@@ -11636,86 +12071,49 @@
           <a:lstStyle/>
           <a:p>
             <a:r>
+              <a:rPr lang="en-US" dirty="0" err="1" smtClean="0"/>
+              <a:t>DataStax</a:t>
+            </a:r>
+            <a:r>
               <a:rPr lang="en-US" dirty="0" smtClean="0"/>
-              <a:t>Setting up a cluster in EC2</a:t>
+              <a:t> </a:t>
+            </a:r>
+            <a:r>
+              <a:rPr lang="en-US" dirty="0" err="1" smtClean="0"/>
+              <a:t>OpsCenter</a:t>
             </a:r>
             <a:endParaRPr lang="en-US" dirty="0"/>
           </a:p>
         </p:txBody>
       </p:sp>
-      <p:sp>
-        <p:nvSpPr>
-          <p:cNvPr id="3" name="Content Placeholder 2"/>
-          <p:cNvSpPr>
-            <a:spLocks noGrp="1"/>
-          </p:cNvSpPr>
-          <p:nvPr>
-            <p:ph idx="1"/>
-          </p:nvPr>
-        </p:nvSpPr>
-        <p:spPr/>
-        <p:txBody>
-          <a:bodyPr/>
-          <a:lstStyle/>
-          <a:p>
-            <a:r>
-              <a:rPr lang="en-US" dirty="0" smtClean="0"/>
-              <a:t>Use </a:t>
-            </a:r>
-            <a:r>
-              <a:rPr lang="en-US" dirty="0" err="1" smtClean="0"/>
-              <a:t>DataStax</a:t>
-            </a:r>
-            <a:r>
-              <a:rPr lang="en-US" dirty="0" smtClean="0"/>
-              <a:t> AMI</a:t>
-            </a:r>
-          </a:p>
-          <a:p>
-            <a:pPr lvl="1"/>
-            <a:r>
-              <a:rPr lang="en-US" dirty="0" smtClean="0"/>
-              <a:t>Community edition </a:t>
-            </a:r>
-          </a:p>
-          <a:p>
-            <a:pPr lvl="1"/>
-            <a:r>
-              <a:rPr lang="en-US" dirty="0" smtClean="0"/>
-              <a:t>Simple configuration to create a cluster</a:t>
-            </a:r>
-          </a:p>
-          <a:p>
-            <a:pPr lvl="1"/>
-            <a:r>
-              <a:rPr lang="en-US" dirty="0" smtClean="0"/>
-              <a:t>Automatically sets up </a:t>
-            </a:r>
-            <a:r>
-              <a:rPr lang="en-US" dirty="0" err="1" smtClean="0"/>
-              <a:t>OpsCenter</a:t>
-            </a:r>
-            <a:r>
-              <a:rPr lang="en-US" dirty="0" smtClean="0"/>
-              <a:t> on the first node</a:t>
-            </a:r>
-          </a:p>
-          <a:p>
-            <a:pPr marL="457200" lvl="1" indent="0">
-              <a:buNone/>
-            </a:pPr>
-            <a:endParaRPr lang="en-US" dirty="0" smtClean="0"/>
-          </a:p>
-          <a:p>
-            <a:pPr lvl="1"/>
-            <a:endParaRPr lang="en-US" dirty="0"/>
-          </a:p>
-        </p:txBody>
-      </p:sp>
+      <p:pic>
+        <p:nvPicPr>
+          <p:cNvPr id="4" name="Picture 3"/>
+          <p:cNvPicPr>
+            <a:picLocks noChangeAspect="1"/>
+          </p:cNvPicPr>
+          <p:nvPr/>
+        </p:nvPicPr>
+        <p:blipFill>
+          <a:blip r:embed="rId2"/>
+          <a:stretch>
+            <a:fillRect/>
+          </a:stretch>
+        </p:blipFill>
+        <p:spPr>
+          <a:xfrm>
+            <a:off x="764702" y="1417638"/>
+            <a:ext cx="7546318" cy="4716449"/>
+          </a:xfrm>
+          <a:prstGeom prst="rect">
+            <a:avLst/>
+          </a:prstGeom>
+        </p:spPr>
+      </p:pic>
     </p:spTree>
     <p:extLst>
       <p:ext uri="{BB962C8B-B14F-4D97-AF65-F5344CB8AC3E}">
-        <p14:creationId xmlns:p14="http://schemas.microsoft.com/office/powerpoint/2010/main" val="1367644873"/>
+        <p14:creationId xmlns:p14="http://schemas.microsoft.com/office/powerpoint/2010/main" val="1378977991"/>
       </p:ext>
     </p:extLst>
   </p:cSld>
@@ -11846,6 +12244,248 @@
 </file>
 
 <file path=ppt/slides/slide20.xml><?xml version="1.0" encoding="utf-8"?>
+<p:sld xmlns:a="http://schemas.openxmlformats.org/drawingml/2006/main" xmlns:r="http://schemas.openxmlformats.org/officeDocument/2006/relationships" xmlns:p="http://schemas.openxmlformats.org/presentationml/2006/main">
+  <p:cSld>
+    <p:spTree>
+      <p:nvGrpSpPr>
+        <p:cNvPr id="1" name=""/>
+        <p:cNvGrpSpPr/>
+        <p:nvPr/>
+      </p:nvGrpSpPr>
+      <p:grpSpPr>
+        <a:xfrm>
+          <a:off x="0" y="0"/>
+          <a:ext cx="0" cy="0"/>
+          <a:chOff x="0" y="0"/>
+          <a:chExt cx="0" cy="0"/>
+        </a:xfrm>
+      </p:grpSpPr>
+      <p:sp>
+        <p:nvSpPr>
+          <p:cNvPr id="2" name="Title 1"/>
+          <p:cNvSpPr>
+            <a:spLocks noGrp="1"/>
+          </p:cNvSpPr>
+          <p:nvPr>
+            <p:ph type="title"/>
+          </p:nvPr>
+        </p:nvSpPr>
+        <p:spPr/>
+        <p:txBody>
+          <a:bodyPr/>
+          <a:lstStyle/>
+          <a:p>
+            <a:r>
+              <a:rPr lang="en-US" dirty="0" err="1" smtClean="0"/>
+              <a:t>OpsCenter</a:t>
+            </a:r>
+            <a:endParaRPr lang="en-US" dirty="0"/>
+          </a:p>
+        </p:txBody>
+      </p:sp>
+      <p:sp>
+        <p:nvSpPr>
+          <p:cNvPr id="3" name="Content Placeholder 2"/>
+          <p:cNvSpPr>
+            <a:spLocks noGrp="1"/>
+          </p:cNvSpPr>
+          <p:nvPr>
+            <p:ph idx="1"/>
+          </p:nvPr>
+        </p:nvSpPr>
+        <p:spPr/>
+        <p:txBody>
+          <a:bodyPr>
+            <a:normAutofit lnSpcReduction="10000"/>
+          </a:bodyPr>
+          <a:lstStyle/>
+          <a:p>
+            <a:r>
+              <a:rPr lang="en-US" dirty="0" smtClean="0"/>
+              <a:t>Part of </a:t>
+            </a:r>
+            <a:r>
+              <a:rPr lang="en-US" dirty="0" err="1" smtClean="0"/>
+              <a:t>DataStax</a:t>
+            </a:r>
+            <a:r>
+              <a:rPr lang="en-US" dirty="0" smtClean="0"/>
+              <a:t> Cassandra distribution</a:t>
+            </a:r>
+          </a:p>
+          <a:p>
+            <a:pPr lvl="1"/>
+            <a:r>
+              <a:rPr lang="en-US" dirty="0" smtClean="0"/>
+              <a:t>Community edition has limited features</a:t>
+            </a:r>
+          </a:p>
+          <a:p>
+            <a:pPr lvl="1"/>
+            <a:r>
+              <a:rPr lang="en-US" dirty="0" smtClean="0"/>
+              <a:t>Enterprise edition expands these</a:t>
+            </a:r>
+          </a:p>
+          <a:p>
+            <a:r>
+              <a:rPr lang="en-US" dirty="0" smtClean="0"/>
+              <a:t>Not open source, but free to use in the community edition</a:t>
+            </a:r>
+          </a:p>
+          <a:p>
+            <a:pPr lvl="1"/>
+            <a:r>
+              <a:rPr lang="en-US" dirty="0" smtClean="0"/>
+              <a:t>Requires an agent on each Cassandra node</a:t>
+            </a:r>
+          </a:p>
+          <a:p>
+            <a:pPr lvl="1"/>
+            <a:r>
+              <a:rPr lang="en-US" dirty="0" smtClean="0"/>
+              <a:t>It will install this via SSH if possible</a:t>
+            </a:r>
+            <a:endParaRPr lang="en-US" dirty="0"/>
+          </a:p>
+        </p:txBody>
+      </p:sp>
+    </p:spTree>
+    <p:extLst>
+      <p:ext uri="{BB962C8B-B14F-4D97-AF65-F5344CB8AC3E}">
+        <p14:creationId xmlns:p14="http://schemas.microsoft.com/office/powerpoint/2010/main" val="4165038737"/>
+      </p:ext>
+    </p:extLst>
+  </p:cSld>
+  <p:clrMapOvr>
+    <a:masterClrMapping/>
+  </p:clrMapOvr>
+</p:sld>
+</file>
+
+<file path=ppt/slides/slide21.xml><?xml version="1.0" encoding="utf-8"?>
+<p:sld xmlns:a="http://schemas.openxmlformats.org/drawingml/2006/main" xmlns:r="http://schemas.openxmlformats.org/officeDocument/2006/relationships" xmlns:p="http://schemas.openxmlformats.org/presentationml/2006/main">
+  <p:cSld>
+    <p:spTree>
+      <p:nvGrpSpPr>
+        <p:cNvPr id="1" name=""/>
+        <p:cNvGrpSpPr/>
+        <p:nvPr/>
+      </p:nvGrpSpPr>
+      <p:grpSpPr>
+        <a:xfrm>
+          <a:off x="0" y="0"/>
+          <a:ext cx="0" cy="0"/>
+          <a:chOff x="0" y="0"/>
+          <a:chExt cx="0" cy="0"/>
+        </a:xfrm>
+      </p:grpSpPr>
+      <p:sp>
+        <p:nvSpPr>
+          <p:cNvPr id="2" name="Title 1"/>
+          <p:cNvSpPr>
+            <a:spLocks noGrp="1"/>
+          </p:cNvSpPr>
+          <p:nvPr>
+            <p:ph type="title"/>
+          </p:nvPr>
+        </p:nvSpPr>
+        <p:spPr/>
+        <p:txBody>
+          <a:bodyPr/>
+          <a:lstStyle/>
+          <a:p>
+            <a:r>
+              <a:rPr lang="en-US" dirty="0" smtClean="0"/>
+              <a:t>Setting up a cluster in EC2</a:t>
+            </a:r>
+            <a:endParaRPr lang="en-US" dirty="0"/>
+          </a:p>
+        </p:txBody>
+      </p:sp>
+      <p:sp>
+        <p:nvSpPr>
+          <p:cNvPr id="3" name="Content Placeholder 2"/>
+          <p:cNvSpPr>
+            <a:spLocks noGrp="1"/>
+          </p:cNvSpPr>
+          <p:nvPr>
+            <p:ph idx="1"/>
+          </p:nvPr>
+        </p:nvSpPr>
+        <p:spPr/>
+        <p:txBody>
+          <a:bodyPr/>
+          <a:lstStyle/>
+          <a:p>
+            <a:r>
+              <a:rPr lang="en-US" dirty="0" smtClean="0"/>
+              <a:t>Use </a:t>
+            </a:r>
+            <a:r>
+              <a:rPr lang="en-US" dirty="0" err="1" smtClean="0"/>
+              <a:t>DataStax</a:t>
+            </a:r>
+            <a:r>
+              <a:rPr lang="en-US" dirty="0" smtClean="0"/>
+              <a:t> AMI</a:t>
+            </a:r>
+          </a:p>
+          <a:p>
+            <a:pPr lvl="1"/>
+            <a:r>
+              <a:rPr lang="en-US" dirty="0" smtClean="0"/>
+              <a:t>Community edition </a:t>
+            </a:r>
+          </a:p>
+          <a:p>
+            <a:pPr lvl="1"/>
+            <a:r>
+              <a:rPr lang="en-US" dirty="0" smtClean="0"/>
+              <a:t>Simple configuration to create a cluster</a:t>
+            </a:r>
+          </a:p>
+          <a:p>
+            <a:pPr lvl="1"/>
+            <a:r>
+              <a:rPr lang="en-US" dirty="0" smtClean="0"/>
+              <a:t>Automatically sets up </a:t>
+            </a:r>
+            <a:r>
+              <a:rPr lang="en-US" dirty="0" err="1" smtClean="0"/>
+              <a:t>OpsCenter</a:t>
+            </a:r>
+            <a:r>
+              <a:rPr lang="en-US" dirty="0" smtClean="0"/>
+              <a:t> on the first node</a:t>
+            </a:r>
+          </a:p>
+          <a:p>
+            <a:pPr marL="457200" lvl="1" indent="0">
+              <a:buNone/>
+            </a:pPr>
+            <a:endParaRPr lang="en-US" dirty="0" smtClean="0"/>
+          </a:p>
+          <a:p>
+            <a:pPr lvl="1"/>
+            <a:endParaRPr lang="en-US" dirty="0"/>
+          </a:p>
+        </p:txBody>
+      </p:sp>
+    </p:spTree>
+    <p:extLst>
+      <p:ext uri="{BB962C8B-B14F-4D97-AF65-F5344CB8AC3E}">
+        <p14:creationId xmlns:p14="http://schemas.microsoft.com/office/powerpoint/2010/main" val="1367644873"/>
+      </p:ext>
+    </p:extLst>
+  </p:cSld>
+  <p:clrMapOvr>
+    <a:masterClrMapping/>
+  </p:clrMapOvr>
+</p:sld>
+</file>
+
+<file path=ppt/slides/slide22.xml><?xml version="1.0" encoding="utf-8"?>
 <p:sld xmlns:a="http://schemas.openxmlformats.org/drawingml/2006/main" xmlns:r="http://schemas.openxmlformats.org/officeDocument/2006/relationships" xmlns:p="http://schemas.openxmlformats.org/presentationml/2006/main">
   <p:cSld>
     <p:spTree>

--- a/pres-source/09-Cassandra.pptx
+++ b/pres-source/09-Cassandra.pptx
@@ -5,31 +5,32 @@
     <p:sldMasterId id="2147483648" r:id="rId1"/>
   </p:sldMasterIdLst>
   <p:notesMasterIdLst>
-    <p:notesMasterId r:id="rId24"/>
+    <p:notesMasterId r:id="rId25"/>
   </p:notesMasterIdLst>
   <p:sldIdLst>
     <p:sldId id="256" r:id="rId2"/>
-    <p:sldId id="282" r:id="rId3"/>
-    <p:sldId id="284" r:id="rId4"/>
-    <p:sldId id="283" r:id="rId5"/>
-    <p:sldId id="285" r:id="rId6"/>
-    <p:sldId id="286" r:id="rId7"/>
-    <p:sldId id="287" r:id="rId8"/>
-    <p:sldId id="295" r:id="rId9"/>
-    <p:sldId id="289" r:id="rId10"/>
-    <p:sldId id="297" r:id="rId11"/>
-    <p:sldId id="290" r:id="rId12"/>
-    <p:sldId id="298" r:id="rId13"/>
-    <p:sldId id="288" r:id="rId14"/>
-    <p:sldId id="299" r:id="rId15"/>
-    <p:sldId id="300" r:id="rId16"/>
-    <p:sldId id="302" r:id="rId17"/>
-    <p:sldId id="303" r:id="rId18"/>
-    <p:sldId id="291" r:id="rId19"/>
-    <p:sldId id="292" r:id="rId20"/>
-    <p:sldId id="301" r:id="rId21"/>
-    <p:sldId id="293" r:id="rId22"/>
-    <p:sldId id="294" r:id="rId23"/>
+    <p:sldId id="304" r:id="rId3"/>
+    <p:sldId id="282" r:id="rId4"/>
+    <p:sldId id="284" r:id="rId5"/>
+    <p:sldId id="283" r:id="rId6"/>
+    <p:sldId id="285" r:id="rId7"/>
+    <p:sldId id="286" r:id="rId8"/>
+    <p:sldId id="287" r:id="rId9"/>
+    <p:sldId id="295" r:id="rId10"/>
+    <p:sldId id="289" r:id="rId11"/>
+    <p:sldId id="297" r:id="rId12"/>
+    <p:sldId id="290" r:id="rId13"/>
+    <p:sldId id="298" r:id="rId14"/>
+    <p:sldId id="288" r:id="rId15"/>
+    <p:sldId id="299" r:id="rId16"/>
+    <p:sldId id="300" r:id="rId17"/>
+    <p:sldId id="302" r:id="rId18"/>
+    <p:sldId id="303" r:id="rId19"/>
+    <p:sldId id="291" r:id="rId20"/>
+    <p:sldId id="292" r:id="rId21"/>
+    <p:sldId id="301" r:id="rId22"/>
+    <p:sldId id="293" r:id="rId23"/>
+    <p:sldId id="294" r:id="rId24"/>
   </p:sldIdLst>
   <p:sldSz cx="9144000" cy="6858000" type="screen4x3"/>
   <p:notesSz cx="6858000" cy="9144000"/>
@@ -2054,8 +2055,8 @@
     <dgm:cxn modelId="{3993E0AE-D03C-8143-A94A-AC4B577645FD}" srcId="{233D6E84-E1A1-2549-A0F2-C7B0562D4DC2}" destId="{4391B368-D339-3341-B7F4-F1EACBD8112C}" srcOrd="1" destOrd="0" parTransId="{525C8D7D-2181-9641-8E7B-48A66FD46CCF}" sibTransId="{017FCF6A-D315-C845-A14B-3785C8312B03}"/>
     <dgm:cxn modelId="{A7C1F6E2-D175-4040-82D0-CAA14DEF59DB}" type="presOf" srcId="{017FCF6A-D315-C845-A14B-3785C8312B03}" destId="{F85FA051-B376-0A44-916D-F63D0BAB707A}" srcOrd="0" destOrd="0" presId="urn:microsoft.com/office/officeart/2005/8/layout/cycle2"/>
     <dgm:cxn modelId="{FCCD9DFE-7194-D443-9A6F-6397F7387644}" type="presOf" srcId="{017FCF6A-D315-C845-A14B-3785C8312B03}" destId="{4FC8FB48-D300-D34A-A172-468FC10B59F3}" srcOrd="1" destOrd="0" presId="urn:microsoft.com/office/officeart/2005/8/layout/cycle2"/>
+    <dgm:cxn modelId="{AD4E4930-5AFD-1348-A385-BABB9FAF1A64}" srcId="{233D6E84-E1A1-2549-A0F2-C7B0562D4DC2}" destId="{1301BCBD-F7E9-D842-B366-AE8DF9D44307}" srcOrd="3" destOrd="0" parTransId="{9C3B4153-4EBC-014E-A94E-EC5416EA5F53}" sibTransId="{8645893A-1D18-A745-8C61-02B1BC8C6D73}"/>
     <dgm:cxn modelId="{0897C944-E724-714A-8056-CB71E482F351}" type="presOf" srcId="{F2B3E4B8-49CC-0543-96DA-0428CE967C4D}" destId="{661C81D8-F9BA-3E4A-A620-3FF8A37A3261}" srcOrd="0" destOrd="0" presId="urn:microsoft.com/office/officeart/2005/8/layout/cycle2"/>
-    <dgm:cxn modelId="{AD4E4930-5AFD-1348-A385-BABB9FAF1A64}" srcId="{233D6E84-E1A1-2549-A0F2-C7B0562D4DC2}" destId="{1301BCBD-F7E9-D842-B366-AE8DF9D44307}" srcOrd="3" destOrd="0" parTransId="{9C3B4153-4EBC-014E-A94E-EC5416EA5F53}" sibTransId="{8645893A-1D18-A745-8C61-02B1BC8C6D73}"/>
     <dgm:cxn modelId="{FACDF9A7-E07A-1545-8E49-A3435BAB878E}" type="presOf" srcId="{233D6E84-E1A1-2549-A0F2-C7B0562D4DC2}" destId="{F2E8152F-879E-2E4A-9EAB-447FC69EDA7C}" srcOrd="0" destOrd="0" presId="urn:microsoft.com/office/officeart/2005/8/layout/cycle2"/>
     <dgm:cxn modelId="{1BDC8217-467C-0640-BBE2-9613D2F895A7}" type="presOf" srcId="{F2B3E4B8-49CC-0543-96DA-0428CE967C4D}" destId="{8A12A7FE-929E-2F4B-B931-5CBC014E4963}" srcOrd="1" destOrd="0" presId="urn:microsoft.com/office/officeart/2005/8/layout/cycle2"/>
     <dgm:cxn modelId="{FBA589CE-3284-EB4E-A48C-8E0047464A21}" type="presParOf" srcId="{F2E8152F-879E-2E4A-9EAB-447FC69EDA7C}" destId="{8E4677FD-5724-4B4B-92D6-6A60064A4119}" srcOrd="0" destOrd="0" presId="urn:microsoft.com/office/officeart/2005/8/layout/cycle2"/>
@@ -6544,7 +6545,7 @@
             <a:fld id="{7307762F-A706-E543-A832-3C298AA3103F}" type="datetimeFigureOut">
               <a:rPr lang="en-US" smtClean="0"/>
               <a:pPr/>
-              <a:t>15/11/15</a:t>
+              <a:t>16/11/15</a:t>
             </a:fld>
             <a:endParaRPr lang="en-US" dirty="0"/>
           </a:p>
@@ -7111,7 +7112,7 @@
           <a:p>
             <a:fld id="{875CF0EB-321F-0749-B37A-89BBA859503C}" type="datetimeFigureOut">
               <a:rPr lang="en-US" smtClean="0"/>
-              <a:t>15/11/15</a:t>
+              <a:t>16/11/15</a:t>
             </a:fld>
             <a:endParaRPr lang="en-US"/>
           </a:p>
@@ -7315,7 +7316,7 @@
           <a:p>
             <a:fld id="{875CF0EB-321F-0749-B37A-89BBA859503C}" type="datetimeFigureOut">
               <a:rPr lang="en-US" smtClean="0"/>
-              <a:t>15/11/15</a:t>
+              <a:t>16/11/15</a:t>
             </a:fld>
             <a:endParaRPr lang="en-US"/>
           </a:p>
@@ -7509,7 +7510,7 @@
           <a:p>
             <a:fld id="{875CF0EB-321F-0749-B37A-89BBA859503C}" type="datetimeFigureOut">
               <a:rPr lang="en-US" smtClean="0"/>
-              <a:t>15/11/15</a:t>
+              <a:t>16/11/15</a:t>
             </a:fld>
             <a:endParaRPr lang="en-US"/>
           </a:p>
@@ -7779,7 +7780,7 @@
           <a:p>
             <a:fld id="{875CF0EB-321F-0749-B37A-89BBA859503C}" type="datetimeFigureOut">
               <a:rPr lang="en-US" smtClean="0"/>
-              <a:t>15/11/15</a:t>
+              <a:t>16/11/15</a:t>
             </a:fld>
             <a:endParaRPr lang="en-US"/>
           </a:p>
@@ -8091,7 +8092,7 @@
           <a:p>
             <a:fld id="{875CF0EB-321F-0749-B37A-89BBA859503C}" type="datetimeFigureOut">
               <a:rPr lang="en-US" smtClean="0"/>
-              <a:t>15/11/15</a:t>
+              <a:t>16/11/15</a:t>
             </a:fld>
             <a:endParaRPr lang="en-US"/>
           </a:p>
@@ -8537,7 +8538,7 @@
           <a:p>
             <a:fld id="{875CF0EB-321F-0749-B37A-89BBA859503C}" type="datetimeFigureOut">
               <a:rPr lang="en-US" smtClean="0"/>
-              <a:t>15/11/15</a:t>
+              <a:t>16/11/15</a:t>
             </a:fld>
             <a:endParaRPr lang="en-US"/>
           </a:p>
@@ -8679,7 +8680,7 @@
           <a:p>
             <a:fld id="{875CF0EB-321F-0749-B37A-89BBA859503C}" type="datetimeFigureOut">
               <a:rPr lang="en-US" smtClean="0"/>
-              <a:t>15/11/15</a:t>
+              <a:t>16/11/15</a:t>
             </a:fld>
             <a:endParaRPr lang="en-US"/>
           </a:p>
@@ -8798,7 +8799,7 @@
           <a:p>
             <a:fld id="{875CF0EB-321F-0749-B37A-89BBA859503C}" type="datetimeFigureOut">
               <a:rPr lang="en-US" smtClean="0"/>
-              <a:t>15/11/15</a:t>
+              <a:t>16/11/15</a:t>
             </a:fld>
             <a:endParaRPr lang="en-US"/>
           </a:p>
@@ -9099,7 +9100,7 @@
           <a:p>
             <a:fld id="{875CF0EB-321F-0749-B37A-89BBA859503C}" type="datetimeFigureOut">
               <a:rPr lang="en-US" smtClean="0"/>
-              <a:t>15/11/15</a:t>
+              <a:t>16/11/15</a:t>
             </a:fld>
             <a:endParaRPr lang="en-US"/>
           </a:p>
@@ -9376,7 +9377,7 @@
           <a:p>
             <a:fld id="{875CF0EB-321F-0749-B37A-89BBA859503C}" type="datetimeFigureOut">
               <a:rPr lang="en-US" smtClean="0"/>
-              <a:t>15/11/15</a:t>
+              <a:t>16/11/15</a:t>
             </a:fld>
             <a:endParaRPr lang="en-US"/>
           </a:p>
@@ -10382,6 +10383,160 @@
           <a:p>
             <a:r>
               <a:rPr lang="en-US" dirty="0" smtClean="0"/>
+              <a:t>Partitioning / Hashing</a:t>
+            </a:r>
+            <a:endParaRPr lang="en-US" dirty="0"/>
+          </a:p>
+        </p:txBody>
+      </p:sp>
+      <p:sp>
+        <p:nvSpPr>
+          <p:cNvPr id="3" name="Content Placeholder 2"/>
+          <p:cNvSpPr>
+            <a:spLocks noGrp="1"/>
+          </p:cNvSpPr>
+          <p:nvPr>
+            <p:ph idx="1"/>
+          </p:nvPr>
+        </p:nvSpPr>
+        <p:spPr/>
+        <p:txBody>
+          <a:bodyPr>
+            <a:normAutofit fontScale="92500" lnSpcReduction="20000"/>
+          </a:bodyPr>
+          <a:lstStyle/>
+          <a:p>
+            <a:r>
+              <a:rPr lang="en-US" dirty="0" smtClean="0"/>
+              <a:t>Cassandra partitions your data via a Hash function onto different nodes</a:t>
+            </a:r>
+          </a:p>
+          <a:p>
+            <a:pPr lvl="1"/>
+            <a:r>
+              <a:rPr lang="en-US" dirty="0" smtClean="0"/>
+              <a:t>Based on the row key</a:t>
+            </a:r>
+          </a:p>
+          <a:p>
+            <a:pPr lvl="1"/>
+            <a:r>
+              <a:rPr lang="en-US" dirty="0" smtClean="0"/>
+              <a:t>This can be random (MD5 hash), or specific to the data (ordered)</a:t>
+            </a:r>
+          </a:p>
+          <a:p>
+            <a:pPr lvl="1"/>
+            <a:r>
+              <a:rPr lang="en-US" dirty="0" smtClean="0"/>
+              <a:t>Random is recommended as it is guaranteed to be balanced</a:t>
+            </a:r>
+          </a:p>
+          <a:p>
+            <a:pPr lvl="1"/>
+            <a:r>
+              <a:rPr lang="en-US" dirty="0" smtClean="0"/>
+              <a:t>The latest random </a:t>
+            </a:r>
+            <a:r>
+              <a:rPr lang="en-US" dirty="0" err="1" smtClean="0"/>
+              <a:t>partitioner</a:t>
+            </a:r>
+            <a:r>
+              <a:rPr lang="en-US" dirty="0" smtClean="0"/>
+              <a:t> is the Murmur3Partitioner based on the Murmur3 hash function</a:t>
+            </a:r>
+          </a:p>
+          <a:p>
+            <a:pPr lvl="2"/>
+            <a:r>
+              <a:rPr lang="en-US" dirty="0">
+                <a:hlinkClick r:id="rId2"/>
+              </a:rPr>
+              <a:t>https://en.wikipedia.org/wiki/</a:t>
+            </a:r>
+            <a:r>
+              <a:rPr lang="en-US" dirty="0" smtClean="0">
+                <a:hlinkClick r:id="rId2"/>
+              </a:rPr>
+              <a:t>MurmurHash</a:t>
+            </a:r>
+            <a:r>
+              <a:rPr lang="en-US" dirty="0" smtClean="0"/>
+              <a:t> </a:t>
+            </a:r>
+          </a:p>
+          <a:p>
+            <a:pPr lvl="1"/>
+            <a:r>
+              <a:rPr lang="en-US" dirty="0" smtClean="0"/>
+              <a:t>Specified in </a:t>
+            </a:r>
+            <a:r>
+              <a:rPr lang="en-US" dirty="0" err="1" smtClean="0"/>
+              <a:t>cassandra.yaml</a:t>
+            </a:r>
+            <a:endParaRPr lang="en-US" dirty="0" smtClean="0"/>
+          </a:p>
+          <a:p>
+            <a:pPr marL="457200" lvl="1" indent="0">
+              <a:buNone/>
+            </a:pPr>
+            <a:endParaRPr lang="en-US" dirty="0" smtClean="0"/>
+          </a:p>
+          <a:p>
+            <a:pPr lvl="1"/>
+            <a:endParaRPr lang="en-US" dirty="0"/>
+          </a:p>
+        </p:txBody>
+      </p:sp>
+    </p:spTree>
+    <p:extLst>
+      <p:ext uri="{BB962C8B-B14F-4D97-AF65-F5344CB8AC3E}">
+        <p14:creationId xmlns:p14="http://schemas.microsoft.com/office/powerpoint/2010/main" val="845217799"/>
+      </p:ext>
+    </p:extLst>
+  </p:cSld>
+  <p:clrMapOvr>
+    <a:masterClrMapping/>
+  </p:clrMapOvr>
+</p:sld>
+</file>
+
+<file path=ppt/slides/slide11.xml><?xml version="1.0" encoding="utf-8"?>
+<p:sld xmlns:a="http://schemas.openxmlformats.org/drawingml/2006/main" xmlns:r="http://schemas.openxmlformats.org/officeDocument/2006/relationships" xmlns:p="http://schemas.openxmlformats.org/presentationml/2006/main">
+  <p:cSld>
+    <p:spTree>
+      <p:nvGrpSpPr>
+        <p:cNvPr id="1" name=""/>
+        <p:cNvGrpSpPr/>
+        <p:nvPr/>
+      </p:nvGrpSpPr>
+      <p:grpSpPr>
+        <a:xfrm>
+          <a:off x="0" y="0"/>
+          <a:ext cx="0" cy="0"/>
+          <a:chOff x="0" y="0"/>
+          <a:chExt cx="0" cy="0"/>
+        </a:xfrm>
+      </p:grpSpPr>
+      <p:sp>
+        <p:nvSpPr>
+          <p:cNvPr id="2" name="Title 1"/>
+          <p:cNvSpPr>
+            <a:spLocks noGrp="1"/>
+          </p:cNvSpPr>
+          <p:nvPr>
+            <p:ph type="title"/>
+          </p:nvPr>
+        </p:nvSpPr>
+        <p:spPr/>
+        <p:txBody>
+          <a:bodyPr/>
+          <a:lstStyle/>
+          <a:p>
+            <a:r>
+              <a:rPr lang="en-US" dirty="0" smtClean="0"/>
               <a:t>Replication</a:t>
             </a:r>
             <a:endParaRPr lang="en-US" dirty="0"/>
@@ -10577,165 +10732,6 @@
 </p:sld>
 </file>
 
-<file path=ppt/slides/slide11.xml><?xml version="1.0" encoding="utf-8"?>
-<p:sld xmlns:a="http://schemas.openxmlformats.org/drawingml/2006/main" xmlns:r="http://schemas.openxmlformats.org/officeDocument/2006/relationships" xmlns:p="http://schemas.openxmlformats.org/presentationml/2006/main">
-  <p:cSld>
-    <p:spTree>
-      <p:nvGrpSpPr>
-        <p:cNvPr id="1" name=""/>
-        <p:cNvGrpSpPr/>
-        <p:nvPr/>
-      </p:nvGrpSpPr>
-      <p:grpSpPr>
-        <a:xfrm>
-          <a:off x="0" y="0"/>
-          <a:ext cx="0" cy="0"/>
-          <a:chOff x="0" y="0"/>
-          <a:chExt cx="0" cy="0"/>
-        </a:xfrm>
-      </p:grpSpPr>
-      <p:sp>
-        <p:nvSpPr>
-          <p:cNvPr id="2" name="Title 1"/>
-          <p:cNvSpPr>
-            <a:spLocks noGrp="1"/>
-          </p:cNvSpPr>
-          <p:nvPr>
-            <p:ph type="title"/>
-          </p:nvPr>
-        </p:nvSpPr>
-        <p:spPr/>
-        <p:txBody>
-          <a:bodyPr/>
-          <a:lstStyle/>
-          <a:p>
-            <a:r>
-              <a:rPr lang="en-US" dirty="0" smtClean="0"/>
-              <a:t>Replication</a:t>
-            </a:r>
-            <a:endParaRPr lang="en-US" dirty="0"/>
-          </a:p>
-        </p:txBody>
-      </p:sp>
-      <p:sp>
-        <p:nvSpPr>
-          <p:cNvPr id="3" name="Content Placeholder 2"/>
-          <p:cNvSpPr>
-            <a:spLocks noGrp="1"/>
-          </p:cNvSpPr>
-          <p:nvPr>
-            <p:ph idx="1"/>
-          </p:nvPr>
-        </p:nvSpPr>
-        <p:spPr/>
-        <p:txBody>
-          <a:bodyPr>
-            <a:normAutofit fontScale="92500" lnSpcReduction="20000"/>
-          </a:bodyPr>
-          <a:lstStyle/>
-          <a:p>
-            <a:r>
-              <a:rPr lang="en-US" dirty="0" smtClean="0"/>
-              <a:t>Each row is replicated to other servers based on the </a:t>
-            </a:r>
-            <a:r>
-              <a:rPr lang="en-US" i="1" dirty="0" smtClean="0"/>
-              <a:t>replication factor</a:t>
-            </a:r>
-          </a:p>
-          <a:p>
-            <a:pPr lvl="1"/>
-            <a:r>
-              <a:rPr lang="en-US" dirty="0" smtClean="0"/>
-              <a:t>Replication factor 1 means no copies</a:t>
-            </a:r>
-          </a:p>
-          <a:p>
-            <a:pPr lvl="1"/>
-            <a:r>
-              <a:rPr lang="en-US" dirty="0" smtClean="0"/>
-              <a:t>Set per </a:t>
-            </a:r>
-            <a:r>
-              <a:rPr lang="en-US" dirty="0" err="1" smtClean="0"/>
-              <a:t>keyspace</a:t>
-            </a:r>
-            <a:endParaRPr lang="en-US" dirty="0" smtClean="0"/>
-          </a:p>
-          <a:p>
-            <a:r>
-              <a:rPr lang="en-US" dirty="0" err="1" smtClean="0"/>
-              <a:t>SimpleStrategy</a:t>
-            </a:r>
-            <a:endParaRPr lang="en-US" dirty="0" smtClean="0"/>
-          </a:p>
-          <a:p>
-            <a:pPr lvl="1"/>
-            <a:r>
-              <a:rPr lang="en-US" dirty="0" smtClean="0"/>
-              <a:t>Copied onto the next </a:t>
-            </a:r>
-            <a:r>
-              <a:rPr lang="en-US" i="1" dirty="0" smtClean="0"/>
-              <a:t>n</a:t>
-            </a:r>
-            <a:r>
-              <a:rPr lang="en-US" dirty="0" smtClean="0"/>
-              <a:t> servers clockwise in the cluster</a:t>
-            </a:r>
-          </a:p>
-          <a:p>
-            <a:r>
-              <a:rPr lang="en-US" dirty="0" err="1" smtClean="0"/>
-              <a:t>NetworkTopologyStrategy</a:t>
-            </a:r>
-            <a:endParaRPr lang="en-US" dirty="0" smtClean="0"/>
-          </a:p>
-          <a:p>
-            <a:pPr lvl="1"/>
-            <a:r>
-              <a:rPr lang="en-US" dirty="0" smtClean="0"/>
-              <a:t>Tries to get onto a different rack</a:t>
-            </a:r>
-          </a:p>
-          <a:p>
-            <a:pPr lvl="1"/>
-            <a:r>
-              <a:rPr lang="en-US" dirty="0" smtClean="0"/>
-              <a:t>Or a different </a:t>
-            </a:r>
-            <a:r>
-              <a:rPr lang="en-US" dirty="0" err="1" smtClean="0"/>
-              <a:t>datacentre</a:t>
-            </a:r>
-            <a:r>
-              <a:rPr lang="en-US" dirty="0" smtClean="0"/>
-              <a:t> if you specify a </a:t>
-            </a:r>
-            <a:r>
-              <a:rPr lang="en-US" b="1" dirty="0" smtClean="0"/>
-              <a:t>Replica Group</a:t>
-            </a:r>
-          </a:p>
-          <a:p>
-            <a:pPr lvl="1"/>
-            <a:endParaRPr lang="en-US" dirty="0"/>
-          </a:p>
-        </p:txBody>
-      </p:sp>
-    </p:spTree>
-    <p:extLst>
-      <p:ext uri="{BB962C8B-B14F-4D97-AF65-F5344CB8AC3E}">
-        <p14:creationId xmlns:p14="http://schemas.microsoft.com/office/powerpoint/2010/main" val="507535015"/>
-      </p:ext>
-    </p:extLst>
-  </p:cSld>
-  <p:clrMapOvr>
-    <a:masterClrMapping/>
-  </p:clrMapOvr>
-</p:sld>
-</file>
-
 <file path=ppt/slides/slide12.xml><?xml version="1.0" encoding="utf-8"?>
 <p:sld xmlns:a="http://schemas.openxmlformats.org/drawingml/2006/main" xmlns:r="http://schemas.openxmlformats.org/officeDocument/2006/relationships" xmlns:p="http://schemas.openxmlformats.org/presentationml/2006/main">
   <p:cSld>
@@ -10770,7 +10766,7 @@
           <a:p>
             <a:r>
               <a:rPr lang="en-US" dirty="0" smtClean="0"/>
-              <a:t>The snitch</a:t>
+              <a:t>Replication</a:t>
             </a:r>
             <a:endParaRPr lang="en-US" dirty="0"/>
           </a:p>
@@ -10789,78 +10785,95 @@
         <p:spPr/>
         <p:txBody>
           <a:bodyPr>
-            <a:normAutofit fontScale="92500" lnSpcReduction="10000"/>
+            <a:normAutofit fontScale="92500" lnSpcReduction="20000"/>
           </a:bodyPr>
           <a:lstStyle/>
           <a:p>
             <a:r>
               <a:rPr lang="en-US" dirty="0" smtClean="0"/>
-              <a:t>Manages the Replication</a:t>
+              <a:t>Each row is replicated to other servers based on the </a:t>
+            </a:r>
+            <a:r>
+              <a:rPr lang="en-US" i="1" dirty="0" smtClean="0"/>
+              <a:t>replication factor</a:t>
             </a:r>
           </a:p>
           <a:p>
             <a:pPr lvl="1"/>
             <a:r>
               <a:rPr lang="en-US" dirty="0" smtClean="0"/>
-              <a:t>Simple Snitch</a:t>
-            </a:r>
-          </a:p>
-          <a:p>
-            <a:pPr lvl="2"/>
+              <a:t>Replication factor 1 means no copies</a:t>
+            </a:r>
+          </a:p>
+          <a:p>
+            <a:pPr lvl="1"/>
             <a:r>
               <a:rPr lang="en-US" dirty="0" smtClean="0"/>
-              <a:t>Simple replication strategy</a:t>
-            </a:r>
+              <a:t>Set per </a:t>
+            </a:r>
+            <a:r>
+              <a:rPr lang="en-US" dirty="0" err="1" smtClean="0"/>
+              <a:t>keyspace</a:t>
+            </a:r>
+            <a:endParaRPr lang="en-US" dirty="0" smtClean="0"/>
+          </a:p>
+          <a:p>
+            <a:r>
+              <a:rPr lang="en-US" dirty="0" err="1" smtClean="0"/>
+              <a:t>SimpleStrategy</a:t>
+            </a:r>
+            <a:endParaRPr lang="en-US" dirty="0" smtClean="0"/>
           </a:p>
           <a:p>
             <a:pPr lvl="1"/>
             <a:r>
               <a:rPr lang="en-US" dirty="0" smtClean="0"/>
-              <a:t>Rack Inferring Snitch</a:t>
-            </a:r>
-          </a:p>
-          <a:p>
-            <a:pPr lvl="2"/>
+              <a:t>Copied onto the next </a:t>
+            </a:r>
+            <a:r>
+              <a:rPr lang="en-US" i="1" dirty="0" smtClean="0"/>
+              <a:t>n</a:t>
+            </a:r>
             <a:r>
               <a:rPr lang="en-US" dirty="0" smtClean="0"/>
-              <a:t>Assumes your IP address octets define the </a:t>
-            </a:r>
+              <a:t> servers clockwise in the cluster</a:t>
+            </a:r>
+          </a:p>
+          <a:p>
             <a:r>
               <a:rPr lang="en-US" dirty="0" err="1" smtClean="0"/>
-              <a:t>datacentres</a:t>
-            </a:r>
+              <a:t>NetworkTopologyStrategy</a:t>
+            </a:r>
+            <a:endParaRPr lang="en-US" dirty="0" smtClean="0"/>
+          </a:p>
+          <a:p>
+            <a:pPr lvl="1"/>
             <a:r>
               <a:rPr lang="en-US" dirty="0" smtClean="0"/>
-              <a:t> and racks</a:t>
+              <a:t>Tries to get onto a different rack</a:t>
             </a:r>
           </a:p>
           <a:p>
             <a:pPr lvl="1"/>
             <a:r>
               <a:rPr lang="en-US" dirty="0" smtClean="0"/>
-              <a:t>Property File Snitch</a:t>
-            </a:r>
-          </a:p>
-          <a:p>
-            <a:pPr lvl="2"/>
+              <a:t>Or a different </a:t>
+            </a:r>
+            <a:r>
+              <a:rPr lang="en-US" dirty="0" err="1" smtClean="0"/>
+              <a:t>datacentre</a:t>
+            </a:r>
             <a:r>
               <a:rPr lang="en-US" dirty="0" smtClean="0"/>
-              <a:t>Let’s you specify your topology using a properties File</a:t>
+              <a:t> if you specify a </a:t>
+            </a:r>
+            <a:r>
+              <a:rPr lang="en-US" b="1" dirty="0" smtClean="0"/>
+              <a:t>Replica Group</a:t>
             </a:r>
           </a:p>
           <a:p>
             <a:pPr lvl="1"/>
-            <a:r>
-              <a:rPr lang="en-US" dirty="0" smtClean="0"/>
-              <a:t>EC2 snitch</a:t>
-            </a:r>
-          </a:p>
-          <a:p>
-            <a:pPr lvl="2"/>
-            <a:r>
-              <a:rPr lang="en-US" dirty="0" smtClean="0"/>
-              <a:t>Makes calls to EC2 to understand the topology</a:t>
-            </a:r>
             <a:endParaRPr lang="en-US" dirty="0"/>
           </a:p>
         </p:txBody>
@@ -10868,7 +10881,7 @@
     </p:spTree>
     <p:extLst>
       <p:ext uri="{BB962C8B-B14F-4D97-AF65-F5344CB8AC3E}">
-        <p14:creationId xmlns:p14="http://schemas.microsoft.com/office/powerpoint/2010/main" val="2536198699"/>
+        <p14:creationId xmlns:p14="http://schemas.microsoft.com/office/powerpoint/2010/main" val="507535015"/>
       </p:ext>
     </p:extLst>
   </p:cSld>
@@ -10912,7 +10925,7 @@
           <a:p>
             <a:r>
               <a:rPr lang="en-US" dirty="0" smtClean="0"/>
-              <a:t>CQL	</a:t>
+              <a:t>The snitch</a:t>
             </a:r>
             <a:endParaRPr lang="en-US" dirty="0"/>
           </a:p>
@@ -10930,39 +10943,78 @@
         </p:nvSpPr>
         <p:spPr/>
         <p:txBody>
-          <a:bodyPr/>
+          <a:bodyPr>
+            <a:normAutofit fontScale="92500" lnSpcReduction="10000"/>
+          </a:bodyPr>
           <a:lstStyle/>
           <a:p>
             <a:r>
               <a:rPr lang="en-US" dirty="0" smtClean="0"/>
-              <a:t>A variant of SQL written specifically for Cassandra</a:t>
+              <a:t>Manages the Replication</a:t>
             </a:r>
           </a:p>
           <a:p>
             <a:pPr lvl="1"/>
             <a:r>
               <a:rPr lang="en-US" dirty="0" smtClean="0"/>
-              <a:t>The preferred model of access</a:t>
+              <a:t>Simple Snitch</a:t>
+            </a:r>
+          </a:p>
+          <a:p>
+            <a:pPr lvl="2"/>
+            <a:r>
+              <a:rPr lang="en-US" dirty="0" smtClean="0"/>
+              <a:t>Simple replication strategy</a:t>
             </a:r>
           </a:p>
           <a:p>
             <a:pPr lvl="1"/>
             <a:r>
               <a:rPr lang="en-US" dirty="0" smtClean="0"/>
-              <a:t>Replaces the old “Thrift” API</a:t>
-            </a:r>
-          </a:p>
-          <a:p>
+              <a:t>Rack Inferring Snitch</a:t>
+            </a:r>
+          </a:p>
+          <a:p>
+            <a:pPr lvl="2"/>
             <a:r>
               <a:rPr lang="en-US" dirty="0" smtClean="0"/>
-              <a:t>Attempts to have some compatibility with normal SQL</a:t>
+              <a:t>Assumes your IP address octets define the </a:t>
+            </a:r>
+            <a:r>
+              <a:rPr lang="en-US" dirty="0" err="1" smtClean="0"/>
+              <a:t>datacentres</a:t>
+            </a:r>
+            <a:r>
+              <a:rPr lang="en-US" dirty="0" smtClean="0"/>
+              <a:t> and racks</a:t>
             </a:r>
           </a:p>
           <a:p>
             <a:pPr lvl="1"/>
             <a:r>
               <a:rPr lang="en-US" dirty="0" smtClean="0"/>
-              <a:t>e.g. you can use either KEYSPACE or TABLE interchangeably</a:t>
+              <a:t>Property File Snitch</a:t>
+            </a:r>
+          </a:p>
+          <a:p>
+            <a:pPr lvl="2"/>
+            <a:r>
+              <a:rPr lang="en-US" dirty="0" smtClean="0"/>
+              <a:t>Let’s you specify your topology using a properties File</a:t>
+            </a:r>
+          </a:p>
+          <a:p>
+            <a:pPr lvl="1"/>
+            <a:r>
+              <a:rPr lang="en-US" dirty="0" smtClean="0"/>
+              <a:t>EC2 snitch</a:t>
+            </a:r>
+          </a:p>
+          <a:p>
+            <a:pPr lvl="2"/>
+            <a:r>
+              <a:rPr lang="en-US" dirty="0" smtClean="0"/>
+              <a:t>Makes calls to EC2 to understand the topology</a:t>
             </a:r>
             <a:endParaRPr lang="en-US" dirty="0"/>
           </a:p>
@@ -10971,7 +11023,7 @@
     </p:spTree>
     <p:extLst>
       <p:ext uri="{BB962C8B-B14F-4D97-AF65-F5344CB8AC3E}">
-        <p14:creationId xmlns:p14="http://schemas.microsoft.com/office/powerpoint/2010/main" val="3784706942"/>
+        <p14:creationId xmlns:p14="http://schemas.microsoft.com/office/powerpoint/2010/main" val="2536198699"/>
       </p:ext>
     </p:extLst>
   </p:cSld>
@@ -11015,7 +11067,7 @@
           <a:p>
             <a:r>
               <a:rPr lang="en-US" dirty="0" smtClean="0"/>
-              <a:t>CQL examples</a:t>
+              <a:t>CQL	</a:t>
             </a:r>
             <a:endParaRPr lang="en-US" dirty="0"/>
           </a:p>
@@ -11033,133 +11085,40 @@
         </p:nvSpPr>
         <p:spPr/>
         <p:txBody>
-          <a:bodyPr>
-            <a:normAutofit fontScale="92500" lnSpcReduction="10000"/>
-          </a:bodyPr>
+          <a:bodyPr/>
           <a:lstStyle/>
           <a:p>
-            <a:pPr marL="0" indent="0">
-              <a:buNone/>
-            </a:pPr>
-            <a:r>
-              <a:rPr lang="en-US" dirty="0"/>
-              <a:t>SELECT name, occupation FROM users WHERE </a:t>
-            </a:r>
-            <a:r>
-              <a:rPr lang="en-US" dirty="0" err="1"/>
-              <a:t>userid</a:t>
-            </a:r>
-            <a:r>
-              <a:rPr lang="en-US" dirty="0"/>
-              <a:t> IN (199, 200, 207)</a:t>
-            </a:r>
             <a:r>
               <a:rPr lang="en-US" dirty="0" smtClean="0"/>
-              <a:t>;</a:t>
-            </a:r>
-          </a:p>
-          <a:p>
-            <a:pPr marL="0" indent="0">
-              <a:buNone/>
-            </a:pPr>
-            <a:endParaRPr lang="en-US" dirty="0"/>
-          </a:p>
-          <a:p>
-            <a:pPr marL="0" indent="0">
-              <a:buNone/>
-            </a:pPr>
+              <a:t>A variant of SQL written specifically for Cassandra</a:t>
+            </a:r>
+          </a:p>
+          <a:p>
+            <a:pPr lvl="1"/>
             <a:r>
               <a:rPr lang="en-US" dirty="0" smtClean="0"/>
-              <a:t>However, some queries are not permitted:</a:t>
-            </a:r>
-          </a:p>
-          <a:p>
-            <a:pPr marL="0" indent="0">
-              <a:buNone/>
-            </a:pPr>
-            <a:r>
-              <a:rPr lang="en-US" sz="2600" dirty="0"/>
-              <a:t>	SELECT </a:t>
-            </a:r>
-            <a:r>
-              <a:rPr lang="en-US" sz="2600" dirty="0" err="1"/>
-              <a:t>firstname</a:t>
-            </a:r>
-            <a:r>
-              <a:rPr lang="en-US" sz="2600" dirty="0"/>
-              <a:t>, </a:t>
-            </a:r>
-            <a:r>
-              <a:rPr lang="en-US" sz="2600" dirty="0" err="1"/>
-              <a:t>lastname</a:t>
-            </a:r>
-            <a:r>
-              <a:rPr lang="en-US" sz="2600" dirty="0"/>
-              <a:t> FROM users WHERE </a:t>
-            </a:r>
-            <a:r>
-              <a:rPr lang="en-US" sz="2600" dirty="0" smtClean="0"/>
-              <a:t/>
-            </a:r>
-            <a:br>
-              <a:rPr lang="en-US" sz="2600" dirty="0" smtClean="0"/>
-            </a:br>
-            <a:r>
-              <a:rPr lang="en-US" sz="2600" dirty="0" smtClean="0"/>
-              <a:t>		    </a:t>
-            </a:r>
-            <a:r>
-              <a:rPr lang="en-US" sz="2600" dirty="0" err="1" smtClean="0"/>
-              <a:t>birth_year</a:t>
-            </a:r>
-            <a:r>
-              <a:rPr lang="en-US" sz="2600" dirty="0" smtClean="0"/>
-              <a:t> </a:t>
-            </a:r>
-            <a:r>
-              <a:rPr lang="en-US" sz="2600" dirty="0"/>
-              <a:t>= 1981 AND country = 'FR'</a:t>
-            </a:r>
-            <a:r>
-              <a:rPr lang="en-US" sz="2600" dirty="0" smtClean="0"/>
-              <a:t>;</a:t>
-            </a:r>
-          </a:p>
-          <a:p>
-            <a:pPr marL="0" indent="0">
-              <a:buNone/>
-            </a:pPr>
+              <a:t>The preferred model of access</a:t>
+            </a:r>
+          </a:p>
+          <a:p>
+            <a:pPr lvl="1"/>
             <a:r>
               <a:rPr lang="en-US" dirty="0" smtClean="0"/>
-              <a:t>Requires a large scan of the database and cannot give a predictable time response:</a:t>
-            </a:r>
-          </a:p>
-          <a:p>
-            <a:pPr marL="0" indent="0">
-              <a:buNone/>
-            </a:pPr>
-            <a:r>
-              <a:rPr lang="en-US" dirty="0"/>
-              <a:t>	</a:t>
-            </a:r>
+              <a:t>Replaces the old “Thrift” API</a:t>
+            </a:r>
+          </a:p>
+          <a:p>
             <a:r>
               <a:rPr lang="en-US" dirty="0" smtClean="0"/>
-              <a:t>ALLOW FILTERING will make this run anyway</a:t>
-            </a:r>
-          </a:p>
-          <a:p>
-            <a:pPr marL="0" indent="0">
-              <a:buNone/>
-            </a:pPr>
-            <a:endParaRPr lang="en-US" dirty="0" smtClean="0"/>
-          </a:p>
-          <a:p>
-            <a:endParaRPr lang="en-US" dirty="0" smtClean="0"/>
-          </a:p>
-          <a:p>
-            <a:pPr marL="0" indent="0">
-              <a:buNone/>
-            </a:pPr>
+              <a:t>Attempts to have some compatibility with normal SQL</a:t>
+            </a:r>
+          </a:p>
+          <a:p>
+            <a:pPr lvl="1"/>
+            <a:r>
+              <a:rPr lang="en-US" dirty="0" smtClean="0"/>
+              <a:t>e.g. you can use either KEYSPACE or TABLE interchangeably</a:t>
+            </a:r>
             <a:endParaRPr lang="en-US" dirty="0"/>
           </a:p>
         </p:txBody>
@@ -11167,7 +11126,7 @@
     </p:spTree>
     <p:extLst>
       <p:ext uri="{BB962C8B-B14F-4D97-AF65-F5344CB8AC3E}">
-        <p14:creationId xmlns:p14="http://schemas.microsoft.com/office/powerpoint/2010/main" val="2849424363"/>
+        <p14:creationId xmlns:p14="http://schemas.microsoft.com/office/powerpoint/2010/main" val="3784706942"/>
       </p:ext>
     </p:extLst>
   </p:cSld>
@@ -11211,7 +11170,7 @@
           <a:p>
             <a:r>
               <a:rPr lang="en-US" dirty="0" smtClean="0"/>
-              <a:t>INSERT / UPDATE</a:t>
+              <a:t>CQL examples</a:t>
             </a:r>
             <a:endParaRPr lang="en-US" dirty="0"/>
           </a:p>
@@ -11227,15 +11186,10 @@
             <p:ph idx="1"/>
           </p:nvPr>
         </p:nvSpPr>
-        <p:spPr>
-          <a:xfrm>
-            <a:off x="375635" y="1600200"/>
-            <a:ext cx="8229600" cy="4525963"/>
-          </a:xfrm>
-        </p:spPr>
+        <p:spPr/>
         <p:txBody>
           <a:bodyPr>
-            <a:normAutofit fontScale="85000" lnSpcReduction="10000"/>
+            <a:normAutofit fontScale="92500" lnSpcReduction="10000"/>
           </a:bodyPr>
           <a:lstStyle/>
           <a:p>
@@ -11243,73 +11197,19 @@
               <a:buNone/>
             </a:pPr>
             <a:r>
-              <a:rPr lang="en-US" sz="2000" dirty="0"/>
-              <a:t>INSERT INTO </a:t>
-            </a:r>
-            <a:r>
-              <a:rPr lang="en-US" sz="2000" dirty="0" err="1"/>
-              <a:t>NerdMovies</a:t>
-            </a:r>
-            <a:r>
-              <a:rPr lang="en-US" sz="2000" dirty="0"/>
-              <a:t> (movie, director, </a:t>
-            </a:r>
-            <a:r>
-              <a:rPr lang="en-US" sz="2000" dirty="0" err="1"/>
-              <a:t>main_actor</a:t>
-            </a:r>
-            <a:r>
-              <a:rPr lang="en-US" sz="2000" dirty="0"/>
-              <a:t>, year)</a:t>
-            </a:r>
-          </a:p>
-          <a:p>
-            <a:pPr marL="0" indent="0">
-              <a:buNone/>
-            </a:pPr>
-            <a:r>
-              <a:rPr lang="en-US" sz="2000" dirty="0"/>
-              <a:t>        </a:t>
-            </a:r>
-            <a:r>
-              <a:rPr lang="en-US" sz="2000" dirty="0" smtClean="0"/>
-              <a:t>VALUES </a:t>
-            </a:r>
-            <a:r>
-              <a:rPr lang="en-US" sz="2000" dirty="0"/>
-              <a:t>('Serenity', 'Joss </a:t>
-            </a:r>
-            <a:r>
-              <a:rPr lang="en-US" sz="2000" dirty="0" err="1"/>
-              <a:t>Whedon</a:t>
-            </a:r>
-            <a:r>
-              <a:rPr lang="en-US" sz="2000" dirty="0"/>
-              <a:t>', 'Nathan </a:t>
-            </a:r>
-            <a:r>
-              <a:rPr lang="en-US" sz="2000" dirty="0" err="1"/>
-              <a:t>Fillion</a:t>
-            </a:r>
-            <a:r>
-              <a:rPr lang="en-US" sz="2000" dirty="0"/>
-              <a:t>', 2005)</a:t>
-            </a:r>
-          </a:p>
-          <a:p>
-            <a:pPr marL="0" indent="0">
-              <a:buNone/>
-            </a:pPr>
-            <a:r>
-              <a:rPr lang="en-US" sz="2000" i="1" dirty="0" smtClean="0"/>
-              <a:t>		 USING </a:t>
-            </a:r>
-            <a:r>
-              <a:rPr lang="en-US" sz="2000" i="1" dirty="0"/>
-              <a:t>TTL 86400</a:t>
-            </a:r>
-            <a:r>
-              <a:rPr lang="en-US" sz="2000" i="1" dirty="0" smtClean="0"/>
+              <a:rPr lang="en-US" dirty="0"/>
+              <a:t>SELECT name, occupation FROM users WHERE </a:t>
+            </a:r>
+            <a:r>
+              <a:rPr lang="en-US" dirty="0" err="1"/>
+              <a:t>userid</a:t>
+            </a:r>
+            <a:r>
+              <a:rPr lang="en-US" dirty="0"/>
+              <a:t> IN (199, 200, 207)</a:t>
+            </a:r>
+            <a:r>
+              <a:rPr lang="en-US" dirty="0" smtClean="0"/>
               <a:t>;</a:t>
             </a:r>
           </a:p>
@@ -11320,50 +11220,64 @@
             <a:endParaRPr lang="en-US" dirty="0"/>
           </a:p>
           <a:p>
-            <a:r>
-              <a:rPr lang="en-US" sz="3000" dirty="0" smtClean="0"/>
-              <a:t>Every row can have a specified expiry time</a:t>
-            </a:r>
-          </a:p>
-          <a:p>
-            <a:r>
-              <a:rPr lang="en-US" sz="3000" dirty="0" smtClean="0"/>
-              <a:t>Inserts work even if the data is already there, unless you specify:</a:t>
-            </a:r>
-          </a:p>
-          <a:p>
             <a:pPr marL="0" indent="0">
               <a:buNone/>
             </a:pPr>
-            <a:endParaRPr lang="en-US" sz="1900" dirty="0"/>
+            <a:r>
+              <a:rPr lang="en-US" dirty="0" smtClean="0"/>
+              <a:t>However, some queries are not permitted:</a:t>
+            </a:r>
           </a:p>
           <a:p>
             <a:pPr marL="0" indent="0">
               <a:buNone/>
             </a:pPr>
             <a:r>
-              <a:rPr lang="en-US" sz="1900" dirty="0" smtClean="0"/>
-              <a:t>INSERT </a:t>
-            </a:r>
-            <a:r>
-              <a:rPr lang="en-US" sz="1900" dirty="0"/>
-              <a:t>INTO </a:t>
-            </a:r>
-            <a:r>
-              <a:rPr lang="en-US" sz="1900" dirty="0" err="1"/>
-              <a:t>NerdMovies</a:t>
-            </a:r>
-            <a:r>
-              <a:rPr lang="en-US" sz="1900" dirty="0"/>
-              <a:t> (movie, director, </a:t>
-            </a:r>
-            <a:r>
-              <a:rPr lang="en-US" sz="1900" dirty="0" err="1"/>
-              <a:t>main_actor</a:t>
-            </a:r>
-            <a:r>
-              <a:rPr lang="en-US" sz="1900" dirty="0"/>
-              <a:t>, year)</a:t>
+              <a:rPr lang="en-US" sz="2600" dirty="0"/>
+              <a:t>	SELECT </a:t>
+            </a:r>
+            <a:r>
+              <a:rPr lang="en-US" sz="2600" dirty="0" err="1"/>
+              <a:t>firstname</a:t>
+            </a:r>
+            <a:r>
+              <a:rPr lang="en-US" sz="2600" dirty="0"/>
+              <a:t>, </a:t>
+            </a:r>
+            <a:r>
+              <a:rPr lang="en-US" sz="2600" dirty="0" err="1"/>
+              <a:t>lastname</a:t>
+            </a:r>
+            <a:r>
+              <a:rPr lang="en-US" sz="2600" dirty="0"/>
+              <a:t> FROM users WHERE </a:t>
+            </a:r>
+            <a:r>
+              <a:rPr lang="en-US" sz="2600" dirty="0" smtClean="0"/>
+              <a:t/>
+            </a:r>
+            <a:br>
+              <a:rPr lang="en-US" sz="2600" dirty="0" smtClean="0"/>
+            </a:br>
+            <a:r>
+              <a:rPr lang="en-US" sz="2600" dirty="0" smtClean="0"/>
+              <a:t>		    </a:t>
+            </a:r>
+            <a:r>
+              <a:rPr lang="en-US" sz="2600" dirty="0" err="1" smtClean="0"/>
+              <a:t>birth_year</a:t>
+            </a:r>
+            <a:r>
+              <a:rPr lang="en-US" sz="2600" dirty="0" smtClean="0"/>
+              <a:t> </a:t>
+            </a:r>
+            <a:r>
+              <a:rPr lang="en-US" sz="2600" dirty="0"/>
+              <a:t>= 1981 AND country = 'FR'</a:t>
+            </a:r>
+            <a:r>
+              <a:rPr lang="en-US" sz="2600" dirty="0" smtClean="0"/>
+              <a:t>;</a:t>
             </a:r>
           </a:p>
           <a:p>
@@ -11371,83 +11285,30 @@
               <a:buNone/>
             </a:pPr>
             <a:r>
-              <a:rPr lang="en-US" sz="1900" dirty="0"/>
-              <a:t>        VALUES ('Serenity', 'Joss </a:t>
-            </a:r>
-            <a:r>
-              <a:rPr lang="en-US" sz="1900" dirty="0" err="1"/>
-              <a:t>Whedon</a:t>
-            </a:r>
-            <a:r>
-              <a:rPr lang="en-US" sz="1900" dirty="0"/>
-              <a:t>', 'Nathan </a:t>
-            </a:r>
-            <a:r>
-              <a:rPr lang="en-US" sz="1900" dirty="0" err="1"/>
-              <a:t>Fillion</a:t>
-            </a:r>
-            <a:r>
-              <a:rPr lang="en-US" sz="1900" dirty="0"/>
-              <a:t>', 2005</a:t>
-            </a:r>
-            <a:r>
-              <a:rPr lang="en-US" sz="1900" dirty="0" smtClean="0"/>
-              <a:t>)</a:t>
-            </a:r>
-            <a:br>
-              <a:rPr lang="en-US" sz="1900" dirty="0" smtClean="0"/>
-            </a:br>
-            <a:r>
-              <a:rPr lang="en-US" sz="1900" i="1" dirty="0" smtClean="0"/>
-              <a:t>	IF NOT EXISTS</a:t>
-            </a:r>
-            <a:endParaRPr lang="en-US" sz="1900" i="1" dirty="0"/>
+              <a:rPr lang="en-US" dirty="0" smtClean="0"/>
+              <a:t>Requires a large scan of the database and cannot give a predictable time response:</a:t>
+            </a:r>
           </a:p>
           <a:p>
             <a:pPr marL="0" indent="0">
               <a:buNone/>
             </a:pPr>
             <a:r>
-              <a:rPr lang="en-US" sz="1900" dirty="0"/>
-              <a:t>		</a:t>
-            </a:r>
-            <a:r>
-              <a:rPr lang="en-US" sz="1900" dirty="0" smtClean="0"/>
-              <a:t>USING </a:t>
-            </a:r>
-            <a:r>
-              <a:rPr lang="en-US" sz="1900" dirty="0"/>
-              <a:t>TTL 86400</a:t>
-            </a:r>
-            <a:r>
-              <a:rPr lang="en-US" sz="1900" dirty="0" smtClean="0"/>
-              <a:t>;</a:t>
-            </a:r>
-            <a:br>
-              <a:rPr lang="en-US" sz="1900" dirty="0" smtClean="0"/>
-            </a:br>
-            <a:endParaRPr lang="en-US" sz="1900" dirty="0" smtClean="0"/>
+              <a:rPr lang="en-US" dirty="0"/>
+              <a:t>	</a:t>
+            </a:r>
+            <a:r>
+              <a:rPr lang="en-US" dirty="0" smtClean="0"/>
+              <a:t>ALLOW FILTERING will make this run anyway</a:t>
+            </a:r>
           </a:p>
           <a:p>
             <a:pPr marL="0" indent="0">
               <a:buNone/>
             </a:pPr>
-            <a:r>
-              <a:rPr lang="en-US" sz="1900" dirty="0" smtClean="0"/>
-              <a:t>This can have unpredictable timing because it requires read-before-write</a:t>
-            </a:r>
-            <a:endParaRPr lang="en-US" sz="1900" dirty="0"/>
-          </a:p>
-          <a:p>
-            <a:pPr marL="0" indent="0">
-              <a:buNone/>
-            </a:pPr>
-            <a:endParaRPr lang="en-US" dirty="0"/>
-          </a:p>
-          <a:p>
-            <a:pPr marL="0" indent="0">
-              <a:buNone/>
-            </a:pPr>
+            <a:endParaRPr lang="en-US" dirty="0" smtClean="0"/>
+          </a:p>
+          <a:p>
             <a:endParaRPr lang="en-US" dirty="0" smtClean="0"/>
           </a:p>
           <a:p>
@@ -11461,7 +11322,7 @@
     </p:spTree>
     <p:extLst>
       <p:ext uri="{BB962C8B-B14F-4D97-AF65-F5344CB8AC3E}">
-        <p14:creationId xmlns:p14="http://schemas.microsoft.com/office/powerpoint/2010/main" val="3250925107"/>
+        <p14:creationId xmlns:p14="http://schemas.microsoft.com/office/powerpoint/2010/main" val="2849424363"/>
       </p:ext>
     </p:extLst>
   </p:cSld>
@@ -11505,7 +11366,7 @@
           <a:p>
             <a:r>
               <a:rPr lang="en-US" dirty="0" smtClean="0"/>
-              <a:t>Non-SQL data types</a:t>
+              <a:t>INSERT / UPDATE</a:t>
             </a:r>
             <a:endParaRPr lang="en-US" dirty="0"/>
           </a:p>
@@ -11521,226 +11382,241 @@
             <p:ph idx="1"/>
           </p:nvPr>
         </p:nvSpPr>
-        <p:spPr/>
+        <p:spPr>
+          <a:xfrm>
+            <a:off x="375635" y="1600200"/>
+            <a:ext cx="8229600" cy="4525963"/>
+          </a:xfrm>
+        </p:spPr>
         <p:txBody>
           <a:bodyPr>
-            <a:noAutofit/>
+            <a:normAutofit fontScale="85000" lnSpcReduction="10000"/>
           </a:bodyPr>
           <a:lstStyle/>
           <a:p>
+            <a:pPr marL="0" indent="0">
+              <a:buNone/>
+            </a:pPr>
+            <a:r>
+              <a:rPr lang="en-US" sz="2000" dirty="0"/>
+              <a:t>INSERT INTO </a:t>
+            </a:r>
+            <a:r>
+              <a:rPr lang="en-US" sz="2000" dirty="0" err="1"/>
+              <a:t>NerdMovies</a:t>
+            </a:r>
+            <a:r>
+              <a:rPr lang="en-US" sz="2000" dirty="0"/>
+              <a:t> (movie, director, </a:t>
+            </a:r>
+            <a:r>
+              <a:rPr lang="en-US" sz="2000" dirty="0" err="1"/>
+              <a:t>main_actor</a:t>
+            </a:r>
+            <a:r>
+              <a:rPr lang="en-US" sz="2000" dirty="0"/>
+              <a:t>, year)</a:t>
+            </a:r>
+          </a:p>
+          <a:p>
+            <a:pPr marL="0" indent="0">
+              <a:buNone/>
+            </a:pPr>
+            <a:r>
+              <a:rPr lang="en-US" sz="2000" dirty="0"/>
+              <a:t>        </a:t>
+            </a:r>
             <a:r>
               <a:rPr lang="en-US" sz="2000" dirty="0" smtClean="0"/>
-              <a:t>Sets</a:t>
-            </a:r>
-          </a:p>
-          <a:p>
-            <a:pPr lvl="1"/>
-            <a:r>
-              <a:rPr lang="en-US" sz="2000" dirty="0" smtClean="0"/>
-              <a:t>CREATE </a:t>
+              <a:t>VALUES </a:t>
             </a:r>
             <a:r>
               <a:rPr lang="en-US" sz="2000" dirty="0"/>
-              <a:t>TABLE </a:t>
+              <a:t>('Serenity', 'Joss </a:t>
             </a:r>
             <a:r>
               <a:rPr lang="en-US" sz="2000" dirty="0" err="1"/>
-              <a:t>cycling.cyclist_career_teams</a:t>
+              <a:t>Whedon</a:t>
             </a:r>
             <a:r>
               <a:rPr lang="en-US" sz="2000" dirty="0"/>
-              <a:t> ( id UUID PRIMARY KEY, </a:t>
+              <a:t>', 'Nathan </a:t>
             </a:r>
             <a:r>
               <a:rPr lang="en-US" sz="2000" dirty="0" err="1"/>
-              <a:t>lastname</a:t>
+              <a:t>Fillion</a:t>
             </a:r>
             <a:r>
               <a:rPr lang="en-US" sz="2000" dirty="0"/>
-              <a:t> text, teams </a:t>
-            </a:r>
-            <a:r>
-              <a:rPr lang="en-US" sz="2000" b="1" dirty="0"/>
-              <a:t>set</a:t>
-            </a:r>
-            <a:r>
-              <a:rPr lang="en-US" sz="2000" dirty="0"/>
-              <a:t>&lt;text&gt; )</a:t>
-            </a:r>
-            <a:r>
-              <a:rPr lang="en-US" sz="2000" dirty="0" smtClean="0"/>
+              <a:t>', 2005)</a:t>
+            </a:r>
+          </a:p>
+          <a:p>
+            <a:pPr marL="0" indent="0">
+              <a:buNone/>
+            </a:pPr>
+            <a:r>
+              <a:rPr lang="en-US" sz="2000" i="1" dirty="0" smtClean="0"/>
+              <a:t>		 USING </a:t>
+            </a:r>
+            <a:r>
+              <a:rPr lang="en-US" sz="2000" i="1" dirty="0"/>
+              <a:t>TTL 86400</a:t>
+            </a:r>
+            <a:r>
+              <a:rPr lang="en-US" sz="2000" i="1" dirty="0" smtClean="0"/>
               <a:t>;</a:t>
             </a:r>
           </a:p>
           <a:p>
-            <a:r>
-              <a:rPr lang="en-US" sz="2000" dirty="0" smtClean="0"/>
-              <a:t>Lists</a:t>
-            </a:r>
-          </a:p>
-          <a:p>
-            <a:pPr lvl="1"/>
-            <a:r>
-              <a:rPr lang="en-US" sz="2000" dirty="0"/>
-              <a:t>CREATE TABLE </a:t>
-            </a:r>
-            <a:r>
-              <a:rPr lang="en-US" sz="2000" dirty="0" err="1"/>
-              <a:t>cycling.upcoming_calendar</a:t>
-            </a:r>
-            <a:r>
-              <a:rPr lang="en-US" sz="2000" dirty="0"/>
-              <a:t> ( year </a:t>
-            </a:r>
-            <a:r>
-              <a:rPr lang="en-US" sz="2000" dirty="0" err="1"/>
-              <a:t>int</a:t>
-            </a:r>
-            <a:r>
-              <a:rPr lang="en-US" sz="2000" dirty="0"/>
-              <a:t>, month </a:t>
-            </a:r>
-            <a:r>
-              <a:rPr lang="en-US" sz="2000" dirty="0" err="1"/>
-              <a:t>int</a:t>
-            </a:r>
-            <a:r>
-              <a:rPr lang="en-US" sz="2000" dirty="0"/>
-              <a:t>, events </a:t>
-            </a:r>
-            <a:r>
-              <a:rPr lang="en-US" sz="2000" b="1" dirty="0"/>
-              <a:t>list</a:t>
-            </a:r>
-            <a:r>
-              <a:rPr lang="en-US" sz="2000" dirty="0"/>
-              <a:t>&lt;text&gt;, PRIMARY KEY ( year, month) )</a:t>
-            </a:r>
-            <a:r>
-              <a:rPr lang="en-US" sz="2000" dirty="0" smtClean="0"/>
+            <a:pPr marL="0" indent="0">
+              <a:buNone/>
+            </a:pPr>
+            <a:endParaRPr lang="en-US" dirty="0"/>
+          </a:p>
+          <a:p>
+            <a:r>
+              <a:rPr lang="en-US" sz="3000" dirty="0" smtClean="0"/>
+              <a:t>Every row can have a specified expiry time</a:t>
+            </a:r>
+          </a:p>
+          <a:p>
+            <a:r>
+              <a:rPr lang="en-US" sz="3000" dirty="0" smtClean="0"/>
+              <a:t>Inserts work even if the data is already there, unless you specify:</a:t>
+            </a:r>
+          </a:p>
+          <a:p>
+            <a:pPr marL="0" indent="0">
+              <a:buNone/>
+            </a:pPr>
+            <a:endParaRPr lang="en-US" sz="1900" dirty="0"/>
+          </a:p>
+          <a:p>
+            <a:pPr marL="0" indent="0">
+              <a:buNone/>
+            </a:pPr>
+            <a:r>
+              <a:rPr lang="en-US" sz="1900" dirty="0" smtClean="0"/>
+              <a:t>INSERT </a:t>
+            </a:r>
+            <a:r>
+              <a:rPr lang="en-US" sz="1900" dirty="0"/>
+              <a:t>INTO </a:t>
+            </a:r>
+            <a:r>
+              <a:rPr lang="en-US" sz="1900" dirty="0" err="1"/>
+              <a:t>NerdMovies</a:t>
+            </a:r>
+            <a:r>
+              <a:rPr lang="en-US" sz="1900" dirty="0"/>
+              <a:t> (movie, director, </a:t>
+            </a:r>
+            <a:r>
+              <a:rPr lang="en-US" sz="1900" dirty="0" err="1"/>
+              <a:t>main_actor</a:t>
+            </a:r>
+            <a:r>
+              <a:rPr lang="en-US" sz="1900" dirty="0"/>
+              <a:t>, year)</a:t>
+            </a:r>
+          </a:p>
+          <a:p>
+            <a:pPr marL="0" indent="0">
+              <a:buNone/>
+            </a:pPr>
+            <a:r>
+              <a:rPr lang="en-US" sz="1900" dirty="0"/>
+              <a:t>        VALUES ('Serenity', 'Joss </a:t>
+            </a:r>
+            <a:r>
+              <a:rPr lang="en-US" sz="1900" dirty="0" err="1"/>
+              <a:t>Whedon</a:t>
+            </a:r>
+            <a:r>
+              <a:rPr lang="en-US" sz="1900" dirty="0"/>
+              <a:t>', 'Nathan </a:t>
+            </a:r>
+            <a:r>
+              <a:rPr lang="en-US" sz="1900" dirty="0" err="1"/>
+              <a:t>Fillion</a:t>
+            </a:r>
+            <a:r>
+              <a:rPr lang="en-US" sz="1900" dirty="0"/>
+              <a:t>', 2005</a:t>
+            </a:r>
+            <a:r>
+              <a:rPr lang="en-US" sz="1900" dirty="0" smtClean="0"/>
+              <a:t>)</a:t>
+            </a:r>
+            <a:br>
+              <a:rPr lang="en-US" sz="1900" dirty="0" smtClean="0"/>
+            </a:br>
+            <a:r>
+              <a:rPr lang="en-US" sz="1900" i="1" dirty="0" smtClean="0"/>
+              <a:t>	IF NOT EXISTS</a:t>
+            </a:r>
+            <a:endParaRPr lang="en-US" sz="1900" i="1" dirty="0"/>
+          </a:p>
+          <a:p>
+            <a:pPr marL="0" indent="0">
+              <a:buNone/>
+            </a:pPr>
+            <a:r>
+              <a:rPr lang="en-US" sz="1900" dirty="0"/>
+              <a:t>		</a:t>
+            </a:r>
+            <a:r>
+              <a:rPr lang="en-US" sz="1900" dirty="0" smtClean="0"/>
+              <a:t>USING </a:t>
+            </a:r>
+            <a:r>
+              <a:rPr lang="en-US" sz="1900" dirty="0"/>
+              <a:t>TTL 86400</a:t>
+            </a:r>
+            <a:r>
+              <a:rPr lang="en-US" sz="1900" dirty="0" smtClean="0"/>
               <a:t>;</a:t>
             </a:r>
-          </a:p>
-          <a:p>
-            <a:r>
-              <a:rPr lang="en-US" sz="2000" dirty="0" smtClean="0"/>
-              <a:t>Maps</a:t>
-            </a:r>
-          </a:p>
-          <a:p>
-            <a:pPr lvl="1"/>
-            <a:r>
-              <a:rPr lang="en-US" sz="2000" dirty="0" smtClean="0"/>
-              <a:t>CREATE </a:t>
-            </a:r>
-            <a:r>
-              <a:rPr lang="en-US" sz="2000" dirty="0"/>
-              <a:t>TABLE </a:t>
-            </a:r>
-            <a:r>
-              <a:rPr lang="en-US" sz="2000" dirty="0" err="1"/>
-              <a:t>cycling.cyclist_teams</a:t>
-            </a:r>
-            <a:r>
-              <a:rPr lang="en-US" sz="2000" dirty="0"/>
-              <a:t> ( id UUID PRIMARY KEY, </a:t>
-            </a:r>
-            <a:r>
-              <a:rPr lang="en-US" sz="2000" dirty="0" err="1"/>
-              <a:t>lastname</a:t>
-            </a:r>
-            <a:r>
-              <a:rPr lang="en-US" sz="2000" dirty="0"/>
-              <a:t> text, </a:t>
-            </a:r>
-            <a:r>
-              <a:rPr lang="en-US" sz="2000" dirty="0" err="1"/>
-              <a:t>firstname</a:t>
-            </a:r>
-            <a:r>
-              <a:rPr lang="en-US" sz="2000" dirty="0"/>
-              <a:t> text, teams </a:t>
-            </a:r>
-            <a:r>
-              <a:rPr lang="en-US" sz="2000" b="1" dirty="0"/>
-              <a:t>map</a:t>
-            </a:r>
-            <a:r>
-              <a:rPr lang="en-US" sz="2000" dirty="0"/>
-              <a:t>&lt;</a:t>
-            </a:r>
-            <a:r>
-              <a:rPr lang="en-US" sz="2000" dirty="0" err="1"/>
-              <a:t>int,text</a:t>
-            </a:r>
-            <a:r>
-              <a:rPr lang="en-US" sz="2000" dirty="0"/>
-              <a:t>&gt; )</a:t>
-            </a:r>
-            <a:r>
-              <a:rPr lang="en-US" sz="2000" dirty="0" smtClean="0"/>
-              <a:t>;</a:t>
-            </a:r>
-          </a:p>
-          <a:p>
-            <a:r>
-              <a:rPr lang="en-US" sz="2000" dirty="0" smtClean="0"/>
-              <a:t>Tuples</a:t>
-            </a:r>
-          </a:p>
-          <a:p>
-            <a:pPr lvl="1"/>
-            <a:r>
-              <a:rPr lang="en-US" sz="2000" dirty="0"/>
-              <a:t>CREATE TABLE </a:t>
-            </a:r>
-            <a:r>
-              <a:rPr lang="en-US" sz="2000" dirty="0" err="1"/>
-              <a:t>cycling.popular</a:t>
-            </a:r>
-            <a:r>
-              <a:rPr lang="en-US" sz="2000" dirty="0"/>
-              <a:t> (rank </a:t>
-            </a:r>
-            <a:r>
-              <a:rPr lang="en-US" sz="2000" dirty="0" err="1"/>
-              <a:t>int</a:t>
-            </a:r>
-            <a:r>
-              <a:rPr lang="en-US" sz="2000" dirty="0"/>
-              <a:t> PRIMARY KEY, </a:t>
-            </a:r>
-            <a:r>
-              <a:rPr lang="en-US" sz="2000" dirty="0" err="1"/>
-              <a:t>cinfo</a:t>
-            </a:r>
-            <a:r>
-              <a:rPr lang="en-US" sz="2000" dirty="0"/>
-              <a:t> </a:t>
-            </a:r>
-            <a:r>
-              <a:rPr lang="en-US" sz="2000" b="1" dirty="0"/>
-              <a:t>tuple</a:t>
-            </a:r>
-            <a:r>
-              <a:rPr lang="en-US" sz="2000" dirty="0"/>
-              <a:t>&lt;</a:t>
-            </a:r>
-            <a:r>
-              <a:rPr lang="en-US" sz="2000" dirty="0" err="1"/>
-              <a:t>text,text,int</a:t>
-            </a:r>
-            <a:r>
-              <a:rPr lang="en-US" sz="2000" dirty="0"/>
-              <a:t>&gt; );</a:t>
-            </a:r>
+            <a:br>
+              <a:rPr lang="en-US" sz="1900" dirty="0" smtClean="0"/>
+            </a:br>
+            <a:endParaRPr lang="en-US" sz="1900" dirty="0" smtClean="0"/>
+          </a:p>
+          <a:p>
+            <a:pPr marL="0" indent="0">
+              <a:buNone/>
+            </a:pPr>
+            <a:r>
+              <a:rPr lang="en-US" sz="1900" dirty="0" smtClean="0"/>
+              <a:t>This can have unpredictable timing because it requires read-before-write</a:t>
+            </a:r>
+            <a:endParaRPr lang="en-US" sz="1900" dirty="0"/>
+          </a:p>
+          <a:p>
+            <a:pPr marL="0" indent="0">
+              <a:buNone/>
+            </a:pPr>
+            <a:endParaRPr lang="en-US" dirty="0"/>
+          </a:p>
+          <a:p>
+            <a:pPr marL="0" indent="0">
+              <a:buNone/>
+            </a:pPr>
+            <a:endParaRPr lang="en-US" dirty="0" smtClean="0"/>
+          </a:p>
+          <a:p>
+            <a:pPr marL="0" indent="0">
+              <a:buNone/>
+            </a:pPr>
+            <a:endParaRPr lang="en-US" dirty="0"/>
           </a:p>
         </p:txBody>
       </p:sp>
     </p:spTree>
     <p:extLst>
       <p:ext uri="{BB962C8B-B14F-4D97-AF65-F5344CB8AC3E}">
-        <p14:creationId xmlns:p14="http://schemas.microsoft.com/office/powerpoint/2010/main" val="3157723790"/>
+        <p14:creationId xmlns:p14="http://schemas.microsoft.com/office/powerpoint/2010/main" val="3250925107"/>
       </p:ext>
     </p:extLst>
   </p:cSld>
@@ -11784,7 +11660,7 @@
           <a:p>
             <a:r>
               <a:rPr lang="en-US" dirty="0" smtClean="0"/>
-              <a:t>Direct support for JSON</a:t>
+              <a:t>Non-SQL data types</a:t>
             </a:r>
             <a:endParaRPr lang="en-US" dirty="0"/>
           </a:p>
@@ -11802,76 +11678,216 @@
         </p:nvSpPr>
         <p:spPr/>
         <p:txBody>
-          <a:bodyPr/>
+          <a:bodyPr>
+            <a:noAutofit/>
+          </a:bodyPr>
           <a:lstStyle/>
           <a:p>
-            <a:pPr marL="0" indent="0">
-              <a:buNone/>
-            </a:pPr>
-            <a:r>
-              <a:rPr lang="en-US" dirty="0"/>
-              <a:t>INSERT INTO </a:t>
-            </a:r>
-            <a:r>
-              <a:rPr lang="en-US" dirty="0" err="1"/>
-              <a:t>cycling.cyclist_category</a:t>
-            </a:r>
-            <a:r>
-              <a:rPr lang="en-US" dirty="0"/>
-              <a:t> JSON '{</a:t>
-            </a:r>
-          </a:p>
-          <a:p>
-            <a:pPr marL="0" indent="0">
-              <a:buNone/>
-            </a:pPr>
-            <a:r>
-              <a:rPr lang="en-US" dirty="0"/>
-              <a:t>  "category" : "GC", </a:t>
-            </a:r>
-          </a:p>
-          <a:p>
-            <a:pPr marL="0" indent="0">
-              <a:buNone/>
-            </a:pPr>
-            <a:r>
-              <a:rPr lang="en-US" dirty="0"/>
-              <a:t>  "points" : 780, </a:t>
-            </a:r>
-          </a:p>
-          <a:p>
-            <a:pPr marL="0" indent="0">
-              <a:buNone/>
-            </a:pPr>
-            <a:r>
-              <a:rPr lang="en-US" dirty="0"/>
-              <a:t>  "id" : "829aa84a-4bba-411f-a4fb-38167a987cda",</a:t>
-            </a:r>
-          </a:p>
-          <a:p>
-            <a:pPr marL="0" indent="0">
-              <a:buNone/>
-            </a:pPr>
-            <a:r>
-              <a:rPr lang="en-US" dirty="0"/>
-              <a:t>  "</a:t>
-            </a:r>
-            <a:r>
-              <a:rPr lang="en-US" dirty="0" err="1"/>
+            <a:r>
+              <a:rPr lang="en-US" sz="2000" dirty="0" smtClean="0"/>
+              <a:t>Sets</a:t>
+            </a:r>
+          </a:p>
+          <a:p>
+            <a:pPr lvl="1"/>
+            <a:r>
+              <a:rPr lang="en-US" sz="2000" dirty="0" smtClean="0"/>
+              <a:t>CREATE </a:t>
+            </a:r>
+            <a:r>
+              <a:rPr lang="en-US" sz="2000" dirty="0"/>
+              <a:t>TABLE </a:t>
+            </a:r>
+            <a:r>
+              <a:rPr lang="en-US" sz="2000" dirty="0" err="1"/>
+              <a:t>cycling.cyclist_career_teams</a:t>
+            </a:r>
+            <a:r>
+              <a:rPr lang="en-US" sz="2000" dirty="0"/>
+              <a:t> ( id UUID PRIMARY KEY, </a:t>
+            </a:r>
+            <a:r>
+              <a:rPr lang="en-US" sz="2000" dirty="0" err="1"/>
               <a:t>lastname</a:t>
             </a:r>
             <a:r>
-              <a:rPr lang="en-US" dirty="0"/>
-              <a:t>" : "SUTHERLAND" }';</a:t>
-            </a:r>
-          </a:p>
-          <a:p>
-            <a:pPr marL="0" indent="0">
-              <a:buNone/>
-            </a:pPr>
-            <a:r>
-              <a:rPr lang="en-US"/>
+              <a:rPr lang="en-US" sz="2000" dirty="0"/>
+              <a:t> text, teams </a:t>
+            </a:r>
+            <a:r>
+              <a:rPr lang="en-US" sz="2000" b="1" dirty="0"/>
+              <a:t>set</a:t>
+            </a:r>
+            <a:r>
+              <a:rPr lang="en-US" sz="2000" dirty="0"/>
+              <a:t>&lt;text&gt; )</a:t>
+            </a:r>
+            <a:r>
+              <a:rPr lang="en-US" sz="2000" dirty="0" smtClean="0"/>
+              <a:t>;</a:t>
+            </a:r>
+          </a:p>
+          <a:p>
+            <a:r>
+              <a:rPr lang="en-US" sz="2000" dirty="0" smtClean="0"/>
+              <a:t>Lists</a:t>
+            </a:r>
+          </a:p>
+          <a:p>
+            <a:pPr lvl="1"/>
+            <a:r>
+              <a:rPr lang="en-US" sz="2000" dirty="0"/>
+              <a:t>CREATE TABLE </a:t>
+            </a:r>
+            <a:r>
+              <a:rPr lang="en-US" sz="2000" dirty="0" err="1"/>
+              <a:t>cycling.upcoming_calendar</a:t>
+            </a:r>
+            <a:r>
+              <a:rPr lang="en-US" sz="2000" dirty="0"/>
+              <a:t> ( year </a:t>
+            </a:r>
+            <a:r>
+              <a:rPr lang="en-US" sz="2000" dirty="0" err="1"/>
+              <a:t>int</a:t>
+            </a:r>
+            <a:r>
+              <a:rPr lang="en-US" sz="2000" dirty="0"/>
+              <a:t>, month </a:t>
+            </a:r>
+            <a:r>
+              <a:rPr lang="en-US" sz="2000" dirty="0" err="1"/>
+              <a:t>int</a:t>
+            </a:r>
+            <a:r>
+              <a:rPr lang="en-US" sz="2000" dirty="0"/>
+              <a:t>, events </a:t>
+            </a:r>
+            <a:r>
+              <a:rPr lang="en-US" sz="2000" b="1" dirty="0"/>
+              <a:t>list</a:t>
+            </a:r>
+            <a:r>
+              <a:rPr lang="en-US" sz="2000" dirty="0"/>
+              <a:t>&lt;text&gt;, PRIMARY KEY ( year, month) )</a:t>
+            </a:r>
+            <a:r>
+              <a:rPr lang="en-US" sz="2000" dirty="0" smtClean="0"/>
+              <a:t>;</a:t>
+            </a:r>
+          </a:p>
+          <a:p>
+            <a:r>
+              <a:rPr lang="en-US" sz="2000" dirty="0" smtClean="0"/>
+              <a:t>Maps</a:t>
+            </a:r>
+          </a:p>
+          <a:p>
+            <a:pPr lvl="1"/>
+            <a:r>
+              <a:rPr lang="en-US" sz="2000" dirty="0" smtClean="0"/>
+              <a:t>CREATE </a:t>
+            </a:r>
+            <a:r>
+              <a:rPr lang="en-US" sz="2000" dirty="0"/>
+              <a:t>TABLE </a:t>
+            </a:r>
+            <a:r>
+              <a:rPr lang="en-US" sz="2000" dirty="0" err="1"/>
+              <a:t>cycling.cyclist_teams</a:t>
+            </a:r>
+            <a:r>
+              <a:rPr lang="en-US" sz="2000" dirty="0"/>
+              <a:t> ( id UUID PRIMARY KEY, </a:t>
+            </a:r>
+            <a:r>
+              <a:rPr lang="en-US" sz="2000" dirty="0" err="1"/>
+              <a:t>lastname</a:t>
+            </a:r>
+            <a:r>
+              <a:rPr lang="en-US" sz="2000" dirty="0"/>
+              <a:t> text, </a:t>
+            </a:r>
+            <a:r>
+              <a:rPr lang="en-US" sz="2000" dirty="0" err="1"/>
+              <a:t>firstname</a:t>
+            </a:r>
+            <a:r>
+              <a:rPr lang="en-US" sz="2000" dirty="0"/>
+              <a:t> text, teams </a:t>
+            </a:r>
+            <a:r>
+              <a:rPr lang="en-US" sz="2000" b="1" dirty="0"/>
+              <a:t>map</a:t>
+            </a:r>
+            <a:r>
+              <a:rPr lang="en-US" sz="2000" dirty="0"/>
+              <a:t>&lt;</a:t>
+            </a:r>
+            <a:r>
+              <a:rPr lang="en-US" sz="2000" dirty="0" err="1"/>
+              <a:t>int,text</a:t>
+            </a:r>
+            <a:r>
+              <a:rPr lang="en-US" sz="2000" dirty="0"/>
+              <a:t>&gt; )</a:t>
+            </a:r>
+            <a:r>
+              <a:rPr lang="en-US" sz="2000" dirty="0" smtClean="0"/>
+              <a:t>;</a:t>
+            </a:r>
+          </a:p>
+          <a:p>
+            <a:r>
+              <a:rPr lang="en-US" sz="2000" dirty="0" smtClean="0"/>
+              <a:t>Tuples</a:t>
+            </a:r>
+          </a:p>
+          <a:p>
+            <a:pPr lvl="1"/>
+            <a:r>
+              <a:rPr lang="en-US" sz="2000" dirty="0"/>
+              <a:t>CREATE TABLE </a:t>
+            </a:r>
+            <a:r>
+              <a:rPr lang="en-US" sz="2000" dirty="0" err="1"/>
+              <a:t>cycling.popular</a:t>
+            </a:r>
+            <a:r>
+              <a:rPr lang="en-US" sz="2000" dirty="0"/>
+              <a:t> (rank </a:t>
+            </a:r>
+            <a:r>
+              <a:rPr lang="en-US" sz="2000" dirty="0" err="1"/>
+              <a:t>int</a:t>
+            </a:r>
+            <a:r>
+              <a:rPr lang="en-US" sz="2000" dirty="0"/>
+              <a:t> PRIMARY KEY, </a:t>
+            </a:r>
+            <a:r>
+              <a:rPr lang="en-US" sz="2000" dirty="0" err="1"/>
+              <a:t>cinfo</a:t>
+            </a:r>
+            <a:r>
+              <a:rPr lang="en-US" sz="2000" dirty="0"/>
               <a:t> </a:t>
+            </a:r>
+            <a:r>
+              <a:rPr lang="en-US" sz="2000" b="1" dirty="0"/>
+              <a:t>tuple</a:t>
+            </a:r>
+            <a:r>
+              <a:rPr lang="en-US" sz="2000" dirty="0"/>
+              <a:t>&lt;</a:t>
+            </a:r>
+            <a:r>
+              <a:rPr lang="en-US" sz="2000" dirty="0" err="1"/>
+              <a:t>text,text,int</a:t>
+            </a:r>
+            <a:r>
+              <a:rPr lang="en-US" sz="2000" dirty="0"/>
+              <a:t>&gt; );</a:t>
             </a:r>
           </a:p>
         </p:txBody>
@@ -11879,7 +11895,7 @@
     </p:spTree>
     <p:extLst>
       <p:ext uri="{BB962C8B-B14F-4D97-AF65-F5344CB8AC3E}">
-        <p14:creationId xmlns:p14="http://schemas.microsoft.com/office/powerpoint/2010/main" val="2758087291"/>
+        <p14:creationId xmlns:p14="http://schemas.microsoft.com/office/powerpoint/2010/main" val="3157723790"/>
       </p:ext>
     </p:extLst>
   </p:cSld>
@@ -11922,16 +11938,8 @@
           <a:lstStyle/>
           <a:p>
             <a:r>
-              <a:rPr lang="en-US" dirty="0" err="1"/>
-              <a:t>c</a:t>
-            </a:r>
-            <a:r>
-              <a:rPr lang="en-US" dirty="0" err="1" smtClean="0"/>
-              <a:t>assandra.yaml</a:t>
-            </a:r>
-            <a:r>
               <a:rPr lang="en-US" dirty="0" smtClean="0"/>
-              <a:t>	</a:t>
+              <a:t>Direct support for JSON</a:t>
             </a:r>
             <a:endParaRPr lang="en-US" dirty="0"/>
           </a:p>
@@ -11949,86 +11957,84 @@
         </p:nvSpPr>
         <p:spPr/>
         <p:txBody>
-          <a:bodyPr>
-            <a:normAutofit lnSpcReduction="10000"/>
-          </a:bodyPr>
+          <a:bodyPr/>
           <a:lstStyle/>
           <a:p>
-            <a:r>
-              <a:rPr lang="en-US" dirty="0" smtClean="0"/>
-              <a:t>Configuration of the major parts of the system</a:t>
-            </a:r>
-          </a:p>
-          <a:p>
-            <a:pPr lvl="1"/>
-            <a:r>
-              <a:rPr lang="en-US" dirty="0" err="1" smtClean="0"/>
-              <a:t>Datacentres</a:t>
-            </a:r>
-            <a:r>
-              <a:rPr lang="en-US" dirty="0" smtClean="0"/>
-              <a:t>, Racks, Cluster name</a:t>
-            </a:r>
-          </a:p>
-          <a:p>
-            <a:pPr lvl="1"/>
-            <a:r>
-              <a:rPr lang="en-US" dirty="0" smtClean="0"/>
-              <a:t>Authentication and Authorization</a:t>
-            </a:r>
-          </a:p>
-          <a:p>
-            <a:pPr lvl="1"/>
-            <a:r>
-              <a:rPr lang="en-US" dirty="0" err="1" smtClean="0"/>
-              <a:t>Partitioner</a:t>
-            </a:r>
-            <a:endParaRPr lang="en-US" dirty="0" smtClean="0"/>
-          </a:p>
-          <a:p>
-            <a:pPr lvl="1"/>
-            <a:r>
-              <a:rPr lang="en-US" dirty="0" smtClean="0"/>
-              <a:t>Data Storage location</a:t>
-            </a:r>
-          </a:p>
-          <a:p>
-            <a:pPr lvl="1"/>
-            <a:r>
-              <a:rPr lang="en-US" dirty="0" err="1" smtClean="0"/>
-              <a:t>Cacheing</a:t>
-            </a:r>
-            <a:endParaRPr lang="en-US" dirty="0" smtClean="0"/>
-          </a:p>
-          <a:p>
-            <a:pPr lvl="1"/>
-            <a:r>
-              <a:rPr lang="en-US" dirty="0" smtClean="0"/>
-              <a:t>Network topology and ports</a:t>
-            </a:r>
-          </a:p>
-          <a:p>
-            <a:pPr lvl="1"/>
-            <a:r>
-              <a:rPr lang="en-US" dirty="0" err="1" smtClean="0"/>
-              <a:t>Etc</a:t>
-            </a:r>
-            <a:r>
-              <a:rPr lang="en-US" dirty="0" smtClean="0"/>
-              <a:t>, </a:t>
-            </a:r>
-            <a:r>
-              <a:rPr lang="en-US" dirty="0" err="1" smtClean="0"/>
-              <a:t>etc</a:t>
-            </a:r>
-            <a:endParaRPr lang="en-US" dirty="0"/>
+            <a:pPr marL="0" indent="0">
+              <a:buNone/>
+            </a:pPr>
+            <a:r>
+              <a:rPr lang="en-US" dirty="0"/>
+              <a:t>INSERT INTO </a:t>
+            </a:r>
+            <a:r>
+              <a:rPr lang="en-US" dirty="0" err="1"/>
+              <a:t>cycling.cyclist_category</a:t>
+            </a:r>
+            <a:r>
+              <a:rPr lang="en-US" dirty="0"/>
+              <a:t> JSON '{</a:t>
+            </a:r>
+          </a:p>
+          <a:p>
+            <a:pPr marL="0" indent="0">
+              <a:buNone/>
+            </a:pPr>
+            <a:r>
+              <a:rPr lang="en-US" dirty="0"/>
+              <a:t>  "category" : "GC", </a:t>
+            </a:r>
+          </a:p>
+          <a:p>
+            <a:pPr marL="0" indent="0">
+              <a:buNone/>
+            </a:pPr>
+            <a:r>
+              <a:rPr lang="en-US" dirty="0"/>
+              <a:t>  "points" : 780, </a:t>
+            </a:r>
+          </a:p>
+          <a:p>
+            <a:pPr marL="0" indent="0">
+              <a:buNone/>
+            </a:pPr>
+            <a:r>
+              <a:rPr lang="en-US" dirty="0"/>
+              <a:t>  "id" : "829aa84a-4bba-411f-a4fb-38167a987cda",</a:t>
+            </a:r>
+          </a:p>
+          <a:p>
+            <a:pPr marL="0" indent="0">
+              <a:buNone/>
+            </a:pPr>
+            <a:r>
+              <a:rPr lang="en-US" dirty="0"/>
+              <a:t>  "</a:t>
+            </a:r>
+            <a:r>
+              <a:rPr lang="en-US" dirty="0" err="1"/>
+              <a:t>lastname</a:t>
+            </a:r>
+            <a:r>
+              <a:rPr lang="en-US" dirty="0"/>
+              <a:t>" : "SUTHERLAND" }';</a:t>
+            </a:r>
+          </a:p>
+          <a:p>
+            <a:pPr marL="0" indent="0">
+              <a:buNone/>
+            </a:pPr>
+            <a:r>
+              <a:rPr lang="en-US"/>
+              <a:t> </a:t>
+            </a:r>
           </a:p>
         </p:txBody>
       </p:sp>
     </p:spTree>
     <p:extLst>
       <p:ext uri="{BB962C8B-B14F-4D97-AF65-F5344CB8AC3E}">
-        <p14:creationId xmlns:p14="http://schemas.microsoft.com/office/powerpoint/2010/main" val="2592907123"/>
+        <p14:creationId xmlns:p14="http://schemas.microsoft.com/office/powerpoint/2010/main" val="2758087291"/>
       </p:ext>
     </p:extLst>
   </p:cSld>
@@ -12071,6 +12077,313 @@
           <a:lstStyle/>
           <a:p>
             <a:r>
+              <a:rPr lang="en-US" dirty="0" err="1"/>
+              <a:t>c</a:t>
+            </a:r>
+            <a:r>
+              <a:rPr lang="en-US" dirty="0" err="1" smtClean="0"/>
+              <a:t>assandra.yaml</a:t>
+            </a:r>
+            <a:r>
+              <a:rPr lang="en-US" dirty="0" smtClean="0"/>
+              <a:t>	</a:t>
+            </a:r>
+            <a:endParaRPr lang="en-US" dirty="0"/>
+          </a:p>
+        </p:txBody>
+      </p:sp>
+      <p:sp>
+        <p:nvSpPr>
+          <p:cNvPr id="3" name="Content Placeholder 2"/>
+          <p:cNvSpPr>
+            <a:spLocks noGrp="1"/>
+          </p:cNvSpPr>
+          <p:nvPr>
+            <p:ph idx="1"/>
+          </p:nvPr>
+        </p:nvSpPr>
+        <p:spPr/>
+        <p:txBody>
+          <a:bodyPr>
+            <a:normAutofit lnSpcReduction="10000"/>
+          </a:bodyPr>
+          <a:lstStyle/>
+          <a:p>
+            <a:r>
+              <a:rPr lang="en-US" dirty="0" smtClean="0"/>
+              <a:t>Configuration of the major parts of the system</a:t>
+            </a:r>
+          </a:p>
+          <a:p>
+            <a:pPr lvl="1"/>
+            <a:r>
+              <a:rPr lang="en-US" dirty="0" err="1" smtClean="0"/>
+              <a:t>Datacentres</a:t>
+            </a:r>
+            <a:r>
+              <a:rPr lang="en-US" dirty="0" smtClean="0"/>
+              <a:t>, Racks, Cluster name</a:t>
+            </a:r>
+          </a:p>
+          <a:p>
+            <a:pPr lvl="1"/>
+            <a:r>
+              <a:rPr lang="en-US" dirty="0" smtClean="0"/>
+              <a:t>Authentication and Authorization</a:t>
+            </a:r>
+          </a:p>
+          <a:p>
+            <a:pPr lvl="1"/>
+            <a:r>
+              <a:rPr lang="en-US" dirty="0" err="1" smtClean="0"/>
+              <a:t>Partitioner</a:t>
+            </a:r>
+            <a:endParaRPr lang="en-US" dirty="0" smtClean="0"/>
+          </a:p>
+          <a:p>
+            <a:pPr lvl="1"/>
+            <a:r>
+              <a:rPr lang="en-US" dirty="0" smtClean="0"/>
+              <a:t>Data Storage location</a:t>
+            </a:r>
+          </a:p>
+          <a:p>
+            <a:pPr lvl="1"/>
+            <a:r>
+              <a:rPr lang="en-US" dirty="0" err="1" smtClean="0"/>
+              <a:t>Cacheing</a:t>
+            </a:r>
+            <a:endParaRPr lang="en-US" dirty="0" smtClean="0"/>
+          </a:p>
+          <a:p>
+            <a:pPr lvl="1"/>
+            <a:r>
+              <a:rPr lang="en-US" dirty="0" smtClean="0"/>
+              <a:t>Network topology and ports</a:t>
+            </a:r>
+          </a:p>
+          <a:p>
+            <a:pPr lvl="1"/>
+            <a:r>
+              <a:rPr lang="en-US" dirty="0" err="1" smtClean="0"/>
+              <a:t>Etc</a:t>
+            </a:r>
+            <a:r>
+              <a:rPr lang="en-US" dirty="0" smtClean="0"/>
+              <a:t>, </a:t>
+            </a:r>
+            <a:r>
+              <a:rPr lang="en-US" dirty="0" err="1" smtClean="0"/>
+              <a:t>etc</a:t>
+            </a:r>
+            <a:endParaRPr lang="en-US" dirty="0"/>
+          </a:p>
+        </p:txBody>
+      </p:sp>
+    </p:spTree>
+    <p:extLst>
+      <p:ext uri="{BB962C8B-B14F-4D97-AF65-F5344CB8AC3E}">
+        <p14:creationId xmlns:p14="http://schemas.microsoft.com/office/powerpoint/2010/main" val="2592907123"/>
+      </p:ext>
+    </p:extLst>
+  </p:cSld>
+  <p:clrMapOvr>
+    <a:masterClrMapping/>
+  </p:clrMapOvr>
+</p:sld>
+</file>
+
+<file path=ppt/slides/slide2.xml><?xml version="1.0" encoding="utf-8"?>
+<p:sld xmlns:a="http://schemas.openxmlformats.org/drawingml/2006/main" xmlns:r="http://schemas.openxmlformats.org/officeDocument/2006/relationships" xmlns:p="http://schemas.openxmlformats.org/presentationml/2006/main">
+  <p:cSld>
+    <p:spTree>
+      <p:nvGrpSpPr>
+        <p:cNvPr id="1" name=""/>
+        <p:cNvGrpSpPr/>
+        <p:nvPr/>
+      </p:nvGrpSpPr>
+      <p:grpSpPr>
+        <a:xfrm>
+          <a:off x="0" y="0"/>
+          <a:ext cx="0" cy="0"/>
+          <a:chOff x="0" y="0"/>
+          <a:chExt cx="0" cy="0"/>
+        </a:xfrm>
+      </p:grpSpPr>
+      <p:sp>
+        <p:nvSpPr>
+          <p:cNvPr id="2" name="Title 1"/>
+          <p:cNvSpPr>
+            <a:spLocks noGrp="1"/>
+          </p:cNvSpPr>
+          <p:nvPr>
+            <p:ph type="title"/>
+          </p:nvPr>
+        </p:nvSpPr>
+        <p:spPr/>
+        <p:txBody>
+          <a:bodyPr/>
+          <a:lstStyle/>
+          <a:p>
+            <a:r>
+              <a:rPr lang="en-US" dirty="0" smtClean="0"/>
+              <a:t>Apache Cassandra</a:t>
+            </a:r>
+            <a:endParaRPr lang="en-US" dirty="0"/>
+          </a:p>
+        </p:txBody>
+      </p:sp>
+      <p:sp>
+        <p:nvSpPr>
+          <p:cNvPr id="3" name="Content Placeholder 2"/>
+          <p:cNvSpPr>
+            <a:spLocks noGrp="1"/>
+          </p:cNvSpPr>
+          <p:nvPr>
+            <p:ph idx="1"/>
+          </p:nvPr>
+        </p:nvSpPr>
+        <p:spPr/>
+        <p:txBody>
+          <a:bodyPr>
+            <a:normAutofit/>
+          </a:bodyPr>
+          <a:lstStyle/>
+          <a:p>
+            <a:r>
+              <a:rPr lang="en-US" sz="2400" dirty="0" err="1" smtClean="0"/>
+              <a:t>Masterless</a:t>
+            </a:r>
+            <a:r>
+              <a:rPr lang="en-US" sz="2400" dirty="0" smtClean="0"/>
+              <a:t> / Symmetric</a:t>
+            </a:r>
+          </a:p>
+          <a:p>
+            <a:pPr lvl="1"/>
+            <a:r>
+              <a:rPr lang="en-US" sz="2000" dirty="0" smtClean="0"/>
+              <a:t>Every node is equal and you can write to any node as well as read</a:t>
+            </a:r>
+          </a:p>
+          <a:p>
+            <a:r>
+              <a:rPr lang="en-US" sz="2400" dirty="0" smtClean="0"/>
+              <a:t>Shared Nothing architecture</a:t>
+            </a:r>
+          </a:p>
+          <a:p>
+            <a:pPr lvl="1"/>
+            <a:r>
+              <a:rPr lang="en-US" sz="2000" dirty="0" smtClean="0"/>
+              <a:t>Each server has its own disk </a:t>
+            </a:r>
+          </a:p>
+          <a:p>
+            <a:r>
+              <a:rPr lang="en-US" sz="2400" dirty="0" smtClean="0"/>
+              <a:t>Based on Dynamo</a:t>
+            </a:r>
+          </a:p>
+          <a:p>
+            <a:pPr lvl="1"/>
+            <a:r>
+              <a:rPr lang="en-US" sz="2000" dirty="0" smtClean="0"/>
+              <a:t> for automatic </a:t>
+            </a:r>
+            <a:r>
+              <a:rPr lang="en-US" sz="2000" dirty="0" err="1" smtClean="0"/>
+              <a:t>sharding</a:t>
+            </a:r>
+            <a:r>
+              <a:rPr lang="en-US" sz="2000" dirty="0" smtClean="0"/>
+              <a:t> and eventual consistency</a:t>
+            </a:r>
+          </a:p>
+          <a:p>
+            <a:r>
+              <a:rPr lang="en-US" sz="2400" dirty="0" smtClean="0"/>
+              <a:t>And </a:t>
+            </a:r>
+            <a:r>
+              <a:rPr lang="en-US" sz="2400" dirty="0" err="1" smtClean="0"/>
+              <a:t>BigTable</a:t>
+            </a:r>
+            <a:endParaRPr lang="en-US" sz="2400" dirty="0" smtClean="0"/>
+          </a:p>
+          <a:p>
+            <a:pPr lvl="1"/>
+            <a:r>
+              <a:rPr lang="en-US" sz="2000" dirty="0" smtClean="0"/>
+              <a:t>For “Column Families”</a:t>
+            </a:r>
+          </a:p>
+          <a:p>
+            <a:r>
+              <a:rPr lang="en-US" sz="2400" dirty="0" smtClean="0"/>
+              <a:t>Donated to Apache by Facebook</a:t>
+            </a:r>
+          </a:p>
+          <a:p>
+            <a:pPr lvl="1"/>
+            <a:r>
+              <a:rPr lang="en-US" sz="2000" dirty="0" smtClean="0"/>
+              <a:t>Now mostly developed by </a:t>
+            </a:r>
+            <a:r>
+              <a:rPr lang="en-US" sz="2000" dirty="0" err="1" smtClean="0"/>
+              <a:t>DataStax</a:t>
+            </a:r>
+            <a:endParaRPr lang="en-US" sz="2000" dirty="0"/>
+          </a:p>
+        </p:txBody>
+      </p:sp>
+    </p:spTree>
+    <p:extLst>
+      <p:ext uri="{BB962C8B-B14F-4D97-AF65-F5344CB8AC3E}">
+        <p14:creationId xmlns:p14="http://schemas.microsoft.com/office/powerpoint/2010/main" val="3438705705"/>
+      </p:ext>
+    </p:extLst>
+  </p:cSld>
+  <p:clrMapOvr>
+    <a:masterClrMapping/>
+  </p:clrMapOvr>
+</p:sld>
+</file>
+
+<file path=ppt/slides/slide20.xml><?xml version="1.0" encoding="utf-8"?>
+<p:sld xmlns:a="http://schemas.openxmlformats.org/drawingml/2006/main" xmlns:r="http://schemas.openxmlformats.org/officeDocument/2006/relationships" xmlns:p="http://schemas.openxmlformats.org/presentationml/2006/main">
+  <p:cSld>
+    <p:spTree>
+      <p:nvGrpSpPr>
+        <p:cNvPr id="1" name=""/>
+        <p:cNvGrpSpPr/>
+        <p:nvPr/>
+      </p:nvGrpSpPr>
+      <p:grpSpPr>
+        <a:xfrm>
+          <a:off x="0" y="0"/>
+          <a:ext cx="0" cy="0"/>
+          <a:chOff x="0" y="0"/>
+          <a:chExt cx="0" cy="0"/>
+        </a:xfrm>
+      </p:grpSpPr>
+      <p:sp>
+        <p:nvSpPr>
+          <p:cNvPr id="2" name="Title 1"/>
+          <p:cNvSpPr>
+            <a:spLocks noGrp="1"/>
+          </p:cNvSpPr>
+          <p:nvPr>
+            <p:ph type="title"/>
+          </p:nvPr>
+        </p:nvSpPr>
+        <p:spPr/>
+        <p:txBody>
+          <a:bodyPr/>
+          <a:lstStyle/>
+          <a:p>
+            <a:r>
               <a:rPr lang="en-US" dirty="0" err="1" smtClean="0"/>
               <a:t>DataStax</a:t>
             </a:r>
@@ -12123,7 +12436,321 @@
 </p:sld>
 </file>
 
-<file path=ppt/slides/slide2.xml><?xml version="1.0" encoding="utf-8"?>
+<file path=ppt/slides/slide21.xml><?xml version="1.0" encoding="utf-8"?>
+<p:sld xmlns:a="http://schemas.openxmlformats.org/drawingml/2006/main" xmlns:r="http://schemas.openxmlformats.org/officeDocument/2006/relationships" xmlns:p="http://schemas.openxmlformats.org/presentationml/2006/main">
+  <p:cSld>
+    <p:spTree>
+      <p:nvGrpSpPr>
+        <p:cNvPr id="1" name=""/>
+        <p:cNvGrpSpPr/>
+        <p:nvPr/>
+      </p:nvGrpSpPr>
+      <p:grpSpPr>
+        <a:xfrm>
+          <a:off x="0" y="0"/>
+          <a:ext cx="0" cy="0"/>
+          <a:chOff x="0" y="0"/>
+          <a:chExt cx="0" cy="0"/>
+        </a:xfrm>
+      </p:grpSpPr>
+      <p:sp>
+        <p:nvSpPr>
+          <p:cNvPr id="2" name="Title 1"/>
+          <p:cNvSpPr>
+            <a:spLocks noGrp="1"/>
+          </p:cNvSpPr>
+          <p:nvPr>
+            <p:ph type="title"/>
+          </p:nvPr>
+        </p:nvSpPr>
+        <p:spPr/>
+        <p:txBody>
+          <a:bodyPr/>
+          <a:lstStyle/>
+          <a:p>
+            <a:r>
+              <a:rPr lang="en-US" dirty="0" err="1" smtClean="0"/>
+              <a:t>OpsCenter</a:t>
+            </a:r>
+            <a:endParaRPr lang="en-US" dirty="0"/>
+          </a:p>
+        </p:txBody>
+      </p:sp>
+      <p:sp>
+        <p:nvSpPr>
+          <p:cNvPr id="3" name="Content Placeholder 2"/>
+          <p:cNvSpPr>
+            <a:spLocks noGrp="1"/>
+          </p:cNvSpPr>
+          <p:nvPr>
+            <p:ph idx="1"/>
+          </p:nvPr>
+        </p:nvSpPr>
+        <p:spPr/>
+        <p:txBody>
+          <a:bodyPr>
+            <a:normAutofit lnSpcReduction="10000"/>
+          </a:bodyPr>
+          <a:lstStyle/>
+          <a:p>
+            <a:r>
+              <a:rPr lang="en-US" dirty="0" smtClean="0"/>
+              <a:t>Part of </a:t>
+            </a:r>
+            <a:r>
+              <a:rPr lang="en-US" dirty="0" err="1" smtClean="0"/>
+              <a:t>DataStax</a:t>
+            </a:r>
+            <a:r>
+              <a:rPr lang="en-US" dirty="0" smtClean="0"/>
+              <a:t> Cassandra distribution</a:t>
+            </a:r>
+          </a:p>
+          <a:p>
+            <a:pPr lvl="1"/>
+            <a:r>
+              <a:rPr lang="en-US" dirty="0" smtClean="0"/>
+              <a:t>Community edition has limited features</a:t>
+            </a:r>
+          </a:p>
+          <a:p>
+            <a:pPr lvl="1"/>
+            <a:r>
+              <a:rPr lang="en-US" dirty="0" smtClean="0"/>
+              <a:t>Enterprise edition expands these</a:t>
+            </a:r>
+          </a:p>
+          <a:p>
+            <a:r>
+              <a:rPr lang="en-US" dirty="0" smtClean="0"/>
+              <a:t>Not open source, but free to use in the community edition</a:t>
+            </a:r>
+          </a:p>
+          <a:p>
+            <a:pPr lvl="1"/>
+            <a:r>
+              <a:rPr lang="en-US" dirty="0" smtClean="0"/>
+              <a:t>Requires an agent on each Cassandra node</a:t>
+            </a:r>
+          </a:p>
+          <a:p>
+            <a:pPr lvl="1"/>
+            <a:r>
+              <a:rPr lang="en-US" dirty="0" smtClean="0"/>
+              <a:t>It will install this via SSH if possible</a:t>
+            </a:r>
+            <a:endParaRPr lang="en-US" dirty="0"/>
+          </a:p>
+        </p:txBody>
+      </p:sp>
+    </p:spTree>
+    <p:extLst>
+      <p:ext uri="{BB962C8B-B14F-4D97-AF65-F5344CB8AC3E}">
+        <p14:creationId xmlns:p14="http://schemas.microsoft.com/office/powerpoint/2010/main" val="4165038737"/>
+      </p:ext>
+    </p:extLst>
+  </p:cSld>
+  <p:clrMapOvr>
+    <a:masterClrMapping/>
+  </p:clrMapOvr>
+</p:sld>
+</file>
+
+<file path=ppt/slides/slide22.xml><?xml version="1.0" encoding="utf-8"?>
+<p:sld xmlns:a="http://schemas.openxmlformats.org/drawingml/2006/main" xmlns:r="http://schemas.openxmlformats.org/officeDocument/2006/relationships" xmlns:p="http://schemas.openxmlformats.org/presentationml/2006/main">
+  <p:cSld>
+    <p:spTree>
+      <p:nvGrpSpPr>
+        <p:cNvPr id="1" name=""/>
+        <p:cNvGrpSpPr/>
+        <p:nvPr/>
+      </p:nvGrpSpPr>
+      <p:grpSpPr>
+        <a:xfrm>
+          <a:off x="0" y="0"/>
+          <a:ext cx="0" cy="0"/>
+          <a:chOff x="0" y="0"/>
+          <a:chExt cx="0" cy="0"/>
+        </a:xfrm>
+      </p:grpSpPr>
+      <p:sp>
+        <p:nvSpPr>
+          <p:cNvPr id="2" name="Title 1"/>
+          <p:cNvSpPr>
+            <a:spLocks noGrp="1"/>
+          </p:cNvSpPr>
+          <p:nvPr>
+            <p:ph type="title"/>
+          </p:nvPr>
+        </p:nvSpPr>
+        <p:spPr/>
+        <p:txBody>
+          <a:bodyPr/>
+          <a:lstStyle/>
+          <a:p>
+            <a:r>
+              <a:rPr lang="en-US" dirty="0" smtClean="0"/>
+              <a:t>Setting up a cluster in EC2</a:t>
+            </a:r>
+            <a:endParaRPr lang="en-US" dirty="0"/>
+          </a:p>
+        </p:txBody>
+      </p:sp>
+      <p:sp>
+        <p:nvSpPr>
+          <p:cNvPr id="3" name="Content Placeholder 2"/>
+          <p:cNvSpPr>
+            <a:spLocks noGrp="1"/>
+          </p:cNvSpPr>
+          <p:nvPr>
+            <p:ph idx="1"/>
+          </p:nvPr>
+        </p:nvSpPr>
+        <p:spPr/>
+        <p:txBody>
+          <a:bodyPr/>
+          <a:lstStyle/>
+          <a:p>
+            <a:r>
+              <a:rPr lang="en-US" dirty="0" smtClean="0"/>
+              <a:t>Use </a:t>
+            </a:r>
+            <a:r>
+              <a:rPr lang="en-US" dirty="0" err="1" smtClean="0"/>
+              <a:t>DataStax</a:t>
+            </a:r>
+            <a:r>
+              <a:rPr lang="en-US" dirty="0" smtClean="0"/>
+              <a:t> AMI</a:t>
+            </a:r>
+          </a:p>
+          <a:p>
+            <a:pPr lvl="1"/>
+            <a:r>
+              <a:rPr lang="en-US" dirty="0" smtClean="0"/>
+              <a:t>Community edition </a:t>
+            </a:r>
+          </a:p>
+          <a:p>
+            <a:pPr lvl="1"/>
+            <a:r>
+              <a:rPr lang="en-US" dirty="0" smtClean="0"/>
+              <a:t>Simple configuration to create a cluster</a:t>
+            </a:r>
+          </a:p>
+          <a:p>
+            <a:pPr lvl="1"/>
+            <a:r>
+              <a:rPr lang="en-US" dirty="0" smtClean="0"/>
+              <a:t>Automatically sets up </a:t>
+            </a:r>
+            <a:r>
+              <a:rPr lang="en-US" dirty="0" err="1" smtClean="0"/>
+              <a:t>OpsCenter</a:t>
+            </a:r>
+            <a:r>
+              <a:rPr lang="en-US" dirty="0" smtClean="0"/>
+              <a:t> on the first node</a:t>
+            </a:r>
+          </a:p>
+          <a:p>
+            <a:pPr marL="457200" lvl="1" indent="0">
+              <a:buNone/>
+            </a:pPr>
+            <a:endParaRPr lang="en-US" dirty="0" smtClean="0"/>
+          </a:p>
+          <a:p>
+            <a:pPr lvl="1"/>
+            <a:endParaRPr lang="en-US" dirty="0"/>
+          </a:p>
+        </p:txBody>
+      </p:sp>
+    </p:spTree>
+    <p:extLst>
+      <p:ext uri="{BB962C8B-B14F-4D97-AF65-F5344CB8AC3E}">
+        <p14:creationId xmlns:p14="http://schemas.microsoft.com/office/powerpoint/2010/main" val="1367644873"/>
+      </p:ext>
+    </p:extLst>
+  </p:cSld>
+  <p:clrMapOvr>
+    <a:masterClrMapping/>
+  </p:clrMapOvr>
+</p:sld>
+</file>
+
+<file path=ppt/slides/slide23.xml><?xml version="1.0" encoding="utf-8"?>
+<p:sld xmlns:a="http://schemas.openxmlformats.org/drawingml/2006/main" xmlns:r="http://schemas.openxmlformats.org/officeDocument/2006/relationships" xmlns:p="http://schemas.openxmlformats.org/presentationml/2006/main">
+  <p:cSld>
+    <p:spTree>
+      <p:nvGrpSpPr>
+        <p:cNvPr id="1" name=""/>
+        <p:cNvGrpSpPr/>
+        <p:nvPr/>
+      </p:nvGrpSpPr>
+      <p:grpSpPr>
+        <a:xfrm>
+          <a:off x="0" y="0"/>
+          <a:ext cx="0" cy="0"/>
+          <a:chOff x="0" y="0"/>
+          <a:chExt cx="0" cy="0"/>
+        </a:xfrm>
+      </p:grpSpPr>
+      <p:sp>
+        <p:nvSpPr>
+          <p:cNvPr id="2" name="Title 1"/>
+          <p:cNvSpPr>
+            <a:spLocks noGrp="1"/>
+          </p:cNvSpPr>
+          <p:nvPr>
+            <p:ph type="title"/>
+          </p:nvPr>
+        </p:nvSpPr>
+        <p:spPr/>
+        <p:txBody>
+          <a:bodyPr/>
+          <a:lstStyle/>
+          <a:p>
+            <a:r>
+              <a:rPr lang="en-US" smtClean="0"/>
+              <a:t>Questions?</a:t>
+            </a:r>
+            <a:endParaRPr lang="en-US"/>
+          </a:p>
+        </p:txBody>
+      </p:sp>
+      <p:sp>
+        <p:nvSpPr>
+          <p:cNvPr id="3" name="Content Placeholder 2"/>
+          <p:cNvSpPr>
+            <a:spLocks noGrp="1"/>
+          </p:cNvSpPr>
+          <p:nvPr>
+            <p:ph idx="1"/>
+          </p:nvPr>
+        </p:nvSpPr>
+        <p:spPr/>
+        <p:txBody>
+          <a:bodyPr/>
+          <a:lstStyle/>
+          <a:p>
+            <a:endParaRPr lang="en-US"/>
+          </a:p>
+        </p:txBody>
+      </p:sp>
+    </p:spTree>
+    <p:extLst>
+      <p:ext uri="{BB962C8B-B14F-4D97-AF65-F5344CB8AC3E}">
+        <p14:creationId xmlns:p14="http://schemas.microsoft.com/office/powerpoint/2010/main" val="3463372926"/>
+      </p:ext>
+    </p:extLst>
+  </p:cSld>
+  <p:clrMapOvr>
+    <a:masterClrMapping/>
+  </p:clrMapOvr>
+</p:sld>
+</file>
+
+<file path=ppt/slides/slide3.xml><?xml version="1.0" encoding="utf-8"?>
 <p:sld xmlns:a="http://schemas.openxmlformats.org/drawingml/2006/main" xmlns:r="http://schemas.openxmlformats.org/officeDocument/2006/relationships" xmlns:p="http://schemas.openxmlformats.org/presentationml/2006/main">
   <p:cSld>
     <p:spTree>
@@ -12243,321 +12870,7 @@
 </p:sld>
 </file>
 
-<file path=ppt/slides/slide20.xml><?xml version="1.0" encoding="utf-8"?>
-<p:sld xmlns:a="http://schemas.openxmlformats.org/drawingml/2006/main" xmlns:r="http://schemas.openxmlformats.org/officeDocument/2006/relationships" xmlns:p="http://schemas.openxmlformats.org/presentationml/2006/main">
-  <p:cSld>
-    <p:spTree>
-      <p:nvGrpSpPr>
-        <p:cNvPr id="1" name=""/>
-        <p:cNvGrpSpPr/>
-        <p:nvPr/>
-      </p:nvGrpSpPr>
-      <p:grpSpPr>
-        <a:xfrm>
-          <a:off x="0" y="0"/>
-          <a:ext cx="0" cy="0"/>
-          <a:chOff x="0" y="0"/>
-          <a:chExt cx="0" cy="0"/>
-        </a:xfrm>
-      </p:grpSpPr>
-      <p:sp>
-        <p:nvSpPr>
-          <p:cNvPr id="2" name="Title 1"/>
-          <p:cNvSpPr>
-            <a:spLocks noGrp="1"/>
-          </p:cNvSpPr>
-          <p:nvPr>
-            <p:ph type="title"/>
-          </p:nvPr>
-        </p:nvSpPr>
-        <p:spPr/>
-        <p:txBody>
-          <a:bodyPr/>
-          <a:lstStyle/>
-          <a:p>
-            <a:r>
-              <a:rPr lang="en-US" dirty="0" err="1" smtClean="0"/>
-              <a:t>OpsCenter</a:t>
-            </a:r>
-            <a:endParaRPr lang="en-US" dirty="0"/>
-          </a:p>
-        </p:txBody>
-      </p:sp>
-      <p:sp>
-        <p:nvSpPr>
-          <p:cNvPr id="3" name="Content Placeholder 2"/>
-          <p:cNvSpPr>
-            <a:spLocks noGrp="1"/>
-          </p:cNvSpPr>
-          <p:nvPr>
-            <p:ph idx="1"/>
-          </p:nvPr>
-        </p:nvSpPr>
-        <p:spPr/>
-        <p:txBody>
-          <a:bodyPr>
-            <a:normAutofit lnSpcReduction="10000"/>
-          </a:bodyPr>
-          <a:lstStyle/>
-          <a:p>
-            <a:r>
-              <a:rPr lang="en-US" dirty="0" smtClean="0"/>
-              <a:t>Part of </a:t>
-            </a:r>
-            <a:r>
-              <a:rPr lang="en-US" dirty="0" err="1" smtClean="0"/>
-              <a:t>DataStax</a:t>
-            </a:r>
-            <a:r>
-              <a:rPr lang="en-US" dirty="0" smtClean="0"/>
-              <a:t> Cassandra distribution</a:t>
-            </a:r>
-          </a:p>
-          <a:p>
-            <a:pPr lvl="1"/>
-            <a:r>
-              <a:rPr lang="en-US" dirty="0" smtClean="0"/>
-              <a:t>Community edition has limited features</a:t>
-            </a:r>
-          </a:p>
-          <a:p>
-            <a:pPr lvl="1"/>
-            <a:r>
-              <a:rPr lang="en-US" dirty="0" smtClean="0"/>
-              <a:t>Enterprise edition expands these</a:t>
-            </a:r>
-          </a:p>
-          <a:p>
-            <a:r>
-              <a:rPr lang="en-US" dirty="0" smtClean="0"/>
-              <a:t>Not open source, but free to use in the community edition</a:t>
-            </a:r>
-          </a:p>
-          <a:p>
-            <a:pPr lvl="1"/>
-            <a:r>
-              <a:rPr lang="en-US" dirty="0" smtClean="0"/>
-              <a:t>Requires an agent on each Cassandra node</a:t>
-            </a:r>
-          </a:p>
-          <a:p>
-            <a:pPr lvl="1"/>
-            <a:r>
-              <a:rPr lang="en-US" dirty="0" smtClean="0"/>
-              <a:t>It will install this via SSH if possible</a:t>
-            </a:r>
-            <a:endParaRPr lang="en-US" dirty="0"/>
-          </a:p>
-        </p:txBody>
-      </p:sp>
-    </p:spTree>
-    <p:extLst>
-      <p:ext uri="{BB962C8B-B14F-4D97-AF65-F5344CB8AC3E}">
-        <p14:creationId xmlns:p14="http://schemas.microsoft.com/office/powerpoint/2010/main" val="4165038737"/>
-      </p:ext>
-    </p:extLst>
-  </p:cSld>
-  <p:clrMapOvr>
-    <a:masterClrMapping/>
-  </p:clrMapOvr>
-</p:sld>
-</file>
-
-<file path=ppt/slides/slide21.xml><?xml version="1.0" encoding="utf-8"?>
-<p:sld xmlns:a="http://schemas.openxmlformats.org/drawingml/2006/main" xmlns:r="http://schemas.openxmlformats.org/officeDocument/2006/relationships" xmlns:p="http://schemas.openxmlformats.org/presentationml/2006/main">
-  <p:cSld>
-    <p:spTree>
-      <p:nvGrpSpPr>
-        <p:cNvPr id="1" name=""/>
-        <p:cNvGrpSpPr/>
-        <p:nvPr/>
-      </p:nvGrpSpPr>
-      <p:grpSpPr>
-        <a:xfrm>
-          <a:off x="0" y="0"/>
-          <a:ext cx="0" cy="0"/>
-          <a:chOff x="0" y="0"/>
-          <a:chExt cx="0" cy="0"/>
-        </a:xfrm>
-      </p:grpSpPr>
-      <p:sp>
-        <p:nvSpPr>
-          <p:cNvPr id="2" name="Title 1"/>
-          <p:cNvSpPr>
-            <a:spLocks noGrp="1"/>
-          </p:cNvSpPr>
-          <p:nvPr>
-            <p:ph type="title"/>
-          </p:nvPr>
-        </p:nvSpPr>
-        <p:spPr/>
-        <p:txBody>
-          <a:bodyPr/>
-          <a:lstStyle/>
-          <a:p>
-            <a:r>
-              <a:rPr lang="en-US" dirty="0" smtClean="0"/>
-              <a:t>Setting up a cluster in EC2</a:t>
-            </a:r>
-            <a:endParaRPr lang="en-US" dirty="0"/>
-          </a:p>
-        </p:txBody>
-      </p:sp>
-      <p:sp>
-        <p:nvSpPr>
-          <p:cNvPr id="3" name="Content Placeholder 2"/>
-          <p:cNvSpPr>
-            <a:spLocks noGrp="1"/>
-          </p:cNvSpPr>
-          <p:nvPr>
-            <p:ph idx="1"/>
-          </p:nvPr>
-        </p:nvSpPr>
-        <p:spPr/>
-        <p:txBody>
-          <a:bodyPr/>
-          <a:lstStyle/>
-          <a:p>
-            <a:r>
-              <a:rPr lang="en-US" dirty="0" smtClean="0"/>
-              <a:t>Use </a:t>
-            </a:r>
-            <a:r>
-              <a:rPr lang="en-US" dirty="0" err="1" smtClean="0"/>
-              <a:t>DataStax</a:t>
-            </a:r>
-            <a:r>
-              <a:rPr lang="en-US" dirty="0" smtClean="0"/>
-              <a:t> AMI</a:t>
-            </a:r>
-          </a:p>
-          <a:p>
-            <a:pPr lvl="1"/>
-            <a:r>
-              <a:rPr lang="en-US" dirty="0" smtClean="0"/>
-              <a:t>Community edition </a:t>
-            </a:r>
-          </a:p>
-          <a:p>
-            <a:pPr lvl="1"/>
-            <a:r>
-              <a:rPr lang="en-US" dirty="0" smtClean="0"/>
-              <a:t>Simple configuration to create a cluster</a:t>
-            </a:r>
-          </a:p>
-          <a:p>
-            <a:pPr lvl="1"/>
-            <a:r>
-              <a:rPr lang="en-US" dirty="0" smtClean="0"/>
-              <a:t>Automatically sets up </a:t>
-            </a:r>
-            <a:r>
-              <a:rPr lang="en-US" dirty="0" err="1" smtClean="0"/>
-              <a:t>OpsCenter</a:t>
-            </a:r>
-            <a:r>
-              <a:rPr lang="en-US" dirty="0" smtClean="0"/>
-              <a:t> on the first node</a:t>
-            </a:r>
-          </a:p>
-          <a:p>
-            <a:pPr marL="457200" lvl="1" indent="0">
-              <a:buNone/>
-            </a:pPr>
-            <a:endParaRPr lang="en-US" dirty="0" smtClean="0"/>
-          </a:p>
-          <a:p>
-            <a:pPr lvl="1"/>
-            <a:endParaRPr lang="en-US" dirty="0"/>
-          </a:p>
-        </p:txBody>
-      </p:sp>
-    </p:spTree>
-    <p:extLst>
-      <p:ext uri="{BB962C8B-B14F-4D97-AF65-F5344CB8AC3E}">
-        <p14:creationId xmlns:p14="http://schemas.microsoft.com/office/powerpoint/2010/main" val="1367644873"/>
-      </p:ext>
-    </p:extLst>
-  </p:cSld>
-  <p:clrMapOvr>
-    <a:masterClrMapping/>
-  </p:clrMapOvr>
-</p:sld>
-</file>
-
-<file path=ppt/slides/slide22.xml><?xml version="1.0" encoding="utf-8"?>
-<p:sld xmlns:a="http://schemas.openxmlformats.org/drawingml/2006/main" xmlns:r="http://schemas.openxmlformats.org/officeDocument/2006/relationships" xmlns:p="http://schemas.openxmlformats.org/presentationml/2006/main">
-  <p:cSld>
-    <p:spTree>
-      <p:nvGrpSpPr>
-        <p:cNvPr id="1" name=""/>
-        <p:cNvGrpSpPr/>
-        <p:nvPr/>
-      </p:nvGrpSpPr>
-      <p:grpSpPr>
-        <a:xfrm>
-          <a:off x="0" y="0"/>
-          <a:ext cx="0" cy="0"/>
-          <a:chOff x="0" y="0"/>
-          <a:chExt cx="0" cy="0"/>
-        </a:xfrm>
-      </p:grpSpPr>
-      <p:sp>
-        <p:nvSpPr>
-          <p:cNvPr id="2" name="Title 1"/>
-          <p:cNvSpPr>
-            <a:spLocks noGrp="1"/>
-          </p:cNvSpPr>
-          <p:nvPr>
-            <p:ph type="title"/>
-          </p:nvPr>
-        </p:nvSpPr>
-        <p:spPr/>
-        <p:txBody>
-          <a:bodyPr/>
-          <a:lstStyle/>
-          <a:p>
-            <a:r>
-              <a:rPr lang="en-US" smtClean="0"/>
-              <a:t>Questions?</a:t>
-            </a:r>
-            <a:endParaRPr lang="en-US"/>
-          </a:p>
-        </p:txBody>
-      </p:sp>
-      <p:sp>
-        <p:nvSpPr>
-          <p:cNvPr id="3" name="Content Placeholder 2"/>
-          <p:cNvSpPr>
-            <a:spLocks noGrp="1"/>
-          </p:cNvSpPr>
-          <p:nvPr>
-            <p:ph idx="1"/>
-          </p:nvPr>
-        </p:nvSpPr>
-        <p:spPr/>
-        <p:txBody>
-          <a:bodyPr/>
-          <a:lstStyle/>
-          <a:p>
-            <a:endParaRPr lang="en-US"/>
-          </a:p>
-        </p:txBody>
-      </p:sp>
-    </p:spTree>
-    <p:extLst>
-      <p:ext uri="{BB962C8B-B14F-4D97-AF65-F5344CB8AC3E}">
-        <p14:creationId xmlns:p14="http://schemas.microsoft.com/office/powerpoint/2010/main" val="3463372926"/>
-      </p:ext>
-    </p:extLst>
-  </p:cSld>
-  <p:clrMapOvr>
-    <a:masterClrMapping/>
-  </p:clrMapOvr>
-</p:sld>
-</file>
-
-<file path=ppt/slides/slide3.xml><?xml version="1.0" encoding="utf-8"?>
+<file path=ppt/slides/slide4.xml><?xml version="1.0" encoding="utf-8"?>
 <p:sld xmlns:a="http://schemas.openxmlformats.org/drawingml/2006/main" xmlns:r="http://schemas.openxmlformats.org/officeDocument/2006/relationships" xmlns:p="http://schemas.openxmlformats.org/presentationml/2006/main">
   <p:cSld>
     <p:spTree>
@@ -12672,7 +12985,7 @@
 </p:sld>
 </file>
 
-<file path=ppt/slides/slide4.xml><?xml version="1.0" encoding="utf-8"?>
+<file path=ppt/slides/slide5.xml><?xml version="1.0" encoding="utf-8"?>
 <p:sld xmlns:a="http://schemas.openxmlformats.org/drawingml/2006/main" xmlns:r="http://schemas.openxmlformats.org/officeDocument/2006/relationships" xmlns:p="http://schemas.openxmlformats.org/presentationml/2006/main">
   <p:cSld>
     <p:spTree>
@@ -12788,7 +13101,7 @@
 </p:sld>
 </file>
 
-<file path=ppt/slides/slide5.xml><?xml version="1.0" encoding="utf-8"?>
+<file path=ppt/slides/slide6.xml><?xml version="1.0" encoding="utf-8"?>
 <p:sld xmlns:a="http://schemas.openxmlformats.org/drawingml/2006/main" xmlns:r="http://schemas.openxmlformats.org/officeDocument/2006/relationships" xmlns:p="http://schemas.openxmlformats.org/presentationml/2006/main">
   <p:cSld>
     <p:spTree>
@@ -12895,144 +13208,6 @@
 </p:sld>
 </file>
 
-<file path=ppt/slides/slide6.xml><?xml version="1.0" encoding="utf-8"?>
-<p:sld xmlns:a="http://schemas.openxmlformats.org/drawingml/2006/main" xmlns:r="http://schemas.openxmlformats.org/officeDocument/2006/relationships" xmlns:p="http://schemas.openxmlformats.org/presentationml/2006/main">
-  <p:cSld>
-    <p:spTree>
-      <p:nvGrpSpPr>
-        <p:cNvPr id="1" name=""/>
-        <p:cNvGrpSpPr/>
-        <p:nvPr/>
-      </p:nvGrpSpPr>
-      <p:grpSpPr>
-        <a:xfrm>
-          <a:off x="0" y="0"/>
-          <a:ext cx="0" cy="0"/>
-          <a:chOff x="0" y="0"/>
-          <a:chExt cx="0" cy="0"/>
-        </a:xfrm>
-      </p:grpSpPr>
-      <p:sp>
-        <p:nvSpPr>
-          <p:cNvPr id="2" name="Title 1"/>
-          <p:cNvSpPr>
-            <a:spLocks noGrp="1"/>
-          </p:cNvSpPr>
-          <p:nvPr>
-            <p:ph type="title"/>
-          </p:nvPr>
-        </p:nvSpPr>
-        <p:spPr/>
-        <p:txBody>
-          <a:bodyPr/>
-          <a:lstStyle/>
-          <a:p>
-            <a:r>
-              <a:rPr lang="en-US" dirty="0" smtClean="0"/>
-              <a:t>Cassandra Model</a:t>
-            </a:r>
-            <a:endParaRPr lang="en-US" dirty="0"/>
-          </a:p>
-        </p:txBody>
-      </p:sp>
-      <p:sp>
-        <p:nvSpPr>
-          <p:cNvPr id="3" name="Content Placeholder 2"/>
-          <p:cNvSpPr>
-            <a:spLocks noGrp="1"/>
-          </p:cNvSpPr>
-          <p:nvPr>
-            <p:ph idx="1"/>
-          </p:nvPr>
-        </p:nvSpPr>
-        <p:spPr/>
-        <p:txBody>
-          <a:bodyPr>
-            <a:normAutofit lnSpcReduction="10000"/>
-          </a:bodyPr>
-          <a:lstStyle/>
-          <a:p>
-            <a:r>
-              <a:rPr lang="en-US" b="1" dirty="0" err="1" smtClean="0"/>
-              <a:t>Keyspaces</a:t>
-            </a:r>
-            <a:r>
-              <a:rPr lang="en-US" dirty="0" smtClean="0"/>
-              <a:t> are roughly equivalent to SQL Databases</a:t>
-            </a:r>
-          </a:p>
-          <a:p>
-            <a:pPr lvl="1"/>
-            <a:r>
-              <a:rPr lang="en-US" dirty="0" smtClean="0"/>
-              <a:t>Encapsulate replication strategies</a:t>
-            </a:r>
-          </a:p>
-          <a:p>
-            <a:r>
-              <a:rPr lang="en-US" b="1" dirty="0" smtClean="0"/>
-              <a:t>Column Families</a:t>
-            </a:r>
-            <a:r>
-              <a:rPr lang="en-US" dirty="0" smtClean="0"/>
-              <a:t> roughly equivalent to SQL tables</a:t>
-            </a:r>
-          </a:p>
-          <a:p>
-            <a:r>
-              <a:rPr lang="en-US" dirty="0" smtClean="0"/>
-              <a:t>Generally a different approach </a:t>
-            </a:r>
-            <a:r>
-              <a:rPr lang="en-US" dirty="0" err="1" smtClean="0"/>
-              <a:t>vs</a:t>
-            </a:r>
-            <a:r>
-              <a:rPr lang="en-US" dirty="0" smtClean="0"/>
-              <a:t> SQL</a:t>
-            </a:r>
-          </a:p>
-          <a:p>
-            <a:pPr lvl="1"/>
-            <a:r>
-              <a:rPr lang="en-US" dirty="0" smtClean="0"/>
-              <a:t>Writes are cheap</a:t>
-            </a:r>
-          </a:p>
-          <a:p>
-            <a:pPr lvl="1"/>
-            <a:r>
-              <a:rPr lang="en-US" dirty="0" smtClean="0"/>
-              <a:t>Indexes are expensive</a:t>
-            </a:r>
-          </a:p>
-          <a:p>
-            <a:pPr lvl="1"/>
-            <a:r>
-              <a:rPr lang="en-US" dirty="0"/>
-              <a:t>Normalization is not the </a:t>
-            </a:r>
-            <a:r>
-              <a:rPr lang="en-US" dirty="0" smtClean="0"/>
-              <a:t>goal</a:t>
-            </a:r>
-            <a:endParaRPr lang="en-US" dirty="0"/>
-          </a:p>
-        </p:txBody>
-      </p:sp>
-    </p:spTree>
-    <p:extLst>
-      <p:ext uri="{BB962C8B-B14F-4D97-AF65-F5344CB8AC3E}">
-        <p14:creationId xmlns:p14="http://schemas.microsoft.com/office/powerpoint/2010/main" val="4149025764"/>
-      </p:ext>
-    </p:extLst>
-  </p:cSld>
-  <p:clrMapOvr>
-    <a:masterClrMapping/>
-  </p:clrMapOvr>
-</p:sld>
-</file>
-
 <file path=ppt/slides/slide7.xml><?xml version="1.0" encoding="utf-8"?>
 <p:sld xmlns:a="http://schemas.openxmlformats.org/drawingml/2006/main" xmlns:r="http://schemas.openxmlformats.org/officeDocument/2006/relationships" xmlns:p="http://schemas.openxmlformats.org/presentationml/2006/main">
   <p:cSld>
@@ -13067,6 +13242,144 @@
           <a:p>
             <a:r>
               <a:rPr lang="en-US" dirty="0" smtClean="0"/>
+              <a:t>Cassandra Model</a:t>
+            </a:r>
+            <a:endParaRPr lang="en-US" dirty="0"/>
+          </a:p>
+        </p:txBody>
+      </p:sp>
+      <p:sp>
+        <p:nvSpPr>
+          <p:cNvPr id="3" name="Content Placeholder 2"/>
+          <p:cNvSpPr>
+            <a:spLocks noGrp="1"/>
+          </p:cNvSpPr>
+          <p:nvPr>
+            <p:ph idx="1"/>
+          </p:nvPr>
+        </p:nvSpPr>
+        <p:spPr/>
+        <p:txBody>
+          <a:bodyPr>
+            <a:normAutofit lnSpcReduction="10000"/>
+          </a:bodyPr>
+          <a:lstStyle/>
+          <a:p>
+            <a:r>
+              <a:rPr lang="en-US" b="1" dirty="0" err="1" smtClean="0"/>
+              <a:t>Keyspaces</a:t>
+            </a:r>
+            <a:r>
+              <a:rPr lang="en-US" dirty="0" smtClean="0"/>
+              <a:t> are roughly equivalent to SQL Databases</a:t>
+            </a:r>
+          </a:p>
+          <a:p>
+            <a:pPr lvl="1"/>
+            <a:r>
+              <a:rPr lang="en-US" dirty="0" smtClean="0"/>
+              <a:t>Encapsulate replication strategies</a:t>
+            </a:r>
+          </a:p>
+          <a:p>
+            <a:r>
+              <a:rPr lang="en-US" b="1" dirty="0" smtClean="0"/>
+              <a:t>Column Families</a:t>
+            </a:r>
+            <a:r>
+              <a:rPr lang="en-US" dirty="0" smtClean="0"/>
+              <a:t> roughly equivalent to SQL tables</a:t>
+            </a:r>
+          </a:p>
+          <a:p>
+            <a:r>
+              <a:rPr lang="en-US" dirty="0" smtClean="0"/>
+              <a:t>Generally a different approach </a:t>
+            </a:r>
+            <a:r>
+              <a:rPr lang="en-US" dirty="0" err="1" smtClean="0"/>
+              <a:t>vs</a:t>
+            </a:r>
+            <a:r>
+              <a:rPr lang="en-US" dirty="0" smtClean="0"/>
+              <a:t> SQL</a:t>
+            </a:r>
+          </a:p>
+          <a:p>
+            <a:pPr lvl="1"/>
+            <a:r>
+              <a:rPr lang="en-US" dirty="0" smtClean="0"/>
+              <a:t>Writes are cheap</a:t>
+            </a:r>
+          </a:p>
+          <a:p>
+            <a:pPr lvl="1"/>
+            <a:r>
+              <a:rPr lang="en-US" dirty="0" smtClean="0"/>
+              <a:t>Indexes are expensive</a:t>
+            </a:r>
+          </a:p>
+          <a:p>
+            <a:pPr lvl="1"/>
+            <a:r>
+              <a:rPr lang="en-US" dirty="0"/>
+              <a:t>Normalization is not the </a:t>
+            </a:r>
+            <a:r>
+              <a:rPr lang="en-US" dirty="0" smtClean="0"/>
+              <a:t>goal</a:t>
+            </a:r>
+            <a:endParaRPr lang="en-US" dirty="0"/>
+          </a:p>
+        </p:txBody>
+      </p:sp>
+    </p:spTree>
+    <p:extLst>
+      <p:ext uri="{BB962C8B-B14F-4D97-AF65-F5344CB8AC3E}">
+        <p14:creationId xmlns:p14="http://schemas.microsoft.com/office/powerpoint/2010/main" val="4149025764"/>
+      </p:ext>
+    </p:extLst>
+  </p:cSld>
+  <p:clrMapOvr>
+    <a:masterClrMapping/>
+  </p:clrMapOvr>
+</p:sld>
+</file>
+
+<file path=ppt/slides/slide8.xml><?xml version="1.0" encoding="utf-8"?>
+<p:sld xmlns:a="http://schemas.openxmlformats.org/drawingml/2006/main" xmlns:r="http://schemas.openxmlformats.org/officeDocument/2006/relationships" xmlns:p="http://schemas.openxmlformats.org/presentationml/2006/main">
+  <p:cSld>
+    <p:spTree>
+      <p:nvGrpSpPr>
+        <p:cNvPr id="1" name=""/>
+        <p:cNvGrpSpPr/>
+        <p:nvPr/>
+      </p:nvGrpSpPr>
+      <p:grpSpPr>
+        <a:xfrm>
+          <a:off x="0" y="0"/>
+          <a:ext cx="0" cy="0"/>
+          <a:chOff x="0" y="0"/>
+          <a:chExt cx="0" cy="0"/>
+        </a:xfrm>
+      </p:grpSpPr>
+      <p:sp>
+        <p:nvSpPr>
+          <p:cNvPr id="2" name="Title 1"/>
+          <p:cNvSpPr>
+            <a:spLocks noGrp="1"/>
+          </p:cNvSpPr>
+          <p:nvPr>
+            <p:ph type="title"/>
+          </p:nvPr>
+        </p:nvSpPr>
+        <p:spPr/>
+        <p:txBody>
+          <a:bodyPr/>
+          <a:lstStyle/>
+          <a:p>
+            <a:r>
+              <a:rPr lang="en-US" dirty="0" smtClean="0"/>
               <a:t>Cassandra Model cont.</a:t>
             </a:r>
             <a:endParaRPr lang="en-US" dirty="0"/>
@@ -13165,7 +13478,7 @@
 </p:sld>
 </file>
 
-<file path=ppt/slides/slide8.xml><?xml version="1.0" encoding="utf-8"?>
+<file path=ppt/slides/slide9.xml><?xml version="1.0" encoding="utf-8"?>
 <p:sld xmlns:a="http://schemas.openxmlformats.org/drawingml/2006/main" xmlns:r="http://schemas.openxmlformats.org/officeDocument/2006/relationships" xmlns:p="http://schemas.openxmlformats.org/presentationml/2006/main">
   <p:cSld>
     <p:spTree>
@@ -13385,160 +13698,6 @@
     <p:extLst>
       <p:ext uri="{BB962C8B-B14F-4D97-AF65-F5344CB8AC3E}">
         <p14:creationId xmlns:p14="http://schemas.microsoft.com/office/powerpoint/2010/main" val="3969022206"/>
-      </p:ext>
-    </p:extLst>
-  </p:cSld>
-  <p:clrMapOvr>
-    <a:masterClrMapping/>
-  </p:clrMapOvr>
-</p:sld>
-</file>
-
-<file path=ppt/slides/slide9.xml><?xml version="1.0" encoding="utf-8"?>
-<p:sld xmlns:a="http://schemas.openxmlformats.org/drawingml/2006/main" xmlns:r="http://schemas.openxmlformats.org/officeDocument/2006/relationships" xmlns:p="http://schemas.openxmlformats.org/presentationml/2006/main">
-  <p:cSld>
-    <p:spTree>
-      <p:nvGrpSpPr>
-        <p:cNvPr id="1" name=""/>
-        <p:cNvGrpSpPr/>
-        <p:nvPr/>
-      </p:nvGrpSpPr>
-      <p:grpSpPr>
-        <a:xfrm>
-          <a:off x="0" y="0"/>
-          <a:ext cx="0" cy="0"/>
-          <a:chOff x="0" y="0"/>
-          <a:chExt cx="0" cy="0"/>
-        </a:xfrm>
-      </p:grpSpPr>
-      <p:sp>
-        <p:nvSpPr>
-          <p:cNvPr id="2" name="Title 1"/>
-          <p:cNvSpPr>
-            <a:spLocks noGrp="1"/>
-          </p:cNvSpPr>
-          <p:nvPr>
-            <p:ph type="title"/>
-          </p:nvPr>
-        </p:nvSpPr>
-        <p:spPr/>
-        <p:txBody>
-          <a:bodyPr/>
-          <a:lstStyle/>
-          <a:p>
-            <a:r>
-              <a:rPr lang="en-US" dirty="0" smtClean="0"/>
-              <a:t>Partitioning / Hashing</a:t>
-            </a:r>
-            <a:endParaRPr lang="en-US" dirty="0"/>
-          </a:p>
-        </p:txBody>
-      </p:sp>
-      <p:sp>
-        <p:nvSpPr>
-          <p:cNvPr id="3" name="Content Placeholder 2"/>
-          <p:cNvSpPr>
-            <a:spLocks noGrp="1"/>
-          </p:cNvSpPr>
-          <p:nvPr>
-            <p:ph idx="1"/>
-          </p:nvPr>
-        </p:nvSpPr>
-        <p:spPr/>
-        <p:txBody>
-          <a:bodyPr>
-            <a:normAutofit fontScale="92500" lnSpcReduction="20000"/>
-          </a:bodyPr>
-          <a:lstStyle/>
-          <a:p>
-            <a:r>
-              <a:rPr lang="en-US" dirty="0" smtClean="0"/>
-              <a:t>Cassandra partitions your data via a Hash function onto different nodes</a:t>
-            </a:r>
-          </a:p>
-          <a:p>
-            <a:pPr lvl="1"/>
-            <a:r>
-              <a:rPr lang="en-US" dirty="0" smtClean="0"/>
-              <a:t>Based on the row key</a:t>
-            </a:r>
-          </a:p>
-          <a:p>
-            <a:pPr lvl="1"/>
-            <a:r>
-              <a:rPr lang="en-US" dirty="0" smtClean="0"/>
-              <a:t>This can be random (MD5 hash), or specific to the data (ordered)</a:t>
-            </a:r>
-          </a:p>
-          <a:p>
-            <a:pPr lvl="1"/>
-            <a:r>
-              <a:rPr lang="en-US" dirty="0" smtClean="0"/>
-              <a:t>Random is recommended as it is guaranteed to be balanced</a:t>
-            </a:r>
-          </a:p>
-          <a:p>
-            <a:pPr lvl="1"/>
-            <a:r>
-              <a:rPr lang="en-US" dirty="0" smtClean="0"/>
-              <a:t>The latest random </a:t>
-            </a:r>
-            <a:r>
-              <a:rPr lang="en-US" dirty="0" err="1" smtClean="0"/>
-              <a:t>partitioner</a:t>
-            </a:r>
-            <a:r>
-              <a:rPr lang="en-US" dirty="0" smtClean="0"/>
-              <a:t> is the Murmur3Partitioner based on the Murmur3 hash function</a:t>
-            </a:r>
-          </a:p>
-          <a:p>
-            <a:pPr lvl="2"/>
-            <a:r>
-              <a:rPr lang="en-US" dirty="0">
-                <a:hlinkClick r:id="rId2"/>
-              </a:rPr>
-              <a:t>https://en.wikipedia.org/wiki/</a:t>
-            </a:r>
-            <a:r>
-              <a:rPr lang="en-US" dirty="0" smtClean="0">
-                <a:hlinkClick r:id="rId2"/>
-              </a:rPr>
-              <a:t>MurmurHash</a:t>
-            </a:r>
-            <a:r>
-              <a:rPr lang="en-US" dirty="0" smtClean="0"/>
-              <a:t> </a:t>
-            </a:r>
-          </a:p>
-          <a:p>
-            <a:pPr lvl="1"/>
-            <a:r>
-              <a:rPr lang="en-US" dirty="0" smtClean="0"/>
-              <a:t>Specified in </a:t>
-            </a:r>
-            <a:r>
-              <a:rPr lang="en-US" dirty="0" err="1" smtClean="0"/>
-              <a:t>cassandra.yaml</a:t>
-            </a:r>
-            <a:endParaRPr lang="en-US" dirty="0" smtClean="0"/>
-          </a:p>
-          <a:p>
-            <a:pPr marL="457200" lvl="1" indent="0">
-              <a:buNone/>
-            </a:pPr>
-            <a:endParaRPr lang="en-US" dirty="0" smtClean="0"/>
-          </a:p>
-          <a:p>
-            <a:pPr lvl="1"/>
-            <a:endParaRPr lang="en-US" dirty="0"/>
-          </a:p>
-        </p:txBody>
-      </p:sp>
-    </p:spTree>
-    <p:extLst>
-      <p:ext uri="{BB962C8B-B14F-4D97-AF65-F5344CB8AC3E}">
-        <p14:creationId xmlns:p14="http://schemas.microsoft.com/office/powerpoint/2010/main" val="845217799"/>
       </p:ext>
     </p:extLst>
   </p:cSld>

--- a/pres-source/09-Cassandra.pptx
+++ b/pres-source/09-Cassandra.pptx
@@ -6545,7 +6545,7 @@
             <a:fld id="{7307762F-A706-E543-A832-3C298AA3103F}" type="datetimeFigureOut">
               <a:rPr lang="en-US" smtClean="0"/>
               <a:pPr/>
-              <a:t>16/11/15</a:t>
+              <a:t>30/11/15</a:t>
             </a:fld>
             <a:endParaRPr lang="en-US" dirty="0"/>
           </a:p>
@@ -7112,7 +7112,7 @@
           <a:p>
             <a:fld id="{875CF0EB-321F-0749-B37A-89BBA859503C}" type="datetimeFigureOut">
               <a:rPr lang="en-US" smtClean="0"/>
-              <a:t>16/11/15</a:t>
+              <a:t>30/11/15</a:t>
             </a:fld>
             <a:endParaRPr lang="en-US"/>
           </a:p>
@@ -7316,7 +7316,7 @@
           <a:p>
             <a:fld id="{875CF0EB-321F-0749-B37A-89BBA859503C}" type="datetimeFigureOut">
               <a:rPr lang="en-US" smtClean="0"/>
-              <a:t>16/11/15</a:t>
+              <a:t>30/11/15</a:t>
             </a:fld>
             <a:endParaRPr lang="en-US"/>
           </a:p>
@@ -7510,7 +7510,7 @@
           <a:p>
             <a:fld id="{875CF0EB-321F-0749-B37A-89BBA859503C}" type="datetimeFigureOut">
               <a:rPr lang="en-US" smtClean="0"/>
-              <a:t>16/11/15</a:t>
+              <a:t>30/11/15</a:t>
             </a:fld>
             <a:endParaRPr lang="en-US"/>
           </a:p>
@@ -7780,7 +7780,7 @@
           <a:p>
             <a:fld id="{875CF0EB-321F-0749-B37A-89BBA859503C}" type="datetimeFigureOut">
               <a:rPr lang="en-US" smtClean="0"/>
-              <a:t>16/11/15</a:t>
+              <a:t>30/11/15</a:t>
             </a:fld>
             <a:endParaRPr lang="en-US"/>
           </a:p>
@@ -8092,7 +8092,7 @@
           <a:p>
             <a:fld id="{875CF0EB-321F-0749-B37A-89BBA859503C}" type="datetimeFigureOut">
               <a:rPr lang="en-US" smtClean="0"/>
-              <a:t>16/11/15</a:t>
+              <a:t>30/11/15</a:t>
             </a:fld>
             <a:endParaRPr lang="en-US"/>
           </a:p>
@@ -8538,7 +8538,7 @@
           <a:p>
             <a:fld id="{875CF0EB-321F-0749-B37A-89BBA859503C}" type="datetimeFigureOut">
               <a:rPr lang="en-US" smtClean="0"/>
-              <a:t>16/11/15</a:t>
+              <a:t>30/11/15</a:t>
             </a:fld>
             <a:endParaRPr lang="en-US"/>
           </a:p>
@@ -8680,7 +8680,7 @@
           <a:p>
             <a:fld id="{875CF0EB-321F-0749-B37A-89BBA859503C}" type="datetimeFigureOut">
               <a:rPr lang="en-US" smtClean="0"/>
-              <a:t>16/11/15</a:t>
+              <a:t>30/11/15</a:t>
             </a:fld>
             <a:endParaRPr lang="en-US"/>
           </a:p>
@@ -8799,7 +8799,7 @@
           <a:p>
             <a:fld id="{875CF0EB-321F-0749-B37A-89BBA859503C}" type="datetimeFigureOut">
               <a:rPr lang="en-US" smtClean="0"/>
-              <a:t>16/11/15</a:t>
+              <a:t>30/11/15</a:t>
             </a:fld>
             <a:endParaRPr lang="en-US"/>
           </a:p>
@@ -9100,7 +9100,7 @@
           <a:p>
             <a:fld id="{875CF0EB-321F-0749-B37A-89BBA859503C}" type="datetimeFigureOut">
               <a:rPr lang="en-US" smtClean="0"/>
-              <a:t>16/11/15</a:t>
+              <a:t>30/11/15</a:t>
             </a:fld>
             <a:endParaRPr lang="en-US"/>
           </a:p>
@@ -9377,7 +9377,7 @@
           <a:p>
             <a:fld id="{875CF0EB-321F-0749-B37A-89BBA859503C}" type="datetimeFigureOut">
               <a:rPr lang="en-US" smtClean="0"/>
-              <a:t>16/11/15</a:t>
+              <a:t>30/11/15</a:t>
             </a:fld>
             <a:endParaRPr lang="en-US"/>
           </a:p>
@@ -9573,7 +9573,7 @@
       </p:sp>
       <p:sp>
         <p:nvSpPr>
-          <p:cNvPr id="21" name="TextBox 20"/>
+          <p:cNvPr id="8" name="TextBox 7"/>
           <p:cNvSpPr txBox="1">
             <a:spLocks noChangeArrowheads="1"/>
           </p:cNvSpPr>
@@ -9581,8 +9581,8 @@
         </p:nvSpPr>
         <p:spPr bwMode="auto">
           <a:xfrm>
-            <a:off x="1046163" y="6092834"/>
-            <a:ext cx="6853158" cy="553998"/>
+            <a:off x="1168930" y="6408634"/>
+            <a:ext cx="3429144" cy="415498"/>
           </a:xfrm>
           <a:prstGeom prst="rect">
             <a:avLst/>
@@ -9754,22 +9754,22 @@
               <a:defRPr/>
             </a:pPr>
             <a:r>
-              <a:rPr lang="en-US" sz="1000" dirty="0" smtClean="0">
+              <a:rPr lang="en-US" sz="700" dirty="0" smtClean="0">
                 <a:latin typeface="Montserrat"/>
               </a:rPr>
-              <a:t>© Paul Fremantle 2015.  Licensed under the Creative Commons 4.0 BY-SA (Attribution-</a:t>
-            </a:r>
-            <a:r>
-              <a:rPr lang="en-US" sz="1000" dirty="0" err="1" smtClean="0">
+              <a:t>© Paul Fremantle 2015.  </a:t>
+            </a:r>
+            <a:r>
+              <a:rPr lang="en-US" sz="700" dirty="0" smtClean="0">
                 <a:latin typeface="Montserrat"/>
               </a:rPr>
-              <a:t>Sharealike</a:t>
-            </a:r>
-            <a:r>
-              <a:rPr lang="en-US" sz="1000" dirty="0" smtClean="0">
+              <a:t>This </a:t>
+            </a:r>
+            <a:r>
+              <a:rPr lang="en-US" sz="700" dirty="0" smtClean="0">
                 <a:latin typeface="Montserrat"/>
               </a:rPr>
-              <a:t>) license.</a:t>
+              <a:t>work is licensed under a Creative Commons</a:t>
             </a:r>
           </a:p>
           <a:p>
@@ -9777,87 +9777,84 @@
               <a:defRPr/>
             </a:pPr>
             <a:r>
-              <a:rPr lang="en-US" sz="1000" dirty="0" smtClean="0">
+              <a:rPr lang="en-US" sz="700" dirty="0" smtClean="0">
                 <a:latin typeface="Montserrat"/>
               </a:rPr>
-              <a:t>See </a:t>
-            </a:r>
-            <a:r>
-              <a:rPr lang="en-US" sz="1000" dirty="0" smtClean="0">
+              <a:t> Attribution-</a:t>
+            </a:r>
+            <a:r>
+              <a:rPr lang="en-US" sz="700" dirty="0" err="1" smtClean="0">
+                <a:latin typeface="Montserrat"/>
+              </a:rPr>
+              <a:t>NonCommercial</a:t>
+            </a:r>
+            <a:r>
+              <a:rPr lang="en-US" sz="700" dirty="0" smtClean="0">
+                <a:latin typeface="Montserrat"/>
+              </a:rPr>
+              <a:t>-</a:t>
+            </a:r>
+            <a:r>
+              <a:rPr lang="en-US" sz="700" dirty="0" err="1" smtClean="0">
+                <a:latin typeface="Montserrat"/>
+              </a:rPr>
+              <a:t>ShareAlike</a:t>
+            </a:r>
+            <a:r>
+              <a:rPr lang="en-US" sz="700" dirty="0" smtClean="0">
+                <a:latin typeface="Montserrat"/>
+              </a:rPr>
+              <a:t> 4.0 International License</a:t>
+            </a:r>
+            <a:br>
+              <a:rPr lang="en-US" sz="700" dirty="0" smtClean="0">
+                <a:latin typeface="Montserrat"/>
+              </a:rPr>
+            </a:br>
+            <a:r>
+              <a:rPr lang="en-US" sz="700" dirty="0" smtClean="0">
+                <a:latin typeface="Montserrat"/>
+              </a:rPr>
+              <a:t>See  </a:t>
+            </a:r>
+            <a:r>
+              <a:rPr lang="en-US" sz="700" dirty="0" smtClean="0">
                 <a:latin typeface="Montserrat"/>
                 <a:hlinkClick r:id="rId13"/>
               </a:rPr>
-              <a:t>http://creativecommons.org/licenses/by-sa/4.0/</a:t>
-            </a:r>
-            <a:r>
-              <a:rPr lang="en-US" sz="1000" dirty="0" smtClean="0">
+              <a:t>http://creativecommons.org/licenses/by-nc-sa/4.0/</a:t>
+            </a:r>
+            <a:r>
+              <a:rPr lang="en-US" sz="700" dirty="0" smtClean="0">
                 <a:latin typeface="Montserrat"/>
               </a:rPr>
               <a:t> </a:t>
             </a:r>
-          </a:p>
-          <a:p>
-            <a:pPr algn="l" eaLnBrk="1" hangingPunct="1">
-              <a:defRPr/>
-            </a:pPr>
-            <a:endParaRPr lang="en-US" sz="1000" dirty="0" smtClean="0">
-              <a:latin typeface="Montserrat"/>
-            </a:endParaRPr>
           </a:p>
         </p:txBody>
       </p:sp>
       <p:pic>
         <p:nvPicPr>
-          <p:cNvPr id="24" name="Picture 23"/>
+          <p:cNvPr id="9" name="Picture 8"/>
           <p:cNvPicPr>
-            <a:picLocks noChangeAspect="1" noChangeArrowheads="1"/>
+            <a:picLocks noChangeAspect="1"/>
           </p:cNvPicPr>
           <p:nvPr userDrawn="1"/>
         </p:nvPicPr>
         <p:blipFill>
-          <a:blip r:embed="rId14">
-            <a:extLst>
-              <a:ext uri="{28A0092B-C50C-407E-A947-70E740481C1C}">
-                <a14:useLocalDpi xmlns:a14="http://schemas.microsoft.com/office/drawing/2010/main" val="0"/>
-              </a:ext>
-            </a:extLst>
-          </a:blip>
-          <a:srcRect/>
+          <a:blip r:embed="rId14"/>
           <a:stretch>
             <a:fillRect/>
           </a:stretch>
         </p:blipFill>
-        <p:spPr bwMode="auto">
+        <p:spPr>
           <a:xfrm>
-            <a:off x="320764" y="6254746"/>
-            <a:ext cx="725399" cy="258097"/>
+            <a:off x="375635" y="6492098"/>
+            <a:ext cx="792765" cy="279269"/>
           </a:xfrm>
           <a:prstGeom prst="rect">
             <a:avLst/>
           </a:prstGeom>
-          <a:noFill/>
-          <a:ln>
-            <a:noFill/>
-          </a:ln>
-          <a:extLst>
-            <a:ext uri="{909E8E84-426E-40dd-AFC4-6F175D3DCCD1}">
-              <a14:hiddenFill xmlns:a14="http://schemas.microsoft.com/office/drawing/2010/main">
-                <a:solidFill>
-                  <a:srgbClr val="FFFFFF"/>
-                </a:solidFill>
-              </a14:hiddenFill>
-            </a:ext>
-            <a:ext uri="{91240B29-F687-4f45-9708-019B960494DF}">
-              <a14:hiddenLine xmlns:a14="http://schemas.microsoft.com/office/drawing/2010/main" w="9525">
-                <a:solidFill>
-                  <a:srgbClr val="000000"/>
-                </a:solidFill>
-                <a:miter lim="800000"/>
-                <a:headEnd/>
-                <a:tailEnd/>
-              </a14:hiddenLine>
-            </a:ext>
-          </a:extLst>
         </p:spPr>
       </p:pic>
     </p:spTree>

--- a/pres-source/09-Cassandra.pptx
+++ b/pres-source/09-Cassandra.pptx
@@ -6545,7 +6545,7 @@
             <a:fld id="{7307762F-A706-E543-A832-3C298AA3103F}" type="datetimeFigureOut">
               <a:rPr lang="en-US" smtClean="0"/>
               <a:pPr/>
-              <a:t>30/11/15</a:t>
+              <a:t>09/09/16</a:t>
             </a:fld>
             <a:endParaRPr lang="en-US" dirty="0"/>
           </a:p>
@@ -7112,7 +7112,7 @@
           <a:p>
             <a:fld id="{875CF0EB-321F-0749-B37A-89BBA859503C}" type="datetimeFigureOut">
               <a:rPr lang="en-US" smtClean="0"/>
-              <a:t>30/11/15</a:t>
+              <a:t>09/09/16</a:t>
             </a:fld>
             <a:endParaRPr lang="en-US"/>
           </a:p>
@@ -7316,7 +7316,7 @@
           <a:p>
             <a:fld id="{875CF0EB-321F-0749-B37A-89BBA859503C}" type="datetimeFigureOut">
               <a:rPr lang="en-US" smtClean="0"/>
-              <a:t>30/11/15</a:t>
+              <a:t>09/09/16</a:t>
             </a:fld>
             <a:endParaRPr lang="en-US"/>
           </a:p>
@@ -7510,7 +7510,7 @@
           <a:p>
             <a:fld id="{875CF0EB-321F-0749-B37A-89BBA859503C}" type="datetimeFigureOut">
               <a:rPr lang="en-US" smtClean="0"/>
-              <a:t>30/11/15</a:t>
+              <a:t>09/09/16</a:t>
             </a:fld>
             <a:endParaRPr lang="en-US"/>
           </a:p>
@@ -7780,7 +7780,7 @@
           <a:p>
             <a:fld id="{875CF0EB-321F-0749-B37A-89BBA859503C}" type="datetimeFigureOut">
               <a:rPr lang="en-US" smtClean="0"/>
-              <a:t>30/11/15</a:t>
+              <a:t>09/09/16</a:t>
             </a:fld>
             <a:endParaRPr lang="en-US"/>
           </a:p>
@@ -8092,7 +8092,7 @@
           <a:p>
             <a:fld id="{875CF0EB-321F-0749-B37A-89BBA859503C}" type="datetimeFigureOut">
               <a:rPr lang="en-US" smtClean="0"/>
-              <a:t>30/11/15</a:t>
+              <a:t>09/09/16</a:t>
             </a:fld>
             <a:endParaRPr lang="en-US"/>
           </a:p>
@@ -8538,7 +8538,7 @@
           <a:p>
             <a:fld id="{875CF0EB-321F-0749-B37A-89BBA859503C}" type="datetimeFigureOut">
               <a:rPr lang="en-US" smtClean="0"/>
-              <a:t>30/11/15</a:t>
+              <a:t>09/09/16</a:t>
             </a:fld>
             <a:endParaRPr lang="en-US"/>
           </a:p>
@@ -8680,7 +8680,7 @@
           <a:p>
             <a:fld id="{875CF0EB-321F-0749-B37A-89BBA859503C}" type="datetimeFigureOut">
               <a:rPr lang="en-US" smtClean="0"/>
-              <a:t>30/11/15</a:t>
+              <a:t>09/09/16</a:t>
             </a:fld>
             <a:endParaRPr lang="en-US"/>
           </a:p>
@@ -8799,7 +8799,7 @@
           <a:p>
             <a:fld id="{875CF0EB-321F-0749-B37A-89BBA859503C}" type="datetimeFigureOut">
               <a:rPr lang="en-US" smtClean="0"/>
-              <a:t>30/11/15</a:t>
+              <a:t>09/09/16</a:t>
             </a:fld>
             <a:endParaRPr lang="en-US"/>
           </a:p>
@@ -9100,7 +9100,7 @@
           <a:p>
             <a:fld id="{875CF0EB-321F-0749-B37A-89BBA859503C}" type="datetimeFigureOut">
               <a:rPr lang="en-US" smtClean="0"/>
-              <a:t>30/11/15</a:t>
+              <a:t>09/09/16</a:t>
             </a:fld>
             <a:endParaRPr lang="en-US"/>
           </a:p>
@@ -9377,7 +9377,7 @@
           <a:p>
             <a:fld id="{875CF0EB-321F-0749-B37A-89BBA859503C}" type="datetimeFigureOut">
               <a:rPr lang="en-US" smtClean="0"/>
-              <a:t>30/11/15</a:t>
+              <a:t>09/09/16</a:t>
             </a:fld>
             <a:endParaRPr lang="en-US"/>
           </a:p>
@@ -9757,19 +9757,7 @@
               <a:rPr lang="en-US" sz="700" dirty="0" smtClean="0">
                 <a:latin typeface="Montserrat"/>
               </a:rPr>
-              <a:t>© Paul Fremantle 2015.  </a:t>
-            </a:r>
-            <a:r>
-              <a:rPr lang="en-US" sz="700" dirty="0" smtClean="0">
-                <a:latin typeface="Montserrat"/>
-              </a:rPr>
-              <a:t>This </a:t>
-            </a:r>
-            <a:r>
-              <a:rPr lang="en-US" sz="700" dirty="0" smtClean="0">
-                <a:latin typeface="Montserrat"/>
-              </a:rPr>
-              <a:t>work is licensed under a Creative Commons</a:t>
+              <a:t>© Paul Fremantle 2015.  This work is licensed under a Creative Commons</a:t>
             </a:r>
           </a:p>
           <a:p>
@@ -10305,11 +10293,11 @@
           <a:p>
             <a:pPr eaLnBrk="1" hangingPunct="1"/>
             <a:r>
-              <a:rPr lang="en-US" dirty="0" smtClean="0">
+              <a:rPr lang="en-US" smtClean="0">
                 <a:ea typeface="ヒラギノ角ゴ ProN W3" charset="0"/>
                 <a:cs typeface="ヒラギノ角ゴ ProN W3" charset="0"/>
               </a:rPr>
-              <a:t>Nov 2015</a:t>
+              <a:t>Sep 2016</a:t>
             </a:r>
             <a:endParaRPr lang="en-US" dirty="0">
               <a:ea typeface="ヒラギノ角ゴ ProN W3" charset="0"/>
@@ -12610,45 +12598,13 @@
           <a:p>
             <a:r>
               <a:rPr lang="en-US" dirty="0" smtClean="0"/>
-              <a:t>Use </a:t>
-            </a:r>
-            <a:r>
-              <a:rPr lang="en-US" dirty="0" err="1" smtClean="0"/>
-              <a:t>DataStax</a:t>
-            </a:r>
-            <a:r>
-              <a:rPr lang="en-US" dirty="0" smtClean="0"/>
-              <a:t> AMI</a:t>
-            </a:r>
-          </a:p>
-          <a:p>
-            <a:pPr lvl="1"/>
-            <a:r>
-              <a:rPr lang="en-US" dirty="0" smtClean="0"/>
-              <a:t>Community edition </a:t>
-            </a:r>
-          </a:p>
-          <a:p>
-            <a:pPr lvl="1"/>
-            <a:r>
-              <a:rPr lang="en-US" dirty="0" smtClean="0"/>
-              <a:t>Simple configuration to create a cluster</a:t>
-            </a:r>
-          </a:p>
-          <a:p>
-            <a:pPr lvl="1"/>
-            <a:r>
-              <a:rPr lang="en-US" dirty="0" smtClean="0"/>
-              <a:t>Automatically sets up </a:t>
-            </a:r>
-            <a:r>
-              <a:rPr lang="en-US" dirty="0" err="1" smtClean="0"/>
-              <a:t>OpsCenter</a:t>
-            </a:r>
-            <a:r>
-              <a:rPr lang="en-US" dirty="0" smtClean="0"/>
-              <a:t> on the first node</a:t>
-            </a:r>
+              <a:t>See </a:t>
+            </a:r>
+            <a:r>
+              <a:rPr lang="en-US" smtClean="0"/>
+              <a:t>the lab!</a:t>
+            </a:r>
+            <a:endParaRPr lang="en-US" dirty="0" smtClean="0"/>
           </a:p>
           <a:p>
             <a:pPr marL="457200" lvl="1" indent="0">

--- a/pres-source/09-Cassandra.pptx
+++ b/pres-source/09-Cassandra.pptx
@@ -2055,8 +2055,8 @@
     <dgm:cxn modelId="{3993E0AE-D03C-8143-A94A-AC4B577645FD}" srcId="{233D6E84-E1A1-2549-A0F2-C7B0562D4DC2}" destId="{4391B368-D339-3341-B7F4-F1EACBD8112C}" srcOrd="1" destOrd="0" parTransId="{525C8D7D-2181-9641-8E7B-48A66FD46CCF}" sibTransId="{017FCF6A-D315-C845-A14B-3785C8312B03}"/>
     <dgm:cxn modelId="{A7C1F6E2-D175-4040-82D0-CAA14DEF59DB}" type="presOf" srcId="{017FCF6A-D315-C845-A14B-3785C8312B03}" destId="{F85FA051-B376-0A44-916D-F63D0BAB707A}" srcOrd="0" destOrd="0" presId="urn:microsoft.com/office/officeart/2005/8/layout/cycle2"/>
     <dgm:cxn modelId="{FCCD9DFE-7194-D443-9A6F-6397F7387644}" type="presOf" srcId="{017FCF6A-D315-C845-A14B-3785C8312B03}" destId="{4FC8FB48-D300-D34A-A172-468FC10B59F3}" srcOrd="1" destOrd="0" presId="urn:microsoft.com/office/officeart/2005/8/layout/cycle2"/>
+    <dgm:cxn modelId="{0897C944-E724-714A-8056-CB71E482F351}" type="presOf" srcId="{F2B3E4B8-49CC-0543-96DA-0428CE967C4D}" destId="{661C81D8-F9BA-3E4A-A620-3FF8A37A3261}" srcOrd="0" destOrd="0" presId="urn:microsoft.com/office/officeart/2005/8/layout/cycle2"/>
     <dgm:cxn modelId="{AD4E4930-5AFD-1348-A385-BABB9FAF1A64}" srcId="{233D6E84-E1A1-2549-A0F2-C7B0562D4DC2}" destId="{1301BCBD-F7E9-D842-B366-AE8DF9D44307}" srcOrd="3" destOrd="0" parTransId="{9C3B4153-4EBC-014E-A94E-EC5416EA5F53}" sibTransId="{8645893A-1D18-A745-8C61-02B1BC8C6D73}"/>
-    <dgm:cxn modelId="{0897C944-E724-714A-8056-CB71E482F351}" type="presOf" srcId="{F2B3E4B8-49CC-0543-96DA-0428CE967C4D}" destId="{661C81D8-F9BA-3E4A-A620-3FF8A37A3261}" srcOrd="0" destOrd="0" presId="urn:microsoft.com/office/officeart/2005/8/layout/cycle2"/>
     <dgm:cxn modelId="{FACDF9A7-E07A-1545-8E49-A3435BAB878E}" type="presOf" srcId="{233D6E84-E1A1-2549-A0F2-C7B0562D4DC2}" destId="{F2E8152F-879E-2E4A-9EAB-447FC69EDA7C}" srcOrd="0" destOrd="0" presId="urn:microsoft.com/office/officeart/2005/8/layout/cycle2"/>
     <dgm:cxn modelId="{1BDC8217-467C-0640-BBE2-9613D2F895A7}" type="presOf" srcId="{F2B3E4B8-49CC-0543-96DA-0428CE967C4D}" destId="{8A12A7FE-929E-2F4B-B931-5CBC014E4963}" srcOrd="1" destOrd="0" presId="urn:microsoft.com/office/officeart/2005/8/layout/cycle2"/>
     <dgm:cxn modelId="{FBA589CE-3284-EB4E-A48C-8E0047464A21}" type="presParOf" srcId="{F2E8152F-879E-2E4A-9EAB-447FC69EDA7C}" destId="{8E4677FD-5724-4B4B-92D6-6A60064A4119}" srcOrd="0" destOrd="0" presId="urn:microsoft.com/office/officeart/2005/8/layout/cycle2"/>
@@ -6545,7 +6545,7 @@
             <a:fld id="{7307762F-A706-E543-A832-3C298AA3103F}" type="datetimeFigureOut">
               <a:rPr lang="en-US" smtClean="0"/>
               <a:pPr/>
-              <a:t>09/09/16</a:t>
+              <a:t>09/07/17</a:t>
             </a:fld>
             <a:endParaRPr lang="en-US" dirty="0"/>
           </a:p>
@@ -7112,7 +7112,7 @@
           <a:p>
             <a:fld id="{875CF0EB-321F-0749-B37A-89BBA859503C}" type="datetimeFigureOut">
               <a:rPr lang="en-US" smtClean="0"/>
-              <a:t>09/09/16</a:t>
+              <a:t>09/07/17</a:t>
             </a:fld>
             <a:endParaRPr lang="en-US"/>
           </a:p>
@@ -7316,7 +7316,7 @@
           <a:p>
             <a:fld id="{875CF0EB-321F-0749-B37A-89BBA859503C}" type="datetimeFigureOut">
               <a:rPr lang="en-US" smtClean="0"/>
-              <a:t>09/09/16</a:t>
+              <a:t>09/07/17</a:t>
             </a:fld>
             <a:endParaRPr lang="en-US"/>
           </a:p>
@@ -7510,7 +7510,7 @@
           <a:p>
             <a:fld id="{875CF0EB-321F-0749-B37A-89BBA859503C}" type="datetimeFigureOut">
               <a:rPr lang="en-US" smtClean="0"/>
-              <a:t>09/09/16</a:t>
+              <a:t>09/07/17</a:t>
             </a:fld>
             <a:endParaRPr lang="en-US"/>
           </a:p>
@@ -7780,7 +7780,7 @@
           <a:p>
             <a:fld id="{875CF0EB-321F-0749-B37A-89BBA859503C}" type="datetimeFigureOut">
               <a:rPr lang="en-US" smtClean="0"/>
-              <a:t>09/09/16</a:t>
+              <a:t>09/07/17</a:t>
             </a:fld>
             <a:endParaRPr lang="en-US"/>
           </a:p>
@@ -8092,7 +8092,7 @@
           <a:p>
             <a:fld id="{875CF0EB-321F-0749-B37A-89BBA859503C}" type="datetimeFigureOut">
               <a:rPr lang="en-US" smtClean="0"/>
-              <a:t>09/09/16</a:t>
+              <a:t>09/07/17</a:t>
             </a:fld>
             <a:endParaRPr lang="en-US"/>
           </a:p>
@@ -8538,7 +8538,7 @@
           <a:p>
             <a:fld id="{875CF0EB-321F-0749-B37A-89BBA859503C}" type="datetimeFigureOut">
               <a:rPr lang="en-US" smtClean="0"/>
-              <a:t>09/09/16</a:t>
+              <a:t>09/07/17</a:t>
             </a:fld>
             <a:endParaRPr lang="en-US"/>
           </a:p>
@@ -8680,7 +8680,7 @@
           <a:p>
             <a:fld id="{875CF0EB-321F-0749-B37A-89BBA859503C}" type="datetimeFigureOut">
               <a:rPr lang="en-US" smtClean="0"/>
-              <a:t>09/09/16</a:t>
+              <a:t>09/07/17</a:t>
             </a:fld>
             <a:endParaRPr lang="en-US"/>
           </a:p>
@@ -8799,7 +8799,7 @@
           <a:p>
             <a:fld id="{875CF0EB-321F-0749-B37A-89BBA859503C}" type="datetimeFigureOut">
               <a:rPr lang="en-US" smtClean="0"/>
-              <a:t>09/09/16</a:t>
+              <a:t>09/07/17</a:t>
             </a:fld>
             <a:endParaRPr lang="en-US"/>
           </a:p>
@@ -9100,7 +9100,7 @@
           <a:p>
             <a:fld id="{875CF0EB-321F-0749-B37A-89BBA859503C}" type="datetimeFigureOut">
               <a:rPr lang="en-US" smtClean="0"/>
-              <a:t>09/09/16</a:t>
+              <a:t>09/07/17</a:t>
             </a:fld>
             <a:endParaRPr lang="en-US"/>
           </a:p>
@@ -9377,7 +9377,7 @@
           <a:p>
             <a:fld id="{875CF0EB-321F-0749-B37A-89BBA859503C}" type="datetimeFigureOut">
               <a:rPr lang="en-US" smtClean="0"/>
-              <a:t>09/09/16</a:t>
+              <a:t>09/07/17</a:t>
             </a:fld>
             <a:endParaRPr lang="en-US"/>
           </a:p>
@@ -10297,7 +10297,7 @@
                 <a:ea typeface="ヒラギノ角ゴ ProN W3" charset="0"/>
                 <a:cs typeface="ヒラギノ角ゴ ProN W3" charset="0"/>
               </a:rPr>
-              <a:t>Sep 2016</a:t>
+              <a:t>July 2017</a:t>
             </a:r>
             <a:endParaRPr lang="en-US" dirty="0">
               <a:ea typeface="ヒラギノ角ゴ ProN W3" charset="0"/>

--- a/pres-source/09-Cassandra.pptx
+++ b/pres-source/09-Cassandra.pptx
@@ -32,16 +32,17 @@
     <p:sldId id="277" r:id="rId27"/>
     <p:sldId id="278" r:id="rId28"/>
     <p:sldId id="279" r:id="rId29"/>
+    <p:sldId id="280" r:id="rId30"/>
   </p:sldIdLst>
   <p:sldSz cy="6858000" cx="9144000"/>
   <p:notesSz cx="6858000" cy="9144000"/>
   <p:embeddedFontLst>
     <p:embeddedFont>
       <p:font typeface="Montserrat"/>
-      <p:regular r:id="rId30"/>
-      <p:bold r:id="rId31"/>
-      <p:italic r:id="rId32"/>
-      <p:boldItalic r:id="rId33"/>
+      <p:regular r:id="rId31"/>
+      <p:bold r:id="rId32"/>
+      <p:italic r:id="rId33"/>
+      <p:boldItalic r:id="rId34"/>
     </p:embeddedFont>
   </p:embeddedFontLst>
   <p:defaultTextStyle>
@@ -3063,7 +3064,42 @@
       </p:grpSpPr>
       <p:sp>
         <p:nvSpPr>
-          <p:cNvPr id="272" name="Google Shape;272;p24:notes"/>
+          <p:cNvPr id="272" name="Google Shape;272;g8baa90c56c_0_0:notes"/>
+          <p:cNvSpPr/>
+          <p:nvPr>
+            <p:ph idx="2" type="sldImg"/>
+          </p:nvPr>
+        </p:nvSpPr>
+        <p:spPr>
+          <a:xfrm>
+            <a:off x="1143000" y="685800"/>
+            <a:ext cx="4572000" cy="3429000"/>
+          </a:xfrm>
+          <a:custGeom>
+            <a:rect b="b" l="l" r="r" t="t"/>
+            <a:pathLst>
+              <a:path extrusionOk="0" h="120000" w="120000">
+                <a:moveTo>
+                  <a:pt x="0" y="0"/>
+                </a:moveTo>
+                <a:lnTo>
+                  <a:pt x="120000" y="0"/>
+                </a:lnTo>
+                <a:lnTo>
+                  <a:pt x="120000" y="120000"/>
+                </a:lnTo>
+                <a:lnTo>
+                  <a:pt x="0" y="120000"/>
+                </a:lnTo>
+                <a:close/>
+              </a:path>
+            </a:pathLst>
+          </a:custGeom>
+        </p:spPr>
+      </p:sp>
+      <p:sp>
+        <p:nvSpPr>
+          <p:cNvPr id="273" name="Google Shape;273;g8baa90c56c_0_0:notes"/>
           <p:cNvSpPr txBox="1"/>
           <p:nvPr>
             <p:ph idx="1" type="body"/>
@@ -3102,7 +3138,115 @@
       </p:sp>
       <p:sp>
         <p:nvSpPr>
-          <p:cNvPr id="273" name="Google Shape;273;p24:notes"/>
+          <p:cNvPr id="274" name="Google Shape;274;g8baa90c56c_0_0:notes"/>
+          <p:cNvSpPr txBox="1"/>
+          <p:nvPr>
+            <p:ph idx="12" type="sldNum"/>
+          </p:nvPr>
+        </p:nvSpPr>
+        <p:spPr>
+          <a:xfrm>
+            <a:off x="3884613" y="8685213"/>
+            <a:ext cx="2971800" cy="457200"/>
+          </a:xfrm>
+          <a:prstGeom prst="rect">
+            <a:avLst/>
+          </a:prstGeom>
+        </p:spPr>
+        <p:txBody>
+          <a:bodyPr anchorCtr="0" anchor="b" bIns="45700" lIns="91425" spcFirstLastPara="1" rIns="91425" wrap="square" tIns="45700">
+            <a:noAutofit/>
+          </a:bodyPr>
+          <a:lstStyle/>
+          <a:p>
+            <a:pPr indent="0" lvl="0" marL="0" rtl="0" algn="r">
+              <a:spcBef>
+                <a:spcPts val="0"/>
+              </a:spcBef>
+              <a:spcAft>
+                <a:spcPts val="0"/>
+              </a:spcAft>
+              <a:buClr>
+                <a:srgbClr val="000000"/>
+              </a:buClr>
+              <a:buFont typeface="Arial"/>
+              <a:buNone/>
+            </a:pPr>
+            <a:fld id="{00000000-1234-1234-1234-123412341234}" type="slidenum">
+              <a:rPr lang="en-US"/>
+              <a:t>‹#›</a:t>
+            </a:fld>
+            <a:endParaRPr/>
+          </a:p>
+        </p:txBody>
+      </p:sp>
+    </p:spTree>
+  </p:cSld>
+  <p:clrMapOvr>
+    <a:masterClrMapping/>
+  </p:clrMapOvr>
+</p:notes>
+</file>
+
+<file path=ppt/notesSlides/notesSlide25.xml><?xml version="1.0" encoding="utf-8"?>
+<p:notes xmlns:a="http://schemas.openxmlformats.org/drawingml/2006/main" xmlns:r="http://schemas.openxmlformats.org/officeDocument/2006/relationships" xmlns:mc="http://schemas.openxmlformats.org/markup-compatibility/2006" xmlns:mv="urn:schemas-microsoft-com:mac:vml" xmlns:p="http://schemas.openxmlformats.org/presentationml/2006/main" xmlns:c="http://schemas.openxmlformats.org/drawingml/2006/chart" xmlns:dgm="http://schemas.openxmlformats.org/drawingml/2006/diagram" xmlns:o="urn:schemas-microsoft-com:office:office" xmlns:v="urn:schemas-microsoft-com:vml" xmlns:pvml="urn:schemas-microsoft-com:office:powerpoint" xmlns:com="http://schemas.openxmlformats.org/drawingml/2006/compatibility" xmlns:p14="http://schemas.microsoft.com/office/powerpoint/2010/main" xmlns:p15="http://schemas.microsoft.com/office/powerpoint/2012/main" showMasterPhAnim="0" showMasterSp="0">
+  <p:cSld>
+    <p:spTree>
+      <p:nvGrpSpPr>
+        <p:cNvPr id="279" name="Shape 279"/>
+        <p:cNvGrpSpPr/>
+        <p:nvPr/>
+      </p:nvGrpSpPr>
+      <p:grpSpPr>
+        <a:xfrm>
+          <a:off x="0" y="0"/>
+          <a:ext cx="0" cy="0"/>
+          <a:chOff x="0" y="0"/>
+          <a:chExt cx="0" cy="0"/>
+        </a:xfrm>
+      </p:grpSpPr>
+      <p:sp>
+        <p:nvSpPr>
+          <p:cNvPr id="280" name="Google Shape;280;p24:notes"/>
+          <p:cNvSpPr txBox="1"/>
+          <p:nvPr>
+            <p:ph idx="1" type="body"/>
+          </p:nvPr>
+        </p:nvSpPr>
+        <p:spPr>
+          <a:xfrm>
+            <a:off x="685800" y="4343400"/>
+            <a:ext cx="5486400" cy="4114800"/>
+          </a:xfrm>
+          <a:prstGeom prst="rect">
+            <a:avLst/>
+          </a:prstGeom>
+        </p:spPr>
+        <p:txBody>
+          <a:bodyPr anchorCtr="0" anchor="t" bIns="45700" lIns="91425" spcFirstLastPara="1" rIns="91425" wrap="square" tIns="45700">
+            <a:noAutofit/>
+          </a:bodyPr>
+          <a:lstStyle/>
+          <a:p>
+            <a:pPr indent="0" lvl="0" marL="0" rtl="0" algn="l">
+              <a:spcBef>
+                <a:spcPts val="0"/>
+              </a:spcBef>
+              <a:spcAft>
+                <a:spcPts val="0"/>
+              </a:spcAft>
+              <a:buNone/>
+            </a:pPr>
+            <a:r>
+              <a:t/>
+            </a:r>
+            <a:endParaRPr/>
+          </a:p>
+        </p:txBody>
+      </p:sp>
+      <p:sp>
+        <p:nvSpPr>
+          <p:cNvPr id="281" name="Google Shape;281;p24:notes"/>
           <p:cNvSpPr/>
           <p:nvPr>
             <p:ph idx="2" type="sldImg"/>
@@ -20197,7 +20341,7 @@
   <p:cSld>
     <p:spTree>
       <p:nvGrpSpPr>
-        <p:cNvPr id="274" name="Shape 274"/>
+        <p:cNvPr id="275" name="Shape 275"/>
         <p:cNvGrpSpPr/>
         <p:nvPr/>
       </p:nvGrpSpPr>
@@ -20211,7 +20355,174 @@
       </p:grpSpPr>
       <p:sp>
         <p:nvSpPr>
-          <p:cNvPr id="275" name="Google Shape;275;p36"/>
+          <p:cNvPr id="276" name="Google Shape;276;p36"/>
+          <p:cNvSpPr txBox="1"/>
+          <p:nvPr>
+            <p:ph type="title"/>
+          </p:nvPr>
+        </p:nvSpPr>
+        <p:spPr>
+          <a:xfrm>
+            <a:off x="457200" y="274638"/>
+            <a:ext cx="8229600" cy="1143000"/>
+          </a:xfrm>
+          <a:prstGeom prst="rect">
+            <a:avLst/>
+          </a:prstGeom>
+        </p:spPr>
+        <p:txBody>
+          <a:bodyPr anchorCtr="0" anchor="ctr" bIns="45700" lIns="91425" spcFirstLastPara="1" rIns="91425" wrap="square" tIns="45700">
+            <a:noAutofit/>
+          </a:bodyPr>
+          <a:lstStyle/>
+          <a:p>
+            <a:pPr indent="0" lvl="0" marL="0" rtl="0" algn="ctr">
+              <a:spcBef>
+                <a:spcPts val="0"/>
+              </a:spcBef>
+              <a:spcAft>
+                <a:spcPts val="0"/>
+              </a:spcAft>
+              <a:buNone/>
+            </a:pPr>
+            <a:r>
+              <a:rPr lang="en-US"/>
+              <a:t>Cassandra on Kubernetes</a:t>
+            </a:r>
+            <a:endParaRPr/>
+          </a:p>
+        </p:txBody>
+      </p:sp>
+      <p:sp>
+        <p:nvSpPr>
+          <p:cNvPr id="277" name="Google Shape;277;p36"/>
+          <p:cNvSpPr txBox="1"/>
+          <p:nvPr>
+            <p:ph idx="1" type="body"/>
+          </p:nvPr>
+        </p:nvSpPr>
+        <p:spPr>
+          <a:xfrm>
+            <a:off x="375625" y="1600200"/>
+            <a:ext cx="8229600" cy="1224600"/>
+          </a:xfrm>
+          <a:prstGeom prst="rect">
+            <a:avLst/>
+          </a:prstGeom>
+        </p:spPr>
+        <p:txBody>
+          <a:bodyPr anchorCtr="0" anchor="t" bIns="45700" lIns="91425" spcFirstLastPara="1" rIns="91425" wrap="square" tIns="45700">
+            <a:noAutofit/>
+          </a:bodyPr>
+          <a:lstStyle/>
+          <a:p>
+            <a:pPr indent="0" lvl="0" marL="0" rtl="0" algn="l">
+              <a:spcBef>
+                <a:spcPts val="360"/>
+              </a:spcBef>
+              <a:spcAft>
+                <a:spcPts val="0"/>
+              </a:spcAft>
+              <a:buNone/>
+            </a:pPr>
+            <a:r>
+              <a:rPr lang="en-US" sz="2000" u="sng">
+                <a:solidFill>
+                  <a:schemeClr val="hlink"/>
+                </a:solidFill>
+                <a:latin typeface="Arial"/>
+                <a:ea typeface="Arial"/>
+                <a:cs typeface="Arial"/>
+                <a:sym typeface="Arial"/>
+                <a:hlinkClick r:id="rId3"/>
+              </a:rPr>
+              <a:t>https://kubernetes.io/docs/tutorials/stateful-application/cassandra/</a:t>
+            </a:r>
+            <a:endParaRPr sz="4100"/>
+          </a:p>
+          <a:p>
+            <a:pPr indent="0" lvl="0" marL="0" rtl="0" algn="l">
+              <a:spcBef>
+                <a:spcPts val="360"/>
+              </a:spcBef>
+              <a:spcAft>
+                <a:spcPts val="0"/>
+              </a:spcAft>
+              <a:buNone/>
+            </a:pPr>
+            <a:r>
+              <a:rPr lang="en-US" sz="1800" u="sng">
+                <a:solidFill>
+                  <a:schemeClr val="hlink"/>
+                </a:solidFill>
+                <a:latin typeface="Arial"/>
+                <a:ea typeface="Arial"/>
+                <a:cs typeface="Arial"/>
+                <a:sym typeface="Arial"/>
+                <a:hlinkClick r:id="rId4"/>
+              </a:rPr>
+              <a:t>https://medium.com/flant-com/running-cassandra-in-kubernetes-challenges-and-solutions-9082045a7d93</a:t>
+            </a:r>
+            <a:endParaRPr sz="4800"/>
+          </a:p>
+        </p:txBody>
+      </p:sp>
+      <p:pic>
+        <p:nvPicPr>
+          <p:cNvPr id="278" name="Google Shape;278;p36"/>
+          <p:cNvPicPr preferRelativeResize="0"/>
+          <p:nvPr/>
+        </p:nvPicPr>
+        <p:blipFill>
+          <a:blip r:embed="rId5">
+            <a:alphaModFix/>
+          </a:blip>
+          <a:stretch>
+            <a:fillRect/>
+          </a:stretch>
+        </p:blipFill>
+        <p:spPr>
+          <a:xfrm>
+            <a:off x="1995300" y="2764375"/>
+            <a:ext cx="5482942" cy="3728401"/>
+          </a:xfrm>
+          <a:prstGeom prst="rect">
+            <a:avLst/>
+          </a:prstGeom>
+          <a:noFill/>
+          <a:ln>
+            <a:noFill/>
+          </a:ln>
+        </p:spPr>
+      </p:pic>
+    </p:spTree>
+  </p:cSld>
+  <p:clrMapOvr>
+    <a:masterClrMapping/>
+  </p:clrMapOvr>
+</p:sld>
+</file>
+
+<file path=ppt/slides/slide25.xml><?xml version="1.0" encoding="utf-8"?>
+<p:sld xmlns:a="http://schemas.openxmlformats.org/drawingml/2006/main" xmlns:r="http://schemas.openxmlformats.org/officeDocument/2006/relationships" xmlns:mc="http://schemas.openxmlformats.org/markup-compatibility/2006" xmlns:mv="urn:schemas-microsoft-com:mac:vml" xmlns:p="http://schemas.openxmlformats.org/presentationml/2006/main" xmlns:c="http://schemas.openxmlformats.org/drawingml/2006/chart" xmlns:dgm="http://schemas.openxmlformats.org/drawingml/2006/diagram" xmlns:o="urn:schemas-microsoft-com:office:office" xmlns:v="urn:schemas-microsoft-com:vml" xmlns:pvml="urn:schemas-microsoft-com:office:powerpoint" xmlns:com="http://schemas.openxmlformats.org/drawingml/2006/compatibility" xmlns:p14="http://schemas.microsoft.com/office/powerpoint/2010/main" xmlns:p15="http://schemas.microsoft.com/office/powerpoint/2012/main">
+  <p:cSld>
+    <p:spTree>
+      <p:nvGrpSpPr>
+        <p:cNvPr id="282" name="Shape 282"/>
+        <p:cNvGrpSpPr/>
+        <p:nvPr/>
+      </p:nvGrpSpPr>
+      <p:grpSpPr>
+        <a:xfrm>
+          <a:off x="0" y="0"/>
+          <a:ext cx="0" cy="0"/>
+          <a:chOff x="0" y="0"/>
+          <a:chExt cx="0" cy="0"/>
+        </a:xfrm>
+      </p:grpSpPr>
+      <p:sp>
+        <p:nvSpPr>
+          <p:cNvPr id="283" name="Google Shape;283;p37"/>
           <p:cNvSpPr txBox="1"/>
           <p:nvPr>
             <p:ph type="title"/>

--- a/pres-source/09-Cassandra.pptx
+++ b/pres-source/09-Cassandra.pptx
@@ -1,6 +1,6 @@
 
 <file path=ppt/presentation.xml><?xml version="1.0" encoding="utf-8"?>
-<p:presentation xmlns:a="http://schemas.openxmlformats.org/drawingml/2006/main" xmlns:r="http://schemas.openxmlformats.org/officeDocument/2006/relationships" xmlns:mc="http://schemas.openxmlformats.org/markup-compatibility/2006" xmlns:mv="urn:schemas-microsoft-com:mac:vml" xmlns:p="http://schemas.openxmlformats.org/presentationml/2006/main" xmlns:c="http://schemas.openxmlformats.org/drawingml/2006/chart" xmlns:dgm="http://schemas.openxmlformats.org/drawingml/2006/diagram" xmlns:o="urn:schemas-microsoft-com:office:office" xmlns:v="urn:schemas-microsoft-com:vml" xmlns:pvml="urn:schemas-microsoft-com:office:powerpoint" xmlns:com="http://schemas.openxmlformats.org/drawingml/2006/compatibility" xmlns:p14="http://schemas.microsoft.com/office/powerpoint/2010/main" xmlns:p15="http://schemas.microsoft.com/office/powerpoint/2012/main" autoCompressPictures="0" embedTrueTypeFonts="1" strictFirstAndLastChars="0" saveSubsetFonts="1">
+<p:presentation xmlns:a="http://schemas.openxmlformats.org/drawingml/2006/main" xmlns:r="http://schemas.openxmlformats.org/officeDocument/2006/relationships" xmlns:mc="http://schemas.openxmlformats.org/markup-compatibility/2006" xmlns:mv="urn:schemas-microsoft-com:mac:vml" xmlns:p="http://schemas.openxmlformats.org/presentationml/2006/main" xmlns:c="http://schemas.openxmlformats.org/drawingml/2006/chart" xmlns:dgm="http://schemas.openxmlformats.org/drawingml/2006/diagram" xmlns:o="urn:schemas-microsoft-com:office:office" xmlns:v="urn:schemas-microsoft-com:vml" xmlns:pvml="urn:schemas-microsoft-com:office:powerpoint" xmlns:com="http://schemas.openxmlformats.org/drawingml/2006/compatibility" xmlns:p14="http://schemas.microsoft.com/office/powerpoint/2010/main" xmlns:p15="http://schemas.microsoft.com/office/powerpoint/2012/main" xmlns:ahyp="http://schemas.microsoft.com/office/drawing/2018/hyperlinkcolor" autoCompressPictures="0" embedTrueTypeFonts="1" strictFirstAndLastChars="0" saveSubsetFonts="1">
   <p:sldMasterIdLst>
     <p:sldMasterId id="2147483659" r:id="rId4"/>
   </p:sldMasterIdLst>
@@ -294,7 +294,7 @@
 </file>
 
 <file path=ppt/notesMasters/notesMaster1.xml><?xml version="1.0" encoding="utf-8"?>
-<p:notesMaster xmlns:a="http://schemas.openxmlformats.org/drawingml/2006/main" xmlns:r="http://schemas.openxmlformats.org/officeDocument/2006/relationships" xmlns:mc="http://schemas.openxmlformats.org/markup-compatibility/2006" xmlns:mv="urn:schemas-microsoft-com:mac:vml" xmlns:p="http://schemas.openxmlformats.org/presentationml/2006/main" xmlns:c="http://schemas.openxmlformats.org/drawingml/2006/chart" xmlns:dgm="http://schemas.openxmlformats.org/drawingml/2006/diagram" xmlns:o="urn:schemas-microsoft-com:office:office" xmlns:v="urn:schemas-microsoft-com:vml" xmlns:pvml="urn:schemas-microsoft-com:office:powerpoint" xmlns:com="http://schemas.openxmlformats.org/drawingml/2006/compatibility" xmlns:p14="http://schemas.microsoft.com/office/powerpoint/2010/main" xmlns:p15="http://schemas.microsoft.com/office/powerpoint/2012/main">
+<p:notesMaster xmlns:a="http://schemas.openxmlformats.org/drawingml/2006/main" xmlns:r="http://schemas.openxmlformats.org/officeDocument/2006/relationships" xmlns:mc="http://schemas.openxmlformats.org/markup-compatibility/2006" xmlns:mv="urn:schemas-microsoft-com:mac:vml" xmlns:p="http://schemas.openxmlformats.org/presentationml/2006/main" xmlns:c="http://schemas.openxmlformats.org/drawingml/2006/chart" xmlns:dgm="http://schemas.openxmlformats.org/drawingml/2006/diagram" xmlns:o="urn:schemas-microsoft-com:office:office" xmlns:v="urn:schemas-microsoft-com:vml" xmlns:pvml="urn:schemas-microsoft-com:office:powerpoint" xmlns:com="http://schemas.openxmlformats.org/drawingml/2006/compatibility" xmlns:p14="http://schemas.microsoft.com/office/powerpoint/2010/main" xmlns:p15="http://schemas.microsoft.com/office/powerpoint/2012/main" xmlns:ahyp="http://schemas.microsoft.com/office/drawing/2018/hyperlinkcolor">
   <p:cSld>
     <p:bg>
       <p:bgPr>
@@ -1462,7 +1462,7 @@
 </file>
 
 <file path=ppt/notesSlides/notesSlide1.xml><?xml version="1.0" encoding="utf-8"?>
-<p:notes xmlns:a="http://schemas.openxmlformats.org/drawingml/2006/main" xmlns:r="http://schemas.openxmlformats.org/officeDocument/2006/relationships" xmlns:mc="http://schemas.openxmlformats.org/markup-compatibility/2006" xmlns:mv="urn:schemas-microsoft-com:mac:vml" xmlns:p="http://schemas.openxmlformats.org/presentationml/2006/main" xmlns:c="http://schemas.openxmlformats.org/drawingml/2006/chart" xmlns:dgm="http://schemas.openxmlformats.org/drawingml/2006/diagram" xmlns:o="urn:schemas-microsoft-com:office:office" xmlns:v="urn:schemas-microsoft-com:vml" xmlns:pvml="urn:schemas-microsoft-com:office:powerpoint" xmlns:com="http://schemas.openxmlformats.org/drawingml/2006/compatibility" xmlns:p14="http://schemas.microsoft.com/office/powerpoint/2010/main" xmlns:p15="http://schemas.microsoft.com/office/powerpoint/2012/main" showMasterPhAnim="0" showMasterSp="0">
+<p:notes xmlns:a="http://schemas.openxmlformats.org/drawingml/2006/main" xmlns:r="http://schemas.openxmlformats.org/officeDocument/2006/relationships" xmlns:mc="http://schemas.openxmlformats.org/markup-compatibility/2006" xmlns:mv="urn:schemas-microsoft-com:mac:vml" xmlns:p="http://schemas.openxmlformats.org/presentationml/2006/main" xmlns:c="http://schemas.openxmlformats.org/drawingml/2006/chart" xmlns:dgm="http://schemas.openxmlformats.org/drawingml/2006/diagram" xmlns:o="urn:schemas-microsoft-com:office:office" xmlns:v="urn:schemas-microsoft-com:vml" xmlns:pvml="urn:schemas-microsoft-com:office:powerpoint" xmlns:com="http://schemas.openxmlformats.org/drawingml/2006/compatibility" xmlns:p14="http://schemas.microsoft.com/office/powerpoint/2010/main" xmlns:p15="http://schemas.microsoft.com/office/powerpoint/2012/main" xmlns:ahyp="http://schemas.microsoft.com/office/drawing/2018/hyperlinkcolor" showMasterPhAnim="0" showMasterSp="0">
   <p:cSld>
     <p:spTree>
       <p:nvGrpSpPr>
@@ -1561,7 +1561,7 @@
 </file>
 
 <file path=ppt/notesSlides/notesSlide10.xml><?xml version="1.0" encoding="utf-8"?>
-<p:notes xmlns:a="http://schemas.openxmlformats.org/drawingml/2006/main" xmlns:r="http://schemas.openxmlformats.org/officeDocument/2006/relationships" xmlns:mc="http://schemas.openxmlformats.org/markup-compatibility/2006" xmlns:mv="urn:schemas-microsoft-com:mac:vml" xmlns:p="http://schemas.openxmlformats.org/presentationml/2006/main" xmlns:c="http://schemas.openxmlformats.org/drawingml/2006/chart" xmlns:dgm="http://schemas.openxmlformats.org/drawingml/2006/diagram" xmlns:o="urn:schemas-microsoft-com:office:office" xmlns:v="urn:schemas-microsoft-com:vml" xmlns:pvml="urn:schemas-microsoft-com:office:powerpoint" xmlns:com="http://schemas.openxmlformats.org/drawingml/2006/compatibility" xmlns:p14="http://schemas.microsoft.com/office/powerpoint/2010/main" xmlns:p15="http://schemas.microsoft.com/office/powerpoint/2012/main" showMasterPhAnim="0" showMasterSp="0">
+<p:notes xmlns:a="http://schemas.openxmlformats.org/drawingml/2006/main" xmlns:r="http://schemas.openxmlformats.org/officeDocument/2006/relationships" xmlns:mc="http://schemas.openxmlformats.org/markup-compatibility/2006" xmlns:mv="urn:schemas-microsoft-com:mac:vml" xmlns:p="http://schemas.openxmlformats.org/presentationml/2006/main" xmlns:c="http://schemas.openxmlformats.org/drawingml/2006/chart" xmlns:dgm="http://schemas.openxmlformats.org/drawingml/2006/diagram" xmlns:o="urn:schemas-microsoft-com:office:office" xmlns:v="urn:schemas-microsoft-com:vml" xmlns:pvml="urn:schemas-microsoft-com:office:powerpoint" xmlns:com="http://schemas.openxmlformats.org/drawingml/2006/compatibility" xmlns:p14="http://schemas.microsoft.com/office/powerpoint/2010/main" xmlns:p15="http://schemas.microsoft.com/office/powerpoint/2012/main" xmlns:ahyp="http://schemas.microsoft.com/office/drawing/2018/hyperlinkcolor" showMasterPhAnim="0" showMasterSp="0">
   <p:cSld>
     <p:spTree>
       <p:nvGrpSpPr>
@@ -1660,7 +1660,7 @@
 </file>
 
 <file path=ppt/notesSlides/notesSlide11.xml><?xml version="1.0" encoding="utf-8"?>
-<p:notes xmlns:a="http://schemas.openxmlformats.org/drawingml/2006/main" xmlns:r="http://schemas.openxmlformats.org/officeDocument/2006/relationships" xmlns:mc="http://schemas.openxmlformats.org/markup-compatibility/2006" xmlns:mv="urn:schemas-microsoft-com:mac:vml" xmlns:p="http://schemas.openxmlformats.org/presentationml/2006/main" xmlns:c="http://schemas.openxmlformats.org/drawingml/2006/chart" xmlns:dgm="http://schemas.openxmlformats.org/drawingml/2006/diagram" xmlns:o="urn:schemas-microsoft-com:office:office" xmlns:v="urn:schemas-microsoft-com:vml" xmlns:pvml="urn:schemas-microsoft-com:office:powerpoint" xmlns:com="http://schemas.openxmlformats.org/drawingml/2006/compatibility" xmlns:p14="http://schemas.microsoft.com/office/powerpoint/2010/main" xmlns:p15="http://schemas.microsoft.com/office/powerpoint/2012/main" showMasterPhAnim="0" showMasterSp="0">
+<p:notes xmlns:a="http://schemas.openxmlformats.org/drawingml/2006/main" xmlns:r="http://schemas.openxmlformats.org/officeDocument/2006/relationships" xmlns:mc="http://schemas.openxmlformats.org/markup-compatibility/2006" xmlns:mv="urn:schemas-microsoft-com:mac:vml" xmlns:p="http://schemas.openxmlformats.org/presentationml/2006/main" xmlns:c="http://schemas.openxmlformats.org/drawingml/2006/chart" xmlns:dgm="http://schemas.openxmlformats.org/drawingml/2006/diagram" xmlns:o="urn:schemas-microsoft-com:office:office" xmlns:v="urn:schemas-microsoft-com:vml" xmlns:pvml="urn:schemas-microsoft-com:office:powerpoint" xmlns:com="http://schemas.openxmlformats.org/drawingml/2006/compatibility" xmlns:p14="http://schemas.microsoft.com/office/powerpoint/2010/main" xmlns:p15="http://schemas.microsoft.com/office/powerpoint/2012/main" xmlns:ahyp="http://schemas.microsoft.com/office/drawing/2018/hyperlinkcolor" showMasterPhAnim="0" showMasterSp="0">
   <p:cSld>
     <p:spTree>
       <p:nvGrpSpPr>
@@ -1759,7 +1759,7 @@
 </file>
 
 <file path=ppt/notesSlides/notesSlide12.xml><?xml version="1.0" encoding="utf-8"?>
-<p:notes xmlns:a="http://schemas.openxmlformats.org/drawingml/2006/main" xmlns:r="http://schemas.openxmlformats.org/officeDocument/2006/relationships" xmlns:mc="http://schemas.openxmlformats.org/markup-compatibility/2006" xmlns:mv="urn:schemas-microsoft-com:mac:vml" xmlns:p="http://schemas.openxmlformats.org/presentationml/2006/main" xmlns:c="http://schemas.openxmlformats.org/drawingml/2006/chart" xmlns:dgm="http://schemas.openxmlformats.org/drawingml/2006/diagram" xmlns:o="urn:schemas-microsoft-com:office:office" xmlns:v="urn:schemas-microsoft-com:vml" xmlns:pvml="urn:schemas-microsoft-com:office:powerpoint" xmlns:com="http://schemas.openxmlformats.org/drawingml/2006/compatibility" xmlns:p14="http://schemas.microsoft.com/office/powerpoint/2010/main" xmlns:p15="http://schemas.microsoft.com/office/powerpoint/2012/main" showMasterPhAnim="0" showMasterSp="0">
+<p:notes xmlns:a="http://schemas.openxmlformats.org/drawingml/2006/main" xmlns:r="http://schemas.openxmlformats.org/officeDocument/2006/relationships" xmlns:mc="http://schemas.openxmlformats.org/markup-compatibility/2006" xmlns:mv="urn:schemas-microsoft-com:mac:vml" xmlns:p="http://schemas.openxmlformats.org/presentationml/2006/main" xmlns:c="http://schemas.openxmlformats.org/drawingml/2006/chart" xmlns:dgm="http://schemas.openxmlformats.org/drawingml/2006/diagram" xmlns:o="urn:schemas-microsoft-com:office:office" xmlns:v="urn:schemas-microsoft-com:vml" xmlns:pvml="urn:schemas-microsoft-com:office:powerpoint" xmlns:com="http://schemas.openxmlformats.org/drawingml/2006/compatibility" xmlns:p14="http://schemas.microsoft.com/office/powerpoint/2010/main" xmlns:p15="http://schemas.microsoft.com/office/powerpoint/2012/main" xmlns:ahyp="http://schemas.microsoft.com/office/drawing/2018/hyperlinkcolor" showMasterPhAnim="0" showMasterSp="0">
   <p:cSld>
     <p:spTree>
       <p:nvGrpSpPr>
@@ -1858,7 +1858,7 @@
 </file>
 
 <file path=ppt/notesSlides/notesSlide13.xml><?xml version="1.0" encoding="utf-8"?>
-<p:notes xmlns:a="http://schemas.openxmlformats.org/drawingml/2006/main" xmlns:r="http://schemas.openxmlformats.org/officeDocument/2006/relationships" xmlns:mc="http://schemas.openxmlformats.org/markup-compatibility/2006" xmlns:mv="urn:schemas-microsoft-com:mac:vml" xmlns:p="http://schemas.openxmlformats.org/presentationml/2006/main" xmlns:c="http://schemas.openxmlformats.org/drawingml/2006/chart" xmlns:dgm="http://schemas.openxmlformats.org/drawingml/2006/diagram" xmlns:o="urn:schemas-microsoft-com:office:office" xmlns:v="urn:schemas-microsoft-com:vml" xmlns:pvml="urn:schemas-microsoft-com:office:powerpoint" xmlns:com="http://schemas.openxmlformats.org/drawingml/2006/compatibility" xmlns:p14="http://schemas.microsoft.com/office/powerpoint/2010/main" xmlns:p15="http://schemas.microsoft.com/office/powerpoint/2012/main" showMasterPhAnim="0" showMasterSp="0">
+<p:notes xmlns:a="http://schemas.openxmlformats.org/drawingml/2006/main" xmlns:r="http://schemas.openxmlformats.org/officeDocument/2006/relationships" xmlns:mc="http://schemas.openxmlformats.org/markup-compatibility/2006" xmlns:mv="urn:schemas-microsoft-com:mac:vml" xmlns:p="http://schemas.openxmlformats.org/presentationml/2006/main" xmlns:c="http://schemas.openxmlformats.org/drawingml/2006/chart" xmlns:dgm="http://schemas.openxmlformats.org/drawingml/2006/diagram" xmlns:o="urn:schemas-microsoft-com:office:office" xmlns:v="urn:schemas-microsoft-com:vml" xmlns:pvml="urn:schemas-microsoft-com:office:powerpoint" xmlns:com="http://schemas.openxmlformats.org/drawingml/2006/compatibility" xmlns:p14="http://schemas.microsoft.com/office/powerpoint/2010/main" xmlns:p15="http://schemas.microsoft.com/office/powerpoint/2012/main" xmlns:ahyp="http://schemas.microsoft.com/office/drawing/2018/hyperlinkcolor" showMasterPhAnim="0" showMasterSp="0">
   <p:cSld>
     <p:spTree>
       <p:nvGrpSpPr>
@@ -1957,7 +1957,7 @@
 </file>
 
 <file path=ppt/notesSlides/notesSlide14.xml><?xml version="1.0" encoding="utf-8"?>
-<p:notes xmlns:a="http://schemas.openxmlformats.org/drawingml/2006/main" xmlns:r="http://schemas.openxmlformats.org/officeDocument/2006/relationships" xmlns:mc="http://schemas.openxmlformats.org/markup-compatibility/2006" xmlns:mv="urn:schemas-microsoft-com:mac:vml" xmlns:p="http://schemas.openxmlformats.org/presentationml/2006/main" xmlns:c="http://schemas.openxmlformats.org/drawingml/2006/chart" xmlns:dgm="http://schemas.openxmlformats.org/drawingml/2006/diagram" xmlns:o="urn:schemas-microsoft-com:office:office" xmlns:v="urn:schemas-microsoft-com:vml" xmlns:pvml="urn:schemas-microsoft-com:office:powerpoint" xmlns:com="http://schemas.openxmlformats.org/drawingml/2006/compatibility" xmlns:p14="http://schemas.microsoft.com/office/powerpoint/2010/main" xmlns:p15="http://schemas.microsoft.com/office/powerpoint/2012/main" showMasterPhAnim="0" showMasterSp="0">
+<p:notes xmlns:a="http://schemas.openxmlformats.org/drawingml/2006/main" xmlns:r="http://schemas.openxmlformats.org/officeDocument/2006/relationships" xmlns:mc="http://schemas.openxmlformats.org/markup-compatibility/2006" xmlns:mv="urn:schemas-microsoft-com:mac:vml" xmlns:p="http://schemas.openxmlformats.org/presentationml/2006/main" xmlns:c="http://schemas.openxmlformats.org/drawingml/2006/chart" xmlns:dgm="http://schemas.openxmlformats.org/drawingml/2006/diagram" xmlns:o="urn:schemas-microsoft-com:office:office" xmlns:v="urn:schemas-microsoft-com:vml" xmlns:pvml="urn:schemas-microsoft-com:office:powerpoint" xmlns:com="http://schemas.openxmlformats.org/drawingml/2006/compatibility" xmlns:p14="http://schemas.microsoft.com/office/powerpoint/2010/main" xmlns:p15="http://schemas.microsoft.com/office/powerpoint/2012/main" xmlns:ahyp="http://schemas.microsoft.com/office/drawing/2018/hyperlinkcolor" showMasterPhAnim="0" showMasterSp="0">
   <p:cSld>
     <p:spTree>
       <p:nvGrpSpPr>
@@ -2056,7 +2056,7 @@
 </file>
 
 <file path=ppt/notesSlides/notesSlide15.xml><?xml version="1.0" encoding="utf-8"?>
-<p:notes xmlns:a="http://schemas.openxmlformats.org/drawingml/2006/main" xmlns:r="http://schemas.openxmlformats.org/officeDocument/2006/relationships" xmlns:mc="http://schemas.openxmlformats.org/markup-compatibility/2006" xmlns:mv="urn:schemas-microsoft-com:mac:vml" xmlns:p="http://schemas.openxmlformats.org/presentationml/2006/main" xmlns:c="http://schemas.openxmlformats.org/drawingml/2006/chart" xmlns:dgm="http://schemas.openxmlformats.org/drawingml/2006/diagram" xmlns:o="urn:schemas-microsoft-com:office:office" xmlns:v="urn:schemas-microsoft-com:vml" xmlns:pvml="urn:schemas-microsoft-com:office:powerpoint" xmlns:com="http://schemas.openxmlformats.org/drawingml/2006/compatibility" xmlns:p14="http://schemas.microsoft.com/office/powerpoint/2010/main" xmlns:p15="http://schemas.microsoft.com/office/powerpoint/2012/main" showMasterPhAnim="0" showMasterSp="0">
+<p:notes xmlns:a="http://schemas.openxmlformats.org/drawingml/2006/main" xmlns:r="http://schemas.openxmlformats.org/officeDocument/2006/relationships" xmlns:mc="http://schemas.openxmlformats.org/markup-compatibility/2006" xmlns:mv="urn:schemas-microsoft-com:mac:vml" xmlns:p="http://schemas.openxmlformats.org/presentationml/2006/main" xmlns:c="http://schemas.openxmlformats.org/drawingml/2006/chart" xmlns:dgm="http://schemas.openxmlformats.org/drawingml/2006/diagram" xmlns:o="urn:schemas-microsoft-com:office:office" xmlns:v="urn:schemas-microsoft-com:vml" xmlns:pvml="urn:schemas-microsoft-com:office:powerpoint" xmlns:com="http://schemas.openxmlformats.org/drawingml/2006/compatibility" xmlns:p14="http://schemas.microsoft.com/office/powerpoint/2010/main" xmlns:p15="http://schemas.microsoft.com/office/powerpoint/2012/main" xmlns:ahyp="http://schemas.microsoft.com/office/drawing/2018/hyperlinkcolor" showMasterPhAnim="0" showMasterSp="0">
   <p:cSld>
     <p:spTree>
       <p:nvGrpSpPr>
@@ -2155,7 +2155,7 @@
 </file>
 
 <file path=ppt/notesSlides/notesSlide16.xml><?xml version="1.0" encoding="utf-8"?>
-<p:notes xmlns:a="http://schemas.openxmlformats.org/drawingml/2006/main" xmlns:r="http://schemas.openxmlformats.org/officeDocument/2006/relationships" xmlns:mc="http://schemas.openxmlformats.org/markup-compatibility/2006" xmlns:mv="urn:schemas-microsoft-com:mac:vml" xmlns:p="http://schemas.openxmlformats.org/presentationml/2006/main" xmlns:c="http://schemas.openxmlformats.org/drawingml/2006/chart" xmlns:dgm="http://schemas.openxmlformats.org/drawingml/2006/diagram" xmlns:o="urn:schemas-microsoft-com:office:office" xmlns:v="urn:schemas-microsoft-com:vml" xmlns:pvml="urn:schemas-microsoft-com:office:powerpoint" xmlns:com="http://schemas.openxmlformats.org/drawingml/2006/compatibility" xmlns:p14="http://schemas.microsoft.com/office/powerpoint/2010/main" xmlns:p15="http://schemas.microsoft.com/office/powerpoint/2012/main" showMasterPhAnim="0" showMasterSp="0">
+<p:notes xmlns:a="http://schemas.openxmlformats.org/drawingml/2006/main" xmlns:r="http://schemas.openxmlformats.org/officeDocument/2006/relationships" xmlns:mc="http://schemas.openxmlformats.org/markup-compatibility/2006" xmlns:mv="urn:schemas-microsoft-com:mac:vml" xmlns:p="http://schemas.openxmlformats.org/presentationml/2006/main" xmlns:c="http://schemas.openxmlformats.org/drawingml/2006/chart" xmlns:dgm="http://schemas.openxmlformats.org/drawingml/2006/diagram" xmlns:o="urn:schemas-microsoft-com:office:office" xmlns:v="urn:schemas-microsoft-com:vml" xmlns:pvml="urn:schemas-microsoft-com:office:powerpoint" xmlns:com="http://schemas.openxmlformats.org/drawingml/2006/compatibility" xmlns:p14="http://schemas.microsoft.com/office/powerpoint/2010/main" xmlns:p15="http://schemas.microsoft.com/office/powerpoint/2012/main" xmlns:ahyp="http://schemas.microsoft.com/office/drawing/2018/hyperlinkcolor" showMasterPhAnim="0" showMasterSp="0">
   <p:cSld>
     <p:spTree>
       <p:nvGrpSpPr>
@@ -2254,7 +2254,7 @@
 </file>
 
 <file path=ppt/notesSlides/notesSlide17.xml><?xml version="1.0" encoding="utf-8"?>
-<p:notes xmlns:a="http://schemas.openxmlformats.org/drawingml/2006/main" xmlns:r="http://schemas.openxmlformats.org/officeDocument/2006/relationships" xmlns:mc="http://schemas.openxmlformats.org/markup-compatibility/2006" xmlns:mv="urn:schemas-microsoft-com:mac:vml" xmlns:p="http://schemas.openxmlformats.org/presentationml/2006/main" xmlns:c="http://schemas.openxmlformats.org/drawingml/2006/chart" xmlns:dgm="http://schemas.openxmlformats.org/drawingml/2006/diagram" xmlns:o="urn:schemas-microsoft-com:office:office" xmlns:v="urn:schemas-microsoft-com:vml" xmlns:pvml="urn:schemas-microsoft-com:office:powerpoint" xmlns:com="http://schemas.openxmlformats.org/drawingml/2006/compatibility" xmlns:p14="http://schemas.microsoft.com/office/powerpoint/2010/main" xmlns:p15="http://schemas.microsoft.com/office/powerpoint/2012/main" showMasterPhAnim="0" showMasterSp="0">
+<p:notes xmlns:a="http://schemas.openxmlformats.org/drawingml/2006/main" xmlns:r="http://schemas.openxmlformats.org/officeDocument/2006/relationships" xmlns:mc="http://schemas.openxmlformats.org/markup-compatibility/2006" xmlns:mv="urn:schemas-microsoft-com:mac:vml" xmlns:p="http://schemas.openxmlformats.org/presentationml/2006/main" xmlns:c="http://schemas.openxmlformats.org/drawingml/2006/chart" xmlns:dgm="http://schemas.openxmlformats.org/drawingml/2006/diagram" xmlns:o="urn:schemas-microsoft-com:office:office" xmlns:v="urn:schemas-microsoft-com:vml" xmlns:pvml="urn:schemas-microsoft-com:office:powerpoint" xmlns:com="http://schemas.openxmlformats.org/drawingml/2006/compatibility" xmlns:p14="http://schemas.microsoft.com/office/powerpoint/2010/main" xmlns:p15="http://schemas.microsoft.com/office/powerpoint/2012/main" xmlns:ahyp="http://schemas.microsoft.com/office/drawing/2018/hyperlinkcolor" showMasterPhAnim="0" showMasterSp="0">
   <p:cSld>
     <p:spTree>
       <p:nvGrpSpPr>
@@ -2353,7 +2353,7 @@
 </file>
 
 <file path=ppt/notesSlides/notesSlide18.xml><?xml version="1.0" encoding="utf-8"?>
-<p:notes xmlns:a="http://schemas.openxmlformats.org/drawingml/2006/main" xmlns:r="http://schemas.openxmlformats.org/officeDocument/2006/relationships" xmlns:mc="http://schemas.openxmlformats.org/markup-compatibility/2006" xmlns:mv="urn:schemas-microsoft-com:mac:vml" xmlns:p="http://schemas.openxmlformats.org/presentationml/2006/main" xmlns:c="http://schemas.openxmlformats.org/drawingml/2006/chart" xmlns:dgm="http://schemas.openxmlformats.org/drawingml/2006/diagram" xmlns:o="urn:schemas-microsoft-com:office:office" xmlns:v="urn:schemas-microsoft-com:vml" xmlns:pvml="urn:schemas-microsoft-com:office:powerpoint" xmlns:com="http://schemas.openxmlformats.org/drawingml/2006/compatibility" xmlns:p14="http://schemas.microsoft.com/office/powerpoint/2010/main" xmlns:p15="http://schemas.microsoft.com/office/powerpoint/2012/main" showMasterPhAnim="0" showMasterSp="0">
+<p:notes xmlns:a="http://schemas.openxmlformats.org/drawingml/2006/main" xmlns:r="http://schemas.openxmlformats.org/officeDocument/2006/relationships" xmlns:mc="http://schemas.openxmlformats.org/markup-compatibility/2006" xmlns:mv="urn:schemas-microsoft-com:mac:vml" xmlns:p="http://schemas.openxmlformats.org/presentationml/2006/main" xmlns:c="http://schemas.openxmlformats.org/drawingml/2006/chart" xmlns:dgm="http://schemas.openxmlformats.org/drawingml/2006/diagram" xmlns:o="urn:schemas-microsoft-com:office:office" xmlns:v="urn:schemas-microsoft-com:vml" xmlns:pvml="urn:schemas-microsoft-com:office:powerpoint" xmlns:com="http://schemas.openxmlformats.org/drawingml/2006/compatibility" xmlns:p14="http://schemas.microsoft.com/office/powerpoint/2010/main" xmlns:p15="http://schemas.microsoft.com/office/powerpoint/2012/main" xmlns:ahyp="http://schemas.microsoft.com/office/drawing/2018/hyperlinkcolor" showMasterPhAnim="0" showMasterSp="0">
   <p:cSld>
     <p:spTree>
       <p:nvGrpSpPr>
@@ -2452,7 +2452,7 @@
 </file>
 
 <file path=ppt/notesSlides/notesSlide19.xml><?xml version="1.0" encoding="utf-8"?>
-<p:notes xmlns:a="http://schemas.openxmlformats.org/drawingml/2006/main" xmlns:r="http://schemas.openxmlformats.org/officeDocument/2006/relationships" xmlns:mc="http://schemas.openxmlformats.org/markup-compatibility/2006" xmlns:mv="urn:schemas-microsoft-com:mac:vml" xmlns:p="http://schemas.openxmlformats.org/presentationml/2006/main" xmlns:c="http://schemas.openxmlformats.org/drawingml/2006/chart" xmlns:dgm="http://schemas.openxmlformats.org/drawingml/2006/diagram" xmlns:o="urn:schemas-microsoft-com:office:office" xmlns:v="urn:schemas-microsoft-com:vml" xmlns:pvml="urn:schemas-microsoft-com:office:powerpoint" xmlns:com="http://schemas.openxmlformats.org/drawingml/2006/compatibility" xmlns:p14="http://schemas.microsoft.com/office/powerpoint/2010/main" xmlns:p15="http://schemas.microsoft.com/office/powerpoint/2012/main" showMasterPhAnim="0" showMasterSp="0">
+<p:notes xmlns:a="http://schemas.openxmlformats.org/drawingml/2006/main" xmlns:r="http://schemas.openxmlformats.org/officeDocument/2006/relationships" xmlns:mc="http://schemas.openxmlformats.org/markup-compatibility/2006" xmlns:mv="urn:schemas-microsoft-com:mac:vml" xmlns:p="http://schemas.openxmlformats.org/presentationml/2006/main" xmlns:c="http://schemas.openxmlformats.org/drawingml/2006/chart" xmlns:dgm="http://schemas.openxmlformats.org/drawingml/2006/diagram" xmlns:o="urn:schemas-microsoft-com:office:office" xmlns:v="urn:schemas-microsoft-com:vml" xmlns:pvml="urn:schemas-microsoft-com:office:powerpoint" xmlns:com="http://schemas.openxmlformats.org/drawingml/2006/compatibility" xmlns:p14="http://schemas.microsoft.com/office/powerpoint/2010/main" xmlns:p15="http://schemas.microsoft.com/office/powerpoint/2012/main" xmlns:ahyp="http://schemas.microsoft.com/office/drawing/2018/hyperlinkcolor" showMasterPhAnim="0" showMasterSp="0">
   <p:cSld>
     <p:spTree>
       <p:nvGrpSpPr>
@@ -2551,7 +2551,7 @@
 </file>
 
 <file path=ppt/notesSlides/notesSlide2.xml><?xml version="1.0" encoding="utf-8"?>
-<p:notes xmlns:a="http://schemas.openxmlformats.org/drawingml/2006/main" xmlns:r="http://schemas.openxmlformats.org/officeDocument/2006/relationships" xmlns:mc="http://schemas.openxmlformats.org/markup-compatibility/2006" xmlns:mv="urn:schemas-microsoft-com:mac:vml" xmlns:p="http://schemas.openxmlformats.org/presentationml/2006/main" xmlns:c="http://schemas.openxmlformats.org/drawingml/2006/chart" xmlns:dgm="http://schemas.openxmlformats.org/drawingml/2006/diagram" xmlns:o="urn:schemas-microsoft-com:office:office" xmlns:v="urn:schemas-microsoft-com:vml" xmlns:pvml="urn:schemas-microsoft-com:office:powerpoint" xmlns:com="http://schemas.openxmlformats.org/drawingml/2006/compatibility" xmlns:p14="http://schemas.microsoft.com/office/powerpoint/2010/main" xmlns:p15="http://schemas.microsoft.com/office/powerpoint/2012/main" showMasterPhAnim="0" showMasterSp="0">
+<p:notes xmlns:a="http://schemas.openxmlformats.org/drawingml/2006/main" xmlns:r="http://schemas.openxmlformats.org/officeDocument/2006/relationships" xmlns:mc="http://schemas.openxmlformats.org/markup-compatibility/2006" xmlns:mv="urn:schemas-microsoft-com:mac:vml" xmlns:p="http://schemas.openxmlformats.org/presentationml/2006/main" xmlns:c="http://schemas.openxmlformats.org/drawingml/2006/chart" xmlns:dgm="http://schemas.openxmlformats.org/drawingml/2006/diagram" xmlns:o="urn:schemas-microsoft-com:office:office" xmlns:v="urn:schemas-microsoft-com:vml" xmlns:pvml="urn:schemas-microsoft-com:office:powerpoint" xmlns:com="http://schemas.openxmlformats.org/drawingml/2006/compatibility" xmlns:p14="http://schemas.microsoft.com/office/powerpoint/2010/main" xmlns:p15="http://schemas.microsoft.com/office/powerpoint/2012/main" xmlns:ahyp="http://schemas.microsoft.com/office/drawing/2018/hyperlinkcolor" showMasterPhAnim="0" showMasterSp="0">
   <p:cSld>
     <p:spTree>
       <p:nvGrpSpPr>
@@ -2650,7 +2650,7 @@
 </file>
 
 <file path=ppt/notesSlides/notesSlide20.xml><?xml version="1.0" encoding="utf-8"?>
-<p:notes xmlns:a="http://schemas.openxmlformats.org/drawingml/2006/main" xmlns:r="http://schemas.openxmlformats.org/officeDocument/2006/relationships" xmlns:mc="http://schemas.openxmlformats.org/markup-compatibility/2006" xmlns:mv="urn:schemas-microsoft-com:mac:vml" xmlns:p="http://schemas.openxmlformats.org/presentationml/2006/main" xmlns:c="http://schemas.openxmlformats.org/drawingml/2006/chart" xmlns:dgm="http://schemas.openxmlformats.org/drawingml/2006/diagram" xmlns:o="urn:schemas-microsoft-com:office:office" xmlns:v="urn:schemas-microsoft-com:vml" xmlns:pvml="urn:schemas-microsoft-com:office:powerpoint" xmlns:com="http://schemas.openxmlformats.org/drawingml/2006/compatibility" xmlns:p14="http://schemas.microsoft.com/office/powerpoint/2010/main" xmlns:p15="http://schemas.microsoft.com/office/powerpoint/2012/main" showMasterPhAnim="0" showMasterSp="0">
+<p:notes xmlns:a="http://schemas.openxmlformats.org/drawingml/2006/main" xmlns:r="http://schemas.openxmlformats.org/officeDocument/2006/relationships" xmlns:mc="http://schemas.openxmlformats.org/markup-compatibility/2006" xmlns:mv="urn:schemas-microsoft-com:mac:vml" xmlns:p="http://schemas.openxmlformats.org/presentationml/2006/main" xmlns:c="http://schemas.openxmlformats.org/drawingml/2006/chart" xmlns:dgm="http://schemas.openxmlformats.org/drawingml/2006/diagram" xmlns:o="urn:schemas-microsoft-com:office:office" xmlns:v="urn:schemas-microsoft-com:vml" xmlns:pvml="urn:schemas-microsoft-com:office:powerpoint" xmlns:com="http://schemas.openxmlformats.org/drawingml/2006/compatibility" xmlns:p14="http://schemas.microsoft.com/office/powerpoint/2010/main" xmlns:p15="http://schemas.microsoft.com/office/powerpoint/2012/main" xmlns:ahyp="http://schemas.microsoft.com/office/drawing/2018/hyperlinkcolor" showMasterPhAnim="0" showMasterSp="0">
   <p:cSld>
     <p:spTree>
       <p:nvGrpSpPr>
@@ -2749,7 +2749,7 @@
 </file>
 
 <file path=ppt/notesSlides/notesSlide21.xml><?xml version="1.0" encoding="utf-8"?>
-<p:notes xmlns:a="http://schemas.openxmlformats.org/drawingml/2006/main" xmlns:r="http://schemas.openxmlformats.org/officeDocument/2006/relationships" xmlns:mc="http://schemas.openxmlformats.org/markup-compatibility/2006" xmlns:mv="urn:schemas-microsoft-com:mac:vml" xmlns:p="http://schemas.openxmlformats.org/presentationml/2006/main" xmlns:c="http://schemas.openxmlformats.org/drawingml/2006/chart" xmlns:dgm="http://schemas.openxmlformats.org/drawingml/2006/diagram" xmlns:o="urn:schemas-microsoft-com:office:office" xmlns:v="urn:schemas-microsoft-com:vml" xmlns:pvml="urn:schemas-microsoft-com:office:powerpoint" xmlns:com="http://schemas.openxmlformats.org/drawingml/2006/compatibility" xmlns:p14="http://schemas.microsoft.com/office/powerpoint/2010/main" xmlns:p15="http://schemas.microsoft.com/office/powerpoint/2012/main" showMasterPhAnim="0" showMasterSp="0">
+<p:notes xmlns:a="http://schemas.openxmlformats.org/drawingml/2006/main" xmlns:r="http://schemas.openxmlformats.org/officeDocument/2006/relationships" xmlns:mc="http://schemas.openxmlformats.org/markup-compatibility/2006" xmlns:mv="urn:schemas-microsoft-com:mac:vml" xmlns:p="http://schemas.openxmlformats.org/presentationml/2006/main" xmlns:c="http://schemas.openxmlformats.org/drawingml/2006/chart" xmlns:dgm="http://schemas.openxmlformats.org/drawingml/2006/diagram" xmlns:o="urn:schemas-microsoft-com:office:office" xmlns:v="urn:schemas-microsoft-com:vml" xmlns:pvml="urn:schemas-microsoft-com:office:powerpoint" xmlns:com="http://schemas.openxmlformats.org/drawingml/2006/compatibility" xmlns:p14="http://schemas.microsoft.com/office/powerpoint/2010/main" xmlns:p15="http://schemas.microsoft.com/office/powerpoint/2012/main" xmlns:ahyp="http://schemas.microsoft.com/office/drawing/2018/hyperlinkcolor" showMasterPhAnim="0" showMasterSp="0">
   <p:cSld>
     <p:spTree>
       <p:nvGrpSpPr>
@@ -2848,7 +2848,7 @@
 </file>
 
 <file path=ppt/notesSlides/notesSlide22.xml><?xml version="1.0" encoding="utf-8"?>
-<p:notes xmlns:a="http://schemas.openxmlformats.org/drawingml/2006/main" xmlns:r="http://schemas.openxmlformats.org/officeDocument/2006/relationships" xmlns:mc="http://schemas.openxmlformats.org/markup-compatibility/2006" xmlns:mv="urn:schemas-microsoft-com:mac:vml" xmlns:p="http://schemas.openxmlformats.org/presentationml/2006/main" xmlns:c="http://schemas.openxmlformats.org/drawingml/2006/chart" xmlns:dgm="http://schemas.openxmlformats.org/drawingml/2006/diagram" xmlns:o="urn:schemas-microsoft-com:office:office" xmlns:v="urn:schemas-microsoft-com:vml" xmlns:pvml="urn:schemas-microsoft-com:office:powerpoint" xmlns:com="http://schemas.openxmlformats.org/drawingml/2006/compatibility" xmlns:p14="http://schemas.microsoft.com/office/powerpoint/2010/main" xmlns:p15="http://schemas.microsoft.com/office/powerpoint/2012/main" showMasterPhAnim="0" showMasterSp="0">
+<p:notes xmlns:a="http://schemas.openxmlformats.org/drawingml/2006/main" xmlns:r="http://schemas.openxmlformats.org/officeDocument/2006/relationships" xmlns:mc="http://schemas.openxmlformats.org/markup-compatibility/2006" xmlns:mv="urn:schemas-microsoft-com:mac:vml" xmlns:p="http://schemas.openxmlformats.org/presentationml/2006/main" xmlns:c="http://schemas.openxmlformats.org/drawingml/2006/chart" xmlns:dgm="http://schemas.openxmlformats.org/drawingml/2006/diagram" xmlns:o="urn:schemas-microsoft-com:office:office" xmlns:v="urn:schemas-microsoft-com:vml" xmlns:pvml="urn:schemas-microsoft-com:office:powerpoint" xmlns:com="http://schemas.openxmlformats.org/drawingml/2006/compatibility" xmlns:p14="http://schemas.microsoft.com/office/powerpoint/2010/main" xmlns:p15="http://schemas.microsoft.com/office/powerpoint/2012/main" xmlns:ahyp="http://schemas.microsoft.com/office/drawing/2018/hyperlinkcolor" showMasterPhAnim="0" showMasterSp="0">
   <p:cSld>
     <p:spTree>
       <p:nvGrpSpPr>
@@ -2947,7 +2947,7 @@
 </file>
 
 <file path=ppt/notesSlides/notesSlide23.xml><?xml version="1.0" encoding="utf-8"?>
-<p:notes xmlns:a="http://schemas.openxmlformats.org/drawingml/2006/main" xmlns:r="http://schemas.openxmlformats.org/officeDocument/2006/relationships" xmlns:mc="http://schemas.openxmlformats.org/markup-compatibility/2006" xmlns:mv="urn:schemas-microsoft-com:mac:vml" xmlns:p="http://schemas.openxmlformats.org/presentationml/2006/main" xmlns:c="http://schemas.openxmlformats.org/drawingml/2006/chart" xmlns:dgm="http://schemas.openxmlformats.org/drawingml/2006/diagram" xmlns:o="urn:schemas-microsoft-com:office:office" xmlns:v="urn:schemas-microsoft-com:vml" xmlns:pvml="urn:schemas-microsoft-com:office:powerpoint" xmlns:com="http://schemas.openxmlformats.org/drawingml/2006/compatibility" xmlns:p14="http://schemas.microsoft.com/office/powerpoint/2010/main" xmlns:p15="http://schemas.microsoft.com/office/powerpoint/2012/main" showMasterPhAnim="0" showMasterSp="0">
+<p:notes xmlns:a="http://schemas.openxmlformats.org/drawingml/2006/main" xmlns:r="http://schemas.openxmlformats.org/officeDocument/2006/relationships" xmlns:mc="http://schemas.openxmlformats.org/markup-compatibility/2006" xmlns:mv="urn:schemas-microsoft-com:mac:vml" xmlns:p="http://schemas.openxmlformats.org/presentationml/2006/main" xmlns:c="http://schemas.openxmlformats.org/drawingml/2006/chart" xmlns:dgm="http://schemas.openxmlformats.org/drawingml/2006/diagram" xmlns:o="urn:schemas-microsoft-com:office:office" xmlns:v="urn:schemas-microsoft-com:vml" xmlns:pvml="urn:schemas-microsoft-com:office:powerpoint" xmlns:com="http://schemas.openxmlformats.org/drawingml/2006/compatibility" xmlns:p14="http://schemas.microsoft.com/office/powerpoint/2010/main" xmlns:p15="http://schemas.microsoft.com/office/powerpoint/2012/main" xmlns:ahyp="http://schemas.microsoft.com/office/drawing/2018/hyperlinkcolor" showMasterPhAnim="0" showMasterSp="0">
   <p:cSld>
     <p:spTree>
       <p:nvGrpSpPr>
@@ -3046,7 +3046,7 @@
 </file>
 
 <file path=ppt/notesSlides/notesSlide24.xml><?xml version="1.0" encoding="utf-8"?>
-<p:notes xmlns:a="http://schemas.openxmlformats.org/drawingml/2006/main" xmlns:r="http://schemas.openxmlformats.org/officeDocument/2006/relationships" xmlns:mc="http://schemas.openxmlformats.org/markup-compatibility/2006" xmlns:mv="urn:schemas-microsoft-com:mac:vml" xmlns:p="http://schemas.openxmlformats.org/presentationml/2006/main" xmlns:c="http://schemas.openxmlformats.org/drawingml/2006/chart" xmlns:dgm="http://schemas.openxmlformats.org/drawingml/2006/diagram" xmlns:o="urn:schemas-microsoft-com:office:office" xmlns:v="urn:schemas-microsoft-com:vml" xmlns:pvml="urn:schemas-microsoft-com:office:powerpoint" xmlns:com="http://schemas.openxmlformats.org/drawingml/2006/compatibility" xmlns:p14="http://schemas.microsoft.com/office/powerpoint/2010/main" xmlns:p15="http://schemas.microsoft.com/office/powerpoint/2012/main" showMasterPhAnim="0" showMasterSp="0">
+<p:notes xmlns:a="http://schemas.openxmlformats.org/drawingml/2006/main" xmlns:r="http://schemas.openxmlformats.org/officeDocument/2006/relationships" xmlns:mc="http://schemas.openxmlformats.org/markup-compatibility/2006" xmlns:mv="urn:schemas-microsoft-com:mac:vml" xmlns:p="http://schemas.openxmlformats.org/presentationml/2006/main" xmlns:c="http://schemas.openxmlformats.org/drawingml/2006/chart" xmlns:dgm="http://schemas.openxmlformats.org/drawingml/2006/diagram" xmlns:o="urn:schemas-microsoft-com:office:office" xmlns:v="urn:schemas-microsoft-com:vml" xmlns:pvml="urn:schemas-microsoft-com:office:powerpoint" xmlns:com="http://schemas.openxmlformats.org/drawingml/2006/compatibility" xmlns:p14="http://schemas.microsoft.com/office/powerpoint/2010/main" xmlns:p15="http://schemas.microsoft.com/office/powerpoint/2012/main" xmlns:ahyp="http://schemas.microsoft.com/office/drawing/2018/hyperlinkcolor" showMasterPhAnim="0" showMasterSp="0">
   <p:cSld>
     <p:spTree>
       <p:nvGrpSpPr>
@@ -3189,7 +3189,7 @@
 </file>
 
 <file path=ppt/notesSlides/notesSlide25.xml><?xml version="1.0" encoding="utf-8"?>
-<p:notes xmlns:a="http://schemas.openxmlformats.org/drawingml/2006/main" xmlns:r="http://schemas.openxmlformats.org/officeDocument/2006/relationships" xmlns:mc="http://schemas.openxmlformats.org/markup-compatibility/2006" xmlns:mv="urn:schemas-microsoft-com:mac:vml" xmlns:p="http://schemas.openxmlformats.org/presentationml/2006/main" xmlns:c="http://schemas.openxmlformats.org/drawingml/2006/chart" xmlns:dgm="http://schemas.openxmlformats.org/drawingml/2006/diagram" xmlns:o="urn:schemas-microsoft-com:office:office" xmlns:v="urn:schemas-microsoft-com:vml" xmlns:pvml="urn:schemas-microsoft-com:office:powerpoint" xmlns:com="http://schemas.openxmlformats.org/drawingml/2006/compatibility" xmlns:p14="http://schemas.microsoft.com/office/powerpoint/2010/main" xmlns:p15="http://schemas.microsoft.com/office/powerpoint/2012/main" showMasterPhAnim="0" showMasterSp="0">
+<p:notes xmlns:a="http://schemas.openxmlformats.org/drawingml/2006/main" xmlns:r="http://schemas.openxmlformats.org/officeDocument/2006/relationships" xmlns:mc="http://schemas.openxmlformats.org/markup-compatibility/2006" xmlns:mv="urn:schemas-microsoft-com:mac:vml" xmlns:p="http://schemas.openxmlformats.org/presentationml/2006/main" xmlns:c="http://schemas.openxmlformats.org/drawingml/2006/chart" xmlns:dgm="http://schemas.openxmlformats.org/drawingml/2006/diagram" xmlns:o="urn:schemas-microsoft-com:office:office" xmlns:v="urn:schemas-microsoft-com:vml" xmlns:pvml="urn:schemas-microsoft-com:office:powerpoint" xmlns:com="http://schemas.openxmlformats.org/drawingml/2006/compatibility" xmlns:p14="http://schemas.microsoft.com/office/powerpoint/2010/main" xmlns:p15="http://schemas.microsoft.com/office/powerpoint/2012/main" xmlns:ahyp="http://schemas.microsoft.com/office/drawing/2018/hyperlinkcolor" showMasterPhAnim="0" showMasterSp="0">
   <p:cSld>
     <p:spTree>
       <p:nvGrpSpPr>
@@ -3288,7 +3288,7 @@
 </file>
 
 <file path=ppt/notesSlides/notesSlide3.xml><?xml version="1.0" encoding="utf-8"?>
-<p:notes xmlns:a="http://schemas.openxmlformats.org/drawingml/2006/main" xmlns:r="http://schemas.openxmlformats.org/officeDocument/2006/relationships" xmlns:mc="http://schemas.openxmlformats.org/markup-compatibility/2006" xmlns:mv="urn:schemas-microsoft-com:mac:vml" xmlns:p="http://schemas.openxmlformats.org/presentationml/2006/main" xmlns:c="http://schemas.openxmlformats.org/drawingml/2006/chart" xmlns:dgm="http://schemas.openxmlformats.org/drawingml/2006/diagram" xmlns:o="urn:schemas-microsoft-com:office:office" xmlns:v="urn:schemas-microsoft-com:vml" xmlns:pvml="urn:schemas-microsoft-com:office:powerpoint" xmlns:com="http://schemas.openxmlformats.org/drawingml/2006/compatibility" xmlns:p14="http://schemas.microsoft.com/office/powerpoint/2010/main" xmlns:p15="http://schemas.microsoft.com/office/powerpoint/2012/main" showMasterPhAnim="0" showMasterSp="0">
+<p:notes xmlns:a="http://schemas.openxmlformats.org/drawingml/2006/main" xmlns:r="http://schemas.openxmlformats.org/officeDocument/2006/relationships" xmlns:mc="http://schemas.openxmlformats.org/markup-compatibility/2006" xmlns:mv="urn:schemas-microsoft-com:mac:vml" xmlns:p="http://schemas.openxmlformats.org/presentationml/2006/main" xmlns:c="http://schemas.openxmlformats.org/drawingml/2006/chart" xmlns:dgm="http://schemas.openxmlformats.org/drawingml/2006/diagram" xmlns:o="urn:schemas-microsoft-com:office:office" xmlns:v="urn:schemas-microsoft-com:vml" xmlns:pvml="urn:schemas-microsoft-com:office:powerpoint" xmlns:com="http://schemas.openxmlformats.org/drawingml/2006/compatibility" xmlns:p14="http://schemas.microsoft.com/office/powerpoint/2010/main" xmlns:p15="http://schemas.microsoft.com/office/powerpoint/2012/main" xmlns:ahyp="http://schemas.microsoft.com/office/drawing/2018/hyperlinkcolor" showMasterPhAnim="0" showMasterSp="0">
   <p:cSld>
     <p:spTree>
       <p:nvGrpSpPr>
@@ -3387,7 +3387,7 @@
 </file>
 
 <file path=ppt/notesSlides/notesSlide4.xml><?xml version="1.0" encoding="utf-8"?>
-<p:notes xmlns:a="http://schemas.openxmlformats.org/drawingml/2006/main" xmlns:r="http://schemas.openxmlformats.org/officeDocument/2006/relationships" xmlns:mc="http://schemas.openxmlformats.org/markup-compatibility/2006" xmlns:mv="urn:schemas-microsoft-com:mac:vml" xmlns:p="http://schemas.openxmlformats.org/presentationml/2006/main" xmlns:c="http://schemas.openxmlformats.org/drawingml/2006/chart" xmlns:dgm="http://schemas.openxmlformats.org/drawingml/2006/diagram" xmlns:o="urn:schemas-microsoft-com:office:office" xmlns:v="urn:schemas-microsoft-com:vml" xmlns:pvml="urn:schemas-microsoft-com:office:powerpoint" xmlns:com="http://schemas.openxmlformats.org/drawingml/2006/compatibility" xmlns:p14="http://schemas.microsoft.com/office/powerpoint/2010/main" xmlns:p15="http://schemas.microsoft.com/office/powerpoint/2012/main" showMasterPhAnim="0" showMasterSp="0">
+<p:notes xmlns:a="http://schemas.openxmlformats.org/drawingml/2006/main" xmlns:r="http://schemas.openxmlformats.org/officeDocument/2006/relationships" xmlns:mc="http://schemas.openxmlformats.org/markup-compatibility/2006" xmlns:mv="urn:schemas-microsoft-com:mac:vml" xmlns:p="http://schemas.openxmlformats.org/presentationml/2006/main" xmlns:c="http://schemas.openxmlformats.org/drawingml/2006/chart" xmlns:dgm="http://schemas.openxmlformats.org/drawingml/2006/diagram" xmlns:o="urn:schemas-microsoft-com:office:office" xmlns:v="urn:schemas-microsoft-com:vml" xmlns:pvml="urn:schemas-microsoft-com:office:powerpoint" xmlns:com="http://schemas.openxmlformats.org/drawingml/2006/compatibility" xmlns:p14="http://schemas.microsoft.com/office/powerpoint/2010/main" xmlns:p15="http://schemas.microsoft.com/office/powerpoint/2012/main" xmlns:ahyp="http://schemas.microsoft.com/office/drawing/2018/hyperlinkcolor" showMasterPhAnim="0" showMasterSp="0">
   <p:cSld>
     <p:spTree>
       <p:nvGrpSpPr>
@@ -3486,7 +3486,7 @@
 </file>
 
 <file path=ppt/notesSlides/notesSlide5.xml><?xml version="1.0" encoding="utf-8"?>
-<p:notes xmlns:a="http://schemas.openxmlformats.org/drawingml/2006/main" xmlns:r="http://schemas.openxmlformats.org/officeDocument/2006/relationships" xmlns:mc="http://schemas.openxmlformats.org/markup-compatibility/2006" xmlns:mv="urn:schemas-microsoft-com:mac:vml" xmlns:p="http://schemas.openxmlformats.org/presentationml/2006/main" xmlns:c="http://schemas.openxmlformats.org/drawingml/2006/chart" xmlns:dgm="http://schemas.openxmlformats.org/drawingml/2006/diagram" xmlns:o="urn:schemas-microsoft-com:office:office" xmlns:v="urn:schemas-microsoft-com:vml" xmlns:pvml="urn:schemas-microsoft-com:office:powerpoint" xmlns:com="http://schemas.openxmlformats.org/drawingml/2006/compatibility" xmlns:p14="http://schemas.microsoft.com/office/powerpoint/2010/main" xmlns:p15="http://schemas.microsoft.com/office/powerpoint/2012/main" showMasterPhAnim="0" showMasterSp="0">
+<p:notes xmlns:a="http://schemas.openxmlformats.org/drawingml/2006/main" xmlns:r="http://schemas.openxmlformats.org/officeDocument/2006/relationships" xmlns:mc="http://schemas.openxmlformats.org/markup-compatibility/2006" xmlns:mv="urn:schemas-microsoft-com:mac:vml" xmlns:p="http://schemas.openxmlformats.org/presentationml/2006/main" xmlns:c="http://schemas.openxmlformats.org/drawingml/2006/chart" xmlns:dgm="http://schemas.openxmlformats.org/drawingml/2006/diagram" xmlns:o="urn:schemas-microsoft-com:office:office" xmlns:v="urn:schemas-microsoft-com:vml" xmlns:pvml="urn:schemas-microsoft-com:office:powerpoint" xmlns:com="http://schemas.openxmlformats.org/drawingml/2006/compatibility" xmlns:p14="http://schemas.microsoft.com/office/powerpoint/2010/main" xmlns:p15="http://schemas.microsoft.com/office/powerpoint/2012/main" xmlns:ahyp="http://schemas.microsoft.com/office/drawing/2018/hyperlinkcolor" showMasterPhAnim="0" showMasterSp="0">
   <p:cSld>
     <p:spTree>
       <p:nvGrpSpPr>
@@ -3585,7 +3585,7 @@
 </file>
 
 <file path=ppt/notesSlides/notesSlide6.xml><?xml version="1.0" encoding="utf-8"?>
-<p:notes xmlns:a="http://schemas.openxmlformats.org/drawingml/2006/main" xmlns:r="http://schemas.openxmlformats.org/officeDocument/2006/relationships" xmlns:mc="http://schemas.openxmlformats.org/markup-compatibility/2006" xmlns:mv="urn:schemas-microsoft-com:mac:vml" xmlns:p="http://schemas.openxmlformats.org/presentationml/2006/main" xmlns:c="http://schemas.openxmlformats.org/drawingml/2006/chart" xmlns:dgm="http://schemas.openxmlformats.org/drawingml/2006/diagram" xmlns:o="urn:schemas-microsoft-com:office:office" xmlns:v="urn:schemas-microsoft-com:vml" xmlns:pvml="urn:schemas-microsoft-com:office:powerpoint" xmlns:com="http://schemas.openxmlformats.org/drawingml/2006/compatibility" xmlns:p14="http://schemas.microsoft.com/office/powerpoint/2010/main" xmlns:p15="http://schemas.microsoft.com/office/powerpoint/2012/main" showMasterPhAnim="0" showMasterSp="0">
+<p:notes xmlns:a="http://schemas.openxmlformats.org/drawingml/2006/main" xmlns:r="http://schemas.openxmlformats.org/officeDocument/2006/relationships" xmlns:mc="http://schemas.openxmlformats.org/markup-compatibility/2006" xmlns:mv="urn:schemas-microsoft-com:mac:vml" xmlns:p="http://schemas.openxmlformats.org/presentationml/2006/main" xmlns:c="http://schemas.openxmlformats.org/drawingml/2006/chart" xmlns:dgm="http://schemas.openxmlformats.org/drawingml/2006/diagram" xmlns:o="urn:schemas-microsoft-com:office:office" xmlns:v="urn:schemas-microsoft-com:vml" xmlns:pvml="urn:schemas-microsoft-com:office:powerpoint" xmlns:com="http://schemas.openxmlformats.org/drawingml/2006/compatibility" xmlns:p14="http://schemas.microsoft.com/office/powerpoint/2010/main" xmlns:p15="http://schemas.microsoft.com/office/powerpoint/2012/main" xmlns:ahyp="http://schemas.microsoft.com/office/drawing/2018/hyperlinkcolor" showMasterPhAnim="0" showMasterSp="0">
   <p:cSld>
     <p:spTree>
       <p:nvGrpSpPr>
@@ -3684,7 +3684,7 @@
 </file>
 
 <file path=ppt/notesSlides/notesSlide7.xml><?xml version="1.0" encoding="utf-8"?>
-<p:notes xmlns:a="http://schemas.openxmlformats.org/drawingml/2006/main" xmlns:r="http://schemas.openxmlformats.org/officeDocument/2006/relationships" xmlns:mc="http://schemas.openxmlformats.org/markup-compatibility/2006" xmlns:mv="urn:schemas-microsoft-com:mac:vml" xmlns:p="http://schemas.openxmlformats.org/presentationml/2006/main" xmlns:c="http://schemas.openxmlformats.org/drawingml/2006/chart" xmlns:dgm="http://schemas.openxmlformats.org/drawingml/2006/diagram" xmlns:o="urn:schemas-microsoft-com:office:office" xmlns:v="urn:schemas-microsoft-com:vml" xmlns:pvml="urn:schemas-microsoft-com:office:powerpoint" xmlns:com="http://schemas.openxmlformats.org/drawingml/2006/compatibility" xmlns:p14="http://schemas.microsoft.com/office/powerpoint/2010/main" xmlns:p15="http://schemas.microsoft.com/office/powerpoint/2012/main" showMasterPhAnim="0" showMasterSp="0">
+<p:notes xmlns:a="http://schemas.openxmlformats.org/drawingml/2006/main" xmlns:r="http://schemas.openxmlformats.org/officeDocument/2006/relationships" xmlns:mc="http://schemas.openxmlformats.org/markup-compatibility/2006" xmlns:mv="urn:schemas-microsoft-com:mac:vml" xmlns:p="http://schemas.openxmlformats.org/presentationml/2006/main" xmlns:c="http://schemas.openxmlformats.org/drawingml/2006/chart" xmlns:dgm="http://schemas.openxmlformats.org/drawingml/2006/diagram" xmlns:o="urn:schemas-microsoft-com:office:office" xmlns:v="urn:schemas-microsoft-com:vml" xmlns:pvml="urn:schemas-microsoft-com:office:powerpoint" xmlns:com="http://schemas.openxmlformats.org/drawingml/2006/compatibility" xmlns:p14="http://schemas.microsoft.com/office/powerpoint/2010/main" xmlns:p15="http://schemas.microsoft.com/office/powerpoint/2012/main" xmlns:ahyp="http://schemas.microsoft.com/office/drawing/2018/hyperlinkcolor" showMasterPhAnim="0" showMasterSp="0">
   <p:cSld>
     <p:spTree>
       <p:nvGrpSpPr>
@@ -3783,7 +3783,7 @@
 </file>
 
 <file path=ppt/notesSlides/notesSlide8.xml><?xml version="1.0" encoding="utf-8"?>
-<p:notes xmlns:a="http://schemas.openxmlformats.org/drawingml/2006/main" xmlns:r="http://schemas.openxmlformats.org/officeDocument/2006/relationships" xmlns:mc="http://schemas.openxmlformats.org/markup-compatibility/2006" xmlns:mv="urn:schemas-microsoft-com:mac:vml" xmlns:p="http://schemas.openxmlformats.org/presentationml/2006/main" xmlns:c="http://schemas.openxmlformats.org/drawingml/2006/chart" xmlns:dgm="http://schemas.openxmlformats.org/drawingml/2006/diagram" xmlns:o="urn:schemas-microsoft-com:office:office" xmlns:v="urn:schemas-microsoft-com:vml" xmlns:pvml="urn:schemas-microsoft-com:office:powerpoint" xmlns:com="http://schemas.openxmlformats.org/drawingml/2006/compatibility" xmlns:p14="http://schemas.microsoft.com/office/powerpoint/2010/main" xmlns:p15="http://schemas.microsoft.com/office/powerpoint/2012/main" showMasterPhAnim="0" showMasterSp="0">
+<p:notes xmlns:a="http://schemas.openxmlformats.org/drawingml/2006/main" xmlns:r="http://schemas.openxmlformats.org/officeDocument/2006/relationships" xmlns:mc="http://schemas.openxmlformats.org/markup-compatibility/2006" xmlns:mv="urn:schemas-microsoft-com:mac:vml" xmlns:p="http://schemas.openxmlformats.org/presentationml/2006/main" xmlns:c="http://schemas.openxmlformats.org/drawingml/2006/chart" xmlns:dgm="http://schemas.openxmlformats.org/drawingml/2006/diagram" xmlns:o="urn:schemas-microsoft-com:office:office" xmlns:v="urn:schemas-microsoft-com:vml" xmlns:pvml="urn:schemas-microsoft-com:office:powerpoint" xmlns:com="http://schemas.openxmlformats.org/drawingml/2006/compatibility" xmlns:p14="http://schemas.microsoft.com/office/powerpoint/2010/main" xmlns:p15="http://schemas.microsoft.com/office/powerpoint/2012/main" xmlns:ahyp="http://schemas.microsoft.com/office/drawing/2018/hyperlinkcolor" showMasterPhAnim="0" showMasterSp="0">
   <p:cSld>
     <p:spTree>
       <p:nvGrpSpPr>
@@ -3882,7 +3882,7 @@
 </file>
 
 <file path=ppt/notesSlides/notesSlide9.xml><?xml version="1.0" encoding="utf-8"?>
-<p:notes xmlns:a="http://schemas.openxmlformats.org/drawingml/2006/main" xmlns:r="http://schemas.openxmlformats.org/officeDocument/2006/relationships" xmlns:mc="http://schemas.openxmlformats.org/markup-compatibility/2006" xmlns:mv="urn:schemas-microsoft-com:mac:vml" xmlns:p="http://schemas.openxmlformats.org/presentationml/2006/main" xmlns:c="http://schemas.openxmlformats.org/drawingml/2006/chart" xmlns:dgm="http://schemas.openxmlformats.org/drawingml/2006/diagram" xmlns:o="urn:schemas-microsoft-com:office:office" xmlns:v="urn:schemas-microsoft-com:vml" xmlns:pvml="urn:schemas-microsoft-com:office:powerpoint" xmlns:com="http://schemas.openxmlformats.org/drawingml/2006/compatibility" xmlns:p14="http://schemas.microsoft.com/office/powerpoint/2010/main" xmlns:p15="http://schemas.microsoft.com/office/powerpoint/2012/main" showMasterPhAnim="0" showMasterSp="0">
+<p:notes xmlns:a="http://schemas.openxmlformats.org/drawingml/2006/main" xmlns:r="http://schemas.openxmlformats.org/officeDocument/2006/relationships" xmlns:mc="http://schemas.openxmlformats.org/markup-compatibility/2006" xmlns:mv="urn:schemas-microsoft-com:mac:vml" xmlns:p="http://schemas.openxmlformats.org/presentationml/2006/main" xmlns:c="http://schemas.openxmlformats.org/drawingml/2006/chart" xmlns:dgm="http://schemas.openxmlformats.org/drawingml/2006/diagram" xmlns:o="urn:schemas-microsoft-com:office:office" xmlns:v="urn:schemas-microsoft-com:vml" xmlns:pvml="urn:schemas-microsoft-com:office:powerpoint" xmlns:com="http://schemas.openxmlformats.org/drawingml/2006/compatibility" xmlns:p14="http://schemas.microsoft.com/office/powerpoint/2010/main" xmlns:p15="http://schemas.microsoft.com/office/powerpoint/2012/main" xmlns:ahyp="http://schemas.microsoft.com/office/drawing/2018/hyperlinkcolor" showMasterPhAnim="0" showMasterSp="0">
   <p:cSld>
     <p:spTree>
       <p:nvGrpSpPr>
@@ -3981,7 +3981,7 @@
 </file>
 
 <file path=ppt/slideLayouts/slideLayout1.xml><?xml version="1.0" encoding="utf-8"?>
-<p:sldLayout xmlns:a="http://schemas.openxmlformats.org/drawingml/2006/main" xmlns:r="http://schemas.openxmlformats.org/officeDocument/2006/relationships" xmlns:mc="http://schemas.openxmlformats.org/markup-compatibility/2006" xmlns:mv="urn:schemas-microsoft-com:mac:vml" xmlns:p="http://schemas.openxmlformats.org/presentationml/2006/main" xmlns:c="http://schemas.openxmlformats.org/drawingml/2006/chart" xmlns:dgm="http://schemas.openxmlformats.org/drawingml/2006/diagram" xmlns:o="urn:schemas-microsoft-com:office:office" xmlns:v="urn:schemas-microsoft-com:vml" xmlns:pvml="urn:schemas-microsoft-com:office:powerpoint" xmlns:com="http://schemas.openxmlformats.org/drawingml/2006/compatibility" xmlns:p14="http://schemas.microsoft.com/office/powerpoint/2010/main" xmlns:p15="http://schemas.microsoft.com/office/powerpoint/2012/main" matchingName="Title Slide" type="title">
+<p:sldLayout xmlns:a="http://schemas.openxmlformats.org/drawingml/2006/main" xmlns:r="http://schemas.openxmlformats.org/officeDocument/2006/relationships" xmlns:mc="http://schemas.openxmlformats.org/markup-compatibility/2006" xmlns:mv="urn:schemas-microsoft-com:mac:vml" xmlns:p="http://schemas.openxmlformats.org/presentationml/2006/main" xmlns:c="http://schemas.openxmlformats.org/drawingml/2006/chart" xmlns:dgm="http://schemas.openxmlformats.org/drawingml/2006/diagram" xmlns:o="urn:schemas-microsoft-com:office:office" xmlns:v="urn:schemas-microsoft-com:vml" xmlns:pvml="urn:schemas-microsoft-com:office:powerpoint" xmlns:com="http://schemas.openxmlformats.org/drawingml/2006/compatibility" xmlns:p14="http://schemas.microsoft.com/office/powerpoint/2010/main" xmlns:p15="http://schemas.microsoft.com/office/powerpoint/2012/main" xmlns:ahyp="http://schemas.microsoft.com/office/drawing/2018/hyperlinkcolor" matchingName="Title Slide" type="title">
   <p:cSld name="TITLE">
     <p:spTree>
       <p:nvGrpSpPr>
@@ -4330,7 +4330,7 @@
 </file>
 
 <file path=ppt/slideLayouts/slideLayout10.xml><?xml version="1.0" encoding="utf-8"?>
-<p:sldLayout xmlns:a="http://schemas.openxmlformats.org/drawingml/2006/main" xmlns:r="http://schemas.openxmlformats.org/officeDocument/2006/relationships" xmlns:mc="http://schemas.openxmlformats.org/markup-compatibility/2006" xmlns:mv="urn:schemas-microsoft-com:mac:vml" xmlns:p="http://schemas.openxmlformats.org/presentationml/2006/main" xmlns:c="http://schemas.openxmlformats.org/drawingml/2006/chart" xmlns:dgm="http://schemas.openxmlformats.org/drawingml/2006/diagram" xmlns:o="urn:schemas-microsoft-com:office:office" xmlns:v="urn:schemas-microsoft-com:vml" xmlns:pvml="urn:schemas-microsoft-com:office:powerpoint" xmlns:com="http://schemas.openxmlformats.org/drawingml/2006/compatibility" xmlns:p14="http://schemas.microsoft.com/office/powerpoint/2010/main" xmlns:p15="http://schemas.microsoft.com/office/powerpoint/2012/main" matchingName="Title and Vertical Text" type="vertTx">
+<p:sldLayout xmlns:a="http://schemas.openxmlformats.org/drawingml/2006/main" xmlns:r="http://schemas.openxmlformats.org/officeDocument/2006/relationships" xmlns:mc="http://schemas.openxmlformats.org/markup-compatibility/2006" xmlns:mv="urn:schemas-microsoft-com:mac:vml" xmlns:p="http://schemas.openxmlformats.org/presentationml/2006/main" xmlns:c="http://schemas.openxmlformats.org/drawingml/2006/chart" xmlns:dgm="http://schemas.openxmlformats.org/drawingml/2006/diagram" xmlns:o="urn:schemas-microsoft-com:office:office" xmlns:v="urn:schemas-microsoft-com:vml" xmlns:pvml="urn:schemas-microsoft-com:office:powerpoint" xmlns:com="http://schemas.openxmlformats.org/drawingml/2006/compatibility" xmlns:p14="http://schemas.microsoft.com/office/powerpoint/2010/main" xmlns:p15="http://schemas.microsoft.com/office/powerpoint/2012/main" xmlns:ahyp="http://schemas.microsoft.com/office/drawing/2018/hyperlinkcolor" matchingName="Title and Vertical Text" type="vertTx">
   <p:cSld name="VERTICAL_TEXT">
     <p:spTree>
       <p:nvGrpSpPr>
@@ -5225,7 +5225,7 @@
 </file>
 
 <file path=ppt/slideLayouts/slideLayout11.xml><?xml version="1.0" encoding="utf-8"?>
-<p:sldLayout xmlns:a="http://schemas.openxmlformats.org/drawingml/2006/main" xmlns:r="http://schemas.openxmlformats.org/officeDocument/2006/relationships" xmlns:mc="http://schemas.openxmlformats.org/markup-compatibility/2006" xmlns:mv="urn:schemas-microsoft-com:mac:vml" xmlns:p="http://schemas.openxmlformats.org/presentationml/2006/main" xmlns:c="http://schemas.openxmlformats.org/drawingml/2006/chart" xmlns:dgm="http://schemas.openxmlformats.org/drawingml/2006/diagram" xmlns:o="urn:schemas-microsoft-com:office:office" xmlns:v="urn:schemas-microsoft-com:vml" xmlns:pvml="urn:schemas-microsoft-com:office:powerpoint" xmlns:com="http://schemas.openxmlformats.org/drawingml/2006/compatibility" xmlns:p14="http://schemas.microsoft.com/office/powerpoint/2010/main" xmlns:p15="http://schemas.microsoft.com/office/powerpoint/2012/main" matchingName="Vertical Title and Text" type="vertTitleAndTx">
+<p:sldLayout xmlns:a="http://schemas.openxmlformats.org/drawingml/2006/main" xmlns:r="http://schemas.openxmlformats.org/officeDocument/2006/relationships" xmlns:mc="http://schemas.openxmlformats.org/markup-compatibility/2006" xmlns:mv="urn:schemas-microsoft-com:mac:vml" xmlns:p="http://schemas.openxmlformats.org/presentationml/2006/main" xmlns:c="http://schemas.openxmlformats.org/drawingml/2006/chart" xmlns:dgm="http://schemas.openxmlformats.org/drawingml/2006/diagram" xmlns:o="urn:schemas-microsoft-com:office:office" xmlns:v="urn:schemas-microsoft-com:vml" xmlns:pvml="urn:schemas-microsoft-com:office:powerpoint" xmlns:com="http://schemas.openxmlformats.org/drawingml/2006/compatibility" xmlns:p14="http://schemas.microsoft.com/office/powerpoint/2010/main" xmlns:p15="http://schemas.microsoft.com/office/powerpoint/2012/main" xmlns:ahyp="http://schemas.microsoft.com/office/drawing/2018/hyperlinkcolor" matchingName="Vertical Title and Text" type="vertTitleAndTx">
   <p:cSld name="VERTICAL_TITLE_AND_VERTICAL_TEXT">
     <p:spTree>
       <p:nvGrpSpPr>
@@ -6120,7 +6120,7 @@
 </file>
 
 <file path=ppt/slideLayouts/slideLayout2.xml><?xml version="1.0" encoding="utf-8"?>
-<p:sldLayout xmlns:a="http://schemas.openxmlformats.org/drawingml/2006/main" xmlns:r="http://schemas.openxmlformats.org/officeDocument/2006/relationships" xmlns:mc="http://schemas.openxmlformats.org/markup-compatibility/2006" xmlns:mv="urn:schemas-microsoft-com:mac:vml" xmlns:p="http://schemas.openxmlformats.org/presentationml/2006/main" xmlns:c="http://schemas.openxmlformats.org/drawingml/2006/chart" xmlns:dgm="http://schemas.openxmlformats.org/drawingml/2006/diagram" xmlns:o="urn:schemas-microsoft-com:office:office" xmlns:v="urn:schemas-microsoft-com:vml" xmlns:pvml="urn:schemas-microsoft-com:office:powerpoint" xmlns:com="http://schemas.openxmlformats.org/drawingml/2006/compatibility" xmlns:p14="http://schemas.microsoft.com/office/powerpoint/2010/main" xmlns:p15="http://schemas.microsoft.com/office/powerpoint/2012/main" matchingName="Title and Content" type="obj">
+<p:sldLayout xmlns:a="http://schemas.openxmlformats.org/drawingml/2006/main" xmlns:r="http://schemas.openxmlformats.org/officeDocument/2006/relationships" xmlns:mc="http://schemas.openxmlformats.org/markup-compatibility/2006" xmlns:mv="urn:schemas-microsoft-com:mac:vml" xmlns:p="http://schemas.openxmlformats.org/presentationml/2006/main" xmlns:c="http://schemas.openxmlformats.org/drawingml/2006/chart" xmlns:dgm="http://schemas.openxmlformats.org/drawingml/2006/diagram" xmlns:o="urn:schemas-microsoft-com:office:office" xmlns:v="urn:schemas-microsoft-com:vml" xmlns:pvml="urn:schemas-microsoft-com:office:powerpoint" xmlns:com="http://schemas.openxmlformats.org/drawingml/2006/compatibility" xmlns:p14="http://schemas.microsoft.com/office/powerpoint/2010/main" xmlns:p15="http://schemas.microsoft.com/office/powerpoint/2012/main" xmlns:ahyp="http://schemas.microsoft.com/office/drawing/2018/hyperlinkcolor" matchingName="Title and Content" type="obj">
   <p:cSld name="OBJECT">
     <p:spTree>
       <p:nvGrpSpPr>
@@ -7015,7 +7015,7 @@
 </file>
 
 <file path=ppt/slideLayouts/slideLayout3.xml><?xml version="1.0" encoding="utf-8"?>
-<p:sldLayout xmlns:a="http://schemas.openxmlformats.org/drawingml/2006/main" xmlns:r="http://schemas.openxmlformats.org/officeDocument/2006/relationships" xmlns:mc="http://schemas.openxmlformats.org/markup-compatibility/2006" xmlns:mv="urn:schemas-microsoft-com:mac:vml" xmlns:p="http://schemas.openxmlformats.org/presentationml/2006/main" xmlns:c="http://schemas.openxmlformats.org/drawingml/2006/chart" xmlns:dgm="http://schemas.openxmlformats.org/drawingml/2006/diagram" xmlns:o="urn:schemas-microsoft-com:office:office" xmlns:v="urn:schemas-microsoft-com:vml" xmlns:pvml="urn:schemas-microsoft-com:office:powerpoint" xmlns:com="http://schemas.openxmlformats.org/drawingml/2006/compatibility" xmlns:p14="http://schemas.microsoft.com/office/powerpoint/2010/main" xmlns:p15="http://schemas.microsoft.com/office/powerpoint/2012/main" matchingName="Section Header" type="secHead">
+<p:sldLayout xmlns:a="http://schemas.openxmlformats.org/drawingml/2006/main" xmlns:r="http://schemas.openxmlformats.org/officeDocument/2006/relationships" xmlns:mc="http://schemas.openxmlformats.org/markup-compatibility/2006" xmlns:mv="urn:schemas-microsoft-com:mac:vml" xmlns:p="http://schemas.openxmlformats.org/presentationml/2006/main" xmlns:c="http://schemas.openxmlformats.org/drawingml/2006/chart" xmlns:dgm="http://schemas.openxmlformats.org/drawingml/2006/diagram" xmlns:o="urn:schemas-microsoft-com:office:office" xmlns:v="urn:schemas-microsoft-com:vml" xmlns:pvml="urn:schemas-microsoft-com:office:powerpoint" xmlns:com="http://schemas.openxmlformats.org/drawingml/2006/compatibility" xmlns:p14="http://schemas.microsoft.com/office/powerpoint/2010/main" xmlns:p15="http://schemas.microsoft.com/office/powerpoint/2012/main" xmlns:ahyp="http://schemas.microsoft.com/office/drawing/2018/hyperlinkcolor" matchingName="Section Header" type="secHead">
   <p:cSld name="SECTION_HEADER">
     <p:spTree>
       <p:nvGrpSpPr>
@@ -7947,7 +7947,7 @@
 </file>
 
 <file path=ppt/slideLayouts/slideLayout4.xml><?xml version="1.0" encoding="utf-8"?>
-<p:sldLayout xmlns:a="http://schemas.openxmlformats.org/drawingml/2006/main" xmlns:r="http://schemas.openxmlformats.org/officeDocument/2006/relationships" xmlns:mc="http://schemas.openxmlformats.org/markup-compatibility/2006" xmlns:mv="urn:schemas-microsoft-com:mac:vml" xmlns:p="http://schemas.openxmlformats.org/presentationml/2006/main" xmlns:c="http://schemas.openxmlformats.org/drawingml/2006/chart" xmlns:dgm="http://schemas.openxmlformats.org/drawingml/2006/diagram" xmlns:o="urn:schemas-microsoft-com:office:office" xmlns:v="urn:schemas-microsoft-com:vml" xmlns:pvml="urn:schemas-microsoft-com:office:powerpoint" xmlns:com="http://schemas.openxmlformats.org/drawingml/2006/compatibility" xmlns:p14="http://schemas.microsoft.com/office/powerpoint/2010/main" xmlns:p15="http://schemas.microsoft.com/office/powerpoint/2012/main" matchingName="Two Content" type="twoObj">
+<p:sldLayout xmlns:a="http://schemas.openxmlformats.org/drawingml/2006/main" xmlns:r="http://schemas.openxmlformats.org/officeDocument/2006/relationships" xmlns:mc="http://schemas.openxmlformats.org/markup-compatibility/2006" xmlns:mv="urn:schemas-microsoft-com:mac:vml" xmlns:p="http://schemas.openxmlformats.org/presentationml/2006/main" xmlns:c="http://schemas.openxmlformats.org/drawingml/2006/chart" xmlns:dgm="http://schemas.openxmlformats.org/drawingml/2006/diagram" xmlns:o="urn:schemas-microsoft-com:office:office" xmlns:v="urn:schemas-microsoft-com:vml" xmlns:pvml="urn:schemas-microsoft-com:office:powerpoint" xmlns:com="http://schemas.openxmlformats.org/drawingml/2006/compatibility" xmlns:p14="http://schemas.microsoft.com/office/powerpoint/2010/main" xmlns:p15="http://schemas.microsoft.com/office/powerpoint/2012/main" xmlns:ahyp="http://schemas.microsoft.com/office/drawing/2018/hyperlinkcolor" matchingName="Two Content" type="twoObj">
   <p:cSld name="TWO_OBJECTS">
     <p:spTree>
       <p:nvGrpSpPr>
@@ -8998,7 +8998,7 @@
 </file>
 
 <file path=ppt/slideLayouts/slideLayout5.xml><?xml version="1.0" encoding="utf-8"?>
-<p:sldLayout xmlns:a="http://schemas.openxmlformats.org/drawingml/2006/main" xmlns:r="http://schemas.openxmlformats.org/officeDocument/2006/relationships" xmlns:mc="http://schemas.openxmlformats.org/markup-compatibility/2006" xmlns:mv="urn:schemas-microsoft-com:mac:vml" xmlns:p="http://schemas.openxmlformats.org/presentationml/2006/main" xmlns:c="http://schemas.openxmlformats.org/drawingml/2006/chart" xmlns:dgm="http://schemas.openxmlformats.org/drawingml/2006/diagram" xmlns:o="urn:schemas-microsoft-com:office:office" xmlns:v="urn:schemas-microsoft-com:vml" xmlns:pvml="urn:schemas-microsoft-com:office:powerpoint" xmlns:com="http://schemas.openxmlformats.org/drawingml/2006/compatibility" xmlns:p14="http://schemas.microsoft.com/office/powerpoint/2010/main" xmlns:p15="http://schemas.microsoft.com/office/powerpoint/2012/main" matchingName="Comparison" type="twoTxTwoObj">
+<p:sldLayout xmlns:a="http://schemas.openxmlformats.org/drawingml/2006/main" xmlns:r="http://schemas.openxmlformats.org/officeDocument/2006/relationships" xmlns:mc="http://schemas.openxmlformats.org/markup-compatibility/2006" xmlns:mv="urn:schemas-microsoft-com:mac:vml" xmlns:p="http://schemas.openxmlformats.org/presentationml/2006/main" xmlns:c="http://schemas.openxmlformats.org/drawingml/2006/chart" xmlns:dgm="http://schemas.openxmlformats.org/drawingml/2006/diagram" xmlns:o="urn:schemas-microsoft-com:office:office" xmlns:v="urn:schemas-microsoft-com:vml" xmlns:pvml="urn:schemas-microsoft-com:office:powerpoint" xmlns:com="http://schemas.openxmlformats.org/drawingml/2006/compatibility" xmlns:p14="http://schemas.microsoft.com/office/powerpoint/2010/main" xmlns:p15="http://schemas.microsoft.com/office/powerpoint/2012/main" xmlns:ahyp="http://schemas.microsoft.com/office/drawing/2018/hyperlinkcolor" matchingName="Comparison" type="twoTxTwoObj">
   <p:cSld name="TWO_OBJECTS_WITH_TEXT">
     <p:spTree>
       <p:nvGrpSpPr>
@@ -10362,7 +10362,7 @@
 </file>
 
 <file path=ppt/slideLayouts/slideLayout6.xml><?xml version="1.0" encoding="utf-8"?>
-<p:sldLayout xmlns:a="http://schemas.openxmlformats.org/drawingml/2006/main" xmlns:r="http://schemas.openxmlformats.org/officeDocument/2006/relationships" xmlns:mc="http://schemas.openxmlformats.org/markup-compatibility/2006" xmlns:mv="urn:schemas-microsoft-com:mac:vml" xmlns:p="http://schemas.openxmlformats.org/presentationml/2006/main" xmlns:c="http://schemas.openxmlformats.org/drawingml/2006/chart" xmlns:dgm="http://schemas.openxmlformats.org/drawingml/2006/diagram" xmlns:o="urn:schemas-microsoft-com:office:office" xmlns:v="urn:schemas-microsoft-com:vml" xmlns:pvml="urn:schemas-microsoft-com:office:powerpoint" xmlns:com="http://schemas.openxmlformats.org/drawingml/2006/compatibility" xmlns:p14="http://schemas.microsoft.com/office/powerpoint/2010/main" xmlns:p15="http://schemas.microsoft.com/office/powerpoint/2012/main" matchingName="Title Only" type="titleOnly">
+<p:sldLayout xmlns:a="http://schemas.openxmlformats.org/drawingml/2006/main" xmlns:r="http://schemas.openxmlformats.org/officeDocument/2006/relationships" xmlns:mc="http://schemas.openxmlformats.org/markup-compatibility/2006" xmlns:mv="urn:schemas-microsoft-com:mac:vml" xmlns:p="http://schemas.openxmlformats.org/presentationml/2006/main" xmlns:c="http://schemas.openxmlformats.org/drawingml/2006/chart" xmlns:dgm="http://schemas.openxmlformats.org/drawingml/2006/diagram" xmlns:o="urn:schemas-microsoft-com:office:office" xmlns:v="urn:schemas-microsoft-com:vml" xmlns:pvml="urn:schemas-microsoft-com:office:powerpoint" xmlns:com="http://schemas.openxmlformats.org/drawingml/2006/compatibility" xmlns:p14="http://schemas.microsoft.com/office/powerpoint/2010/main" xmlns:p15="http://schemas.microsoft.com/office/powerpoint/2012/main" xmlns:ahyp="http://schemas.microsoft.com/office/drawing/2018/hyperlinkcolor" matchingName="Title Only" type="titleOnly">
   <p:cSld name="TITLE_ONLY">
     <p:spTree>
       <p:nvGrpSpPr>
@@ -11101,7 +11101,7 @@
 </file>
 
 <file path=ppt/slideLayouts/slideLayout7.xml><?xml version="1.0" encoding="utf-8"?>
-<p:sldLayout xmlns:a="http://schemas.openxmlformats.org/drawingml/2006/main" xmlns:r="http://schemas.openxmlformats.org/officeDocument/2006/relationships" xmlns:mc="http://schemas.openxmlformats.org/markup-compatibility/2006" xmlns:mv="urn:schemas-microsoft-com:mac:vml" xmlns:p="http://schemas.openxmlformats.org/presentationml/2006/main" xmlns:c="http://schemas.openxmlformats.org/drawingml/2006/chart" xmlns:dgm="http://schemas.openxmlformats.org/drawingml/2006/diagram" xmlns:o="urn:schemas-microsoft-com:office:office" xmlns:v="urn:schemas-microsoft-com:vml" xmlns:pvml="urn:schemas-microsoft-com:office:powerpoint" xmlns:com="http://schemas.openxmlformats.org/drawingml/2006/compatibility" xmlns:p14="http://schemas.microsoft.com/office/powerpoint/2010/main" xmlns:p15="http://schemas.microsoft.com/office/powerpoint/2012/main" matchingName="Blank" type="blank">
+<p:sldLayout xmlns:a="http://schemas.openxmlformats.org/drawingml/2006/main" xmlns:r="http://schemas.openxmlformats.org/officeDocument/2006/relationships" xmlns:mc="http://schemas.openxmlformats.org/markup-compatibility/2006" xmlns:mv="urn:schemas-microsoft-com:mac:vml" xmlns:p="http://schemas.openxmlformats.org/presentationml/2006/main" xmlns:c="http://schemas.openxmlformats.org/drawingml/2006/chart" xmlns:dgm="http://schemas.openxmlformats.org/drawingml/2006/diagram" xmlns:o="urn:schemas-microsoft-com:office:office" xmlns:v="urn:schemas-microsoft-com:vml" xmlns:pvml="urn:schemas-microsoft-com:office:powerpoint" xmlns:com="http://schemas.openxmlformats.org/drawingml/2006/compatibility" xmlns:p14="http://schemas.microsoft.com/office/powerpoint/2010/main" xmlns:p15="http://schemas.microsoft.com/office/powerpoint/2012/main" xmlns:ahyp="http://schemas.microsoft.com/office/drawing/2018/hyperlinkcolor" matchingName="Blank" type="blank">
   <p:cSld name="BLANK">
     <p:spTree>
       <p:nvGrpSpPr>
@@ -11708,7 +11708,7 @@
 </file>
 
 <file path=ppt/slideLayouts/slideLayout8.xml><?xml version="1.0" encoding="utf-8"?>
-<p:sldLayout xmlns:a="http://schemas.openxmlformats.org/drawingml/2006/main" xmlns:r="http://schemas.openxmlformats.org/officeDocument/2006/relationships" xmlns:mc="http://schemas.openxmlformats.org/markup-compatibility/2006" xmlns:mv="urn:schemas-microsoft-com:mac:vml" xmlns:p="http://schemas.openxmlformats.org/presentationml/2006/main" xmlns:c="http://schemas.openxmlformats.org/drawingml/2006/chart" xmlns:dgm="http://schemas.openxmlformats.org/drawingml/2006/diagram" xmlns:o="urn:schemas-microsoft-com:office:office" xmlns:v="urn:schemas-microsoft-com:vml" xmlns:pvml="urn:schemas-microsoft-com:office:powerpoint" xmlns:com="http://schemas.openxmlformats.org/drawingml/2006/compatibility" xmlns:p14="http://schemas.microsoft.com/office/powerpoint/2010/main" xmlns:p15="http://schemas.microsoft.com/office/powerpoint/2012/main" matchingName="Content with Caption" type="objTx">
+<p:sldLayout xmlns:a="http://schemas.openxmlformats.org/drawingml/2006/main" xmlns:r="http://schemas.openxmlformats.org/officeDocument/2006/relationships" xmlns:mc="http://schemas.openxmlformats.org/markup-compatibility/2006" xmlns:mv="urn:schemas-microsoft-com:mac:vml" xmlns:p="http://schemas.openxmlformats.org/presentationml/2006/main" xmlns:c="http://schemas.openxmlformats.org/drawingml/2006/chart" xmlns:dgm="http://schemas.openxmlformats.org/drawingml/2006/diagram" xmlns:o="urn:schemas-microsoft-com:office:office" xmlns:v="urn:schemas-microsoft-com:vml" xmlns:pvml="urn:schemas-microsoft-com:office:powerpoint" xmlns:com="http://schemas.openxmlformats.org/drawingml/2006/compatibility" xmlns:p14="http://schemas.microsoft.com/office/powerpoint/2010/main" xmlns:p15="http://schemas.microsoft.com/office/powerpoint/2012/main" xmlns:ahyp="http://schemas.microsoft.com/office/drawing/2018/hyperlinkcolor" matchingName="Content with Caption" type="objTx">
   <p:cSld name="OBJECT_WITH_CAPTION_TEXT">
     <p:spTree>
       <p:nvGrpSpPr>
@@ -12760,7 +12760,7 @@
 </file>
 
 <file path=ppt/slideLayouts/slideLayout9.xml><?xml version="1.0" encoding="utf-8"?>
-<p:sldLayout xmlns:a="http://schemas.openxmlformats.org/drawingml/2006/main" xmlns:r="http://schemas.openxmlformats.org/officeDocument/2006/relationships" xmlns:mc="http://schemas.openxmlformats.org/markup-compatibility/2006" xmlns:mv="urn:schemas-microsoft-com:mac:vml" xmlns:p="http://schemas.openxmlformats.org/presentationml/2006/main" xmlns:c="http://schemas.openxmlformats.org/drawingml/2006/chart" xmlns:dgm="http://schemas.openxmlformats.org/drawingml/2006/diagram" xmlns:o="urn:schemas-microsoft-com:office:office" xmlns:v="urn:schemas-microsoft-com:vml" xmlns:pvml="urn:schemas-microsoft-com:office:powerpoint" xmlns:com="http://schemas.openxmlformats.org/drawingml/2006/compatibility" xmlns:p14="http://schemas.microsoft.com/office/powerpoint/2010/main" xmlns:p15="http://schemas.microsoft.com/office/powerpoint/2012/main" matchingName="Picture with Caption" type="picTx">
+<p:sldLayout xmlns:a="http://schemas.openxmlformats.org/drawingml/2006/main" xmlns:r="http://schemas.openxmlformats.org/officeDocument/2006/relationships" xmlns:mc="http://schemas.openxmlformats.org/markup-compatibility/2006" xmlns:mv="urn:schemas-microsoft-com:mac:vml" xmlns:p="http://schemas.openxmlformats.org/presentationml/2006/main" xmlns:c="http://schemas.openxmlformats.org/drawingml/2006/chart" xmlns:dgm="http://schemas.openxmlformats.org/drawingml/2006/diagram" xmlns:o="urn:schemas-microsoft-com:office:office" xmlns:v="urn:schemas-microsoft-com:vml" xmlns:pvml="urn:schemas-microsoft-com:office:powerpoint" xmlns:com="http://schemas.openxmlformats.org/drawingml/2006/compatibility" xmlns:p14="http://schemas.microsoft.com/office/powerpoint/2010/main" xmlns:p15="http://schemas.microsoft.com/office/powerpoint/2012/main" xmlns:ahyp="http://schemas.microsoft.com/office/drawing/2018/hyperlinkcolor" matchingName="Picture with Caption" type="picTx">
   <p:cSld name="PICTURE_WITH_CAPTION_TEXT">
     <p:spTree>
       <p:nvGrpSpPr>
@@ -13893,7 +13893,7 @@
 </file>
 
 <file path=ppt/slideMasters/slideMaster1.xml><?xml version="1.0" encoding="utf-8"?>
-<p:sldMaster xmlns:a="http://schemas.openxmlformats.org/drawingml/2006/main" xmlns:r="http://schemas.openxmlformats.org/officeDocument/2006/relationships" xmlns:mc="http://schemas.openxmlformats.org/markup-compatibility/2006" xmlns:mv="urn:schemas-microsoft-com:mac:vml" xmlns:p="http://schemas.openxmlformats.org/presentationml/2006/main" xmlns:c="http://schemas.openxmlformats.org/drawingml/2006/chart" xmlns:dgm="http://schemas.openxmlformats.org/drawingml/2006/diagram" xmlns:o="urn:schemas-microsoft-com:office:office" xmlns:v="urn:schemas-microsoft-com:vml" xmlns:pvml="urn:schemas-microsoft-com:office:powerpoint" xmlns:com="http://schemas.openxmlformats.org/drawingml/2006/compatibility" xmlns:p14="http://schemas.microsoft.com/office/powerpoint/2010/main" xmlns:p15="http://schemas.microsoft.com/office/powerpoint/2012/main">
+<p:sldMaster xmlns:a="http://schemas.openxmlformats.org/drawingml/2006/main" xmlns:r="http://schemas.openxmlformats.org/officeDocument/2006/relationships" xmlns:mc="http://schemas.openxmlformats.org/markup-compatibility/2006" xmlns:mv="urn:schemas-microsoft-com:mac:vml" xmlns:p="http://schemas.openxmlformats.org/presentationml/2006/main" xmlns:c="http://schemas.openxmlformats.org/drawingml/2006/chart" xmlns:dgm="http://schemas.openxmlformats.org/drawingml/2006/diagram" xmlns:o="urn:schemas-microsoft-com:office:office" xmlns:v="urn:schemas-microsoft-com:vml" xmlns:pvml="urn:schemas-microsoft-com:office:powerpoint" xmlns:com="http://schemas.openxmlformats.org/drawingml/2006/compatibility" xmlns:p14="http://schemas.microsoft.com/office/powerpoint/2010/main" xmlns:p15="http://schemas.microsoft.com/office/powerpoint/2012/main" xmlns:ahyp="http://schemas.microsoft.com/office/drawing/2018/hyperlinkcolor">
   <p:cSld>
     <p:bg>
       <p:bgPr>
@@ -14396,7 +14396,13 @@
                 <a:ea typeface="Montserrat"/>
                 <a:cs typeface="Montserrat"/>
                 <a:sym typeface="Montserrat"/>
-                <a:hlinkClick r:id="rId1"/>
+                <a:hlinkClick r:id="rId1">
+                  <a:extLst>
+                    <a:ext uri="{A12FA001-AC4F-418D-AE19-62706E023703}">
+                      <ahyp:hlinkClr val="tx"/>
+                    </a:ext>
+                  </a:extLst>
+                </a:hlinkClick>
               </a:rPr>
               <a:t>http://creativecommons.org/licenses/by-nc-sa/4.0/</a:t>
             </a:r>
@@ -15153,7 +15159,7 @@
 </file>
 
 <file path=ppt/slides/slide1.xml><?xml version="1.0" encoding="utf-8"?>
-<p:sld xmlns:a="http://schemas.openxmlformats.org/drawingml/2006/main" xmlns:r="http://schemas.openxmlformats.org/officeDocument/2006/relationships" xmlns:mc="http://schemas.openxmlformats.org/markup-compatibility/2006" xmlns:mv="urn:schemas-microsoft-com:mac:vml" xmlns:p="http://schemas.openxmlformats.org/presentationml/2006/main" xmlns:c="http://schemas.openxmlformats.org/drawingml/2006/chart" xmlns:dgm="http://schemas.openxmlformats.org/drawingml/2006/diagram" xmlns:o="urn:schemas-microsoft-com:office:office" xmlns:v="urn:schemas-microsoft-com:vml" xmlns:pvml="urn:schemas-microsoft-com:office:powerpoint" xmlns:com="http://schemas.openxmlformats.org/drawingml/2006/compatibility" xmlns:p14="http://schemas.microsoft.com/office/powerpoint/2010/main" xmlns:p15="http://schemas.microsoft.com/office/powerpoint/2012/main">
+<p:sld xmlns:a="http://schemas.openxmlformats.org/drawingml/2006/main" xmlns:r="http://schemas.openxmlformats.org/officeDocument/2006/relationships" xmlns:mc="http://schemas.openxmlformats.org/markup-compatibility/2006" xmlns:mv="urn:schemas-microsoft-com:mac:vml" xmlns:p="http://schemas.openxmlformats.org/presentationml/2006/main" xmlns:c="http://schemas.openxmlformats.org/drawingml/2006/chart" xmlns:dgm="http://schemas.openxmlformats.org/drawingml/2006/diagram" xmlns:o="urn:schemas-microsoft-com:office:office" xmlns:v="urn:schemas-microsoft-com:vml" xmlns:pvml="urn:schemas-microsoft-com:office:powerpoint" xmlns:com="http://schemas.openxmlformats.org/drawingml/2006/compatibility" xmlns:p14="http://schemas.microsoft.com/office/powerpoint/2010/main" xmlns:p15="http://schemas.microsoft.com/office/powerpoint/2012/main" xmlns:ahyp="http://schemas.microsoft.com/office/drawing/2018/hyperlinkcolor">
   <p:cSld>
     <p:spTree>
       <p:nvGrpSpPr>
@@ -15334,7 +15340,7 @@
 </file>
 
 <file path=ppt/slides/slide10.xml><?xml version="1.0" encoding="utf-8"?>
-<p:sld xmlns:a="http://schemas.openxmlformats.org/drawingml/2006/main" xmlns:r="http://schemas.openxmlformats.org/officeDocument/2006/relationships" xmlns:mc="http://schemas.openxmlformats.org/markup-compatibility/2006" xmlns:mv="urn:schemas-microsoft-com:mac:vml" xmlns:p="http://schemas.openxmlformats.org/presentationml/2006/main" xmlns:c="http://schemas.openxmlformats.org/drawingml/2006/chart" xmlns:dgm="http://schemas.openxmlformats.org/drawingml/2006/diagram" xmlns:o="urn:schemas-microsoft-com:office:office" xmlns:v="urn:schemas-microsoft-com:vml" xmlns:pvml="urn:schemas-microsoft-com:office:powerpoint" xmlns:com="http://schemas.openxmlformats.org/drawingml/2006/compatibility" xmlns:p14="http://schemas.microsoft.com/office/powerpoint/2010/main" xmlns:p15="http://schemas.microsoft.com/office/powerpoint/2012/main">
+<p:sld xmlns:a="http://schemas.openxmlformats.org/drawingml/2006/main" xmlns:r="http://schemas.openxmlformats.org/officeDocument/2006/relationships" xmlns:mc="http://schemas.openxmlformats.org/markup-compatibility/2006" xmlns:mv="urn:schemas-microsoft-com:mac:vml" xmlns:p="http://schemas.openxmlformats.org/presentationml/2006/main" xmlns:c="http://schemas.openxmlformats.org/drawingml/2006/chart" xmlns:dgm="http://schemas.openxmlformats.org/drawingml/2006/diagram" xmlns:o="urn:schemas-microsoft-com:office:office" xmlns:v="urn:schemas-microsoft-com:vml" xmlns:pvml="urn:schemas-microsoft-com:office:powerpoint" xmlns:com="http://schemas.openxmlformats.org/drawingml/2006/compatibility" xmlns:p14="http://schemas.microsoft.com/office/powerpoint/2010/main" xmlns:p15="http://schemas.microsoft.com/office/powerpoint/2012/main" xmlns:ahyp="http://schemas.microsoft.com/office/drawing/2018/hyperlinkcolor">
   <p:cSld>
     <p:spTree>
       <p:nvGrpSpPr>
@@ -15650,7 +15656,7 @@
 </file>
 
 <file path=ppt/slides/slide11.xml><?xml version="1.0" encoding="utf-8"?>
-<p:sld xmlns:a="http://schemas.openxmlformats.org/drawingml/2006/main" xmlns:r="http://schemas.openxmlformats.org/officeDocument/2006/relationships" xmlns:mc="http://schemas.openxmlformats.org/markup-compatibility/2006" xmlns:mv="urn:schemas-microsoft-com:mac:vml" xmlns:p="http://schemas.openxmlformats.org/presentationml/2006/main" xmlns:c="http://schemas.openxmlformats.org/drawingml/2006/chart" xmlns:dgm="http://schemas.openxmlformats.org/drawingml/2006/diagram" xmlns:o="urn:schemas-microsoft-com:office:office" xmlns:v="urn:schemas-microsoft-com:vml" xmlns:pvml="urn:schemas-microsoft-com:office:powerpoint" xmlns:com="http://schemas.openxmlformats.org/drawingml/2006/compatibility" xmlns:p14="http://schemas.microsoft.com/office/powerpoint/2010/main" xmlns:p15="http://schemas.microsoft.com/office/powerpoint/2012/main">
+<p:sld xmlns:a="http://schemas.openxmlformats.org/drawingml/2006/main" xmlns:r="http://schemas.openxmlformats.org/officeDocument/2006/relationships" xmlns:mc="http://schemas.openxmlformats.org/markup-compatibility/2006" xmlns:mv="urn:schemas-microsoft-com:mac:vml" xmlns:p="http://schemas.openxmlformats.org/presentationml/2006/main" xmlns:c="http://schemas.openxmlformats.org/drawingml/2006/chart" xmlns:dgm="http://schemas.openxmlformats.org/drawingml/2006/diagram" xmlns:o="urn:schemas-microsoft-com:office:office" xmlns:v="urn:schemas-microsoft-com:vml" xmlns:pvml="urn:schemas-microsoft-com:office:powerpoint" xmlns:com="http://schemas.openxmlformats.org/drawingml/2006/compatibility" xmlns:p14="http://schemas.microsoft.com/office/powerpoint/2010/main" xmlns:p15="http://schemas.microsoft.com/office/powerpoint/2012/main" xmlns:ahyp="http://schemas.microsoft.com/office/drawing/2018/hyperlinkcolor">
   <p:cSld>
     <p:spTree>
       <p:nvGrpSpPr>
@@ -17004,7 +17010,7 @@
 </file>
 
 <file path=ppt/slides/slide12.xml><?xml version="1.0" encoding="utf-8"?>
-<p:sld xmlns:a="http://schemas.openxmlformats.org/drawingml/2006/main" xmlns:r="http://schemas.openxmlformats.org/officeDocument/2006/relationships" xmlns:mc="http://schemas.openxmlformats.org/markup-compatibility/2006" xmlns:mv="urn:schemas-microsoft-com:mac:vml" xmlns:p="http://schemas.openxmlformats.org/presentationml/2006/main" xmlns:c="http://schemas.openxmlformats.org/drawingml/2006/chart" xmlns:dgm="http://schemas.openxmlformats.org/drawingml/2006/diagram" xmlns:o="urn:schemas-microsoft-com:office:office" xmlns:v="urn:schemas-microsoft-com:vml" xmlns:pvml="urn:schemas-microsoft-com:office:powerpoint" xmlns:com="http://schemas.openxmlformats.org/drawingml/2006/compatibility" xmlns:p14="http://schemas.microsoft.com/office/powerpoint/2010/main" xmlns:p15="http://schemas.microsoft.com/office/powerpoint/2012/main">
+<p:sld xmlns:a="http://schemas.openxmlformats.org/drawingml/2006/main" xmlns:r="http://schemas.openxmlformats.org/officeDocument/2006/relationships" xmlns:mc="http://schemas.openxmlformats.org/markup-compatibility/2006" xmlns:mv="urn:schemas-microsoft-com:mac:vml" xmlns:p="http://schemas.openxmlformats.org/presentationml/2006/main" xmlns:c="http://schemas.openxmlformats.org/drawingml/2006/chart" xmlns:dgm="http://schemas.openxmlformats.org/drawingml/2006/diagram" xmlns:o="urn:schemas-microsoft-com:office:office" xmlns:v="urn:schemas-microsoft-com:vml" xmlns:pvml="urn:schemas-microsoft-com:office:powerpoint" xmlns:com="http://schemas.openxmlformats.org/drawingml/2006/compatibility" xmlns:p14="http://schemas.microsoft.com/office/powerpoint/2010/main" xmlns:p15="http://schemas.microsoft.com/office/powerpoint/2012/main" xmlns:ahyp="http://schemas.microsoft.com/office/drawing/2018/hyperlinkcolor">
   <p:cSld>
     <p:spTree>
       <p:nvGrpSpPr>
@@ -17328,7 +17334,7 @@
 </file>
 
 <file path=ppt/slides/slide13.xml><?xml version="1.0" encoding="utf-8"?>
-<p:sld xmlns:a="http://schemas.openxmlformats.org/drawingml/2006/main" xmlns:r="http://schemas.openxmlformats.org/officeDocument/2006/relationships" xmlns:mc="http://schemas.openxmlformats.org/markup-compatibility/2006" xmlns:mv="urn:schemas-microsoft-com:mac:vml" xmlns:p="http://schemas.openxmlformats.org/presentationml/2006/main" xmlns:c="http://schemas.openxmlformats.org/drawingml/2006/chart" xmlns:dgm="http://schemas.openxmlformats.org/drawingml/2006/diagram" xmlns:o="urn:schemas-microsoft-com:office:office" xmlns:v="urn:schemas-microsoft-com:vml" xmlns:pvml="urn:schemas-microsoft-com:office:powerpoint" xmlns:com="http://schemas.openxmlformats.org/drawingml/2006/compatibility" xmlns:p14="http://schemas.microsoft.com/office/powerpoint/2010/main" xmlns:p15="http://schemas.microsoft.com/office/powerpoint/2012/main">
+<p:sld xmlns:a="http://schemas.openxmlformats.org/drawingml/2006/main" xmlns:r="http://schemas.openxmlformats.org/officeDocument/2006/relationships" xmlns:mc="http://schemas.openxmlformats.org/markup-compatibility/2006" xmlns:mv="urn:schemas-microsoft-com:mac:vml" xmlns:p="http://schemas.openxmlformats.org/presentationml/2006/main" xmlns:c="http://schemas.openxmlformats.org/drawingml/2006/chart" xmlns:dgm="http://schemas.openxmlformats.org/drawingml/2006/diagram" xmlns:o="urn:schemas-microsoft-com:office:office" xmlns:v="urn:schemas-microsoft-com:vml" xmlns:pvml="urn:schemas-microsoft-com:office:powerpoint" xmlns:com="http://schemas.openxmlformats.org/drawingml/2006/compatibility" xmlns:p14="http://schemas.microsoft.com/office/powerpoint/2010/main" xmlns:p15="http://schemas.microsoft.com/office/powerpoint/2012/main" xmlns:ahyp="http://schemas.microsoft.com/office/drawing/2018/hyperlinkcolor">
   <p:cSld>
     <p:spTree>
       <p:nvGrpSpPr>
@@ -17637,7 +17643,7 @@
 </file>
 
 <file path=ppt/slides/slide14.xml><?xml version="1.0" encoding="utf-8"?>
-<p:sld xmlns:a="http://schemas.openxmlformats.org/drawingml/2006/main" xmlns:r="http://schemas.openxmlformats.org/officeDocument/2006/relationships" xmlns:mc="http://schemas.openxmlformats.org/markup-compatibility/2006" xmlns:mv="urn:schemas-microsoft-com:mac:vml" xmlns:p="http://schemas.openxmlformats.org/presentationml/2006/main" xmlns:c="http://schemas.openxmlformats.org/drawingml/2006/chart" xmlns:dgm="http://schemas.openxmlformats.org/drawingml/2006/diagram" xmlns:o="urn:schemas-microsoft-com:office:office" xmlns:v="urn:schemas-microsoft-com:vml" xmlns:pvml="urn:schemas-microsoft-com:office:powerpoint" xmlns:com="http://schemas.openxmlformats.org/drawingml/2006/compatibility" xmlns:p14="http://schemas.microsoft.com/office/powerpoint/2010/main" xmlns:p15="http://schemas.microsoft.com/office/powerpoint/2012/main">
+<p:sld xmlns:a="http://schemas.openxmlformats.org/drawingml/2006/main" xmlns:r="http://schemas.openxmlformats.org/officeDocument/2006/relationships" xmlns:mc="http://schemas.openxmlformats.org/markup-compatibility/2006" xmlns:mv="urn:schemas-microsoft-com:mac:vml" xmlns:p="http://schemas.openxmlformats.org/presentationml/2006/main" xmlns:c="http://schemas.openxmlformats.org/drawingml/2006/chart" xmlns:dgm="http://schemas.openxmlformats.org/drawingml/2006/diagram" xmlns:o="urn:schemas-microsoft-com:office:office" xmlns:v="urn:schemas-microsoft-com:vml" xmlns:pvml="urn:schemas-microsoft-com:office:powerpoint" xmlns:com="http://schemas.openxmlformats.org/drawingml/2006/compatibility" xmlns:p14="http://schemas.microsoft.com/office/powerpoint/2010/main" xmlns:p15="http://schemas.microsoft.com/office/powerpoint/2012/main" xmlns:ahyp="http://schemas.microsoft.com/office/drawing/2018/hyperlinkcolor">
   <p:cSld>
     <p:spTree>
       <p:nvGrpSpPr>
@@ -17839,7 +17845,7 @@
 </file>
 
 <file path=ppt/slides/slide15.xml><?xml version="1.0" encoding="utf-8"?>
-<p:sld xmlns:a="http://schemas.openxmlformats.org/drawingml/2006/main" xmlns:r="http://schemas.openxmlformats.org/officeDocument/2006/relationships" xmlns:mc="http://schemas.openxmlformats.org/markup-compatibility/2006" xmlns:mv="urn:schemas-microsoft-com:mac:vml" xmlns:p="http://schemas.openxmlformats.org/presentationml/2006/main" xmlns:c="http://schemas.openxmlformats.org/drawingml/2006/chart" xmlns:dgm="http://schemas.openxmlformats.org/drawingml/2006/diagram" xmlns:o="urn:schemas-microsoft-com:office:office" xmlns:v="urn:schemas-microsoft-com:vml" xmlns:pvml="urn:schemas-microsoft-com:office:powerpoint" xmlns:com="http://schemas.openxmlformats.org/drawingml/2006/compatibility" xmlns:p14="http://schemas.microsoft.com/office/powerpoint/2010/main" xmlns:p15="http://schemas.microsoft.com/office/powerpoint/2012/main">
+<p:sld xmlns:a="http://schemas.openxmlformats.org/drawingml/2006/main" xmlns:r="http://schemas.openxmlformats.org/officeDocument/2006/relationships" xmlns:mc="http://schemas.openxmlformats.org/markup-compatibility/2006" xmlns:mv="urn:schemas-microsoft-com:mac:vml" xmlns:p="http://schemas.openxmlformats.org/presentationml/2006/main" xmlns:c="http://schemas.openxmlformats.org/drawingml/2006/chart" xmlns:dgm="http://schemas.openxmlformats.org/drawingml/2006/diagram" xmlns:o="urn:schemas-microsoft-com:office:office" xmlns:v="urn:schemas-microsoft-com:vml" xmlns:pvml="urn:schemas-microsoft-com:office:powerpoint" xmlns:com="http://schemas.openxmlformats.org/drawingml/2006/compatibility" xmlns:p14="http://schemas.microsoft.com/office/powerpoint/2010/main" xmlns:p15="http://schemas.microsoft.com/office/powerpoint/2012/main" xmlns:ahyp="http://schemas.microsoft.com/office/drawing/2018/hyperlinkcolor">
   <p:cSld>
     <p:spTree>
       <p:nvGrpSpPr>
@@ -18151,7 +18157,7 @@
 </file>
 
 <file path=ppt/slides/slide16.xml><?xml version="1.0" encoding="utf-8"?>
-<p:sld xmlns:a="http://schemas.openxmlformats.org/drawingml/2006/main" xmlns:r="http://schemas.openxmlformats.org/officeDocument/2006/relationships" xmlns:mc="http://schemas.openxmlformats.org/markup-compatibility/2006" xmlns:mv="urn:schemas-microsoft-com:mac:vml" xmlns:p="http://schemas.openxmlformats.org/presentationml/2006/main" xmlns:c="http://schemas.openxmlformats.org/drawingml/2006/chart" xmlns:dgm="http://schemas.openxmlformats.org/drawingml/2006/diagram" xmlns:o="urn:schemas-microsoft-com:office:office" xmlns:v="urn:schemas-microsoft-com:vml" xmlns:pvml="urn:schemas-microsoft-com:office:powerpoint" xmlns:com="http://schemas.openxmlformats.org/drawingml/2006/compatibility" xmlns:p14="http://schemas.microsoft.com/office/powerpoint/2010/main" xmlns:p15="http://schemas.microsoft.com/office/powerpoint/2012/main">
+<p:sld xmlns:a="http://schemas.openxmlformats.org/drawingml/2006/main" xmlns:r="http://schemas.openxmlformats.org/officeDocument/2006/relationships" xmlns:mc="http://schemas.openxmlformats.org/markup-compatibility/2006" xmlns:mv="urn:schemas-microsoft-com:mac:vml" xmlns:p="http://schemas.openxmlformats.org/presentationml/2006/main" xmlns:c="http://schemas.openxmlformats.org/drawingml/2006/chart" xmlns:dgm="http://schemas.openxmlformats.org/drawingml/2006/diagram" xmlns:o="urn:schemas-microsoft-com:office:office" xmlns:v="urn:schemas-microsoft-com:vml" xmlns:pvml="urn:schemas-microsoft-com:office:powerpoint" xmlns:com="http://schemas.openxmlformats.org/drawingml/2006/compatibility" xmlns:p14="http://schemas.microsoft.com/office/powerpoint/2010/main" xmlns:p15="http://schemas.microsoft.com/office/powerpoint/2012/main" xmlns:ahyp="http://schemas.microsoft.com/office/drawing/2018/hyperlinkcolor">
   <p:cSld>
     <p:spTree>
       <p:nvGrpSpPr>
@@ -18580,7 +18586,7 @@
 </file>
 
 <file path=ppt/slides/slide17.xml><?xml version="1.0" encoding="utf-8"?>
-<p:sld xmlns:a="http://schemas.openxmlformats.org/drawingml/2006/main" xmlns:r="http://schemas.openxmlformats.org/officeDocument/2006/relationships" xmlns:mc="http://schemas.openxmlformats.org/markup-compatibility/2006" xmlns:mv="urn:schemas-microsoft-com:mac:vml" xmlns:p="http://schemas.openxmlformats.org/presentationml/2006/main" xmlns:c="http://schemas.openxmlformats.org/drawingml/2006/chart" xmlns:dgm="http://schemas.openxmlformats.org/drawingml/2006/diagram" xmlns:o="urn:schemas-microsoft-com:office:office" xmlns:v="urn:schemas-microsoft-com:vml" xmlns:pvml="urn:schemas-microsoft-com:office:powerpoint" xmlns:com="http://schemas.openxmlformats.org/drawingml/2006/compatibility" xmlns:p14="http://schemas.microsoft.com/office/powerpoint/2010/main" xmlns:p15="http://schemas.microsoft.com/office/powerpoint/2012/main">
+<p:sld xmlns:a="http://schemas.openxmlformats.org/drawingml/2006/main" xmlns:r="http://schemas.openxmlformats.org/officeDocument/2006/relationships" xmlns:mc="http://schemas.openxmlformats.org/markup-compatibility/2006" xmlns:mv="urn:schemas-microsoft-com:mac:vml" xmlns:p="http://schemas.openxmlformats.org/presentationml/2006/main" xmlns:c="http://schemas.openxmlformats.org/drawingml/2006/chart" xmlns:dgm="http://schemas.openxmlformats.org/drawingml/2006/diagram" xmlns:o="urn:schemas-microsoft-com:office:office" xmlns:v="urn:schemas-microsoft-com:vml" xmlns:pvml="urn:schemas-microsoft-com:office:powerpoint" xmlns:com="http://schemas.openxmlformats.org/drawingml/2006/compatibility" xmlns:p14="http://schemas.microsoft.com/office/powerpoint/2010/main" xmlns:p15="http://schemas.microsoft.com/office/powerpoint/2012/main" xmlns:ahyp="http://schemas.microsoft.com/office/drawing/2018/hyperlinkcolor">
   <p:cSld>
     <p:spTree>
       <p:nvGrpSpPr>
@@ -18874,7 +18880,7 @@
 </file>
 
 <file path=ppt/slides/slide18.xml><?xml version="1.0" encoding="utf-8"?>
-<p:sld xmlns:a="http://schemas.openxmlformats.org/drawingml/2006/main" xmlns:r="http://schemas.openxmlformats.org/officeDocument/2006/relationships" xmlns:mc="http://schemas.openxmlformats.org/markup-compatibility/2006" xmlns:mv="urn:schemas-microsoft-com:mac:vml" xmlns:p="http://schemas.openxmlformats.org/presentationml/2006/main" xmlns:c="http://schemas.openxmlformats.org/drawingml/2006/chart" xmlns:dgm="http://schemas.openxmlformats.org/drawingml/2006/diagram" xmlns:o="urn:schemas-microsoft-com:office:office" xmlns:v="urn:schemas-microsoft-com:vml" xmlns:pvml="urn:schemas-microsoft-com:office:powerpoint" xmlns:com="http://schemas.openxmlformats.org/drawingml/2006/compatibility" xmlns:p14="http://schemas.microsoft.com/office/powerpoint/2010/main" xmlns:p15="http://schemas.microsoft.com/office/powerpoint/2012/main">
+<p:sld xmlns:a="http://schemas.openxmlformats.org/drawingml/2006/main" xmlns:r="http://schemas.openxmlformats.org/officeDocument/2006/relationships" xmlns:mc="http://schemas.openxmlformats.org/markup-compatibility/2006" xmlns:mv="urn:schemas-microsoft-com:mac:vml" xmlns:p="http://schemas.openxmlformats.org/presentationml/2006/main" xmlns:c="http://schemas.openxmlformats.org/drawingml/2006/chart" xmlns:dgm="http://schemas.openxmlformats.org/drawingml/2006/diagram" xmlns:o="urn:schemas-microsoft-com:office:office" xmlns:v="urn:schemas-microsoft-com:vml" xmlns:pvml="urn:schemas-microsoft-com:office:powerpoint" xmlns:com="http://schemas.openxmlformats.org/drawingml/2006/compatibility" xmlns:p14="http://schemas.microsoft.com/office/powerpoint/2010/main" xmlns:p15="http://schemas.microsoft.com/office/powerpoint/2012/main" xmlns:ahyp="http://schemas.microsoft.com/office/drawing/2018/hyperlinkcolor">
   <p:cSld>
     <p:spTree>
       <p:nvGrpSpPr>
@@ -19096,7 +19102,7 @@
 </file>
 
 <file path=ppt/slides/slide19.xml><?xml version="1.0" encoding="utf-8"?>
-<p:sld xmlns:a="http://schemas.openxmlformats.org/drawingml/2006/main" xmlns:r="http://schemas.openxmlformats.org/officeDocument/2006/relationships" xmlns:mc="http://schemas.openxmlformats.org/markup-compatibility/2006" xmlns:mv="urn:schemas-microsoft-com:mac:vml" xmlns:p="http://schemas.openxmlformats.org/presentationml/2006/main" xmlns:c="http://schemas.openxmlformats.org/drawingml/2006/chart" xmlns:dgm="http://schemas.openxmlformats.org/drawingml/2006/diagram" xmlns:o="urn:schemas-microsoft-com:office:office" xmlns:v="urn:schemas-microsoft-com:vml" xmlns:pvml="urn:schemas-microsoft-com:office:powerpoint" xmlns:com="http://schemas.openxmlformats.org/drawingml/2006/compatibility" xmlns:p14="http://schemas.microsoft.com/office/powerpoint/2010/main" xmlns:p15="http://schemas.microsoft.com/office/powerpoint/2012/main">
+<p:sld xmlns:a="http://schemas.openxmlformats.org/drawingml/2006/main" xmlns:r="http://schemas.openxmlformats.org/officeDocument/2006/relationships" xmlns:mc="http://schemas.openxmlformats.org/markup-compatibility/2006" xmlns:mv="urn:schemas-microsoft-com:mac:vml" xmlns:p="http://schemas.openxmlformats.org/presentationml/2006/main" xmlns:c="http://schemas.openxmlformats.org/drawingml/2006/chart" xmlns:dgm="http://schemas.openxmlformats.org/drawingml/2006/diagram" xmlns:o="urn:schemas-microsoft-com:office:office" xmlns:v="urn:schemas-microsoft-com:vml" xmlns:pvml="urn:schemas-microsoft-com:office:powerpoint" xmlns:com="http://schemas.openxmlformats.org/drawingml/2006/compatibility" xmlns:p14="http://schemas.microsoft.com/office/powerpoint/2010/main" xmlns:p15="http://schemas.microsoft.com/office/powerpoint/2012/main" xmlns:ahyp="http://schemas.microsoft.com/office/drawing/2018/hyperlinkcolor">
   <p:cSld>
     <p:spTree>
       <p:nvGrpSpPr>
@@ -19382,7 +19388,7 @@
 </file>
 
 <file path=ppt/slides/slide2.xml><?xml version="1.0" encoding="utf-8"?>
-<p:sld xmlns:a="http://schemas.openxmlformats.org/drawingml/2006/main" xmlns:r="http://schemas.openxmlformats.org/officeDocument/2006/relationships" xmlns:mc="http://schemas.openxmlformats.org/markup-compatibility/2006" xmlns:mv="urn:schemas-microsoft-com:mac:vml" xmlns:p="http://schemas.openxmlformats.org/presentationml/2006/main" xmlns:c="http://schemas.openxmlformats.org/drawingml/2006/chart" xmlns:dgm="http://schemas.openxmlformats.org/drawingml/2006/diagram" xmlns:o="urn:schemas-microsoft-com:office:office" xmlns:v="urn:schemas-microsoft-com:vml" xmlns:pvml="urn:schemas-microsoft-com:office:powerpoint" xmlns:com="http://schemas.openxmlformats.org/drawingml/2006/compatibility" xmlns:p14="http://schemas.microsoft.com/office/powerpoint/2010/main" xmlns:p15="http://schemas.microsoft.com/office/powerpoint/2012/main">
+<p:sld xmlns:a="http://schemas.openxmlformats.org/drawingml/2006/main" xmlns:r="http://schemas.openxmlformats.org/officeDocument/2006/relationships" xmlns:mc="http://schemas.openxmlformats.org/markup-compatibility/2006" xmlns:mv="urn:schemas-microsoft-com:mac:vml" xmlns:p="http://schemas.openxmlformats.org/presentationml/2006/main" xmlns:c="http://schemas.openxmlformats.org/drawingml/2006/chart" xmlns:dgm="http://schemas.openxmlformats.org/drawingml/2006/diagram" xmlns:o="urn:schemas-microsoft-com:office:office" xmlns:v="urn:schemas-microsoft-com:vml" xmlns:pvml="urn:schemas-microsoft-com:office:powerpoint" xmlns:com="http://schemas.openxmlformats.org/drawingml/2006/compatibility" xmlns:p14="http://schemas.microsoft.com/office/powerpoint/2010/main" xmlns:p15="http://schemas.microsoft.com/office/powerpoint/2012/main" xmlns:ahyp="http://schemas.microsoft.com/office/drawing/2018/hyperlinkcolor">
   <p:cSld>
     <p:spTree>
       <p:nvGrpSpPr>
@@ -19684,7 +19690,7 @@
 </file>
 
 <file path=ppt/slides/slide20.xml><?xml version="1.0" encoding="utf-8"?>
-<p:sld xmlns:a="http://schemas.openxmlformats.org/drawingml/2006/main" xmlns:r="http://schemas.openxmlformats.org/officeDocument/2006/relationships" xmlns:mc="http://schemas.openxmlformats.org/markup-compatibility/2006" xmlns:mv="urn:schemas-microsoft-com:mac:vml" xmlns:p="http://schemas.openxmlformats.org/presentationml/2006/main" xmlns:c="http://schemas.openxmlformats.org/drawingml/2006/chart" xmlns:dgm="http://schemas.openxmlformats.org/drawingml/2006/diagram" xmlns:o="urn:schemas-microsoft-com:office:office" xmlns:v="urn:schemas-microsoft-com:vml" xmlns:pvml="urn:schemas-microsoft-com:office:powerpoint" xmlns:com="http://schemas.openxmlformats.org/drawingml/2006/compatibility" xmlns:p14="http://schemas.microsoft.com/office/powerpoint/2010/main" xmlns:p15="http://schemas.microsoft.com/office/powerpoint/2012/main">
+<p:sld xmlns:a="http://schemas.openxmlformats.org/drawingml/2006/main" xmlns:r="http://schemas.openxmlformats.org/officeDocument/2006/relationships" xmlns:mc="http://schemas.openxmlformats.org/markup-compatibility/2006" xmlns:mv="urn:schemas-microsoft-com:mac:vml" xmlns:p="http://schemas.openxmlformats.org/presentationml/2006/main" xmlns:c="http://schemas.openxmlformats.org/drawingml/2006/chart" xmlns:dgm="http://schemas.openxmlformats.org/drawingml/2006/diagram" xmlns:o="urn:schemas-microsoft-com:office:office" xmlns:v="urn:schemas-microsoft-com:vml" xmlns:pvml="urn:schemas-microsoft-com:office:powerpoint" xmlns:com="http://schemas.openxmlformats.org/drawingml/2006/compatibility" xmlns:p14="http://schemas.microsoft.com/office/powerpoint/2010/main" xmlns:p15="http://schemas.microsoft.com/office/powerpoint/2012/main" xmlns:ahyp="http://schemas.microsoft.com/office/drawing/2018/hyperlinkcolor">
   <p:cSld>
     <p:spTree>
       <p:nvGrpSpPr>
@@ -19785,7 +19791,7 @@
 </file>
 
 <file path=ppt/slides/slide21.xml><?xml version="1.0" encoding="utf-8"?>
-<p:sld xmlns:a="http://schemas.openxmlformats.org/drawingml/2006/main" xmlns:r="http://schemas.openxmlformats.org/officeDocument/2006/relationships" xmlns:mc="http://schemas.openxmlformats.org/markup-compatibility/2006" xmlns:mv="urn:schemas-microsoft-com:mac:vml" xmlns:p="http://schemas.openxmlformats.org/presentationml/2006/main" xmlns:c="http://schemas.openxmlformats.org/drawingml/2006/chart" xmlns:dgm="http://schemas.openxmlformats.org/drawingml/2006/diagram" xmlns:o="urn:schemas-microsoft-com:office:office" xmlns:v="urn:schemas-microsoft-com:vml" xmlns:pvml="urn:schemas-microsoft-com:office:powerpoint" xmlns:com="http://schemas.openxmlformats.org/drawingml/2006/compatibility" xmlns:p14="http://schemas.microsoft.com/office/powerpoint/2010/main" xmlns:p15="http://schemas.microsoft.com/office/powerpoint/2012/main">
+<p:sld xmlns:a="http://schemas.openxmlformats.org/drawingml/2006/main" xmlns:r="http://schemas.openxmlformats.org/officeDocument/2006/relationships" xmlns:mc="http://schemas.openxmlformats.org/markup-compatibility/2006" xmlns:mv="urn:schemas-microsoft-com:mac:vml" xmlns:p="http://schemas.openxmlformats.org/presentationml/2006/main" xmlns:c="http://schemas.openxmlformats.org/drawingml/2006/chart" xmlns:dgm="http://schemas.openxmlformats.org/drawingml/2006/diagram" xmlns:o="urn:schemas-microsoft-com:office:office" xmlns:v="urn:schemas-microsoft-com:vml" xmlns:pvml="urn:schemas-microsoft-com:office:powerpoint" xmlns:com="http://schemas.openxmlformats.org/drawingml/2006/compatibility" xmlns:p14="http://schemas.microsoft.com/office/powerpoint/2010/main" xmlns:p15="http://schemas.microsoft.com/office/powerpoint/2012/main" xmlns:ahyp="http://schemas.microsoft.com/office/drawing/2018/hyperlinkcolor">
   <p:cSld>
     <p:spTree>
       <p:nvGrpSpPr>
@@ -20025,7 +20031,7 @@
 </file>
 
 <file path=ppt/slides/slide22.xml><?xml version="1.0" encoding="utf-8"?>
-<p:sld xmlns:a="http://schemas.openxmlformats.org/drawingml/2006/main" xmlns:r="http://schemas.openxmlformats.org/officeDocument/2006/relationships" xmlns:mc="http://schemas.openxmlformats.org/markup-compatibility/2006" xmlns:mv="urn:schemas-microsoft-com:mac:vml" xmlns:p="http://schemas.openxmlformats.org/presentationml/2006/main" xmlns:c="http://schemas.openxmlformats.org/drawingml/2006/chart" xmlns:dgm="http://schemas.openxmlformats.org/drawingml/2006/diagram" xmlns:o="urn:schemas-microsoft-com:office:office" xmlns:v="urn:schemas-microsoft-com:vml" xmlns:pvml="urn:schemas-microsoft-com:office:powerpoint" xmlns:com="http://schemas.openxmlformats.org/drawingml/2006/compatibility" xmlns:p14="http://schemas.microsoft.com/office/powerpoint/2010/main" xmlns:p15="http://schemas.microsoft.com/office/powerpoint/2012/main">
+<p:sld xmlns:a="http://schemas.openxmlformats.org/drawingml/2006/main" xmlns:r="http://schemas.openxmlformats.org/officeDocument/2006/relationships" xmlns:mc="http://schemas.openxmlformats.org/markup-compatibility/2006" xmlns:mv="urn:schemas-microsoft-com:mac:vml" xmlns:p="http://schemas.openxmlformats.org/presentationml/2006/main" xmlns:c="http://schemas.openxmlformats.org/drawingml/2006/chart" xmlns:dgm="http://schemas.openxmlformats.org/drawingml/2006/diagram" xmlns:o="urn:schemas-microsoft-com:office:office" xmlns:v="urn:schemas-microsoft-com:vml" xmlns:pvml="urn:schemas-microsoft-com:office:powerpoint" xmlns:com="http://schemas.openxmlformats.org/drawingml/2006/compatibility" xmlns:p14="http://schemas.microsoft.com/office/powerpoint/2010/main" xmlns:p15="http://schemas.microsoft.com/office/powerpoint/2012/main" xmlns:ahyp="http://schemas.microsoft.com/office/drawing/2018/hyperlinkcolor">
   <p:cSld>
     <p:spTree>
       <p:nvGrpSpPr>
@@ -20235,7 +20241,7 @@
 </file>
 
 <file path=ppt/slides/slide23.xml><?xml version="1.0" encoding="utf-8"?>
-<p:sld xmlns:a="http://schemas.openxmlformats.org/drawingml/2006/main" xmlns:r="http://schemas.openxmlformats.org/officeDocument/2006/relationships" xmlns:mc="http://schemas.openxmlformats.org/markup-compatibility/2006" xmlns:mv="urn:schemas-microsoft-com:mac:vml" xmlns:p="http://schemas.openxmlformats.org/presentationml/2006/main" xmlns:c="http://schemas.openxmlformats.org/drawingml/2006/chart" xmlns:dgm="http://schemas.openxmlformats.org/drawingml/2006/diagram" xmlns:o="urn:schemas-microsoft-com:office:office" xmlns:v="urn:schemas-microsoft-com:vml" xmlns:pvml="urn:schemas-microsoft-com:office:powerpoint" xmlns:com="http://schemas.openxmlformats.org/drawingml/2006/compatibility" xmlns:p14="http://schemas.microsoft.com/office/powerpoint/2010/main" xmlns:p15="http://schemas.microsoft.com/office/powerpoint/2012/main">
+<p:sld xmlns:a="http://schemas.openxmlformats.org/drawingml/2006/main" xmlns:r="http://schemas.openxmlformats.org/officeDocument/2006/relationships" xmlns:mc="http://schemas.openxmlformats.org/markup-compatibility/2006" xmlns:mv="urn:schemas-microsoft-com:mac:vml" xmlns:p="http://schemas.openxmlformats.org/presentationml/2006/main" xmlns:c="http://schemas.openxmlformats.org/drawingml/2006/chart" xmlns:dgm="http://schemas.openxmlformats.org/drawingml/2006/diagram" xmlns:o="urn:schemas-microsoft-com:office:office" xmlns:v="urn:schemas-microsoft-com:vml" xmlns:pvml="urn:schemas-microsoft-com:office:powerpoint" xmlns:com="http://schemas.openxmlformats.org/drawingml/2006/compatibility" xmlns:p14="http://schemas.microsoft.com/office/powerpoint/2010/main" xmlns:p15="http://schemas.microsoft.com/office/powerpoint/2012/main" xmlns:ahyp="http://schemas.microsoft.com/office/drawing/2018/hyperlinkcolor">
   <p:cSld>
     <p:spTree>
       <p:nvGrpSpPr>
@@ -20337,7 +20343,7 @@
 </file>
 
 <file path=ppt/slides/slide24.xml><?xml version="1.0" encoding="utf-8"?>
-<p:sld xmlns:a="http://schemas.openxmlformats.org/drawingml/2006/main" xmlns:r="http://schemas.openxmlformats.org/officeDocument/2006/relationships" xmlns:mc="http://schemas.openxmlformats.org/markup-compatibility/2006" xmlns:mv="urn:schemas-microsoft-com:mac:vml" xmlns:p="http://schemas.openxmlformats.org/presentationml/2006/main" xmlns:c="http://schemas.openxmlformats.org/drawingml/2006/chart" xmlns:dgm="http://schemas.openxmlformats.org/drawingml/2006/diagram" xmlns:o="urn:schemas-microsoft-com:office:office" xmlns:v="urn:schemas-microsoft-com:vml" xmlns:pvml="urn:schemas-microsoft-com:office:powerpoint" xmlns:com="http://schemas.openxmlformats.org/drawingml/2006/compatibility" xmlns:p14="http://schemas.microsoft.com/office/powerpoint/2010/main" xmlns:p15="http://schemas.microsoft.com/office/powerpoint/2012/main">
+<p:sld xmlns:a="http://schemas.openxmlformats.org/drawingml/2006/main" xmlns:r="http://schemas.openxmlformats.org/officeDocument/2006/relationships" xmlns:mc="http://schemas.openxmlformats.org/markup-compatibility/2006" xmlns:mv="urn:schemas-microsoft-com:mac:vml" xmlns:p="http://schemas.openxmlformats.org/presentationml/2006/main" xmlns:c="http://schemas.openxmlformats.org/drawingml/2006/chart" xmlns:dgm="http://schemas.openxmlformats.org/drawingml/2006/diagram" xmlns:o="urn:schemas-microsoft-com:office:office" xmlns:v="urn:schemas-microsoft-com:vml" xmlns:pvml="urn:schemas-microsoft-com:office:powerpoint" xmlns:com="http://schemas.openxmlformats.org/drawingml/2006/compatibility" xmlns:p14="http://schemas.microsoft.com/office/powerpoint/2010/main" xmlns:p15="http://schemas.microsoft.com/office/powerpoint/2012/main" xmlns:ahyp="http://schemas.microsoft.com/office/drawing/2018/hyperlinkcolor">
   <p:cSld>
     <p:spTree>
       <p:nvGrpSpPr>
@@ -20504,7 +20510,7 @@
 </file>
 
 <file path=ppt/slides/slide25.xml><?xml version="1.0" encoding="utf-8"?>
-<p:sld xmlns:a="http://schemas.openxmlformats.org/drawingml/2006/main" xmlns:r="http://schemas.openxmlformats.org/officeDocument/2006/relationships" xmlns:mc="http://schemas.openxmlformats.org/markup-compatibility/2006" xmlns:mv="urn:schemas-microsoft-com:mac:vml" xmlns:p="http://schemas.openxmlformats.org/presentationml/2006/main" xmlns:c="http://schemas.openxmlformats.org/drawingml/2006/chart" xmlns:dgm="http://schemas.openxmlformats.org/drawingml/2006/diagram" xmlns:o="urn:schemas-microsoft-com:office:office" xmlns:v="urn:schemas-microsoft-com:vml" xmlns:pvml="urn:schemas-microsoft-com:office:powerpoint" xmlns:com="http://schemas.openxmlformats.org/drawingml/2006/compatibility" xmlns:p14="http://schemas.microsoft.com/office/powerpoint/2010/main" xmlns:p15="http://schemas.microsoft.com/office/powerpoint/2012/main">
+<p:sld xmlns:a="http://schemas.openxmlformats.org/drawingml/2006/main" xmlns:r="http://schemas.openxmlformats.org/officeDocument/2006/relationships" xmlns:mc="http://schemas.openxmlformats.org/markup-compatibility/2006" xmlns:mv="urn:schemas-microsoft-com:mac:vml" xmlns:p="http://schemas.openxmlformats.org/presentationml/2006/main" xmlns:c="http://schemas.openxmlformats.org/drawingml/2006/chart" xmlns:dgm="http://schemas.openxmlformats.org/drawingml/2006/diagram" xmlns:o="urn:schemas-microsoft-com:office:office" xmlns:v="urn:schemas-microsoft-com:vml" xmlns:pvml="urn:schemas-microsoft-com:office:powerpoint" xmlns:com="http://schemas.openxmlformats.org/drawingml/2006/compatibility" xmlns:p14="http://schemas.microsoft.com/office/powerpoint/2010/main" xmlns:p15="http://schemas.microsoft.com/office/powerpoint/2012/main" xmlns:ahyp="http://schemas.microsoft.com/office/drawing/2018/hyperlinkcolor">
   <p:cSld>
     <p:spTree>
       <p:nvGrpSpPr>
@@ -20578,7 +20584,7 @@
 </file>
 
 <file path=ppt/slides/slide3.xml><?xml version="1.0" encoding="utf-8"?>
-<p:sld xmlns:a="http://schemas.openxmlformats.org/drawingml/2006/main" xmlns:r="http://schemas.openxmlformats.org/officeDocument/2006/relationships" xmlns:mc="http://schemas.openxmlformats.org/markup-compatibility/2006" xmlns:mv="urn:schemas-microsoft-com:mac:vml" xmlns:p="http://schemas.openxmlformats.org/presentationml/2006/main" xmlns:c="http://schemas.openxmlformats.org/drawingml/2006/chart" xmlns:dgm="http://schemas.openxmlformats.org/drawingml/2006/diagram" xmlns:o="urn:schemas-microsoft-com:office:office" xmlns:v="urn:schemas-microsoft-com:vml" xmlns:pvml="urn:schemas-microsoft-com:office:powerpoint" xmlns:com="http://schemas.openxmlformats.org/drawingml/2006/compatibility" xmlns:p14="http://schemas.microsoft.com/office/powerpoint/2010/main" xmlns:p15="http://schemas.microsoft.com/office/powerpoint/2012/main">
+<p:sld xmlns:a="http://schemas.openxmlformats.org/drawingml/2006/main" xmlns:r="http://schemas.openxmlformats.org/officeDocument/2006/relationships" xmlns:mc="http://schemas.openxmlformats.org/markup-compatibility/2006" xmlns:mv="urn:schemas-microsoft-com:mac:vml" xmlns:p="http://schemas.openxmlformats.org/presentationml/2006/main" xmlns:c="http://schemas.openxmlformats.org/drawingml/2006/chart" xmlns:dgm="http://schemas.openxmlformats.org/drawingml/2006/diagram" xmlns:o="urn:schemas-microsoft-com:office:office" xmlns:v="urn:schemas-microsoft-com:vml" xmlns:pvml="urn:schemas-microsoft-com:office:powerpoint" xmlns:com="http://schemas.openxmlformats.org/drawingml/2006/compatibility" xmlns:p14="http://schemas.microsoft.com/office/powerpoint/2010/main" xmlns:p15="http://schemas.microsoft.com/office/powerpoint/2012/main" xmlns:ahyp="http://schemas.microsoft.com/office/drawing/2018/hyperlinkcolor">
   <p:cSld>
     <p:spTree>
       <p:nvGrpSpPr>
@@ -20744,7 +20750,7 @@
 </file>
 
 <file path=ppt/slides/slide4.xml><?xml version="1.0" encoding="utf-8"?>
-<p:sld xmlns:a="http://schemas.openxmlformats.org/drawingml/2006/main" xmlns:r="http://schemas.openxmlformats.org/officeDocument/2006/relationships" xmlns:mc="http://schemas.openxmlformats.org/markup-compatibility/2006" xmlns:mv="urn:schemas-microsoft-com:mac:vml" xmlns:p="http://schemas.openxmlformats.org/presentationml/2006/main" xmlns:c="http://schemas.openxmlformats.org/drawingml/2006/chart" xmlns:dgm="http://schemas.openxmlformats.org/drawingml/2006/diagram" xmlns:o="urn:schemas-microsoft-com:office:office" xmlns:v="urn:schemas-microsoft-com:vml" xmlns:pvml="urn:schemas-microsoft-com:office:powerpoint" xmlns:com="http://schemas.openxmlformats.org/drawingml/2006/compatibility" xmlns:p14="http://schemas.microsoft.com/office/powerpoint/2010/main" xmlns:p15="http://schemas.microsoft.com/office/powerpoint/2012/main">
+<p:sld xmlns:a="http://schemas.openxmlformats.org/drawingml/2006/main" xmlns:r="http://schemas.openxmlformats.org/officeDocument/2006/relationships" xmlns:mc="http://schemas.openxmlformats.org/markup-compatibility/2006" xmlns:mv="urn:schemas-microsoft-com:mac:vml" xmlns:p="http://schemas.openxmlformats.org/presentationml/2006/main" xmlns:c="http://schemas.openxmlformats.org/drawingml/2006/chart" xmlns:dgm="http://schemas.openxmlformats.org/drawingml/2006/diagram" xmlns:o="urn:schemas-microsoft-com:office:office" xmlns:v="urn:schemas-microsoft-com:vml" xmlns:pvml="urn:schemas-microsoft-com:office:powerpoint" xmlns:com="http://schemas.openxmlformats.org/drawingml/2006/compatibility" xmlns:p14="http://schemas.microsoft.com/office/powerpoint/2010/main" xmlns:p15="http://schemas.microsoft.com/office/powerpoint/2012/main" xmlns:ahyp="http://schemas.microsoft.com/office/drawing/2018/hyperlinkcolor">
   <p:cSld>
     <p:spTree>
       <p:nvGrpSpPr>
@@ -20903,7 +20909,7 @@
 </file>
 
 <file path=ppt/slides/slide5.xml><?xml version="1.0" encoding="utf-8"?>
-<p:sld xmlns:a="http://schemas.openxmlformats.org/drawingml/2006/main" xmlns:r="http://schemas.openxmlformats.org/officeDocument/2006/relationships" xmlns:mc="http://schemas.openxmlformats.org/markup-compatibility/2006" xmlns:mv="urn:schemas-microsoft-com:mac:vml" xmlns:p="http://schemas.openxmlformats.org/presentationml/2006/main" xmlns:c="http://schemas.openxmlformats.org/drawingml/2006/chart" xmlns:dgm="http://schemas.openxmlformats.org/drawingml/2006/diagram" xmlns:o="urn:schemas-microsoft-com:office:office" xmlns:v="urn:schemas-microsoft-com:vml" xmlns:pvml="urn:schemas-microsoft-com:office:powerpoint" xmlns:com="http://schemas.openxmlformats.org/drawingml/2006/compatibility" xmlns:p14="http://schemas.microsoft.com/office/powerpoint/2010/main" xmlns:p15="http://schemas.microsoft.com/office/powerpoint/2012/main">
+<p:sld xmlns:a="http://schemas.openxmlformats.org/drawingml/2006/main" xmlns:r="http://schemas.openxmlformats.org/officeDocument/2006/relationships" xmlns:mc="http://schemas.openxmlformats.org/markup-compatibility/2006" xmlns:mv="urn:schemas-microsoft-com:mac:vml" xmlns:p="http://schemas.openxmlformats.org/presentationml/2006/main" xmlns:c="http://schemas.openxmlformats.org/drawingml/2006/chart" xmlns:dgm="http://schemas.openxmlformats.org/drawingml/2006/diagram" xmlns:o="urn:schemas-microsoft-com:office:office" xmlns:v="urn:schemas-microsoft-com:vml" xmlns:pvml="urn:schemas-microsoft-com:office:powerpoint" xmlns:com="http://schemas.openxmlformats.org/drawingml/2006/compatibility" xmlns:p14="http://schemas.microsoft.com/office/powerpoint/2010/main" xmlns:p15="http://schemas.microsoft.com/office/powerpoint/2012/main" xmlns:ahyp="http://schemas.microsoft.com/office/drawing/2018/hyperlinkcolor">
   <p:cSld>
     <p:spTree>
       <p:nvGrpSpPr>
@@ -21069,7 +21075,7 @@
 </file>
 
 <file path=ppt/slides/slide6.xml><?xml version="1.0" encoding="utf-8"?>
-<p:sld xmlns:a="http://schemas.openxmlformats.org/drawingml/2006/main" xmlns:r="http://schemas.openxmlformats.org/officeDocument/2006/relationships" xmlns:mc="http://schemas.openxmlformats.org/markup-compatibility/2006" xmlns:mv="urn:schemas-microsoft-com:mac:vml" xmlns:p="http://schemas.openxmlformats.org/presentationml/2006/main" xmlns:c="http://schemas.openxmlformats.org/drawingml/2006/chart" xmlns:dgm="http://schemas.openxmlformats.org/drawingml/2006/diagram" xmlns:o="urn:schemas-microsoft-com:office:office" xmlns:v="urn:schemas-microsoft-com:vml" xmlns:pvml="urn:schemas-microsoft-com:office:powerpoint" xmlns:com="http://schemas.openxmlformats.org/drawingml/2006/compatibility" xmlns:p14="http://schemas.microsoft.com/office/powerpoint/2010/main" xmlns:p15="http://schemas.microsoft.com/office/powerpoint/2012/main">
+<p:sld xmlns:a="http://schemas.openxmlformats.org/drawingml/2006/main" xmlns:r="http://schemas.openxmlformats.org/officeDocument/2006/relationships" xmlns:mc="http://schemas.openxmlformats.org/markup-compatibility/2006" xmlns:mv="urn:schemas-microsoft-com:mac:vml" xmlns:p="http://schemas.openxmlformats.org/presentationml/2006/main" xmlns:c="http://schemas.openxmlformats.org/drawingml/2006/chart" xmlns:dgm="http://schemas.openxmlformats.org/drawingml/2006/diagram" xmlns:o="urn:schemas-microsoft-com:office:office" xmlns:v="urn:schemas-microsoft-com:vml" xmlns:pvml="urn:schemas-microsoft-com:office:powerpoint" xmlns:com="http://schemas.openxmlformats.org/drawingml/2006/compatibility" xmlns:p14="http://schemas.microsoft.com/office/powerpoint/2010/main" xmlns:p15="http://schemas.microsoft.com/office/powerpoint/2012/main" xmlns:ahyp="http://schemas.microsoft.com/office/drawing/2018/hyperlinkcolor">
   <p:cSld>
     <p:spTree>
       <p:nvGrpSpPr>
@@ -21228,7 +21234,7 @@
 </file>
 
 <file path=ppt/slides/slide7.xml><?xml version="1.0" encoding="utf-8"?>
-<p:sld xmlns:a="http://schemas.openxmlformats.org/drawingml/2006/main" xmlns:r="http://schemas.openxmlformats.org/officeDocument/2006/relationships" xmlns:mc="http://schemas.openxmlformats.org/markup-compatibility/2006" xmlns:mv="urn:schemas-microsoft-com:mac:vml" xmlns:p="http://schemas.openxmlformats.org/presentationml/2006/main" xmlns:c="http://schemas.openxmlformats.org/drawingml/2006/chart" xmlns:dgm="http://schemas.openxmlformats.org/drawingml/2006/diagram" xmlns:o="urn:schemas-microsoft-com:office:office" xmlns:v="urn:schemas-microsoft-com:vml" xmlns:pvml="urn:schemas-microsoft-com:office:powerpoint" xmlns:com="http://schemas.openxmlformats.org/drawingml/2006/compatibility" xmlns:p14="http://schemas.microsoft.com/office/powerpoint/2010/main" xmlns:p15="http://schemas.microsoft.com/office/powerpoint/2012/main">
+<p:sld xmlns:a="http://schemas.openxmlformats.org/drawingml/2006/main" xmlns:r="http://schemas.openxmlformats.org/officeDocument/2006/relationships" xmlns:mc="http://schemas.openxmlformats.org/markup-compatibility/2006" xmlns:mv="urn:schemas-microsoft-com:mac:vml" xmlns:p="http://schemas.openxmlformats.org/presentationml/2006/main" xmlns:c="http://schemas.openxmlformats.org/drawingml/2006/chart" xmlns:dgm="http://schemas.openxmlformats.org/drawingml/2006/diagram" xmlns:o="urn:schemas-microsoft-com:office:office" xmlns:v="urn:schemas-microsoft-com:vml" xmlns:pvml="urn:schemas-microsoft-com:office:powerpoint" xmlns:com="http://schemas.openxmlformats.org/drawingml/2006/compatibility" xmlns:p14="http://schemas.microsoft.com/office/powerpoint/2010/main" xmlns:p15="http://schemas.microsoft.com/office/powerpoint/2012/main" xmlns:ahyp="http://schemas.microsoft.com/office/drawing/2018/hyperlinkcolor">
   <p:cSld>
     <p:spTree>
       <p:nvGrpSpPr>
@@ -21499,7 +21505,7 @@
 </file>
 
 <file path=ppt/slides/slide8.xml><?xml version="1.0" encoding="utf-8"?>
-<p:sld xmlns:a="http://schemas.openxmlformats.org/drawingml/2006/main" xmlns:r="http://schemas.openxmlformats.org/officeDocument/2006/relationships" xmlns:mc="http://schemas.openxmlformats.org/markup-compatibility/2006" xmlns:mv="urn:schemas-microsoft-com:mac:vml" xmlns:p="http://schemas.openxmlformats.org/presentationml/2006/main" xmlns:c="http://schemas.openxmlformats.org/drawingml/2006/chart" xmlns:dgm="http://schemas.openxmlformats.org/drawingml/2006/diagram" xmlns:o="urn:schemas-microsoft-com:office:office" xmlns:v="urn:schemas-microsoft-com:vml" xmlns:pvml="urn:schemas-microsoft-com:office:powerpoint" xmlns:com="http://schemas.openxmlformats.org/drawingml/2006/compatibility" xmlns:p14="http://schemas.microsoft.com/office/powerpoint/2010/main" xmlns:p15="http://schemas.microsoft.com/office/powerpoint/2012/main">
+<p:sld xmlns:a="http://schemas.openxmlformats.org/drawingml/2006/main" xmlns:r="http://schemas.openxmlformats.org/officeDocument/2006/relationships" xmlns:mc="http://schemas.openxmlformats.org/markup-compatibility/2006" xmlns:mv="urn:schemas-microsoft-com:mac:vml" xmlns:p="http://schemas.openxmlformats.org/presentationml/2006/main" xmlns:c="http://schemas.openxmlformats.org/drawingml/2006/chart" xmlns:dgm="http://schemas.openxmlformats.org/drawingml/2006/diagram" xmlns:o="urn:schemas-microsoft-com:office:office" xmlns:v="urn:schemas-microsoft-com:vml" xmlns:pvml="urn:schemas-microsoft-com:office:powerpoint" xmlns:com="http://schemas.openxmlformats.org/drawingml/2006/compatibility" xmlns:p14="http://schemas.microsoft.com/office/powerpoint/2010/main" xmlns:p15="http://schemas.microsoft.com/office/powerpoint/2012/main" xmlns:ahyp="http://schemas.microsoft.com/office/drawing/2018/hyperlinkcolor">
   <p:cSld>
     <p:spTree>
       <p:nvGrpSpPr>
@@ -21807,7 +21813,7 @@
 </file>
 
 <file path=ppt/slides/slide9.xml><?xml version="1.0" encoding="utf-8"?>
-<p:sld xmlns:a="http://schemas.openxmlformats.org/drawingml/2006/main" xmlns:r="http://schemas.openxmlformats.org/officeDocument/2006/relationships" xmlns:mc="http://schemas.openxmlformats.org/markup-compatibility/2006" xmlns:mv="urn:schemas-microsoft-com:mac:vml" xmlns:p="http://schemas.openxmlformats.org/presentationml/2006/main" xmlns:c="http://schemas.openxmlformats.org/drawingml/2006/chart" xmlns:dgm="http://schemas.openxmlformats.org/drawingml/2006/diagram" xmlns:o="urn:schemas-microsoft-com:office:office" xmlns:v="urn:schemas-microsoft-com:vml" xmlns:pvml="urn:schemas-microsoft-com:office:powerpoint" xmlns:com="http://schemas.openxmlformats.org/drawingml/2006/compatibility" xmlns:p14="http://schemas.microsoft.com/office/powerpoint/2010/main" xmlns:p15="http://schemas.microsoft.com/office/powerpoint/2012/main">
+<p:sld xmlns:a="http://schemas.openxmlformats.org/drawingml/2006/main" xmlns:r="http://schemas.openxmlformats.org/officeDocument/2006/relationships" xmlns:mc="http://schemas.openxmlformats.org/markup-compatibility/2006" xmlns:mv="urn:schemas-microsoft-com:mac:vml" xmlns:p="http://schemas.openxmlformats.org/presentationml/2006/main" xmlns:c="http://schemas.openxmlformats.org/drawingml/2006/chart" xmlns:dgm="http://schemas.openxmlformats.org/drawingml/2006/diagram" xmlns:o="urn:schemas-microsoft-com:office:office" xmlns:v="urn:schemas-microsoft-com:vml" xmlns:pvml="urn:schemas-microsoft-com:office:powerpoint" xmlns:com="http://schemas.openxmlformats.org/drawingml/2006/compatibility" xmlns:p14="http://schemas.microsoft.com/office/powerpoint/2010/main" xmlns:p15="http://schemas.microsoft.com/office/powerpoint/2012/main" xmlns:ahyp="http://schemas.microsoft.com/office/drawing/2018/hyperlinkcolor">
   <p:cSld>
     <p:spTree>
       <p:nvGrpSpPr>

--- a/pres-source/09-Cassandra.pptx
+++ b/pres-source/09-Cassandra.pptx
@@ -15325,7 +15325,7 @@
             </a:pPr>
             <a:r>
               <a:rPr lang="en-US" sz="2960"/>
-              <a:t>July 2020</a:t>
+              <a:t>July 2021</a:t>
             </a:r>
             <a:endParaRPr sz="2960"/>
           </a:p>
@@ -20935,8 +20935,8 @@
         </p:nvSpPr>
         <p:spPr>
           <a:xfrm>
-            <a:off x="457200" y="274638"/>
-            <a:ext cx="8229600" cy="1143000"/>
+            <a:off x="457200" y="274652"/>
+            <a:ext cx="8229600" cy="1299900"/>
           </a:xfrm>
           <a:prstGeom prst="rect">
             <a:avLst/>
@@ -20977,7 +20977,28 @@
               <a:rPr lang="en-US" sz="2430"/>
               <a:t>In Amazon EC2</a:t>
             </a:r>
-            <a:endParaRPr sz="3959"/>
+            <a:endParaRPr sz="2430"/>
+          </a:p>
+          <a:p>
+            <a:pPr indent="0" lvl="0" marL="0" rtl="0" algn="ctr">
+              <a:spcBef>
+                <a:spcPts val="0"/>
+              </a:spcBef>
+              <a:spcAft>
+                <a:spcPts val="0"/>
+              </a:spcAft>
+              <a:buClr>
+                <a:schemeClr val="dk1"/>
+              </a:buClr>
+              <a:buSzPts val="3959"/>
+              <a:buFont typeface="Montserrat"/>
+              <a:buNone/>
+            </a:pPr>
+            <a:r>
+              <a:rPr lang="en-US" sz="2430"/>
+              <a:t>From Netflix</a:t>
+            </a:r>
+            <a:endParaRPr sz="2430"/>
           </a:p>
         </p:txBody>
       </p:sp>
@@ -20996,8 +21017,8 @@
         </p:blipFill>
         <p:spPr>
           <a:xfrm>
-            <a:off x="0" y="1417638"/>
-            <a:ext cx="9144000" cy="5231699"/>
+            <a:off x="0" y="1646238"/>
+            <a:ext cx="9144001" cy="5231699"/>
           </a:xfrm>
           <a:prstGeom prst="rect">
             <a:avLst/>

--- a/pres-source/09-Cassandra.pptx
+++ b/pres-source/09-Cassandra.pptx
@@ -1,6 +1,6 @@
 
 <file path=ppt/presentation.xml><?xml version="1.0" encoding="utf-8"?>
-<p:presentation xmlns:a="http://schemas.openxmlformats.org/drawingml/2006/main" xmlns:r="http://schemas.openxmlformats.org/officeDocument/2006/relationships" xmlns:mc="http://schemas.openxmlformats.org/markup-compatibility/2006" xmlns:mv="urn:schemas-microsoft-com:mac:vml" xmlns:p="http://schemas.openxmlformats.org/presentationml/2006/main" xmlns:c="http://schemas.openxmlformats.org/drawingml/2006/chart" xmlns:dgm="http://schemas.openxmlformats.org/drawingml/2006/diagram" xmlns:o="urn:schemas-microsoft-com:office:office" xmlns:v="urn:schemas-microsoft-com:vml" xmlns:pvml="urn:schemas-microsoft-com:office:powerpoint" xmlns:com="http://schemas.openxmlformats.org/drawingml/2006/compatibility" xmlns:p14="http://schemas.microsoft.com/office/powerpoint/2010/main" xmlns:p15="http://schemas.microsoft.com/office/powerpoint/2012/main" xmlns:ahyp="http://schemas.microsoft.com/office/drawing/2018/hyperlinkcolor" autoCompressPictures="0" embedTrueTypeFonts="1" strictFirstAndLastChars="0" saveSubsetFonts="1">
+<p:presentation xmlns:a="http://schemas.openxmlformats.org/drawingml/2006/main" xmlns:r="http://schemas.openxmlformats.org/officeDocument/2006/relationships" xmlns:mc="http://schemas.openxmlformats.org/markup-compatibility/2006" xmlns:mv="urn:schemas-microsoft-com:mac:vml" xmlns:p="http://schemas.openxmlformats.org/presentationml/2006/main" xmlns:c="http://schemas.openxmlformats.org/drawingml/2006/chart" xmlns:dgm="http://schemas.openxmlformats.org/drawingml/2006/diagram" xmlns:o="urn:schemas-microsoft-com:office:office" xmlns:v="urn:schemas-microsoft-com:vml" xmlns:pvml="urn:schemas-microsoft-com:office:powerpoint" xmlns:com="http://schemas.openxmlformats.org/drawingml/2006/compatibility" xmlns:p14="http://schemas.microsoft.com/office/powerpoint/2010/main" xmlns:p15="http://schemas.microsoft.com/office/powerpoint/2012/main" xmlns:ahyp="http://schemas.microsoft.com/office/drawing/2018/hyperlinkcolor" autoCompressPictures="0" strictFirstAndLastChars="0" saveSubsetFonts="1">
   <p:sldMasterIdLst>
     <p:sldMasterId id="2147483659" r:id="rId4"/>
   </p:sldMasterIdLst>
@@ -36,15 +36,6 @@
   </p:sldIdLst>
   <p:sldSz cy="6858000" cx="9144000"/>
   <p:notesSz cx="6858000" cy="9144000"/>
-  <p:embeddedFontLst>
-    <p:embeddedFont>
-      <p:font typeface="Montserrat"/>
-      <p:regular r:id="rId31"/>
-      <p:bold r:id="rId32"/>
-      <p:italic r:id="rId33"/>
-      <p:boldItalic r:id="rId34"/>
-    </p:embeddedFont>
-  </p:embeddedFontLst>
   <p:defaultTextStyle>
     <a:defPPr lvl="0" marR="0" rtl="0" algn="l">
       <a:lnSpc>

--- a/pres-source/09-Cassandra.pptx
+++ b/pres-source/09-Cassandra.pptx
@@ -1,6 +1,6 @@
 
 <file path=ppt/presentation.xml><?xml version="1.0" encoding="utf-8"?>
-<p:presentation xmlns:a="http://schemas.openxmlformats.org/drawingml/2006/main" xmlns:r="http://schemas.openxmlformats.org/officeDocument/2006/relationships" xmlns:mc="http://schemas.openxmlformats.org/markup-compatibility/2006" xmlns:mv="urn:schemas-microsoft-com:mac:vml" xmlns:p="http://schemas.openxmlformats.org/presentationml/2006/main" xmlns:c="http://schemas.openxmlformats.org/drawingml/2006/chart" xmlns:dgm="http://schemas.openxmlformats.org/drawingml/2006/diagram" xmlns:o="urn:schemas-microsoft-com:office:office" xmlns:v="urn:schemas-microsoft-com:vml" xmlns:pvml="urn:schemas-microsoft-com:office:powerpoint" xmlns:com="http://schemas.openxmlformats.org/drawingml/2006/compatibility" xmlns:p14="http://schemas.microsoft.com/office/powerpoint/2010/main" xmlns:p15="http://schemas.microsoft.com/office/powerpoint/2012/main" xmlns:ahyp="http://schemas.microsoft.com/office/drawing/2018/hyperlinkcolor" autoCompressPictures="0" strictFirstAndLastChars="0" saveSubsetFonts="1">
+<p:presentation xmlns:a="http://schemas.openxmlformats.org/drawingml/2006/main" xmlns:r="http://schemas.openxmlformats.org/officeDocument/2006/relationships" xmlns:mc="http://schemas.openxmlformats.org/markup-compatibility/2006" xmlns:mv="urn:schemas-microsoft-com:mac:vml" xmlns:p="http://schemas.openxmlformats.org/presentationml/2006/main" xmlns:c="http://schemas.openxmlformats.org/drawingml/2006/chart" xmlns:dgm="http://schemas.openxmlformats.org/drawingml/2006/diagram" xmlns:o="urn:schemas-microsoft-com:office:office" xmlns:v="urn:schemas-microsoft-com:vml" xmlns:pvml="urn:schemas-microsoft-com:office:powerpoint" xmlns:com="http://schemas.openxmlformats.org/drawingml/2006/compatibility" xmlns:p14="http://schemas.microsoft.com/office/powerpoint/2010/main" xmlns:p15="http://schemas.microsoft.com/office/powerpoint/2012/main" xmlns:ahyp="http://schemas.microsoft.com/office/drawing/2018/hyperlinkcolor" autoCompressPictures="0" embedTrueTypeFonts="1" strictFirstAndLastChars="0" saveSubsetFonts="1">
   <p:sldMasterIdLst>
     <p:sldMasterId id="2147483659" r:id="rId4"/>
   </p:sldMasterIdLst>
@@ -36,6 +36,15 @@
   </p:sldIdLst>
   <p:sldSz cy="6858000" cx="9144000"/>
   <p:notesSz cx="6858000" cy="9144000"/>
+  <p:embeddedFontLst>
+    <p:embeddedFont>
+      <p:font typeface="Montserrat"/>
+      <p:regular r:id="rId31"/>
+      <p:bold r:id="rId32"/>
+      <p:italic r:id="rId33"/>
+      <p:boldItalic r:id="rId34"/>
+    </p:embeddedFont>
+  </p:embeddedFontLst>
   <p:defaultTextStyle>
     <a:defPPr lvl="0" marR="0" rtl="0" algn="l">
       <a:lnSpc>
